--- a/img/Env.pptx
+++ b/img/Env.pptx
@@ -104,6 +104,11 @@
       </a:defRPr>
     </a:lvl9pPr>
   </p:defaultTextStyle>
+  <p:extLst>
+    <p:ext uri="{EFAFB233-063F-42B5-8137-9DF3F51BA10A}">
+      <p15:sldGuideLst xmlns:p15="http://schemas.microsoft.com/office/powerpoint/2012/main"/>
+    </p:ext>
+  </p:extLst>
 </p:presentation>
 </file>
 
@@ -254,7 +259,7 @@
           <a:p>
             <a:fld id="{A9D23C55-2B29-4EC3-B6FF-7E0621715BAD}" type="datetimeFigureOut">
               <a:rPr lang="ko-KR" altLang="en-US" smtClean="0"/>
-              <a:t>2021-11-29</a:t>
+              <a:t>2021. 12. 4.</a:t>
             </a:fld>
             <a:endParaRPr lang="ko-KR" altLang="en-US"/>
           </a:p>
@@ -452,7 +457,7 @@
           <a:p>
             <a:fld id="{A9D23C55-2B29-4EC3-B6FF-7E0621715BAD}" type="datetimeFigureOut">
               <a:rPr lang="ko-KR" altLang="en-US" smtClean="0"/>
-              <a:t>2021-11-29</a:t>
+              <a:t>2021. 12. 4.</a:t>
             </a:fld>
             <a:endParaRPr lang="ko-KR" altLang="en-US"/>
           </a:p>
@@ -660,7 +665,7 @@
           <a:p>
             <a:fld id="{A9D23C55-2B29-4EC3-B6FF-7E0621715BAD}" type="datetimeFigureOut">
               <a:rPr lang="ko-KR" altLang="en-US" smtClean="0"/>
-              <a:t>2021-11-29</a:t>
+              <a:t>2021. 12. 4.</a:t>
             </a:fld>
             <a:endParaRPr lang="ko-KR" altLang="en-US"/>
           </a:p>
@@ -858,7 +863,7 @@
           <a:p>
             <a:fld id="{A9D23C55-2B29-4EC3-B6FF-7E0621715BAD}" type="datetimeFigureOut">
               <a:rPr lang="ko-KR" altLang="en-US" smtClean="0"/>
-              <a:t>2021-11-29</a:t>
+              <a:t>2021. 12. 4.</a:t>
             </a:fld>
             <a:endParaRPr lang="ko-KR" altLang="en-US"/>
           </a:p>
@@ -1133,7 +1138,7 @@
           <a:p>
             <a:fld id="{A9D23C55-2B29-4EC3-B6FF-7E0621715BAD}" type="datetimeFigureOut">
               <a:rPr lang="ko-KR" altLang="en-US" smtClean="0"/>
-              <a:t>2021-11-29</a:t>
+              <a:t>2021. 12. 4.</a:t>
             </a:fld>
             <a:endParaRPr lang="ko-KR" altLang="en-US"/>
           </a:p>
@@ -1398,7 +1403,7 @@
           <a:p>
             <a:fld id="{A9D23C55-2B29-4EC3-B6FF-7E0621715BAD}" type="datetimeFigureOut">
               <a:rPr lang="ko-KR" altLang="en-US" smtClean="0"/>
-              <a:t>2021-11-29</a:t>
+              <a:t>2021. 12. 4.</a:t>
             </a:fld>
             <a:endParaRPr lang="ko-KR" altLang="en-US"/>
           </a:p>
@@ -1810,7 +1815,7 @@
           <a:p>
             <a:fld id="{A9D23C55-2B29-4EC3-B6FF-7E0621715BAD}" type="datetimeFigureOut">
               <a:rPr lang="ko-KR" altLang="en-US" smtClean="0"/>
-              <a:t>2021-11-29</a:t>
+              <a:t>2021. 12. 4.</a:t>
             </a:fld>
             <a:endParaRPr lang="ko-KR" altLang="en-US"/>
           </a:p>
@@ -1951,7 +1956,7 @@
           <a:p>
             <a:fld id="{A9D23C55-2B29-4EC3-B6FF-7E0621715BAD}" type="datetimeFigureOut">
               <a:rPr lang="ko-KR" altLang="en-US" smtClean="0"/>
-              <a:t>2021-11-29</a:t>
+              <a:t>2021. 12. 4.</a:t>
             </a:fld>
             <a:endParaRPr lang="ko-KR" altLang="en-US"/>
           </a:p>
@@ -2064,7 +2069,7 @@
           <a:p>
             <a:fld id="{A9D23C55-2B29-4EC3-B6FF-7E0621715BAD}" type="datetimeFigureOut">
               <a:rPr lang="ko-KR" altLang="en-US" smtClean="0"/>
-              <a:t>2021-11-29</a:t>
+              <a:t>2021. 12. 4.</a:t>
             </a:fld>
             <a:endParaRPr lang="ko-KR" altLang="en-US"/>
           </a:p>
@@ -2375,7 +2380,7 @@
           <a:p>
             <a:fld id="{A9D23C55-2B29-4EC3-B6FF-7E0621715BAD}" type="datetimeFigureOut">
               <a:rPr lang="ko-KR" altLang="en-US" smtClean="0"/>
-              <a:t>2021-11-29</a:t>
+              <a:t>2021. 12. 4.</a:t>
             </a:fld>
             <a:endParaRPr lang="ko-KR" altLang="en-US"/>
           </a:p>
@@ -2663,7 +2668,7 @@
           <a:p>
             <a:fld id="{A9D23C55-2B29-4EC3-B6FF-7E0621715BAD}" type="datetimeFigureOut">
               <a:rPr lang="ko-KR" altLang="en-US" smtClean="0"/>
-              <a:t>2021-11-29</a:t>
+              <a:t>2021. 12. 4.</a:t>
             </a:fld>
             <a:endParaRPr lang="ko-KR" altLang="en-US"/>
           </a:p>
@@ -2904,7 +2909,7 @@
           <a:p>
             <a:fld id="{A9D23C55-2B29-4EC3-B6FF-7E0621715BAD}" type="datetimeFigureOut">
               <a:rPr lang="ko-KR" altLang="en-US" smtClean="0"/>
-              <a:t>2021-11-29</a:t>
+              <a:t>2021. 12. 4.</a:t>
             </a:fld>
             <a:endParaRPr lang="ko-KR" altLang="en-US"/>
           </a:p>
@@ -3336,13 +3341,13 @@
           <p:nvPr>
             <p:extLst>
               <p:ext uri="{D42A27DB-BD31-4B8C-83A1-F6EECF244321}">
-                <p14:modId xmlns:p14="http://schemas.microsoft.com/office/powerpoint/2010/main" val="182714124"/>
+                <p14:modId xmlns:p14="http://schemas.microsoft.com/office/powerpoint/2010/main" val="961841969"/>
               </p:ext>
             </p:extLst>
           </p:nvPr>
         </p:nvGraphicFramePr>
         <p:xfrm>
-          <a:off x="2891969" y="389568"/>
+          <a:off x="2891969" y="543947"/>
           <a:ext cx="6408061" cy="5770105"/>
         </p:xfrm>
         <a:graphic>
@@ -10534,7 +10539,7 @@
         </p:blipFill>
         <p:spPr bwMode="auto">
           <a:xfrm>
-            <a:off x="5880448" y="5673499"/>
+            <a:off x="5880448" y="5827878"/>
             <a:ext cx="431101" cy="454167"/>
           </a:xfrm>
           <a:prstGeom prst="rect">
@@ -10566,7 +10571,7 @@
         </p:nvCxnSpPr>
         <p:spPr>
           <a:xfrm>
-            <a:off x="4286994" y="3788228"/>
+            <a:off x="4286994" y="3942607"/>
             <a:ext cx="3621974" cy="0"/>
           </a:xfrm>
           <a:prstGeom prst="straightConnector1">
@@ -10625,7 +10630,7 @@
         </p:blipFill>
         <p:spPr bwMode="auto">
           <a:xfrm>
-            <a:off x="5870305" y="3566643"/>
+            <a:off x="5870305" y="3721022"/>
             <a:ext cx="461800" cy="454167"/>
           </a:xfrm>
           <a:prstGeom prst="rect">
@@ -10659,7 +10664,7 @@
         </p:nvCxnSpPr>
         <p:spPr>
           <a:xfrm>
-            <a:off x="5382491" y="1161802"/>
+            <a:off x="5382491" y="1316181"/>
             <a:ext cx="1427017" cy="0"/>
           </a:xfrm>
           <a:prstGeom prst="straightConnector1">
@@ -10716,7 +10721,7 @@
         </p:blipFill>
         <p:spPr bwMode="auto">
           <a:xfrm>
-            <a:off x="5851066" y="961737"/>
+            <a:off x="5851066" y="1116116"/>
             <a:ext cx="492914" cy="454168"/>
           </a:xfrm>
           <a:prstGeom prst="rect">
@@ -10763,7 +10768,7 @@
         </p:blipFill>
         <p:spPr bwMode="auto">
           <a:xfrm>
-            <a:off x="2951347" y="416941"/>
+            <a:off x="2951347" y="571320"/>
             <a:ext cx="461289" cy="444022"/>
           </a:xfrm>
           <a:prstGeom prst="rect">
@@ -10810,7 +10815,7 @@
         </p:blipFill>
         <p:spPr bwMode="auto">
           <a:xfrm>
-            <a:off x="8779366" y="416941"/>
+            <a:off x="8779366" y="571320"/>
             <a:ext cx="461289" cy="444022"/>
           </a:xfrm>
           <a:prstGeom prst="rect">
@@ -10842,7 +10847,7 @@
         </p:nvSpPr>
         <p:spPr>
           <a:xfrm>
-            <a:off x="5465836" y="5842643"/>
+            <a:off x="5465836" y="5997022"/>
             <a:ext cx="115878" cy="115878"/>
           </a:xfrm>
           <a:prstGeom prst="ellipse">
@@ -10897,7 +10902,7 @@
         </p:nvSpPr>
         <p:spPr>
           <a:xfrm>
-            <a:off x="4875286" y="5842643"/>
+            <a:off x="4875286" y="5997022"/>
             <a:ext cx="115878" cy="115878"/>
           </a:xfrm>
           <a:prstGeom prst="ellipse">
@@ -10952,7 +10957,7 @@
         </p:nvSpPr>
         <p:spPr>
           <a:xfrm>
-            <a:off x="4286994" y="5842643"/>
+            <a:off x="4286994" y="5997022"/>
             <a:ext cx="115878" cy="115878"/>
           </a:xfrm>
           <a:prstGeom prst="ellipse">
@@ -11007,7 +11012,7 @@
         </p:nvSpPr>
         <p:spPr>
           <a:xfrm>
-            <a:off x="3702211" y="5842643"/>
+            <a:off x="3702211" y="5997022"/>
             <a:ext cx="115878" cy="115878"/>
           </a:xfrm>
           <a:prstGeom prst="ellipse">
@@ -11062,7 +11067,7 @@
         </p:nvSpPr>
         <p:spPr>
           <a:xfrm>
-            <a:off x="3123273" y="5842643"/>
+            <a:off x="3123273" y="5997022"/>
             <a:ext cx="115878" cy="115878"/>
           </a:xfrm>
           <a:prstGeom prst="ellipse">
@@ -11117,7 +11122,7 @@
         </p:nvSpPr>
         <p:spPr>
           <a:xfrm>
-            <a:off x="8952846" y="5842643"/>
+            <a:off x="8952846" y="5997022"/>
             <a:ext cx="115878" cy="115878"/>
           </a:xfrm>
           <a:prstGeom prst="ellipse">
@@ -11172,7 +11177,7 @@
         </p:nvSpPr>
         <p:spPr>
           <a:xfrm>
-            <a:off x="8362296" y="5842643"/>
+            <a:off x="8362296" y="5997022"/>
             <a:ext cx="115878" cy="115878"/>
           </a:xfrm>
           <a:prstGeom prst="ellipse">
@@ -11227,7 +11232,7 @@
         </p:nvSpPr>
         <p:spPr>
           <a:xfrm>
-            <a:off x="7774004" y="5842643"/>
+            <a:off x="7774004" y="5997022"/>
             <a:ext cx="115878" cy="115878"/>
           </a:xfrm>
           <a:prstGeom prst="ellipse">
@@ -11282,7 +11287,7 @@
         </p:nvSpPr>
         <p:spPr>
           <a:xfrm>
-            <a:off x="7189221" y="5842643"/>
+            <a:off x="7189221" y="5997022"/>
             <a:ext cx="115878" cy="115878"/>
           </a:xfrm>
           <a:prstGeom prst="ellipse">
@@ -11337,7 +11342,7 @@
         </p:nvSpPr>
         <p:spPr>
           <a:xfrm>
-            <a:off x="6610283" y="5842643"/>
+            <a:off x="6610283" y="5997022"/>
             <a:ext cx="115878" cy="115878"/>
           </a:xfrm>
           <a:prstGeom prst="ellipse">
@@ -11392,7 +11397,7 @@
         </p:nvGrpSpPr>
         <p:grpSpPr>
           <a:xfrm>
-            <a:off x="8952846" y="3213095"/>
+            <a:off x="8952846" y="3367474"/>
             <a:ext cx="115878" cy="2211734"/>
             <a:chOff x="8952846" y="3213095"/>
             <a:chExt cx="115878" cy="2211734"/>
@@ -11688,7 +11693,7 @@
         </p:nvSpPr>
         <p:spPr>
           <a:xfrm>
-            <a:off x="8373908" y="572102"/>
+            <a:off x="8373908" y="726481"/>
             <a:ext cx="115878" cy="115878"/>
           </a:xfrm>
           <a:prstGeom prst="ellipse">
@@ -11743,7 +11748,7 @@
         </p:nvSpPr>
         <p:spPr>
           <a:xfrm>
-            <a:off x="7783358" y="572102"/>
+            <a:off x="7783358" y="726481"/>
             <a:ext cx="115878" cy="115878"/>
           </a:xfrm>
           <a:prstGeom prst="ellipse">
@@ -11798,7 +11803,7 @@
         </p:nvSpPr>
         <p:spPr>
           <a:xfrm>
-            <a:off x="7195066" y="572102"/>
+            <a:off x="7195066" y="726481"/>
             <a:ext cx="115878" cy="115878"/>
           </a:xfrm>
           <a:prstGeom prst="ellipse">
@@ -11853,7 +11858,7 @@
         </p:nvSpPr>
         <p:spPr>
           <a:xfrm>
-            <a:off x="6610283" y="572102"/>
+            <a:off x="6610283" y="726481"/>
             <a:ext cx="115878" cy="115878"/>
           </a:xfrm>
           <a:prstGeom prst="ellipse">
@@ -11908,7 +11913,7 @@
         </p:nvSpPr>
         <p:spPr>
           <a:xfrm>
-            <a:off x="5465836" y="582449"/>
+            <a:off x="5465836" y="736828"/>
             <a:ext cx="115878" cy="115878"/>
           </a:xfrm>
           <a:prstGeom prst="ellipse">
@@ -11963,7 +11968,7 @@
         </p:nvSpPr>
         <p:spPr>
           <a:xfrm>
-            <a:off x="4875286" y="582449"/>
+            <a:off x="4875286" y="736828"/>
             <a:ext cx="115878" cy="115878"/>
           </a:xfrm>
           <a:prstGeom prst="ellipse">
@@ -12018,7 +12023,7 @@
         </p:nvSpPr>
         <p:spPr>
           <a:xfrm>
-            <a:off x="4286994" y="582449"/>
+            <a:off x="4286994" y="736828"/>
             <a:ext cx="115878" cy="115878"/>
           </a:xfrm>
           <a:prstGeom prst="ellipse">
@@ -12073,7 +12078,7 @@
         </p:nvSpPr>
         <p:spPr>
           <a:xfrm>
-            <a:off x="3702211" y="582449"/>
+            <a:off x="3702211" y="736828"/>
             <a:ext cx="115878" cy="115878"/>
           </a:xfrm>
           <a:prstGeom prst="ellipse">
@@ -12128,7 +12133,7 @@
         </p:nvSpPr>
         <p:spPr>
           <a:xfrm>
-            <a:off x="4886898" y="1636164"/>
+            <a:off x="4886898" y="1790543"/>
             <a:ext cx="115878" cy="115878"/>
           </a:xfrm>
           <a:prstGeom prst="ellipse">
@@ -12183,7 +12188,7 @@
         </p:nvSpPr>
         <p:spPr>
           <a:xfrm>
-            <a:off x="4296348" y="1636164"/>
+            <a:off x="4296348" y="1790543"/>
             <a:ext cx="115878" cy="115878"/>
           </a:xfrm>
           <a:prstGeom prst="ellipse">
@@ -12238,7 +12243,7 @@
         </p:nvSpPr>
         <p:spPr>
           <a:xfrm>
-            <a:off x="3708056" y="1636164"/>
+            <a:off x="3708056" y="1790543"/>
             <a:ext cx="115878" cy="115878"/>
           </a:xfrm>
           <a:prstGeom prst="ellipse">
@@ -12293,7 +12298,7 @@
         </p:nvSpPr>
         <p:spPr>
           <a:xfrm>
-            <a:off x="3123273" y="1636164"/>
+            <a:off x="3123273" y="1790543"/>
             <a:ext cx="115878" cy="115878"/>
           </a:xfrm>
           <a:prstGeom prst="ellipse">
@@ -12348,7 +12353,7 @@
         </p:nvSpPr>
         <p:spPr>
           <a:xfrm>
-            <a:off x="8373908" y="1645689"/>
+            <a:off x="8373908" y="1800068"/>
             <a:ext cx="115878" cy="115878"/>
           </a:xfrm>
           <a:prstGeom prst="ellipse">
@@ -12403,7 +12408,7 @@
         </p:nvSpPr>
         <p:spPr>
           <a:xfrm>
-            <a:off x="7783358" y="1645689"/>
+            <a:off x="7783358" y="1800068"/>
             <a:ext cx="115878" cy="115878"/>
           </a:xfrm>
           <a:prstGeom prst="ellipse">
@@ -12458,7 +12463,7 @@
         </p:nvSpPr>
         <p:spPr>
           <a:xfrm>
-            <a:off x="7195066" y="1645689"/>
+            <a:off x="7195066" y="1800068"/>
             <a:ext cx="115878" cy="115878"/>
           </a:xfrm>
           <a:prstGeom prst="ellipse">
@@ -12513,7 +12518,7 @@
         </p:nvSpPr>
         <p:spPr>
           <a:xfrm>
-            <a:off x="6610283" y="1645689"/>
+            <a:off x="6610283" y="1800068"/>
             <a:ext cx="115878" cy="115878"/>
           </a:xfrm>
           <a:prstGeom prst="ellipse">
@@ -12568,7 +12573,7 @@
         </p:nvSpPr>
         <p:spPr>
           <a:xfrm rot="5400000">
-            <a:off x="8949626" y="2685414"/>
+            <a:off x="8949626" y="2839793"/>
             <a:ext cx="115878" cy="115878"/>
           </a:xfrm>
           <a:prstGeom prst="ellipse">
@@ -12623,7 +12628,7 @@
         </p:nvSpPr>
         <p:spPr>
           <a:xfrm rot="5400000">
-            <a:off x="8949626" y="2135222"/>
+            <a:off x="8949626" y="2289601"/>
             <a:ext cx="115878" cy="115878"/>
           </a:xfrm>
           <a:prstGeom prst="ellipse">
@@ -12678,7 +12683,7 @@
         </p:nvSpPr>
         <p:spPr>
           <a:xfrm rot="5400000">
-            <a:off x="8949626" y="1636164"/>
+            <a:off x="8949626" y="1790543"/>
             <a:ext cx="115878" cy="115878"/>
           </a:xfrm>
           <a:prstGeom prst="ellipse">
@@ -12733,7 +12738,7 @@
         </p:nvSpPr>
         <p:spPr>
           <a:xfrm rot="5400000">
-            <a:off x="8949626" y="1113433"/>
+            <a:off x="8949626" y="1267812"/>
             <a:ext cx="115878" cy="115878"/>
           </a:xfrm>
           <a:prstGeom prst="ellipse">
@@ -12788,7 +12793,7 @@
         </p:nvSpPr>
         <p:spPr>
           <a:xfrm rot="5400000">
-            <a:off x="7783343" y="3166536"/>
+            <a:off x="7783343" y="3320915"/>
             <a:ext cx="115878" cy="115878"/>
           </a:xfrm>
           <a:prstGeom prst="ellipse">
@@ -12843,7 +12848,7 @@
         </p:nvSpPr>
         <p:spPr>
           <a:xfrm rot="5400000">
-            <a:off x="7783343" y="2667478"/>
+            <a:off x="7783343" y="2821857"/>
             <a:ext cx="115878" cy="115878"/>
           </a:xfrm>
           <a:prstGeom prst="ellipse">
@@ -12898,7 +12903,7 @@
         </p:nvSpPr>
         <p:spPr>
           <a:xfrm rot="5400000">
-            <a:off x="7783343" y="2144747"/>
+            <a:off x="7783343" y="2299126"/>
             <a:ext cx="115878" cy="115878"/>
           </a:xfrm>
           <a:prstGeom prst="ellipse">
@@ -12953,7 +12958,7 @@
         </p:nvSpPr>
         <p:spPr>
           <a:xfrm rot="5400000">
-            <a:off x="3120711" y="5308951"/>
+            <a:off x="3120711" y="5463330"/>
             <a:ext cx="115878" cy="115878"/>
           </a:xfrm>
           <a:prstGeom prst="ellipse">
@@ -13008,7 +13013,7 @@
         </p:nvSpPr>
         <p:spPr>
           <a:xfrm rot="5400000">
-            <a:off x="3120711" y="4785076"/>
+            <a:off x="3120711" y="4939455"/>
             <a:ext cx="115878" cy="115878"/>
           </a:xfrm>
           <a:prstGeom prst="ellipse">
@@ -13063,7 +13068,7 @@
         </p:nvSpPr>
         <p:spPr>
           <a:xfrm rot="5400000">
-            <a:off x="3120711" y="4234884"/>
+            <a:off x="3120711" y="4389263"/>
             <a:ext cx="115878" cy="115878"/>
           </a:xfrm>
           <a:prstGeom prst="ellipse">
@@ -13118,7 +13123,7 @@
         </p:nvSpPr>
         <p:spPr>
           <a:xfrm rot="5400000">
-            <a:off x="3120711" y="3735826"/>
+            <a:off x="3120711" y="3890205"/>
             <a:ext cx="115878" cy="115878"/>
           </a:xfrm>
           <a:prstGeom prst="ellipse">
@@ -13173,7 +13178,7 @@
         </p:nvSpPr>
         <p:spPr>
           <a:xfrm rot="5400000">
-            <a:off x="3120711" y="3213095"/>
+            <a:off x="3120711" y="3367474"/>
             <a:ext cx="115878" cy="115878"/>
           </a:xfrm>
           <a:prstGeom prst="ellipse">
@@ -13228,7 +13233,7 @@
         </p:nvSpPr>
         <p:spPr>
           <a:xfrm rot="5400000">
-            <a:off x="3117491" y="2685414"/>
+            <a:off x="3117491" y="2839793"/>
             <a:ext cx="115878" cy="115878"/>
           </a:xfrm>
           <a:prstGeom prst="ellipse">
@@ -13283,7 +13288,7 @@
         </p:nvSpPr>
         <p:spPr>
           <a:xfrm rot="5400000">
-            <a:off x="3117491" y="2154272"/>
+            <a:off x="3117491" y="2308651"/>
             <a:ext cx="115878" cy="115878"/>
           </a:xfrm>
           <a:prstGeom prst="ellipse">
@@ -13338,7 +13343,7 @@
         </p:nvSpPr>
         <p:spPr>
           <a:xfrm>
-            <a:off x="3124052" y="1143911"/>
+            <a:off x="3124052" y="1298290"/>
             <a:ext cx="115878" cy="115878"/>
           </a:xfrm>
           <a:prstGeom prst="ellipse">
@@ -13393,7 +13398,7 @@
         </p:nvSpPr>
         <p:spPr>
           <a:xfrm rot="5400000">
-            <a:off x="4296901" y="3224475"/>
+            <a:off x="4296901" y="3378854"/>
             <a:ext cx="115878" cy="115878"/>
           </a:xfrm>
           <a:prstGeom prst="ellipse">
@@ -13448,7 +13453,7 @@
         </p:nvSpPr>
         <p:spPr>
           <a:xfrm rot="5400000">
-            <a:off x="4296901" y="2725417"/>
+            <a:off x="4296901" y="2879796"/>
             <a:ext cx="115878" cy="115878"/>
           </a:xfrm>
           <a:prstGeom prst="ellipse">
@@ -13503,7 +13508,7 @@
         </p:nvSpPr>
         <p:spPr>
           <a:xfrm rot="5400000">
-            <a:off x="4296901" y="2202686"/>
+            <a:off x="4296901" y="2357065"/>
             <a:ext cx="115878" cy="115878"/>
           </a:xfrm>
           <a:prstGeom prst="ellipse">
@@ -13558,7 +13563,7 @@
         </p:nvSpPr>
         <p:spPr>
           <a:xfrm rot="5400000">
-            <a:off x="5465836" y="2720904"/>
+            <a:off x="5465836" y="2875283"/>
             <a:ext cx="115878" cy="115878"/>
           </a:xfrm>
           <a:prstGeom prst="ellipse">
@@ -13613,7 +13618,7 @@
         </p:nvSpPr>
         <p:spPr>
           <a:xfrm rot="5400000">
-            <a:off x="5462616" y="2193223"/>
+            <a:off x="5462616" y="2347602"/>
             <a:ext cx="115878" cy="115878"/>
           </a:xfrm>
           <a:prstGeom prst="ellipse">
@@ -13668,7 +13673,7 @@
         </p:nvSpPr>
         <p:spPr>
           <a:xfrm rot="5400000">
-            <a:off x="5462616" y="1643031"/>
+            <a:off x="5462616" y="1797410"/>
             <a:ext cx="115878" cy="115878"/>
           </a:xfrm>
           <a:prstGeom prst="ellipse">
@@ -13723,7 +13728,7 @@
         </p:nvSpPr>
         <p:spPr>
           <a:xfrm rot="5400000">
-            <a:off x="7793090" y="4785076"/>
+            <a:off x="7793090" y="4939455"/>
             <a:ext cx="115878" cy="115878"/>
           </a:xfrm>
           <a:prstGeom prst="ellipse">
@@ -13778,7 +13783,7 @@
         </p:nvSpPr>
         <p:spPr>
           <a:xfrm rot="5400000">
-            <a:off x="7793090" y="4261201"/>
+            <a:off x="7793090" y="4415580"/>
             <a:ext cx="115878" cy="115878"/>
           </a:xfrm>
           <a:prstGeom prst="ellipse">
@@ -13833,7 +13838,7 @@
         </p:nvSpPr>
         <p:spPr>
           <a:xfrm rot="5400000">
-            <a:off x="7201004" y="5317404"/>
+            <a:off x="7201004" y="5471783"/>
             <a:ext cx="115878" cy="115878"/>
           </a:xfrm>
           <a:prstGeom prst="ellipse">
@@ -13888,7 +13893,7 @@
         </p:nvSpPr>
         <p:spPr>
           <a:xfrm rot="5400000">
-            <a:off x="7201004" y="4793529"/>
+            <a:off x="7201004" y="4947908"/>
             <a:ext cx="115878" cy="115878"/>
           </a:xfrm>
           <a:prstGeom prst="ellipse">
@@ -13943,7 +13948,7 @@
         </p:nvSpPr>
         <p:spPr>
           <a:xfrm rot="5400000">
-            <a:off x="4886898" y="5307879"/>
+            <a:off x="4886898" y="5462258"/>
             <a:ext cx="115878" cy="115878"/>
           </a:xfrm>
           <a:prstGeom prst="ellipse">
@@ -13998,7 +14003,7 @@
         </p:nvSpPr>
         <p:spPr>
           <a:xfrm rot="5400000">
-            <a:off x="4886898" y="4784004"/>
+            <a:off x="4886898" y="4938383"/>
             <a:ext cx="115878" cy="115878"/>
           </a:xfrm>
           <a:prstGeom prst="ellipse">
@@ -14053,7 +14058,7 @@
         </p:nvSpPr>
         <p:spPr>
           <a:xfrm rot="5400000">
-            <a:off x="4294812" y="4762747"/>
+            <a:off x="4294812" y="4917126"/>
             <a:ext cx="115878" cy="115878"/>
           </a:xfrm>
           <a:prstGeom prst="ellipse">
@@ -14108,7 +14113,7 @@
         </p:nvSpPr>
         <p:spPr>
           <a:xfrm rot="5400000">
-            <a:off x="4294812" y="4238872"/>
+            <a:off x="4294812" y="4393251"/>
             <a:ext cx="115878" cy="115878"/>
           </a:xfrm>
           <a:prstGeom prst="ellipse">
@@ -14163,7 +14168,7 @@
         </p:nvSpPr>
         <p:spPr>
           <a:xfrm rot="5400000">
-            <a:off x="6610283" y="2711389"/>
+            <a:off x="6610283" y="2865768"/>
             <a:ext cx="115878" cy="115878"/>
           </a:xfrm>
           <a:prstGeom prst="ellipse">
@@ -14218,7 +14223,7 @@
         </p:nvSpPr>
         <p:spPr>
           <a:xfrm rot="5400000">
-            <a:off x="6610283" y="2187514"/>
+            <a:off x="6610283" y="2341893"/>
             <a:ext cx="115878" cy="115878"/>
           </a:xfrm>
           <a:prstGeom prst="ellipse">
@@ -14273,7 +14278,7 @@
         </p:nvSpPr>
         <p:spPr>
           <a:xfrm rot="5400000">
-            <a:off x="6038059" y="2711389"/>
+            <a:off x="6038059" y="2865768"/>
             <a:ext cx="115878" cy="115878"/>
           </a:xfrm>
           <a:prstGeom prst="ellipse">
@@ -14328,7 +14333,7 @@
         </p:nvSpPr>
         <p:spPr>
           <a:xfrm rot="5400000">
-            <a:off x="8362296" y="4261201"/>
+            <a:off x="8362296" y="4415580"/>
             <a:ext cx="115878" cy="115878"/>
           </a:xfrm>
           <a:prstGeom prst="ellipse">
@@ -14383,7 +14388,7 @@
         </p:nvSpPr>
         <p:spPr>
           <a:xfrm rot="5400000">
-            <a:off x="3702211" y="4261201"/>
+            <a:off x="3702211" y="4415580"/>
             <a:ext cx="115878" cy="115878"/>
           </a:xfrm>
           <a:prstGeom prst="ellipse">
@@ -14438,7 +14443,7 @@
         </p:nvSpPr>
         <p:spPr>
           <a:xfrm>
-            <a:off x="6026278" y="5317404"/>
+            <a:off x="6026278" y="5471783"/>
             <a:ext cx="115878" cy="115878"/>
           </a:xfrm>
           <a:prstGeom prst="ellipse">
@@ -14493,7 +14498,7 @@
         </p:nvSpPr>
         <p:spPr>
           <a:xfrm rot="5400000">
-            <a:off x="6038061" y="4792165"/>
+            <a:off x="6038061" y="4946544"/>
             <a:ext cx="115878" cy="115878"/>
           </a:xfrm>
           <a:prstGeom prst="ellipse">
@@ -14548,7 +14553,7 @@
         </p:nvSpPr>
         <p:spPr>
           <a:xfrm rot="5400000">
-            <a:off x="6038061" y="4268290"/>
+            <a:off x="6038061" y="4422669"/>
             <a:ext cx="115878" cy="115878"/>
           </a:xfrm>
           <a:prstGeom prst="ellipse">

--- a/img/Env.pptx
+++ b/img/Env.pptx
@@ -6,6 +6,9 @@
   </p:sldMasterIdLst>
   <p:sldIdLst>
     <p:sldId id="256" r:id="rId2"/>
+    <p:sldId id="258" r:id="rId3"/>
+    <p:sldId id="257" r:id="rId4"/>
+    <p:sldId id="259" r:id="rId5"/>
   </p:sldIdLst>
   <p:sldSz cx="12192000" cy="6858000"/>
   <p:notesSz cx="6858000" cy="9144000"/>
@@ -259,7 +262,7 @@
           <a:p>
             <a:fld id="{A9D23C55-2B29-4EC3-B6FF-7E0621715BAD}" type="datetimeFigureOut">
               <a:rPr lang="ko-KR" altLang="en-US" smtClean="0"/>
-              <a:t>2021. 12. 4.</a:t>
+              <a:t>2021-12-06</a:t>
             </a:fld>
             <a:endParaRPr lang="ko-KR" altLang="en-US"/>
           </a:p>
@@ -457,7 +460,7 @@
           <a:p>
             <a:fld id="{A9D23C55-2B29-4EC3-B6FF-7E0621715BAD}" type="datetimeFigureOut">
               <a:rPr lang="ko-KR" altLang="en-US" smtClean="0"/>
-              <a:t>2021. 12. 4.</a:t>
+              <a:t>2021-12-06</a:t>
             </a:fld>
             <a:endParaRPr lang="ko-KR" altLang="en-US"/>
           </a:p>
@@ -665,7 +668,7 @@
           <a:p>
             <a:fld id="{A9D23C55-2B29-4EC3-B6FF-7E0621715BAD}" type="datetimeFigureOut">
               <a:rPr lang="ko-KR" altLang="en-US" smtClean="0"/>
-              <a:t>2021. 12. 4.</a:t>
+              <a:t>2021-12-06</a:t>
             </a:fld>
             <a:endParaRPr lang="ko-KR" altLang="en-US"/>
           </a:p>
@@ -863,7 +866,7 @@
           <a:p>
             <a:fld id="{A9D23C55-2B29-4EC3-B6FF-7E0621715BAD}" type="datetimeFigureOut">
               <a:rPr lang="ko-KR" altLang="en-US" smtClean="0"/>
-              <a:t>2021. 12. 4.</a:t>
+              <a:t>2021-12-06</a:t>
             </a:fld>
             <a:endParaRPr lang="ko-KR" altLang="en-US"/>
           </a:p>
@@ -1138,7 +1141,7 @@
           <a:p>
             <a:fld id="{A9D23C55-2B29-4EC3-B6FF-7E0621715BAD}" type="datetimeFigureOut">
               <a:rPr lang="ko-KR" altLang="en-US" smtClean="0"/>
-              <a:t>2021. 12. 4.</a:t>
+              <a:t>2021-12-06</a:t>
             </a:fld>
             <a:endParaRPr lang="ko-KR" altLang="en-US"/>
           </a:p>
@@ -1403,7 +1406,7 @@
           <a:p>
             <a:fld id="{A9D23C55-2B29-4EC3-B6FF-7E0621715BAD}" type="datetimeFigureOut">
               <a:rPr lang="ko-KR" altLang="en-US" smtClean="0"/>
-              <a:t>2021. 12. 4.</a:t>
+              <a:t>2021-12-06</a:t>
             </a:fld>
             <a:endParaRPr lang="ko-KR" altLang="en-US"/>
           </a:p>
@@ -1815,7 +1818,7 @@
           <a:p>
             <a:fld id="{A9D23C55-2B29-4EC3-B6FF-7E0621715BAD}" type="datetimeFigureOut">
               <a:rPr lang="ko-KR" altLang="en-US" smtClean="0"/>
-              <a:t>2021. 12. 4.</a:t>
+              <a:t>2021-12-06</a:t>
             </a:fld>
             <a:endParaRPr lang="ko-KR" altLang="en-US"/>
           </a:p>
@@ -1956,7 +1959,7 @@
           <a:p>
             <a:fld id="{A9D23C55-2B29-4EC3-B6FF-7E0621715BAD}" type="datetimeFigureOut">
               <a:rPr lang="ko-KR" altLang="en-US" smtClean="0"/>
-              <a:t>2021. 12. 4.</a:t>
+              <a:t>2021-12-06</a:t>
             </a:fld>
             <a:endParaRPr lang="ko-KR" altLang="en-US"/>
           </a:p>
@@ -2069,7 +2072,7 @@
           <a:p>
             <a:fld id="{A9D23C55-2B29-4EC3-B6FF-7E0621715BAD}" type="datetimeFigureOut">
               <a:rPr lang="ko-KR" altLang="en-US" smtClean="0"/>
-              <a:t>2021. 12. 4.</a:t>
+              <a:t>2021-12-06</a:t>
             </a:fld>
             <a:endParaRPr lang="ko-KR" altLang="en-US"/>
           </a:p>
@@ -2380,7 +2383,7 @@
           <a:p>
             <a:fld id="{A9D23C55-2B29-4EC3-B6FF-7E0621715BAD}" type="datetimeFigureOut">
               <a:rPr lang="ko-KR" altLang="en-US" smtClean="0"/>
-              <a:t>2021. 12. 4.</a:t>
+              <a:t>2021-12-06</a:t>
             </a:fld>
             <a:endParaRPr lang="ko-KR" altLang="en-US"/>
           </a:p>
@@ -2668,7 +2671,7 @@
           <a:p>
             <a:fld id="{A9D23C55-2B29-4EC3-B6FF-7E0621715BAD}" type="datetimeFigureOut">
               <a:rPr lang="ko-KR" altLang="en-US" smtClean="0"/>
-              <a:t>2021. 12. 4.</a:t>
+              <a:t>2021-12-06</a:t>
             </a:fld>
             <a:endParaRPr lang="ko-KR" altLang="en-US"/>
           </a:p>
@@ -2909,7 +2912,7 @@
           <a:p>
             <a:fld id="{A9D23C55-2B29-4EC3-B6FF-7E0621715BAD}" type="datetimeFigureOut">
               <a:rPr lang="ko-KR" altLang="en-US" smtClean="0"/>
-              <a:t>2021. 12. 4.</a:t>
+              <a:t>2021-12-06</a:t>
             </a:fld>
             <a:endParaRPr lang="ko-KR" altLang="en-US"/>
           </a:p>
@@ -14607,6 +14610,2016 @@
 </p:sld>
 </file>
 
+<file path=ppt/slides/slide2.xml><?xml version="1.0" encoding="utf-8"?>
+<p:sld xmlns:a="http://schemas.openxmlformats.org/drawingml/2006/main" xmlns:r="http://schemas.openxmlformats.org/officeDocument/2006/relationships" xmlns:p="http://schemas.openxmlformats.org/presentationml/2006/main">
+  <p:cSld>
+    <p:spTree>
+      <p:nvGrpSpPr>
+        <p:cNvPr id="1" name=""/>
+        <p:cNvGrpSpPr/>
+        <p:nvPr/>
+      </p:nvGrpSpPr>
+      <p:grpSpPr>
+        <a:xfrm>
+          <a:off x="0" y="0"/>
+          <a:ext cx="0" cy="0"/>
+          <a:chOff x="0" y="0"/>
+          <a:chExt cx="0" cy="0"/>
+        </a:xfrm>
+      </p:grpSpPr>
+      <p:pic>
+        <p:nvPicPr>
+          <p:cNvPr id="3" name="그림 2">
+            <a:extLst>
+              <a:ext uri="{FF2B5EF4-FFF2-40B4-BE49-F238E27FC236}">
+                <a16:creationId xmlns:a16="http://schemas.microsoft.com/office/drawing/2014/main" id="{36BA11F0-382C-4A98-8D60-2C58AFAA980B}"/>
+              </a:ext>
+            </a:extLst>
+          </p:cNvPr>
+          <p:cNvPicPr>
+            <a:picLocks noChangeAspect="1"/>
+          </p:cNvPicPr>
+          <p:nvPr/>
+        </p:nvPicPr>
+        <p:blipFill rotWithShape="1">
+          <a:blip r:embed="rId2">
+            <a:extLst>
+              <a:ext uri="{28A0092B-C50C-407E-A947-70E740481C1C}">
+                <a14:useLocalDpi xmlns:a14="http://schemas.microsoft.com/office/drawing/2010/main" val="0"/>
+              </a:ext>
+            </a:extLst>
+          </a:blip>
+          <a:srcRect l="19295" r="19658"/>
+          <a:stretch/>
+        </p:blipFill>
+        <p:spPr>
+          <a:xfrm>
+            <a:off x="551330" y="1420386"/>
+            <a:ext cx="5190566" cy="4275822"/>
+          </a:xfrm>
+          <a:prstGeom prst="rect">
+            <a:avLst/>
+          </a:prstGeom>
+        </p:spPr>
+      </p:pic>
+      <p:pic>
+        <p:nvPicPr>
+          <p:cNvPr id="5" name="그림 4">
+            <a:extLst>
+              <a:ext uri="{FF2B5EF4-FFF2-40B4-BE49-F238E27FC236}">
+                <a16:creationId xmlns:a16="http://schemas.microsoft.com/office/drawing/2014/main" id="{EFF5965F-0180-432E-8B3C-BEE8F077CF5C}"/>
+              </a:ext>
+            </a:extLst>
+          </p:cNvPr>
+          <p:cNvPicPr>
+            <a:picLocks noChangeAspect="1"/>
+          </p:cNvPicPr>
+          <p:nvPr/>
+        </p:nvPicPr>
+        <p:blipFill>
+          <a:blip r:embed="rId3">
+            <a:extLst>
+              <a:ext uri="{28A0092B-C50C-407E-A947-70E740481C1C}">
+                <a14:useLocalDpi xmlns:a14="http://schemas.microsoft.com/office/drawing/2010/main" val="0"/>
+              </a:ext>
+            </a:extLst>
+          </a:blip>
+          <a:stretch>
+            <a:fillRect/>
+          </a:stretch>
+        </p:blipFill>
+        <p:spPr>
+          <a:xfrm>
+            <a:off x="6109447" y="1040491"/>
+            <a:ext cx="5293659" cy="4763293"/>
+          </a:xfrm>
+          <a:prstGeom prst="rect">
+            <a:avLst/>
+          </a:prstGeom>
+        </p:spPr>
+      </p:pic>
+    </p:spTree>
+    <p:extLst>
+      <p:ext uri="{BB962C8B-B14F-4D97-AF65-F5344CB8AC3E}">
+        <p14:creationId xmlns:p14="http://schemas.microsoft.com/office/powerpoint/2010/main" val="3897959093"/>
+      </p:ext>
+    </p:extLst>
+  </p:cSld>
+  <p:clrMapOvr>
+    <a:masterClrMapping/>
+  </p:clrMapOvr>
+</p:sld>
+</file>
+
+<file path=ppt/slides/slide3.xml><?xml version="1.0" encoding="utf-8"?>
+<p:sld xmlns:a="http://schemas.openxmlformats.org/drawingml/2006/main" xmlns:r="http://schemas.openxmlformats.org/officeDocument/2006/relationships" xmlns:p="http://schemas.openxmlformats.org/presentationml/2006/main">
+  <p:cSld>
+    <p:spTree>
+      <p:nvGrpSpPr>
+        <p:cNvPr id="1" name=""/>
+        <p:cNvGrpSpPr/>
+        <p:nvPr/>
+      </p:nvGrpSpPr>
+      <p:grpSpPr>
+        <a:xfrm>
+          <a:off x="0" y="0"/>
+          <a:ext cx="0" cy="0"/>
+          <a:chOff x="0" y="0"/>
+          <a:chExt cx="0" cy="0"/>
+        </a:xfrm>
+      </p:grpSpPr>
+      <p:graphicFrame>
+        <p:nvGraphicFramePr>
+          <p:cNvPr id="6" name="표 5">
+            <a:extLst>
+              <a:ext uri="{FF2B5EF4-FFF2-40B4-BE49-F238E27FC236}">
+                <a16:creationId xmlns:a16="http://schemas.microsoft.com/office/drawing/2014/main" id="{89F38EDE-6964-437D-BEC8-AFCF3FA3F796}"/>
+              </a:ext>
+            </a:extLst>
+          </p:cNvPr>
+          <p:cNvGraphicFramePr>
+            <a:graphicFrameLocks noGrp="1"/>
+          </p:cNvGraphicFramePr>
+          <p:nvPr>
+            <p:extLst>
+              <p:ext uri="{D42A27DB-BD31-4B8C-83A1-F6EECF244321}">
+                <p14:modId xmlns:p14="http://schemas.microsoft.com/office/powerpoint/2010/main" val="77040832"/>
+              </p:ext>
+            </p:extLst>
+          </p:nvPr>
+        </p:nvGraphicFramePr>
+        <p:xfrm>
+          <a:off x="4639622" y="2117612"/>
+          <a:ext cx="2912755" cy="2622775"/>
+        </p:xfrm>
+        <a:graphic>
+          <a:graphicData uri="http://schemas.openxmlformats.org/drawingml/2006/table">
+            <a:tbl>
+              <a:tblPr firstRow="1" bandRow="1">
+                <a:tableStyleId>{5940675A-B579-460E-94D1-54222C63F5DA}</a:tableStyleId>
+              </a:tblPr>
+              <a:tblGrid>
+                <a:gridCol w="582551">
+                  <a:extLst>
+                    <a:ext uri="{9D8B030D-6E8A-4147-A177-3AD203B41FA5}">
+                      <a16:colId xmlns:a16="http://schemas.microsoft.com/office/drawing/2014/main" val="98960500"/>
+                    </a:ext>
+                  </a:extLst>
+                </a:gridCol>
+                <a:gridCol w="582551">
+                  <a:extLst>
+                    <a:ext uri="{9D8B030D-6E8A-4147-A177-3AD203B41FA5}">
+                      <a16:colId xmlns:a16="http://schemas.microsoft.com/office/drawing/2014/main" val="2308932683"/>
+                    </a:ext>
+                  </a:extLst>
+                </a:gridCol>
+                <a:gridCol w="582551">
+                  <a:extLst>
+                    <a:ext uri="{9D8B030D-6E8A-4147-A177-3AD203B41FA5}">
+                      <a16:colId xmlns:a16="http://schemas.microsoft.com/office/drawing/2014/main" val="1124970835"/>
+                    </a:ext>
+                  </a:extLst>
+                </a:gridCol>
+                <a:gridCol w="582551">
+                  <a:extLst>
+                    <a:ext uri="{9D8B030D-6E8A-4147-A177-3AD203B41FA5}">
+                      <a16:colId xmlns:a16="http://schemas.microsoft.com/office/drawing/2014/main" val="1006944417"/>
+                    </a:ext>
+                  </a:extLst>
+                </a:gridCol>
+                <a:gridCol w="582551">
+                  <a:extLst>
+                    <a:ext uri="{9D8B030D-6E8A-4147-A177-3AD203B41FA5}">
+                      <a16:colId xmlns:a16="http://schemas.microsoft.com/office/drawing/2014/main" val="1662117227"/>
+                    </a:ext>
+                  </a:extLst>
+                </a:gridCol>
+              </a:tblGrid>
+              <a:tr h="524555">
+                <a:tc>
+                  <a:txBody>
+                    <a:bodyPr/>
+                    <a:lstStyle/>
+                    <a:p>
+                      <a:pPr latinLnBrk="1"/>
+                      <a:endParaRPr lang="ko-KR" altLang="en-US" sz="2500" dirty="0"/>
+                    </a:p>
+                  </a:txBody>
+                  <a:tcPr marL="129342" marR="129342" marT="64671" marB="64671">
+                    <a:lnL w="12700" cap="flat" cmpd="sng" algn="ctr">
+                      <a:solidFill>
+                        <a:schemeClr val="bg1">
+                          <a:lumMod val="65000"/>
+                        </a:schemeClr>
+                      </a:solidFill>
+                      <a:prstDash val="solid"/>
+                      <a:round/>
+                      <a:headEnd type="none" w="med" len="med"/>
+                      <a:tailEnd type="none" w="med" len="med"/>
+                    </a:lnL>
+                    <a:lnR w="12700" cap="flat" cmpd="sng" algn="ctr">
+                      <a:solidFill>
+                        <a:schemeClr val="bg1">
+                          <a:lumMod val="65000"/>
+                        </a:schemeClr>
+                      </a:solidFill>
+                      <a:prstDash val="solid"/>
+                      <a:round/>
+                      <a:headEnd type="none" w="med" len="med"/>
+                      <a:tailEnd type="none" w="med" len="med"/>
+                    </a:lnR>
+                    <a:lnT w="12700" cap="flat" cmpd="sng" algn="ctr">
+                      <a:solidFill>
+                        <a:schemeClr val="bg1">
+                          <a:lumMod val="65000"/>
+                        </a:schemeClr>
+                      </a:solidFill>
+                      <a:prstDash val="solid"/>
+                      <a:round/>
+                      <a:headEnd type="none" w="med" len="med"/>
+                      <a:tailEnd type="none" w="med" len="med"/>
+                    </a:lnT>
+                    <a:lnB w="12700" cap="flat" cmpd="sng" algn="ctr">
+                      <a:solidFill>
+                        <a:schemeClr val="bg1">
+                          <a:lumMod val="65000"/>
+                        </a:schemeClr>
+                      </a:solidFill>
+                      <a:prstDash val="solid"/>
+                      <a:round/>
+                      <a:headEnd type="none" w="med" len="med"/>
+                      <a:tailEnd type="none" w="med" len="med"/>
+                    </a:lnB>
+                    <a:solidFill>
+                      <a:schemeClr val="bg1"/>
+                    </a:solidFill>
+                  </a:tcPr>
+                </a:tc>
+                <a:tc>
+                  <a:txBody>
+                    <a:bodyPr/>
+                    <a:lstStyle/>
+                    <a:p>
+                      <a:pPr latinLnBrk="1"/>
+                      <a:endParaRPr lang="ko-KR" altLang="en-US" sz="2500" dirty="0"/>
+                    </a:p>
+                  </a:txBody>
+                  <a:tcPr marL="129342" marR="129342" marT="64671" marB="64671">
+                    <a:lnL w="12700" cap="flat" cmpd="sng" algn="ctr">
+                      <a:solidFill>
+                        <a:schemeClr val="bg1">
+                          <a:lumMod val="65000"/>
+                        </a:schemeClr>
+                      </a:solidFill>
+                      <a:prstDash val="solid"/>
+                      <a:round/>
+                      <a:headEnd type="none" w="med" len="med"/>
+                      <a:tailEnd type="none" w="med" len="med"/>
+                    </a:lnL>
+                    <a:lnR w="12700" cap="flat" cmpd="sng" algn="ctr">
+                      <a:solidFill>
+                        <a:schemeClr val="bg1">
+                          <a:lumMod val="65000"/>
+                        </a:schemeClr>
+                      </a:solidFill>
+                      <a:prstDash val="solid"/>
+                      <a:round/>
+                      <a:headEnd type="none" w="med" len="med"/>
+                      <a:tailEnd type="none" w="med" len="med"/>
+                    </a:lnR>
+                    <a:lnT w="12700" cap="flat" cmpd="sng" algn="ctr">
+                      <a:solidFill>
+                        <a:schemeClr val="bg1">
+                          <a:lumMod val="65000"/>
+                        </a:schemeClr>
+                      </a:solidFill>
+                      <a:prstDash val="solid"/>
+                      <a:round/>
+                      <a:headEnd type="none" w="med" len="med"/>
+                      <a:tailEnd type="none" w="med" len="med"/>
+                    </a:lnT>
+                    <a:lnB w="12700" cap="flat" cmpd="sng" algn="ctr">
+                      <a:solidFill>
+                        <a:schemeClr val="bg1">
+                          <a:lumMod val="65000"/>
+                        </a:schemeClr>
+                      </a:solidFill>
+                      <a:prstDash val="solid"/>
+                      <a:round/>
+                      <a:headEnd type="none" w="med" len="med"/>
+                      <a:tailEnd type="none" w="med" len="med"/>
+                    </a:lnB>
+                    <a:solidFill>
+                      <a:schemeClr val="bg1"/>
+                    </a:solidFill>
+                  </a:tcPr>
+                </a:tc>
+                <a:tc>
+                  <a:txBody>
+                    <a:bodyPr/>
+                    <a:lstStyle/>
+                    <a:p>
+                      <a:pPr latinLnBrk="1"/>
+                      <a:endParaRPr lang="ko-KR" altLang="en-US" sz="2500" dirty="0"/>
+                    </a:p>
+                  </a:txBody>
+                  <a:tcPr marL="129342" marR="129342" marT="64671" marB="64671">
+                    <a:lnL w="12700" cap="flat" cmpd="sng" algn="ctr">
+                      <a:solidFill>
+                        <a:schemeClr val="bg1">
+                          <a:lumMod val="65000"/>
+                        </a:schemeClr>
+                      </a:solidFill>
+                      <a:prstDash val="solid"/>
+                      <a:round/>
+                      <a:headEnd type="none" w="med" len="med"/>
+                      <a:tailEnd type="none" w="med" len="med"/>
+                    </a:lnL>
+                    <a:lnR w="12700" cap="flat" cmpd="sng" algn="ctr">
+                      <a:solidFill>
+                        <a:schemeClr val="bg1">
+                          <a:lumMod val="65000"/>
+                        </a:schemeClr>
+                      </a:solidFill>
+                      <a:prstDash val="solid"/>
+                      <a:round/>
+                      <a:headEnd type="none" w="med" len="med"/>
+                      <a:tailEnd type="none" w="med" len="med"/>
+                    </a:lnR>
+                    <a:lnT w="12700" cap="flat" cmpd="sng" algn="ctr">
+                      <a:solidFill>
+                        <a:schemeClr val="bg1">
+                          <a:lumMod val="65000"/>
+                        </a:schemeClr>
+                      </a:solidFill>
+                      <a:prstDash val="solid"/>
+                      <a:round/>
+                      <a:headEnd type="none" w="med" len="med"/>
+                      <a:tailEnd type="none" w="med" len="med"/>
+                    </a:lnT>
+                    <a:lnB w="12700" cap="flat" cmpd="sng" algn="ctr">
+                      <a:solidFill>
+                        <a:schemeClr val="bg1">
+                          <a:lumMod val="65000"/>
+                        </a:schemeClr>
+                      </a:solidFill>
+                      <a:prstDash val="solid"/>
+                      <a:round/>
+                      <a:headEnd type="none" w="med" len="med"/>
+                      <a:tailEnd type="none" w="med" len="med"/>
+                    </a:lnB>
+                    <a:solidFill>
+                      <a:schemeClr val="bg1"/>
+                    </a:solidFill>
+                  </a:tcPr>
+                </a:tc>
+                <a:tc>
+                  <a:txBody>
+                    <a:bodyPr/>
+                    <a:lstStyle/>
+                    <a:p>
+                      <a:pPr latinLnBrk="1"/>
+                      <a:endParaRPr lang="ko-KR" altLang="en-US" sz="2500" dirty="0"/>
+                    </a:p>
+                  </a:txBody>
+                  <a:tcPr marL="129342" marR="129342" marT="64671" marB="64671">
+                    <a:lnL w="12700" cap="flat" cmpd="sng" algn="ctr">
+                      <a:solidFill>
+                        <a:schemeClr val="bg1">
+                          <a:lumMod val="65000"/>
+                        </a:schemeClr>
+                      </a:solidFill>
+                      <a:prstDash val="solid"/>
+                      <a:round/>
+                      <a:headEnd type="none" w="med" len="med"/>
+                      <a:tailEnd type="none" w="med" len="med"/>
+                    </a:lnL>
+                    <a:lnR w="12700" cap="flat" cmpd="sng" algn="ctr">
+                      <a:solidFill>
+                        <a:schemeClr val="bg1">
+                          <a:lumMod val="65000"/>
+                        </a:schemeClr>
+                      </a:solidFill>
+                      <a:prstDash val="solid"/>
+                      <a:round/>
+                      <a:headEnd type="none" w="med" len="med"/>
+                      <a:tailEnd type="none" w="med" len="med"/>
+                    </a:lnR>
+                    <a:lnT w="12700" cap="flat" cmpd="sng" algn="ctr">
+                      <a:solidFill>
+                        <a:schemeClr val="bg1">
+                          <a:lumMod val="65000"/>
+                        </a:schemeClr>
+                      </a:solidFill>
+                      <a:prstDash val="solid"/>
+                      <a:round/>
+                      <a:headEnd type="none" w="med" len="med"/>
+                      <a:tailEnd type="none" w="med" len="med"/>
+                    </a:lnT>
+                    <a:lnB w="12700" cap="flat" cmpd="sng" algn="ctr">
+                      <a:solidFill>
+                        <a:schemeClr val="bg1">
+                          <a:lumMod val="65000"/>
+                        </a:schemeClr>
+                      </a:solidFill>
+                      <a:prstDash val="solid"/>
+                      <a:round/>
+                      <a:headEnd type="none" w="med" len="med"/>
+                      <a:tailEnd type="none" w="med" len="med"/>
+                    </a:lnB>
+                    <a:solidFill>
+                      <a:schemeClr val="bg1"/>
+                    </a:solidFill>
+                  </a:tcPr>
+                </a:tc>
+                <a:tc>
+                  <a:txBody>
+                    <a:bodyPr/>
+                    <a:lstStyle/>
+                    <a:p>
+                      <a:pPr latinLnBrk="1"/>
+                      <a:endParaRPr lang="ko-KR" altLang="en-US" sz="2500" dirty="0"/>
+                    </a:p>
+                  </a:txBody>
+                  <a:tcPr marL="129342" marR="129342" marT="64671" marB="64671">
+                    <a:lnL w="12700" cap="flat" cmpd="sng" algn="ctr">
+                      <a:solidFill>
+                        <a:schemeClr val="bg1">
+                          <a:lumMod val="65000"/>
+                        </a:schemeClr>
+                      </a:solidFill>
+                      <a:prstDash val="solid"/>
+                      <a:round/>
+                      <a:headEnd type="none" w="med" len="med"/>
+                      <a:tailEnd type="none" w="med" len="med"/>
+                    </a:lnL>
+                    <a:lnR w="12700" cap="flat" cmpd="sng" algn="ctr">
+                      <a:solidFill>
+                        <a:schemeClr val="bg1">
+                          <a:lumMod val="65000"/>
+                        </a:schemeClr>
+                      </a:solidFill>
+                      <a:prstDash val="solid"/>
+                      <a:round/>
+                      <a:headEnd type="none" w="med" len="med"/>
+                      <a:tailEnd type="none" w="med" len="med"/>
+                    </a:lnR>
+                    <a:lnT w="12700" cap="flat" cmpd="sng" algn="ctr">
+                      <a:solidFill>
+                        <a:schemeClr val="bg1">
+                          <a:lumMod val="65000"/>
+                        </a:schemeClr>
+                      </a:solidFill>
+                      <a:prstDash val="solid"/>
+                      <a:round/>
+                      <a:headEnd type="none" w="med" len="med"/>
+                      <a:tailEnd type="none" w="med" len="med"/>
+                    </a:lnT>
+                    <a:lnB w="12700" cap="flat" cmpd="sng" algn="ctr">
+                      <a:solidFill>
+                        <a:schemeClr val="bg1">
+                          <a:lumMod val="65000"/>
+                        </a:schemeClr>
+                      </a:solidFill>
+                      <a:prstDash val="solid"/>
+                      <a:round/>
+                      <a:headEnd type="none" w="med" len="med"/>
+                      <a:tailEnd type="none" w="med" len="med"/>
+                    </a:lnB>
+                    <a:solidFill>
+                      <a:schemeClr val="bg1"/>
+                    </a:solidFill>
+                  </a:tcPr>
+                </a:tc>
+                <a:extLst>
+                  <a:ext uri="{0D108BD9-81ED-4DB2-BD59-A6C34878D82A}">
+                    <a16:rowId xmlns:a16="http://schemas.microsoft.com/office/drawing/2014/main" val="666367604"/>
+                  </a:ext>
+                </a:extLst>
+              </a:tr>
+              <a:tr h="524555">
+                <a:tc>
+                  <a:txBody>
+                    <a:bodyPr/>
+                    <a:lstStyle/>
+                    <a:p>
+                      <a:pPr latinLnBrk="1"/>
+                      <a:endParaRPr lang="ko-KR" altLang="en-US" sz="2500"/>
+                    </a:p>
+                  </a:txBody>
+                  <a:tcPr marL="129342" marR="129342" marT="64671" marB="64671">
+                    <a:lnL w="12700" cap="flat" cmpd="sng" algn="ctr">
+                      <a:solidFill>
+                        <a:schemeClr val="bg1">
+                          <a:lumMod val="65000"/>
+                        </a:schemeClr>
+                      </a:solidFill>
+                      <a:prstDash val="solid"/>
+                      <a:round/>
+                      <a:headEnd type="none" w="med" len="med"/>
+                      <a:tailEnd type="none" w="med" len="med"/>
+                    </a:lnL>
+                    <a:lnR w="12700" cap="flat" cmpd="sng" algn="ctr">
+                      <a:solidFill>
+                        <a:schemeClr val="bg1">
+                          <a:lumMod val="65000"/>
+                        </a:schemeClr>
+                      </a:solidFill>
+                      <a:prstDash val="solid"/>
+                      <a:round/>
+                      <a:headEnd type="none" w="med" len="med"/>
+                      <a:tailEnd type="none" w="med" len="med"/>
+                    </a:lnR>
+                    <a:lnT w="12700" cap="flat" cmpd="sng" algn="ctr">
+                      <a:solidFill>
+                        <a:schemeClr val="bg1">
+                          <a:lumMod val="65000"/>
+                        </a:schemeClr>
+                      </a:solidFill>
+                      <a:prstDash val="solid"/>
+                      <a:round/>
+                      <a:headEnd type="none" w="med" len="med"/>
+                      <a:tailEnd type="none" w="med" len="med"/>
+                    </a:lnT>
+                    <a:lnB w="12700" cap="flat" cmpd="sng" algn="ctr">
+                      <a:solidFill>
+                        <a:schemeClr val="bg1">
+                          <a:lumMod val="65000"/>
+                        </a:schemeClr>
+                      </a:solidFill>
+                      <a:prstDash val="solid"/>
+                      <a:round/>
+                      <a:headEnd type="none" w="med" len="med"/>
+                      <a:tailEnd type="none" w="med" len="med"/>
+                    </a:lnB>
+                    <a:solidFill>
+                      <a:schemeClr val="bg1"/>
+                    </a:solidFill>
+                  </a:tcPr>
+                </a:tc>
+                <a:tc>
+                  <a:txBody>
+                    <a:bodyPr/>
+                    <a:lstStyle/>
+                    <a:p>
+                      <a:pPr latinLnBrk="1"/>
+                      <a:endParaRPr lang="ko-KR" altLang="en-US" sz="2500" dirty="0"/>
+                    </a:p>
+                  </a:txBody>
+                  <a:tcPr marL="129342" marR="129342" marT="64671" marB="64671">
+                    <a:lnL w="12700" cap="flat" cmpd="sng" algn="ctr">
+                      <a:solidFill>
+                        <a:schemeClr val="bg1">
+                          <a:lumMod val="65000"/>
+                        </a:schemeClr>
+                      </a:solidFill>
+                      <a:prstDash val="solid"/>
+                      <a:round/>
+                      <a:headEnd type="none" w="med" len="med"/>
+                      <a:tailEnd type="none" w="med" len="med"/>
+                    </a:lnL>
+                    <a:lnR w="12700" cap="flat" cmpd="sng" algn="ctr">
+                      <a:solidFill>
+                        <a:schemeClr val="bg1">
+                          <a:lumMod val="65000"/>
+                        </a:schemeClr>
+                      </a:solidFill>
+                      <a:prstDash val="solid"/>
+                      <a:round/>
+                      <a:headEnd type="none" w="med" len="med"/>
+                      <a:tailEnd type="none" w="med" len="med"/>
+                    </a:lnR>
+                    <a:lnT w="12700" cap="flat" cmpd="sng" algn="ctr">
+                      <a:solidFill>
+                        <a:schemeClr val="bg1">
+                          <a:lumMod val="65000"/>
+                        </a:schemeClr>
+                      </a:solidFill>
+                      <a:prstDash val="solid"/>
+                      <a:round/>
+                      <a:headEnd type="none" w="med" len="med"/>
+                      <a:tailEnd type="none" w="med" len="med"/>
+                    </a:lnT>
+                    <a:lnB w="12700" cap="flat" cmpd="sng" algn="ctr">
+                      <a:solidFill>
+                        <a:schemeClr val="bg1">
+                          <a:lumMod val="65000"/>
+                        </a:schemeClr>
+                      </a:solidFill>
+                      <a:prstDash val="solid"/>
+                      <a:round/>
+                      <a:headEnd type="none" w="med" len="med"/>
+                      <a:tailEnd type="none" w="med" len="med"/>
+                    </a:lnB>
+                    <a:solidFill>
+                      <a:schemeClr val="bg1"/>
+                    </a:solidFill>
+                  </a:tcPr>
+                </a:tc>
+                <a:tc>
+                  <a:txBody>
+                    <a:bodyPr/>
+                    <a:lstStyle/>
+                    <a:p>
+                      <a:pPr latinLnBrk="1"/>
+                      <a:endParaRPr lang="ko-KR" altLang="en-US" sz="2500" dirty="0"/>
+                    </a:p>
+                  </a:txBody>
+                  <a:tcPr marL="129342" marR="129342" marT="64671" marB="64671">
+                    <a:lnL w="12700" cap="flat" cmpd="sng" algn="ctr">
+                      <a:solidFill>
+                        <a:schemeClr val="bg1">
+                          <a:lumMod val="65000"/>
+                        </a:schemeClr>
+                      </a:solidFill>
+                      <a:prstDash val="solid"/>
+                      <a:round/>
+                      <a:headEnd type="none" w="med" len="med"/>
+                      <a:tailEnd type="none" w="med" len="med"/>
+                    </a:lnL>
+                    <a:lnR w="12700" cap="flat" cmpd="sng" algn="ctr">
+                      <a:solidFill>
+                        <a:schemeClr val="bg1">
+                          <a:lumMod val="65000"/>
+                        </a:schemeClr>
+                      </a:solidFill>
+                      <a:prstDash val="solid"/>
+                      <a:round/>
+                      <a:headEnd type="none" w="med" len="med"/>
+                      <a:tailEnd type="none" w="med" len="med"/>
+                    </a:lnR>
+                    <a:lnT w="12700" cap="flat" cmpd="sng" algn="ctr">
+                      <a:solidFill>
+                        <a:schemeClr val="bg1">
+                          <a:lumMod val="65000"/>
+                        </a:schemeClr>
+                      </a:solidFill>
+                      <a:prstDash val="solid"/>
+                      <a:round/>
+                      <a:headEnd type="none" w="med" len="med"/>
+                      <a:tailEnd type="none" w="med" len="med"/>
+                    </a:lnT>
+                    <a:lnB w="12700" cap="flat" cmpd="sng" algn="ctr">
+                      <a:solidFill>
+                        <a:schemeClr val="bg1">
+                          <a:lumMod val="65000"/>
+                        </a:schemeClr>
+                      </a:solidFill>
+                      <a:prstDash val="solid"/>
+                      <a:round/>
+                      <a:headEnd type="none" w="med" len="med"/>
+                      <a:tailEnd type="none" w="med" len="med"/>
+                    </a:lnB>
+                    <a:solidFill>
+                      <a:schemeClr val="bg1">
+                        <a:lumMod val="50000"/>
+                      </a:schemeClr>
+                    </a:solidFill>
+                  </a:tcPr>
+                </a:tc>
+                <a:tc>
+                  <a:txBody>
+                    <a:bodyPr/>
+                    <a:lstStyle/>
+                    <a:p>
+                      <a:pPr latinLnBrk="1"/>
+                      <a:endParaRPr lang="ko-KR" altLang="en-US" sz="2500" dirty="0"/>
+                    </a:p>
+                  </a:txBody>
+                  <a:tcPr marL="129342" marR="129342" marT="64671" marB="64671">
+                    <a:lnL w="12700" cap="flat" cmpd="sng" algn="ctr">
+                      <a:solidFill>
+                        <a:schemeClr val="bg1">
+                          <a:lumMod val="65000"/>
+                        </a:schemeClr>
+                      </a:solidFill>
+                      <a:prstDash val="solid"/>
+                      <a:round/>
+                      <a:headEnd type="none" w="med" len="med"/>
+                      <a:tailEnd type="none" w="med" len="med"/>
+                    </a:lnL>
+                    <a:lnR w="12700" cap="flat" cmpd="sng" algn="ctr">
+                      <a:solidFill>
+                        <a:schemeClr val="bg1">
+                          <a:lumMod val="65000"/>
+                        </a:schemeClr>
+                      </a:solidFill>
+                      <a:prstDash val="solid"/>
+                      <a:round/>
+                      <a:headEnd type="none" w="med" len="med"/>
+                      <a:tailEnd type="none" w="med" len="med"/>
+                    </a:lnR>
+                    <a:lnT w="12700" cap="flat" cmpd="sng" algn="ctr">
+                      <a:solidFill>
+                        <a:schemeClr val="bg1">
+                          <a:lumMod val="65000"/>
+                        </a:schemeClr>
+                      </a:solidFill>
+                      <a:prstDash val="solid"/>
+                      <a:round/>
+                      <a:headEnd type="none" w="med" len="med"/>
+                      <a:tailEnd type="none" w="med" len="med"/>
+                    </a:lnT>
+                    <a:lnB w="12700" cap="flat" cmpd="sng" algn="ctr">
+                      <a:solidFill>
+                        <a:schemeClr val="bg1">
+                          <a:lumMod val="65000"/>
+                        </a:schemeClr>
+                      </a:solidFill>
+                      <a:prstDash val="solid"/>
+                      <a:round/>
+                      <a:headEnd type="none" w="med" len="med"/>
+                      <a:tailEnd type="none" w="med" len="med"/>
+                    </a:lnB>
+                    <a:solidFill>
+                      <a:schemeClr val="bg1"/>
+                    </a:solidFill>
+                  </a:tcPr>
+                </a:tc>
+                <a:tc>
+                  <a:txBody>
+                    <a:bodyPr/>
+                    <a:lstStyle/>
+                    <a:p>
+                      <a:pPr latinLnBrk="1"/>
+                      <a:endParaRPr lang="ko-KR" altLang="en-US" sz="2500" dirty="0"/>
+                    </a:p>
+                  </a:txBody>
+                  <a:tcPr marL="129342" marR="129342" marT="64671" marB="64671">
+                    <a:lnL w="12700" cap="flat" cmpd="sng" algn="ctr">
+                      <a:solidFill>
+                        <a:schemeClr val="bg1">
+                          <a:lumMod val="65000"/>
+                        </a:schemeClr>
+                      </a:solidFill>
+                      <a:prstDash val="solid"/>
+                      <a:round/>
+                      <a:headEnd type="none" w="med" len="med"/>
+                      <a:tailEnd type="none" w="med" len="med"/>
+                    </a:lnL>
+                    <a:lnR w="12700" cap="flat" cmpd="sng" algn="ctr">
+                      <a:solidFill>
+                        <a:schemeClr val="bg1">
+                          <a:lumMod val="65000"/>
+                        </a:schemeClr>
+                      </a:solidFill>
+                      <a:prstDash val="solid"/>
+                      <a:round/>
+                      <a:headEnd type="none" w="med" len="med"/>
+                      <a:tailEnd type="none" w="med" len="med"/>
+                    </a:lnR>
+                    <a:lnT w="12700" cap="flat" cmpd="sng" algn="ctr">
+                      <a:solidFill>
+                        <a:schemeClr val="bg1">
+                          <a:lumMod val="65000"/>
+                        </a:schemeClr>
+                      </a:solidFill>
+                      <a:prstDash val="solid"/>
+                      <a:round/>
+                      <a:headEnd type="none" w="med" len="med"/>
+                      <a:tailEnd type="none" w="med" len="med"/>
+                    </a:lnT>
+                    <a:lnB w="12700" cap="flat" cmpd="sng" algn="ctr">
+                      <a:solidFill>
+                        <a:schemeClr val="bg1">
+                          <a:lumMod val="65000"/>
+                        </a:schemeClr>
+                      </a:solidFill>
+                      <a:prstDash val="solid"/>
+                      <a:round/>
+                      <a:headEnd type="none" w="med" len="med"/>
+                      <a:tailEnd type="none" w="med" len="med"/>
+                    </a:lnB>
+                    <a:solidFill>
+                      <a:schemeClr val="bg1"/>
+                    </a:solidFill>
+                  </a:tcPr>
+                </a:tc>
+                <a:extLst>
+                  <a:ext uri="{0D108BD9-81ED-4DB2-BD59-A6C34878D82A}">
+                    <a16:rowId xmlns:a16="http://schemas.microsoft.com/office/drawing/2014/main" val="1312993401"/>
+                  </a:ext>
+                </a:extLst>
+              </a:tr>
+              <a:tr h="524555">
+                <a:tc>
+                  <a:txBody>
+                    <a:bodyPr/>
+                    <a:lstStyle/>
+                    <a:p>
+                      <a:pPr latinLnBrk="1"/>
+                      <a:endParaRPr lang="ko-KR" altLang="en-US" sz="2500" dirty="0"/>
+                    </a:p>
+                  </a:txBody>
+                  <a:tcPr marL="129342" marR="129342" marT="64671" marB="64671">
+                    <a:lnL w="12700" cap="flat" cmpd="sng" algn="ctr">
+                      <a:solidFill>
+                        <a:schemeClr val="bg1">
+                          <a:lumMod val="65000"/>
+                        </a:schemeClr>
+                      </a:solidFill>
+                      <a:prstDash val="solid"/>
+                      <a:round/>
+                      <a:headEnd type="none" w="med" len="med"/>
+                      <a:tailEnd type="none" w="med" len="med"/>
+                    </a:lnL>
+                    <a:lnR w="12700" cap="flat" cmpd="sng" algn="ctr">
+                      <a:solidFill>
+                        <a:schemeClr val="bg1">
+                          <a:lumMod val="65000"/>
+                        </a:schemeClr>
+                      </a:solidFill>
+                      <a:prstDash val="solid"/>
+                      <a:round/>
+                      <a:headEnd type="none" w="med" len="med"/>
+                      <a:tailEnd type="none" w="med" len="med"/>
+                    </a:lnR>
+                    <a:lnT w="12700" cap="flat" cmpd="sng" algn="ctr">
+                      <a:solidFill>
+                        <a:schemeClr val="bg1">
+                          <a:lumMod val="65000"/>
+                        </a:schemeClr>
+                      </a:solidFill>
+                      <a:prstDash val="solid"/>
+                      <a:round/>
+                      <a:headEnd type="none" w="med" len="med"/>
+                      <a:tailEnd type="none" w="med" len="med"/>
+                    </a:lnT>
+                    <a:lnB w="12700" cap="flat" cmpd="sng" algn="ctr">
+                      <a:solidFill>
+                        <a:schemeClr val="bg1">
+                          <a:lumMod val="65000"/>
+                        </a:schemeClr>
+                      </a:solidFill>
+                      <a:prstDash val="solid"/>
+                      <a:round/>
+                      <a:headEnd type="none" w="med" len="med"/>
+                      <a:tailEnd type="none" w="med" len="med"/>
+                    </a:lnB>
+                    <a:solidFill>
+                      <a:schemeClr val="bg1"/>
+                    </a:solidFill>
+                  </a:tcPr>
+                </a:tc>
+                <a:tc>
+                  <a:txBody>
+                    <a:bodyPr/>
+                    <a:lstStyle/>
+                    <a:p>
+                      <a:pPr latinLnBrk="1"/>
+                      <a:endParaRPr lang="ko-KR" altLang="en-US" sz="2500"/>
+                    </a:p>
+                  </a:txBody>
+                  <a:tcPr marL="129342" marR="129342" marT="64671" marB="64671">
+                    <a:lnL w="12700" cap="flat" cmpd="sng" algn="ctr">
+                      <a:solidFill>
+                        <a:schemeClr val="bg1">
+                          <a:lumMod val="65000"/>
+                        </a:schemeClr>
+                      </a:solidFill>
+                      <a:prstDash val="solid"/>
+                      <a:round/>
+                      <a:headEnd type="none" w="med" len="med"/>
+                      <a:tailEnd type="none" w="med" len="med"/>
+                    </a:lnL>
+                    <a:lnR w="12700" cap="flat" cmpd="sng" algn="ctr">
+                      <a:solidFill>
+                        <a:schemeClr val="bg1">
+                          <a:lumMod val="65000"/>
+                        </a:schemeClr>
+                      </a:solidFill>
+                      <a:prstDash val="solid"/>
+                      <a:round/>
+                      <a:headEnd type="none" w="med" len="med"/>
+                      <a:tailEnd type="none" w="med" len="med"/>
+                    </a:lnR>
+                    <a:lnT w="12700" cap="flat" cmpd="sng" algn="ctr">
+                      <a:solidFill>
+                        <a:schemeClr val="bg1">
+                          <a:lumMod val="65000"/>
+                        </a:schemeClr>
+                      </a:solidFill>
+                      <a:prstDash val="solid"/>
+                      <a:round/>
+                      <a:headEnd type="none" w="med" len="med"/>
+                      <a:tailEnd type="none" w="med" len="med"/>
+                    </a:lnT>
+                    <a:lnB w="12700" cap="flat" cmpd="sng" algn="ctr">
+                      <a:solidFill>
+                        <a:schemeClr val="bg1">
+                          <a:lumMod val="65000"/>
+                        </a:schemeClr>
+                      </a:solidFill>
+                      <a:prstDash val="solid"/>
+                      <a:round/>
+                      <a:headEnd type="none" w="med" len="med"/>
+                      <a:tailEnd type="none" w="med" len="med"/>
+                    </a:lnB>
+                    <a:solidFill>
+                      <a:schemeClr val="bg1"/>
+                    </a:solidFill>
+                  </a:tcPr>
+                </a:tc>
+                <a:tc>
+                  <a:txBody>
+                    <a:bodyPr/>
+                    <a:lstStyle/>
+                    <a:p>
+                      <a:pPr latinLnBrk="1"/>
+                      <a:endParaRPr lang="ko-KR" altLang="en-US" sz="2500" dirty="0"/>
+                    </a:p>
+                  </a:txBody>
+                  <a:tcPr marL="129342" marR="129342" marT="64671" marB="64671">
+                    <a:lnL w="12700" cap="flat" cmpd="sng" algn="ctr">
+                      <a:solidFill>
+                        <a:schemeClr val="bg1">
+                          <a:lumMod val="65000"/>
+                        </a:schemeClr>
+                      </a:solidFill>
+                      <a:prstDash val="solid"/>
+                      <a:round/>
+                      <a:headEnd type="none" w="med" len="med"/>
+                      <a:tailEnd type="none" w="med" len="med"/>
+                    </a:lnL>
+                    <a:lnR w="12700" cap="flat" cmpd="sng" algn="ctr">
+                      <a:solidFill>
+                        <a:schemeClr val="bg1">
+                          <a:lumMod val="65000"/>
+                        </a:schemeClr>
+                      </a:solidFill>
+                      <a:prstDash val="solid"/>
+                      <a:round/>
+                      <a:headEnd type="none" w="med" len="med"/>
+                      <a:tailEnd type="none" w="med" len="med"/>
+                    </a:lnR>
+                    <a:lnT w="12700" cap="flat" cmpd="sng" algn="ctr">
+                      <a:solidFill>
+                        <a:schemeClr val="bg1">
+                          <a:lumMod val="65000"/>
+                        </a:schemeClr>
+                      </a:solidFill>
+                      <a:prstDash val="solid"/>
+                      <a:round/>
+                      <a:headEnd type="none" w="med" len="med"/>
+                      <a:tailEnd type="none" w="med" len="med"/>
+                    </a:lnT>
+                    <a:lnB w="12700" cap="flat" cmpd="sng" algn="ctr">
+                      <a:solidFill>
+                        <a:schemeClr val="bg1">
+                          <a:lumMod val="65000"/>
+                        </a:schemeClr>
+                      </a:solidFill>
+                      <a:prstDash val="solid"/>
+                      <a:round/>
+                      <a:headEnd type="none" w="med" len="med"/>
+                      <a:tailEnd type="none" w="med" len="med"/>
+                    </a:lnB>
+                    <a:solidFill>
+                      <a:schemeClr val="bg1"/>
+                    </a:solidFill>
+                  </a:tcPr>
+                </a:tc>
+                <a:tc>
+                  <a:txBody>
+                    <a:bodyPr/>
+                    <a:lstStyle/>
+                    <a:p>
+                      <a:pPr latinLnBrk="1"/>
+                      <a:endParaRPr lang="ko-KR" altLang="en-US" sz="2500" dirty="0"/>
+                    </a:p>
+                  </a:txBody>
+                  <a:tcPr marL="129342" marR="129342" marT="64671" marB="64671">
+                    <a:lnL w="12700" cap="flat" cmpd="sng" algn="ctr">
+                      <a:solidFill>
+                        <a:schemeClr val="bg1">
+                          <a:lumMod val="65000"/>
+                        </a:schemeClr>
+                      </a:solidFill>
+                      <a:prstDash val="solid"/>
+                      <a:round/>
+                      <a:headEnd type="none" w="med" len="med"/>
+                      <a:tailEnd type="none" w="med" len="med"/>
+                    </a:lnL>
+                    <a:lnR w="12700" cap="flat" cmpd="sng" algn="ctr">
+                      <a:solidFill>
+                        <a:schemeClr val="bg1">
+                          <a:lumMod val="65000"/>
+                        </a:schemeClr>
+                      </a:solidFill>
+                      <a:prstDash val="solid"/>
+                      <a:round/>
+                      <a:headEnd type="none" w="med" len="med"/>
+                      <a:tailEnd type="none" w="med" len="med"/>
+                    </a:lnR>
+                    <a:lnT w="12700" cap="flat" cmpd="sng" algn="ctr">
+                      <a:solidFill>
+                        <a:schemeClr val="bg1">
+                          <a:lumMod val="65000"/>
+                        </a:schemeClr>
+                      </a:solidFill>
+                      <a:prstDash val="solid"/>
+                      <a:round/>
+                      <a:headEnd type="none" w="med" len="med"/>
+                      <a:tailEnd type="none" w="med" len="med"/>
+                    </a:lnT>
+                    <a:lnB w="12700" cap="flat" cmpd="sng" algn="ctr">
+                      <a:solidFill>
+                        <a:schemeClr val="bg1">
+                          <a:lumMod val="65000"/>
+                        </a:schemeClr>
+                      </a:solidFill>
+                      <a:prstDash val="solid"/>
+                      <a:round/>
+                      <a:headEnd type="none" w="med" len="med"/>
+                      <a:tailEnd type="none" w="med" len="med"/>
+                    </a:lnB>
+                    <a:solidFill>
+                      <a:schemeClr val="bg1">
+                        <a:lumMod val="50000"/>
+                      </a:schemeClr>
+                    </a:solidFill>
+                  </a:tcPr>
+                </a:tc>
+                <a:tc>
+                  <a:txBody>
+                    <a:bodyPr/>
+                    <a:lstStyle/>
+                    <a:p>
+                      <a:pPr latinLnBrk="1"/>
+                      <a:endParaRPr lang="ko-KR" altLang="en-US" sz="2500" dirty="0"/>
+                    </a:p>
+                  </a:txBody>
+                  <a:tcPr marL="129342" marR="129342" marT="64671" marB="64671">
+                    <a:lnL w="12700" cap="flat" cmpd="sng" algn="ctr">
+                      <a:solidFill>
+                        <a:schemeClr val="bg1">
+                          <a:lumMod val="65000"/>
+                        </a:schemeClr>
+                      </a:solidFill>
+                      <a:prstDash val="solid"/>
+                      <a:round/>
+                      <a:headEnd type="none" w="med" len="med"/>
+                      <a:tailEnd type="none" w="med" len="med"/>
+                    </a:lnL>
+                    <a:lnR w="12700" cap="flat" cmpd="sng" algn="ctr">
+                      <a:solidFill>
+                        <a:schemeClr val="bg1">
+                          <a:lumMod val="65000"/>
+                        </a:schemeClr>
+                      </a:solidFill>
+                      <a:prstDash val="solid"/>
+                      <a:round/>
+                      <a:headEnd type="none" w="med" len="med"/>
+                      <a:tailEnd type="none" w="med" len="med"/>
+                    </a:lnR>
+                    <a:lnT w="12700" cap="flat" cmpd="sng" algn="ctr">
+                      <a:solidFill>
+                        <a:schemeClr val="bg1">
+                          <a:lumMod val="65000"/>
+                        </a:schemeClr>
+                      </a:solidFill>
+                      <a:prstDash val="solid"/>
+                      <a:round/>
+                      <a:headEnd type="none" w="med" len="med"/>
+                      <a:tailEnd type="none" w="med" len="med"/>
+                    </a:lnT>
+                    <a:lnB w="12700" cap="flat" cmpd="sng" algn="ctr">
+                      <a:solidFill>
+                        <a:schemeClr val="bg1">
+                          <a:lumMod val="65000"/>
+                        </a:schemeClr>
+                      </a:solidFill>
+                      <a:prstDash val="solid"/>
+                      <a:round/>
+                      <a:headEnd type="none" w="med" len="med"/>
+                      <a:tailEnd type="none" w="med" len="med"/>
+                    </a:lnB>
+                    <a:solidFill>
+                      <a:schemeClr val="bg1"/>
+                    </a:solidFill>
+                  </a:tcPr>
+                </a:tc>
+                <a:extLst>
+                  <a:ext uri="{0D108BD9-81ED-4DB2-BD59-A6C34878D82A}">
+                    <a16:rowId xmlns:a16="http://schemas.microsoft.com/office/drawing/2014/main" val="3828762884"/>
+                  </a:ext>
+                </a:extLst>
+              </a:tr>
+              <a:tr h="524555">
+                <a:tc>
+                  <a:txBody>
+                    <a:bodyPr/>
+                    <a:lstStyle/>
+                    <a:p>
+                      <a:pPr latinLnBrk="1"/>
+                      <a:endParaRPr lang="ko-KR" altLang="en-US" sz="2500" dirty="0"/>
+                    </a:p>
+                  </a:txBody>
+                  <a:tcPr marL="129342" marR="129342" marT="64671" marB="64671">
+                    <a:lnL w="12700" cap="flat" cmpd="sng" algn="ctr">
+                      <a:solidFill>
+                        <a:schemeClr val="bg1">
+                          <a:lumMod val="65000"/>
+                        </a:schemeClr>
+                      </a:solidFill>
+                      <a:prstDash val="solid"/>
+                      <a:round/>
+                      <a:headEnd type="none" w="med" len="med"/>
+                      <a:tailEnd type="none" w="med" len="med"/>
+                    </a:lnL>
+                    <a:lnR w="12700" cap="flat" cmpd="sng" algn="ctr">
+                      <a:solidFill>
+                        <a:schemeClr val="bg1">
+                          <a:lumMod val="65000"/>
+                        </a:schemeClr>
+                      </a:solidFill>
+                      <a:prstDash val="solid"/>
+                      <a:round/>
+                      <a:headEnd type="none" w="med" len="med"/>
+                      <a:tailEnd type="none" w="med" len="med"/>
+                    </a:lnR>
+                    <a:lnT w="12700" cap="flat" cmpd="sng" algn="ctr">
+                      <a:solidFill>
+                        <a:schemeClr val="bg1">
+                          <a:lumMod val="65000"/>
+                        </a:schemeClr>
+                      </a:solidFill>
+                      <a:prstDash val="solid"/>
+                      <a:round/>
+                      <a:headEnd type="none" w="med" len="med"/>
+                      <a:tailEnd type="none" w="med" len="med"/>
+                    </a:lnT>
+                    <a:lnB w="12700" cap="flat" cmpd="sng" algn="ctr">
+                      <a:solidFill>
+                        <a:schemeClr val="bg1">
+                          <a:lumMod val="65000"/>
+                        </a:schemeClr>
+                      </a:solidFill>
+                      <a:prstDash val="solid"/>
+                      <a:round/>
+                      <a:headEnd type="none" w="med" len="med"/>
+                      <a:tailEnd type="none" w="med" len="med"/>
+                    </a:lnB>
+                    <a:solidFill>
+                      <a:schemeClr val="bg1">
+                        <a:lumMod val="50000"/>
+                      </a:schemeClr>
+                    </a:solidFill>
+                  </a:tcPr>
+                </a:tc>
+                <a:tc>
+                  <a:txBody>
+                    <a:bodyPr/>
+                    <a:lstStyle/>
+                    <a:p>
+                      <a:pPr latinLnBrk="1"/>
+                      <a:endParaRPr lang="ko-KR" altLang="en-US" sz="2500" dirty="0"/>
+                    </a:p>
+                  </a:txBody>
+                  <a:tcPr marL="129342" marR="129342" marT="64671" marB="64671">
+                    <a:lnL w="12700" cap="flat" cmpd="sng" algn="ctr">
+                      <a:solidFill>
+                        <a:schemeClr val="bg1">
+                          <a:lumMod val="65000"/>
+                        </a:schemeClr>
+                      </a:solidFill>
+                      <a:prstDash val="solid"/>
+                      <a:round/>
+                      <a:headEnd type="none" w="med" len="med"/>
+                      <a:tailEnd type="none" w="med" len="med"/>
+                    </a:lnL>
+                    <a:lnR w="12700" cap="flat" cmpd="sng" algn="ctr">
+                      <a:solidFill>
+                        <a:schemeClr val="bg1">
+                          <a:lumMod val="65000"/>
+                        </a:schemeClr>
+                      </a:solidFill>
+                      <a:prstDash val="solid"/>
+                      <a:round/>
+                      <a:headEnd type="none" w="med" len="med"/>
+                      <a:tailEnd type="none" w="med" len="med"/>
+                    </a:lnR>
+                    <a:lnT w="12700" cap="flat" cmpd="sng" algn="ctr">
+                      <a:solidFill>
+                        <a:schemeClr val="bg1">
+                          <a:lumMod val="65000"/>
+                        </a:schemeClr>
+                      </a:solidFill>
+                      <a:prstDash val="solid"/>
+                      <a:round/>
+                      <a:headEnd type="none" w="med" len="med"/>
+                      <a:tailEnd type="none" w="med" len="med"/>
+                    </a:lnT>
+                    <a:lnB w="12700" cap="flat" cmpd="sng" algn="ctr">
+                      <a:solidFill>
+                        <a:schemeClr val="bg1">
+                          <a:lumMod val="65000"/>
+                        </a:schemeClr>
+                      </a:solidFill>
+                      <a:prstDash val="solid"/>
+                      <a:round/>
+                      <a:headEnd type="none" w="med" len="med"/>
+                      <a:tailEnd type="none" w="med" len="med"/>
+                    </a:lnB>
+                    <a:solidFill>
+                      <a:schemeClr val="bg1">
+                        <a:lumMod val="50000"/>
+                      </a:schemeClr>
+                    </a:solidFill>
+                  </a:tcPr>
+                </a:tc>
+                <a:tc>
+                  <a:txBody>
+                    <a:bodyPr/>
+                    <a:lstStyle/>
+                    <a:p>
+                      <a:pPr latinLnBrk="1"/>
+                      <a:endParaRPr lang="ko-KR" altLang="en-US" sz="2500" dirty="0"/>
+                    </a:p>
+                  </a:txBody>
+                  <a:tcPr marL="129342" marR="129342" marT="64671" marB="64671">
+                    <a:lnL w="12700" cap="flat" cmpd="sng" algn="ctr">
+                      <a:solidFill>
+                        <a:schemeClr val="bg1">
+                          <a:lumMod val="65000"/>
+                        </a:schemeClr>
+                      </a:solidFill>
+                      <a:prstDash val="solid"/>
+                      <a:round/>
+                      <a:headEnd type="none" w="med" len="med"/>
+                      <a:tailEnd type="none" w="med" len="med"/>
+                    </a:lnL>
+                    <a:lnR w="12700" cap="flat" cmpd="sng" algn="ctr">
+                      <a:solidFill>
+                        <a:schemeClr val="bg1">
+                          <a:lumMod val="65000"/>
+                        </a:schemeClr>
+                      </a:solidFill>
+                      <a:prstDash val="solid"/>
+                      <a:round/>
+                      <a:headEnd type="none" w="med" len="med"/>
+                      <a:tailEnd type="none" w="med" len="med"/>
+                    </a:lnR>
+                    <a:lnT w="12700" cap="flat" cmpd="sng" algn="ctr">
+                      <a:solidFill>
+                        <a:schemeClr val="bg1">
+                          <a:lumMod val="65000"/>
+                        </a:schemeClr>
+                      </a:solidFill>
+                      <a:prstDash val="solid"/>
+                      <a:round/>
+                      <a:headEnd type="none" w="med" len="med"/>
+                      <a:tailEnd type="none" w="med" len="med"/>
+                    </a:lnT>
+                    <a:lnB w="12700" cap="flat" cmpd="sng" algn="ctr">
+                      <a:solidFill>
+                        <a:schemeClr val="bg1">
+                          <a:lumMod val="65000"/>
+                        </a:schemeClr>
+                      </a:solidFill>
+                      <a:prstDash val="solid"/>
+                      <a:round/>
+                      <a:headEnd type="none" w="med" len="med"/>
+                      <a:tailEnd type="none" w="med" len="med"/>
+                    </a:lnB>
+                    <a:solidFill>
+                      <a:schemeClr val="bg1"/>
+                    </a:solidFill>
+                  </a:tcPr>
+                </a:tc>
+                <a:tc>
+                  <a:txBody>
+                    <a:bodyPr/>
+                    <a:lstStyle/>
+                    <a:p>
+                      <a:pPr latinLnBrk="1"/>
+                      <a:endParaRPr lang="ko-KR" altLang="en-US" sz="2500" dirty="0"/>
+                    </a:p>
+                  </a:txBody>
+                  <a:tcPr marL="129342" marR="129342" marT="64671" marB="64671">
+                    <a:lnL w="12700" cap="flat" cmpd="sng" algn="ctr">
+                      <a:solidFill>
+                        <a:schemeClr val="bg1">
+                          <a:lumMod val="65000"/>
+                        </a:schemeClr>
+                      </a:solidFill>
+                      <a:prstDash val="solid"/>
+                      <a:round/>
+                      <a:headEnd type="none" w="med" len="med"/>
+                      <a:tailEnd type="none" w="med" len="med"/>
+                    </a:lnL>
+                    <a:lnR w="12700" cap="flat" cmpd="sng" algn="ctr">
+                      <a:solidFill>
+                        <a:schemeClr val="bg1">
+                          <a:lumMod val="65000"/>
+                        </a:schemeClr>
+                      </a:solidFill>
+                      <a:prstDash val="solid"/>
+                      <a:round/>
+                      <a:headEnd type="none" w="med" len="med"/>
+                      <a:tailEnd type="none" w="med" len="med"/>
+                    </a:lnR>
+                    <a:lnT w="12700" cap="flat" cmpd="sng" algn="ctr">
+                      <a:solidFill>
+                        <a:schemeClr val="bg1">
+                          <a:lumMod val="65000"/>
+                        </a:schemeClr>
+                      </a:solidFill>
+                      <a:prstDash val="solid"/>
+                      <a:round/>
+                      <a:headEnd type="none" w="med" len="med"/>
+                      <a:tailEnd type="none" w="med" len="med"/>
+                    </a:lnT>
+                    <a:lnB w="12700" cap="flat" cmpd="sng" algn="ctr">
+                      <a:solidFill>
+                        <a:schemeClr val="bg1">
+                          <a:lumMod val="65000"/>
+                        </a:schemeClr>
+                      </a:solidFill>
+                      <a:prstDash val="solid"/>
+                      <a:round/>
+                      <a:headEnd type="none" w="med" len="med"/>
+                      <a:tailEnd type="none" w="med" len="med"/>
+                    </a:lnB>
+                    <a:solidFill>
+                      <a:schemeClr val="bg1">
+                        <a:lumMod val="50000"/>
+                      </a:schemeClr>
+                    </a:solidFill>
+                  </a:tcPr>
+                </a:tc>
+                <a:tc>
+                  <a:txBody>
+                    <a:bodyPr/>
+                    <a:lstStyle/>
+                    <a:p>
+                      <a:pPr latinLnBrk="1"/>
+                      <a:endParaRPr lang="ko-KR" altLang="en-US" sz="2500" dirty="0"/>
+                    </a:p>
+                  </a:txBody>
+                  <a:tcPr marL="129342" marR="129342" marT="64671" marB="64671">
+                    <a:lnL w="12700" cap="flat" cmpd="sng" algn="ctr">
+                      <a:solidFill>
+                        <a:schemeClr val="bg1">
+                          <a:lumMod val="65000"/>
+                        </a:schemeClr>
+                      </a:solidFill>
+                      <a:prstDash val="solid"/>
+                      <a:round/>
+                      <a:headEnd type="none" w="med" len="med"/>
+                      <a:tailEnd type="none" w="med" len="med"/>
+                    </a:lnL>
+                    <a:lnR w="12700" cap="flat" cmpd="sng" algn="ctr">
+                      <a:solidFill>
+                        <a:schemeClr val="bg1">
+                          <a:lumMod val="65000"/>
+                        </a:schemeClr>
+                      </a:solidFill>
+                      <a:prstDash val="solid"/>
+                      <a:round/>
+                      <a:headEnd type="none" w="med" len="med"/>
+                      <a:tailEnd type="none" w="med" len="med"/>
+                    </a:lnR>
+                    <a:lnT w="12700" cap="flat" cmpd="sng" algn="ctr">
+                      <a:solidFill>
+                        <a:schemeClr val="bg1">
+                          <a:lumMod val="65000"/>
+                        </a:schemeClr>
+                      </a:solidFill>
+                      <a:prstDash val="solid"/>
+                      <a:round/>
+                      <a:headEnd type="none" w="med" len="med"/>
+                      <a:tailEnd type="none" w="med" len="med"/>
+                    </a:lnT>
+                    <a:lnB w="12700" cap="flat" cmpd="sng" algn="ctr">
+                      <a:solidFill>
+                        <a:schemeClr val="bg1">
+                          <a:lumMod val="65000"/>
+                        </a:schemeClr>
+                      </a:solidFill>
+                      <a:prstDash val="solid"/>
+                      <a:round/>
+                      <a:headEnd type="none" w="med" len="med"/>
+                      <a:tailEnd type="none" w="med" len="med"/>
+                    </a:lnB>
+                    <a:solidFill>
+                      <a:schemeClr val="bg1"/>
+                    </a:solidFill>
+                  </a:tcPr>
+                </a:tc>
+                <a:extLst>
+                  <a:ext uri="{0D108BD9-81ED-4DB2-BD59-A6C34878D82A}">
+                    <a16:rowId xmlns:a16="http://schemas.microsoft.com/office/drawing/2014/main" val="2458331210"/>
+                  </a:ext>
+                </a:extLst>
+              </a:tr>
+              <a:tr h="524555">
+                <a:tc>
+                  <a:txBody>
+                    <a:bodyPr/>
+                    <a:lstStyle/>
+                    <a:p>
+                      <a:pPr latinLnBrk="1"/>
+                      <a:endParaRPr lang="ko-KR" altLang="en-US" sz="2500" dirty="0"/>
+                    </a:p>
+                  </a:txBody>
+                  <a:tcPr marL="129342" marR="129342" marT="64671" marB="64671">
+                    <a:lnL w="12700" cap="flat" cmpd="sng" algn="ctr">
+                      <a:solidFill>
+                        <a:schemeClr val="bg1">
+                          <a:lumMod val="65000"/>
+                        </a:schemeClr>
+                      </a:solidFill>
+                      <a:prstDash val="solid"/>
+                      <a:round/>
+                      <a:headEnd type="none" w="med" len="med"/>
+                      <a:tailEnd type="none" w="med" len="med"/>
+                    </a:lnL>
+                    <a:lnR w="12700" cap="flat" cmpd="sng" algn="ctr">
+                      <a:solidFill>
+                        <a:schemeClr val="bg1">
+                          <a:lumMod val="65000"/>
+                        </a:schemeClr>
+                      </a:solidFill>
+                      <a:prstDash val="solid"/>
+                      <a:round/>
+                      <a:headEnd type="none" w="med" len="med"/>
+                      <a:tailEnd type="none" w="med" len="med"/>
+                    </a:lnR>
+                    <a:lnT w="12700" cap="flat" cmpd="sng" algn="ctr">
+                      <a:solidFill>
+                        <a:schemeClr val="bg1">
+                          <a:lumMod val="65000"/>
+                        </a:schemeClr>
+                      </a:solidFill>
+                      <a:prstDash val="solid"/>
+                      <a:round/>
+                      <a:headEnd type="none" w="med" len="med"/>
+                      <a:tailEnd type="none" w="med" len="med"/>
+                    </a:lnT>
+                    <a:lnB w="12700" cap="flat" cmpd="sng" algn="ctr">
+                      <a:solidFill>
+                        <a:schemeClr val="bg1">
+                          <a:lumMod val="65000"/>
+                        </a:schemeClr>
+                      </a:solidFill>
+                      <a:prstDash val="solid"/>
+                      <a:round/>
+                      <a:headEnd type="none" w="med" len="med"/>
+                      <a:tailEnd type="none" w="med" len="med"/>
+                    </a:lnB>
+                    <a:solidFill>
+                      <a:schemeClr val="bg1"/>
+                    </a:solidFill>
+                  </a:tcPr>
+                </a:tc>
+                <a:tc>
+                  <a:txBody>
+                    <a:bodyPr/>
+                    <a:lstStyle/>
+                    <a:p>
+                      <a:pPr latinLnBrk="1"/>
+                      <a:endParaRPr lang="ko-KR" altLang="en-US" sz="2500" dirty="0"/>
+                    </a:p>
+                  </a:txBody>
+                  <a:tcPr marL="129342" marR="129342" marT="64671" marB="64671">
+                    <a:lnL w="12700" cap="flat" cmpd="sng" algn="ctr">
+                      <a:solidFill>
+                        <a:schemeClr val="bg1">
+                          <a:lumMod val="65000"/>
+                        </a:schemeClr>
+                      </a:solidFill>
+                      <a:prstDash val="solid"/>
+                      <a:round/>
+                      <a:headEnd type="none" w="med" len="med"/>
+                      <a:tailEnd type="none" w="med" len="med"/>
+                    </a:lnL>
+                    <a:lnR w="12700" cap="flat" cmpd="sng" algn="ctr">
+                      <a:solidFill>
+                        <a:schemeClr val="bg1">
+                          <a:lumMod val="65000"/>
+                        </a:schemeClr>
+                      </a:solidFill>
+                      <a:prstDash val="solid"/>
+                      <a:round/>
+                      <a:headEnd type="none" w="med" len="med"/>
+                      <a:tailEnd type="none" w="med" len="med"/>
+                    </a:lnR>
+                    <a:lnT w="12700" cap="flat" cmpd="sng" algn="ctr">
+                      <a:solidFill>
+                        <a:schemeClr val="bg1">
+                          <a:lumMod val="65000"/>
+                        </a:schemeClr>
+                      </a:solidFill>
+                      <a:prstDash val="solid"/>
+                      <a:round/>
+                      <a:headEnd type="none" w="med" len="med"/>
+                      <a:tailEnd type="none" w="med" len="med"/>
+                    </a:lnT>
+                    <a:lnB w="12700" cap="flat" cmpd="sng" algn="ctr">
+                      <a:solidFill>
+                        <a:schemeClr val="bg1">
+                          <a:lumMod val="65000"/>
+                        </a:schemeClr>
+                      </a:solidFill>
+                      <a:prstDash val="solid"/>
+                      <a:round/>
+                      <a:headEnd type="none" w="med" len="med"/>
+                      <a:tailEnd type="none" w="med" len="med"/>
+                    </a:lnB>
+                    <a:solidFill>
+                      <a:schemeClr val="bg1"/>
+                    </a:solidFill>
+                  </a:tcPr>
+                </a:tc>
+                <a:tc>
+                  <a:txBody>
+                    <a:bodyPr/>
+                    <a:lstStyle/>
+                    <a:p>
+                      <a:pPr latinLnBrk="1"/>
+                      <a:endParaRPr lang="ko-KR" altLang="en-US" sz="2500" dirty="0"/>
+                    </a:p>
+                  </a:txBody>
+                  <a:tcPr marL="129342" marR="129342" marT="64671" marB="64671">
+                    <a:lnL w="12700" cap="flat" cmpd="sng" algn="ctr">
+                      <a:solidFill>
+                        <a:schemeClr val="bg1">
+                          <a:lumMod val="65000"/>
+                        </a:schemeClr>
+                      </a:solidFill>
+                      <a:prstDash val="solid"/>
+                      <a:round/>
+                      <a:headEnd type="none" w="med" len="med"/>
+                      <a:tailEnd type="none" w="med" len="med"/>
+                    </a:lnL>
+                    <a:lnR w="12700" cap="flat" cmpd="sng" algn="ctr">
+                      <a:solidFill>
+                        <a:schemeClr val="bg1">
+                          <a:lumMod val="65000"/>
+                        </a:schemeClr>
+                      </a:solidFill>
+                      <a:prstDash val="solid"/>
+                      <a:round/>
+                      <a:headEnd type="none" w="med" len="med"/>
+                      <a:tailEnd type="none" w="med" len="med"/>
+                    </a:lnR>
+                    <a:lnT w="12700" cap="flat" cmpd="sng" algn="ctr">
+                      <a:solidFill>
+                        <a:schemeClr val="bg1">
+                          <a:lumMod val="65000"/>
+                        </a:schemeClr>
+                      </a:solidFill>
+                      <a:prstDash val="solid"/>
+                      <a:round/>
+                      <a:headEnd type="none" w="med" len="med"/>
+                      <a:tailEnd type="none" w="med" len="med"/>
+                    </a:lnT>
+                    <a:lnB w="12700" cap="flat" cmpd="sng" algn="ctr">
+                      <a:solidFill>
+                        <a:schemeClr val="bg1">
+                          <a:lumMod val="65000"/>
+                        </a:schemeClr>
+                      </a:solidFill>
+                      <a:prstDash val="solid"/>
+                      <a:round/>
+                      <a:headEnd type="none" w="med" len="med"/>
+                      <a:tailEnd type="none" w="med" len="med"/>
+                    </a:lnB>
+                    <a:solidFill>
+                      <a:schemeClr val="bg1"/>
+                    </a:solidFill>
+                  </a:tcPr>
+                </a:tc>
+                <a:tc>
+                  <a:txBody>
+                    <a:bodyPr/>
+                    <a:lstStyle/>
+                    <a:p>
+                      <a:pPr latinLnBrk="1"/>
+                      <a:endParaRPr lang="ko-KR" altLang="en-US" sz="2500" dirty="0"/>
+                    </a:p>
+                  </a:txBody>
+                  <a:tcPr marL="129342" marR="129342" marT="64671" marB="64671">
+                    <a:lnL w="12700" cap="flat" cmpd="sng" algn="ctr">
+                      <a:solidFill>
+                        <a:schemeClr val="bg1">
+                          <a:lumMod val="65000"/>
+                        </a:schemeClr>
+                      </a:solidFill>
+                      <a:prstDash val="solid"/>
+                      <a:round/>
+                      <a:headEnd type="none" w="med" len="med"/>
+                      <a:tailEnd type="none" w="med" len="med"/>
+                    </a:lnL>
+                    <a:lnR w="12700" cap="flat" cmpd="sng" algn="ctr">
+                      <a:solidFill>
+                        <a:schemeClr val="bg1">
+                          <a:lumMod val="65000"/>
+                        </a:schemeClr>
+                      </a:solidFill>
+                      <a:prstDash val="solid"/>
+                      <a:round/>
+                      <a:headEnd type="none" w="med" len="med"/>
+                      <a:tailEnd type="none" w="med" len="med"/>
+                    </a:lnR>
+                    <a:lnT w="12700" cap="flat" cmpd="sng" algn="ctr">
+                      <a:solidFill>
+                        <a:schemeClr val="bg1">
+                          <a:lumMod val="65000"/>
+                        </a:schemeClr>
+                      </a:solidFill>
+                      <a:prstDash val="solid"/>
+                      <a:round/>
+                      <a:headEnd type="none" w="med" len="med"/>
+                      <a:tailEnd type="none" w="med" len="med"/>
+                    </a:lnT>
+                    <a:lnB w="12700" cap="flat" cmpd="sng" algn="ctr">
+                      <a:solidFill>
+                        <a:schemeClr val="bg1">
+                          <a:lumMod val="65000"/>
+                        </a:schemeClr>
+                      </a:solidFill>
+                      <a:prstDash val="solid"/>
+                      <a:round/>
+                      <a:headEnd type="none" w="med" len="med"/>
+                      <a:tailEnd type="none" w="med" len="med"/>
+                    </a:lnB>
+                    <a:solidFill>
+                      <a:schemeClr val="bg1"/>
+                    </a:solidFill>
+                  </a:tcPr>
+                </a:tc>
+                <a:tc>
+                  <a:txBody>
+                    <a:bodyPr/>
+                    <a:lstStyle/>
+                    <a:p>
+                      <a:pPr latinLnBrk="1"/>
+                      <a:endParaRPr lang="ko-KR" altLang="en-US" sz="2500" dirty="0"/>
+                    </a:p>
+                  </a:txBody>
+                  <a:tcPr marL="129342" marR="129342" marT="64671" marB="64671">
+                    <a:lnL w="12700" cap="flat" cmpd="sng" algn="ctr">
+                      <a:solidFill>
+                        <a:schemeClr val="bg1">
+                          <a:lumMod val="65000"/>
+                        </a:schemeClr>
+                      </a:solidFill>
+                      <a:prstDash val="solid"/>
+                      <a:round/>
+                      <a:headEnd type="none" w="med" len="med"/>
+                      <a:tailEnd type="none" w="med" len="med"/>
+                    </a:lnL>
+                    <a:lnR w="12700" cap="flat" cmpd="sng" algn="ctr">
+                      <a:solidFill>
+                        <a:schemeClr val="bg1">
+                          <a:lumMod val="65000"/>
+                        </a:schemeClr>
+                      </a:solidFill>
+                      <a:prstDash val="solid"/>
+                      <a:round/>
+                      <a:headEnd type="none" w="med" len="med"/>
+                      <a:tailEnd type="none" w="med" len="med"/>
+                    </a:lnR>
+                    <a:lnT w="12700" cap="flat" cmpd="sng" algn="ctr">
+                      <a:solidFill>
+                        <a:schemeClr val="bg1">
+                          <a:lumMod val="65000"/>
+                        </a:schemeClr>
+                      </a:solidFill>
+                      <a:prstDash val="solid"/>
+                      <a:round/>
+                      <a:headEnd type="none" w="med" len="med"/>
+                      <a:tailEnd type="none" w="med" len="med"/>
+                    </a:lnT>
+                    <a:lnB w="12700" cap="flat" cmpd="sng" algn="ctr">
+                      <a:solidFill>
+                        <a:schemeClr val="bg1">
+                          <a:lumMod val="65000"/>
+                        </a:schemeClr>
+                      </a:solidFill>
+                      <a:prstDash val="solid"/>
+                      <a:round/>
+                      <a:headEnd type="none" w="med" len="med"/>
+                      <a:tailEnd type="none" w="med" len="med"/>
+                    </a:lnB>
+                    <a:solidFill>
+                      <a:schemeClr val="bg1"/>
+                    </a:solidFill>
+                  </a:tcPr>
+                </a:tc>
+                <a:extLst>
+                  <a:ext uri="{0D108BD9-81ED-4DB2-BD59-A6C34878D82A}">
+                    <a16:rowId xmlns:a16="http://schemas.microsoft.com/office/drawing/2014/main" val="572134368"/>
+                  </a:ext>
+                </a:extLst>
+              </a:tr>
+            </a:tbl>
+          </a:graphicData>
+        </a:graphic>
+      </p:graphicFrame>
+      <p:pic>
+        <p:nvPicPr>
+          <p:cNvPr id="1026" name="Picture 2" descr="파일:Pacman.svg - 위키백과, 우리 모두의 백과사전">
+            <a:extLst>
+              <a:ext uri="{FF2B5EF4-FFF2-40B4-BE49-F238E27FC236}">
+                <a16:creationId xmlns:a16="http://schemas.microsoft.com/office/drawing/2014/main" id="{B3EAC201-4239-4B82-8767-4DD08A3A9A42}"/>
+              </a:ext>
+            </a:extLst>
+          </p:cNvPr>
+          <p:cNvPicPr>
+            <a:picLocks noChangeAspect="1" noChangeArrowheads="1"/>
+          </p:cNvPicPr>
+          <p:nvPr/>
+        </p:nvPicPr>
+        <p:blipFill>
+          <a:blip r:embed="rId2">
+            <a:extLst>
+              <a:ext uri="{28A0092B-C50C-407E-A947-70E740481C1C}">
+                <a14:useLocalDpi xmlns:a14="http://schemas.microsoft.com/office/drawing/2010/main" val="0"/>
+              </a:ext>
+            </a:extLst>
+          </a:blip>
+          <a:srcRect/>
+          <a:stretch>
+            <a:fillRect/>
+          </a:stretch>
+        </p:blipFill>
+        <p:spPr bwMode="auto">
+          <a:xfrm>
+            <a:off x="4733900" y="4247075"/>
+            <a:ext cx="431101" cy="454167"/>
+          </a:xfrm>
+          <a:prstGeom prst="rect">
+            <a:avLst/>
+          </a:prstGeom>
+          <a:noFill/>
+          <a:extLst>
+            <a:ext uri="{909E8E84-426E-40DD-AFC4-6F175D3DCCD1}">
+              <a14:hiddenFill xmlns:a14="http://schemas.microsoft.com/office/drawing/2010/main">
+                <a:solidFill>
+                  <a:srgbClr val="FFFFFF"/>
+                </a:solidFill>
+              </a14:hiddenFill>
+            </a:ext>
+          </a:extLst>
+        </p:spPr>
+      </p:pic>
+      <p:pic>
+        <p:nvPicPr>
+          <p:cNvPr id="1030" name="Picture 6" descr="Learning From Clyde, The Sensitive Pac-Man Ghost – Ryan Harvey">
+            <a:extLst>
+              <a:ext uri="{FF2B5EF4-FFF2-40B4-BE49-F238E27FC236}">
+                <a16:creationId xmlns:a16="http://schemas.microsoft.com/office/drawing/2014/main" id="{6CB4F52B-6499-49AB-B2E5-E46D4F7F02D5}"/>
+              </a:ext>
+            </a:extLst>
+          </p:cNvPr>
+          <p:cNvPicPr>
+            <a:picLocks noChangeAspect="1" noChangeArrowheads="1"/>
+          </p:cNvPicPr>
+          <p:nvPr/>
+        </p:nvPicPr>
+        <p:blipFill>
+          <a:blip r:embed="rId3">
+            <a:extLst>
+              <a:ext uri="{28A0092B-C50C-407E-A947-70E740481C1C}">
+                <a14:useLocalDpi xmlns:a14="http://schemas.microsoft.com/office/drawing/2010/main" val="0"/>
+              </a:ext>
+            </a:extLst>
+          </a:blip>
+          <a:srcRect/>
+          <a:stretch>
+            <a:fillRect/>
+          </a:stretch>
+        </p:blipFill>
+        <p:spPr bwMode="auto">
+          <a:xfrm>
+            <a:off x="7022341" y="2149116"/>
+            <a:ext cx="461800" cy="454167"/>
+          </a:xfrm>
+          <a:prstGeom prst="rect">
+            <a:avLst/>
+          </a:prstGeom>
+          <a:noFill/>
+          <a:extLst>
+            <a:ext uri="{909E8E84-426E-40DD-AFC4-6F175D3DCCD1}">
+              <a14:hiddenFill xmlns:a14="http://schemas.microsoft.com/office/drawing/2010/main">
+                <a:solidFill>
+                  <a:srgbClr val="FFFFFF"/>
+                </a:solidFill>
+              </a14:hiddenFill>
+            </a:ext>
+          </a:extLst>
+        </p:spPr>
+      </p:pic>
+      <p:pic>
+        <p:nvPicPr>
+          <p:cNvPr id="1032" name="Picture 8" descr="Pacman Ghost Transparent Background Free Images Png - Pacman Ghost  Transparent Background, Png Download , Transparent Png Image - PNGitem">
+            <a:extLst>
+              <a:ext uri="{FF2B5EF4-FFF2-40B4-BE49-F238E27FC236}">
+                <a16:creationId xmlns:a16="http://schemas.microsoft.com/office/drawing/2014/main" id="{EC4DB17A-9E44-432A-B9B1-C51A9952CD78}"/>
+              </a:ext>
+            </a:extLst>
+          </p:cNvPr>
+          <p:cNvPicPr>
+            <a:picLocks noChangeAspect="1" noChangeArrowheads="1"/>
+          </p:cNvPicPr>
+          <p:nvPr/>
+        </p:nvPicPr>
+        <p:blipFill rotWithShape="1">
+          <a:blip r:embed="rId4">
+            <a:extLst>
+              <a:ext uri="{28A0092B-C50C-407E-A947-70E740481C1C}">
+                <a14:useLocalDpi xmlns:a14="http://schemas.microsoft.com/office/drawing/2010/main" val="0"/>
+              </a:ext>
+            </a:extLst>
+          </a:blip>
+          <a:srcRect l="10886" t="5326" r="10886" b="3247"/>
+          <a:stretch/>
+        </p:blipFill>
+        <p:spPr bwMode="auto">
+          <a:xfrm>
+            <a:off x="5278326" y="2669990"/>
+            <a:ext cx="492914" cy="454168"/>
+          </a:xfrm>
+          <a:prstGeom prst="rect">
+            <a:avLst/>
+          </a:prstGeom>
+          <a:noFill/>
+          <a:extLst>
+            <a:ext uri="{909E8E84-426E-40DD-AFC4-6F175D3DCCD1}">
+              <a14:hiddenFill xmlns:a14="http://schemas.microsoft.com/office/drawing/2010/main">
+                <a:solidFill>
+                  <a:srgbClr val="FFFFFF"/>
+                </a:solidFill>
+              </a14:hiddenFill>
+            </a:ext>
+          </a:extLst>
+        </p:spPr>
+      </p:pic>
+      <p:pic>
+        <p:nvPicPr>
+          <p:cNvPr id="1036" name="Picture 12" descr="Golden Star PNG Image File | PNG All">
+            <a:extLst>
+              <a:ext uri="{FF2B5EF4-FFF2-40B4-BE49-F238E27FC236}">
+                <a16:creationId xmlns:a16="http://schemas.microsoft.com/office/drawing/2014/main" id="{F2838804-F1EB-45DF-B02A-A301A5FC0639}"/>
+              </a:ext>
+            </a:extLst>
+          </p:cNvPr>
+          <p:cNvPicPr>
+            <a:picLocks noChangeAspect="1" noChangeArrowheads="1"/>
+          </p:cNvPicPr>
+          <p:nvPr/>
+        </p:nvPicPr>
+        <p:blipFill>
+          <a:blip r:embed="rId5">
+            <a:extLst>
+              <a:ext uri="{28A0092B-C50C-407E-A947-70E740481C1C}">
+                <a14:useLocalDpi xmlns:a14="http://schemas.microsoft.com/office/drawing/2010/main" val="0"/>
+              </a:ext>
+            </a:extLst>
+          </a:blip>
+          <a:srcRect/>
+          <a:stretch>
+            <a:fillRect/>
+          </a:stretch>
+        </p:blipFill>
+        <p:spPr bwMode="auto">
+          <a:xfrm>
+            <a:off x="5874802" y="2142779"/>
+            <a:ext cx="461289" cy="444022"/>
+          </a:xfrm>
+          <a:prstGeom prst="rect">
+            <a:avLst/>
+          </a:prstGeom>
+          <a:noFill/>
+          <a:extLst>
+            <a:ext uri="{909E8E84-426E-40DD-AFC4-6F175D3DCCD1}">
+              <a14:hiddenFill xmlns:a14="http://schemas.microsoft.com/office/drawing/2010/main">
+                <a:solidFill>
+                  <a:srgbClr val="FFFFFF"/>
+                </a:solidFill>
+              </a14:hiddenFill>
+            </a:ext>
+          </a:extLst>
+        </p:spPr>
+      </p:pic>
+    </p:spTree>
+    <p:extLst>
+      <p:ext uri="{BB962C8B-B14F-4D97-AF65-F5344CB8AC3E}">
+        <p14:creationId xmlns:p14="http://schemas.microsoft.com/office/powerpoint/2010/main" val="2919694329"/>
+      </p:ext>
+    </p:extLst>
+  </p:cSld>
+  <p:clrMapOvr>
+    <a:masterClrMapping/>
+  </p:clrMapOvr>
+</p:sld>
+</file>
+
+<file path=ppt/slides/slide4.xml><?xml version="1.0" encoding="utf-8"?>
+<p:sld xmlns:a="http://schemas.openxmlformats.org/drawingml/2006/main" xmlns:r="http://schemas.openxmlformats.org/officeDocument/2006/relationships" xmlns:p="http://schemas.openxmlformats.org/presentationml/2006/main">
+  <p:cSld>
+    <p:spTree>
+      <p:nvGrpSpPr>
+        <p:cNvPr id="1" name=""/>
+        <p:cNvGrpSpPr/>
+        <p:nvPr/>
+      </p:nvGrpSpPr>
+      <p:grpSpPr>
+        <a:xfrm>
+          <a:off x="0" y="0"/>
+          <a:ext cx="0" cy="0"/>
+          <a:chOff x="0" y="0"/>
+          <a:chExt cx="0" cy="0"/>
+        </a:xfrm>
+      </p:grpSpPr>
+      <p:pic>
+        <p:nvPicPr>
+          <p:cNvPr id="7" name="그림 6">
+            <a:extLst>
+              <a:ext uri="{FF2B5EF4-FFF2-40B4-BE49-F238E27FC236}">
+                <a16:creationId xmlns:a16="http://schemas.microsoft.com/office/drawing/2014/main" id="{2F737E18-C3E2-44B8-A714-8E0CD8B1E374}"/>
+              </a:ext>
+            </a:extLst>
+          </p:cNvPr>
+          <p:cNvPicPr>
+            <a:picLocks noChangeAspect="1"/>
+          </p:cNvPicPr>
+          <p:nvPr/>
+        </p:nvPicPr>
+        <p:blipFill>
+          <a:blip r:embed="rId2">
+            <a:extLst>
+              <a:ext uri="{28A0092B-C50C-407E-A947-70E740481C1C}">
+                <a14:useLocalDpi xmlns:a14="http://schemas.microsoft.com/office/drawing/2010/main" val="0"/>
+              </a:ext>
+            </a:extLst>
+          </a:blip>
+          <a:stretch>
+            <a:fillRect/>
+          </a:stretch>
+        </p:blipFill>
+        <p:spPr>
+          <a:xfrm>
+            <a:off x="6281108" y="1199431"/>
+            <a:ext cx="5023224" cy="4486031"/>
+          </a:xfrm>
+          <a:prstGeom prst="rect">
+            <a:avLst/>
+          </a:prstGeom>
+        </p:spPr>
+      </p:pic>
+      <p:pic>
+        <p:nvPicPr>
+          <p:cNvPr id="8" name="그림 7">
+            <a:extLst>
+              <a:ext uri="{FF2B5EF4-FFF2-40B4-BE49-F238E27FC236}">
+                <a16:creationId xmlns:a16="http://schemas.microsoft.com/office/drawing/2014/main" id="{2FA4238C-1300-49A7-8613-1472248562E3}"/>
+              </a:ext>
+            </a:extLst>
+          </p:cNvPr>
+          <p:cNvPicPr>
+            <a:picLocks noChangeAspect="1"/>
+          </p:cNvPicPr>
+          <p:nvPr/>
+        </p:nvPicPr>
+        <p:blipFill>
+          <a:blip r:embed="rId3">
+            <a:extLst>
+              <a:ext uri="{28A0092B-C50C-407E-A947-70E740481C1C}">
+                <a14:useLocalDpi xmlns:a14="http://schemas.microsoft.com/office/drawing/2010/main" val="0"/>
+              </a:ext>
+            </a:extLst>
+          </a:blip>
+          <a:stretch>
+            <a:fillRect/>
+          </a:stretch>
+        </p:blipFill>
+        <p:spPr>
+          <a:xfrm>
+            <a:off x="1124267" y="1686085"/>
+            <a:ext cx="4250722" cy="3835370"/>
+          </a:xfrm>
+          <a:prstGeom prst="rect">
+            <a:avLst/>
+          </a:prstGeom>
+        </p:spPr>
+      </p:pic>
+    </p:spTree>
+    <p:extLst>
+      <p:ext uri="{BB962C8B-B14F-4D97-AF65-F5344CB8AC3E}">
+        <p14:creationId xmlns:p14="http://schemas.microsoft.com/office/powerpoint/2010/main" val="1033708262"/>
+      </p:ext>
+    </p:extLst>
+  </p:cSld>
+  <p:clrMapOvr>
+    <a:masterClrMapping/>
+  </p:clrMapOvr>
+</p:sld>
+</file>
+
 <file path=ppt/theme/theme1.xml><?xml version="1.0" encoding="utf-8"?>
 <a:theme xmlns:a="http://schemas.openxmlformats.org/drawingml/2006/main" name="Office 테마">
   <a:themeElements>

--- a/img/Env.pptx
+++ b/img/Env.pptx
@@ -262,7 +262,7 @@
           <a:p>
             <a:fld id="{A9D23C55-2B29-4EC3-B6FF-7E0621715BAD}" type="datetimeFigureOut">
               <a:rPr lang="ko-KR" altLang="en-US" smtClean="0"/>
-              <a:t>2021-12-06</a:t>
+              <a:t>2021. 12. 7.</a:t>
             </a:fld>
             <a:endParaRPr lang="ko-KR" altLang="en-US"/>
           </a:p>
@@ -460,7 +460,7 @@
           <a:p>
             <a:fld id="{A9D23C55-2B29-4EC3-B6FF-7E0621715BAD}" type="datetimeFigureOut">
               <a:rPr lang="ko-KR" altLang="en-US" smtClean="0"/>
-              <a:t>2021-12-06</a:t>
+              <a:t>2021. 12. 7.</a:t>
             </a:fld>
             <a:endParaRPr lang="ko-KR" altLang="en-US"/>
           </a:p>
@@ -668,7 +668,7 @@
           <a:p>
             <a:fld id="{A9D23C55-2B29-4EC3-B6FF-7E0621715BAD}" type="datetimeFigureOut">
               <a:rPr lang="ko-KR" altLang="en-US" smtClean="0"/>
-              <a:t>2021-12-06</a:t>
+              <a:t>2021. 12. 7.</a:t>
             </a:fld>
             <a:endParaRPr lang="ko-KR" altLang="en-US"/>
           </a:p>
@@ -866,7 +866,7 @@
           <a:p>
             <a:fld id="{A9D23C55-2B29-4EC3-B6FF-7E0621715BAD}" type="datetimeFigureOut">
               <a:rPr lang="ko-KR" altLang="en-US" smtClean="0"/>
-              <a:t>2021-12-06</a:t>
+              <a:t>2021. 12. 7.</a:t>
             </a:fld>
             <a:endParaRPr lang="ko-KR" altLang="en-US"/>
           </a:p>
@@ -1141,7 +1141,7 @@
           <a:p>
             <a:fld id="{A9D23C55-2B29-4EC3-B6FF-7E0621715BAD}" type="datetimeFigureOut">
               <a:rPr lang="ko-KR" altLang="en-US" smtClean="0"/>
-              <a:t>2021-12-06</a:t>
+              <a:t>2021. 12. 7.</a:t>
             </a:fld>
             <a:endParaRPr lang="ko-KR" altLang="en-US"/>
           </a:p>
@@ -1406,7 +1406,7 @@
           <a:p>
             <a:fld id="{A9D23C55-2B29-4EC3-B6FF-7E0621715BAD}" type="datetimeFigureOut">
               <a:rPr lang="ko-KR" altLang="en-US" smtClean="0"/>
-              <a:t>2021-12-06</a:t>
+              <a:t>2021. 12. 7.</a:t>
             </a:fld>
             <a:endParaRPr lang="ko-KR" altLang="en-US"/>
           </a:p>
@@ -1818,7 +1818,7 @@
           <a:p>
             <a:fld id="{A9D23C55-2B29-4EC3-B6FF-7E0621715BAD}" type="datetimeFigureOut">
               <a:rPr lang="ko-KR" altLang="en-US" smtClean="0"/>
-              <a:t>2021-12-06</a:t>
+              <a:t>2021. 12. 7.</a:t>
             </a:fld>
             <a:endParaRPr lang="ko-KR" altLang="en-US"/>
           </a:p>
@@ -1959,7 +1959,7 @@
           <a:p>
             <a:fld id="{A9D23C55-2B29-4EC3-B6FF-7E0621715BAD}" type="datetimeFigureOut">
               <a:rPr lang="ko-KR" altLang="en-US" smtClean="0"/>
-              <a:t>2021-12-06</a:t>
+              <a:t>2021. 12. 7.</a:t>
             </a:fld>
             <a:endParaRPr lang="ko-KR" altLang="en-US"/>
           </a:p>
@@ -2072,7 +2072,7 @@
           <a:p>
             <a:fld id="{A9D23C55-2B29-4EC3-B6FF-7E0621715BAD}" type="datetimeFigureOut">
               <a:rPr lang="ko-KR" altLang="en-US" smtClean="0"/>
-              <a:t>2021-12-06</a:t>
+              <a:t>2021. 12. 7.</a:t>
             </a:fld>
             <a:endParaRPr lang="ko-KR" altLang="en-US"/>
           </a:p>
@@ -2383,7 +2383,7 @@
           <a:p>
             <a:fld id="{A9D23C55-2B29-4EC3-B6FF-7E0621715BAD}" type="datetimeFigureOut">
               <a:rPr lang="ko-KR" altLang="en-US" smtClean="0"/>
-              <a:t>2021-12-06</a:t>
+              <a:t>2021. 12. 7.</a:t>
             </a:fld>
             <a:endParaRPr lang="ko-KR" altLang="en-US"/>
           </a:p>
@@ -2671,7 +2671,7 @@
           <a:p>
             <a:fld id="{A9D23C55-2B29-4EC3-B6FF-7E0621715BAD}" type="datetimeFigureOut">
               <a:rPr lang="ko-KR" altLang="en-US" smtClean="0"/>
-              <a:t>2021-12-06</a:t>
+              <a:t>2021. 12. 7.</a:t>
             </a:fld>
             <a:endParaRPr lang="ko-KR" altLang="en-US"/>
           </a:p>
@@ -2912,7 +2912,7 @@
           <a:p>
             <a:fld id="{A9D23C55-2B29-4EC3-B6FF-7E0621715BAD}" type="datetimeFigureOut">
               <a:rPr lang="ko-KR" altLang="en-US" smtClean="0"/>
-              <a:t>2021-12-06</a:t>
+              <a:t>2021. 12. 7.</a:t>
             </a:fld>
             <a:endParaRPr lang="ko-KR" altLang="en-US"/>
           </a:p>
@@ -10818,7 +10818,7 @@
         </p:blipFill>
         <p:spPr bwMode="auto">
           <a:xfrm>
-            <a:off x="8779366" y="571320"/>
+            <a:off x="8779366" y="1616584"/>
             <a:ext cx="461289" cy="444022"/>
           </a:xfrm>
           <a:prstGeom prst="rect">
@@ -10836,3767 +10836,100 @@
           </a:extLst>
         </p:spPr>
       </p:pic>
-      <p:sp>
-        <p:nvSpPr>
-          <p:cNvPr id="20" name="타원 19">
+      <p:pic>
+        <p:nvPicPr>
+          <p:cNvPr id="92" name="Picture 12" descr="Golden Star PNG Image File | PNG All">
             <a:extLst>
               <a:ext uri="{FF2B5EF4-FFF2-40B4-BE49-F238E27FC236}">
-                <a16:creationId xmlns:a16="http://schemas.microsoft.com/office/drawing/2014/main" id="{C44C0978-9EDF-4AC0-852C-42861BACB48F}"/>
+                <a16:creationId xmlns:a16="http://schemas.microsoft.com/office/drawing/2014/main" id="{A4B42AE1-E794-584F-A86C-511B650C406F}"/>
               </a:ext>
             </a:extLst>
           </p:cNvPr>
-          <p:cNvSpPr/>
+          <p:cNvPicPr>
+            <a:picLocks noChangeAspect="1" noChangeArrowheads="1"/>
+          </p:cNvPicPr>
           <p:nvPr/>
-        </p:nvSpPr>
-        <p:spPr>
+        </p:nvPicPr>
+        <p:blipFill>
+          <a:blip r:embed="rId5">
+            <a:extLst>
+              <a:ext uri="{28A0092B-C50C-407E-A947-70E740481C1C}">
+                <a14:useLocalDpi xmlns:a14="http://schemas.microsoft.com/office/drawing/2010/main" val="0"/>
+              </a:ext>
+            </a:extLst>
+          </a:blip>
+          <a:srcRect/>
+          <a:stretch>
+            <a:fillRect/>
+          </a:stretch>
+        </p:blipFill>
+        <p:spPr bwMode="auto">
           <a:xfrm>
-            <a:off x="5465836" y="5997022"/>
-            <a:ext cx="115878" cy="115878"/>
+            <a:off x="5285742" y="2670232"/>
+            <a:ext cx="461289" cy="444022"/>
           </a:xfrm>
-          <a:prstGeom prst="ellipse">
+          <a:prstGeom prst="rect">
             <a:avLst/>
           </a:prstGeom>
-          <a:solidFill>
-            <a:schemeClr val="accent4">
-              <a:lumMod val="60000"/>
-              <a:lumOff val="40000"/>
-            </a:schemeClr>
-          </a:solidFill>
-          <a:ln>
-            <a:noFill/>
-          </a:ln>
+          <a:noFill/>
+          <a:extLst>
+            <a:ext uri="{909E8E84-426E-40DD-AFC4-6F175D3DCCD1}">
+              <a14:hiddenFill xmlns:a14="http://schemas.microsoft.com/office/drawing/2010/main">
+                <a:solidFill>
+                  <a:srgbClr val="FFFFFF"/>
+                </a:solidFill>
+              </a14:hiddenFill>
+            </a:ext>
+          </a:extLst>
         </p:spPr>
-        <p:style>
-          <a:lnRef idx="2">
-            <a:schemeClr val="accent1">
-              <a:shade val="50000"/>
-            </a:schemeClr>
-          </a:lnRef>
-          <a:fillRef idx="1">
-            <a:schemeClr val="accent1"/>
-          </a:fillRef>
-          <a:effectRef idx="0">
-            <a:schemeClr val="accent1"/>
-          </a:effectRef>
-          <a:fontRef idx="minor">
-            <a:schemeClr val="lt1"/>
-          </a:fontRef>
-        </p:style>
-        <p:txBody>
-          <a:bodyPr rtlCol="0" anchor="ctr"/>
-          <a:lstStyle/>
-          <a:p>
-            <a:pPr algn="ctr"/>
-            <a:endParaRPr lang="ko-KR" altLang="en-US"/>
-          </a:p>
-        </p:txBody>
-      </p:sp>
-      <p:sp>
-        <p:nvSpPr>
-          <p:cNvPr id="22" name="타원 21">
+      </p:pic>
+      <p:pic>
+        <p:nvPicPr>
+          <p:cNvPr id="93" name="Picture 12" descr="Golden Star PNG Image File | PNG All">
             <a:extLst>
               <a:ext uri="{FF2B5EF4-FFF2-40B4-BE49-F238E27FC236}">
-                <a16:creationId xmlns:a16="http://schemas.microsoft.com/office/drawing/2014/main" id="{C708C05F-04A7-48A3-AACC-EE14573AFF51}"/>
+                <a16:creationId xmlns:a16="http://schemas.microsoft.com/office/drawing/2014/main" id="{513003A5-C3A3-DC42-AC72-8C78E54A1D0D}"/>
               </a:ext>
             </a:extLst>
           </p:cNvPr>
-          <p:cNvSpPr/>
+          <p:cNvPicPr>
+            <a:picLocks noChangeAspect="1" noChangeArrowheads="1"/>
+          </p:cNvPicPr>
           <p:nvPr/>
-        </p:nvSpPr>
-        <p:spPr>
+        </p:nvPicPr>
+        <p:blipFill>
+          <a:blip r:embed="rId5">
+            <a:extLst>
+              <a:ext uri="{28A0092B-C50C-407E-A947-70E740481C1C}">
+                <a14:useLocalDpi xmlns:a14="http://schemas.microsoft.com/office/drawing/2010/main" val="0"/>
+              </a:ext>
+            </a:extLst>
+          </a:blip>
+          <a:srcRect/>
+          <a:stretch>
+            <a:fillRect/>
+          </a:stretch>
+        </p:blipFill>
+        <p:spPr bwMode="auto">
           <a:xfrm>
-            <a:off x="4875286" y="5997022"/>
-            <a:ext cx="115878" cy="115878"/>
+            <a:off x="4113627" y="5816275"/>
+            <a:ext cx="461289" cy="444022"/>
           </a:xfrm>
-          <a:prstGeom prst="ellipse">
+          <a:prstGeom prst="rect">
             <a:avLst/>
           </a:prstGeom>
-          <a:solidFill>
-            <a:schemeClr val="accent4">
-              <a:lumMod val="60000"/>
-              <a:lumOff val="40000"/>
-            </a:schemeClr>
-          </a:solidFill>
-          <a:ln>
-            <a:noFill/>
-          </a:ln>
+          <a:noFill/>
+          <a:extLst>
+            <a:ext uri="{909E8E84-426E-40DD-AFC4-6F175D3DCCD1}">
+              <a14:hiddenFill xmlns:a14="http://schemas.microsoft.com/office/drawing/2010/main">
+                <a:solidFill>
+                  <a:srgbClr val="FFFFFF"/>
+                </a:solidFill>
+              </a14:hiddenFill>
+            </a:ext>
+          </a:extLst>
         </p:spPr>
-        <p:style>
-          <a:lnRef idx="2">
-            <a:schemeClr val="accent1">
-              <a:shade val="50000"/>
-            </a:schemeClr>
-          </a:lnRef>
-          <a:fillRef idx="1">
-            <a:schemeClr val="accent1"/>
-          </a:fillRef>
-          <a:effectRef idx="0">
-            <a:schemeClr val="accent1"/>
-          </a:effectRef>
-          <a:fontRef idx="minor">
-            <a:schemeClr val="lt1"/>
-          </a:fontRef>
-        </p:style>
-        <p:txBody>
-          <a:bodyPr rtlCol="0" anchor="ctr"/>
-          <a:lstStyle/>
-          <a:p>
-            <a:pPr algn="ctr"/>
-            <a:endParaRPr lang="ko-KR" altLang="en-US"/>
-          </a:p>
-        </p:txBody>
-      </p:sp>
-      <p:sp>
-        <p:nvSpPr>
-          <p:cNvPr id="23" name="타원 22">
-            <a:extLst>
-              <a:ext uri="{FF2B5EF4-FFF2-40B4-BE49-F238E27FC236}">
-                <a16:creationId xmlns:a16="http://schemas.microsoft.com/office/drawing/2014/main" id="{3C6B7F4A-A4AC-4388-A6A9-0438743E499D}"/>
-              </a:ext>
-            </a:extLst>
-          </p:cNvPr>
-          <p:cNvSpPr/>
-          <p:nvPr/>
-        </p:nvSpPr>
-        <p:spPr>
-          <a:xfrm>
-            <a:off x="4286994" y="5997022"/>
-            <a:ext cx="115878" cy="115878"/>
-          </a:xfrm>
-          <a:prstGeom prst="ellipse">
-            <a:avLst/>
-          </a:prstGeom>
-          <a:solidFill>
-            <a:schemeClr val="accent4">
-              <a:lumMod val="60000"/>
-              <a:lumOff val="40000"/>
-            </a:schemeClr>
-          </a:solidFill>
-          <a:ln>
-            <a:noFill/>
-          </a:ln>
-        </p:spPr>
-        <p:style>
-          <a:lnRef idx="2">
-            <a:schemeClr val="accent1">
-              <a:shade val="50000"/>
-            </a:schemeClr>
-          </a:lnRef>
-          <a:fillRef idx="1">
-            <a:schemeClr val="accent1"/>
-          </a:fillRef>
-          <a:effectRef idx="0">
-            <a:schemeClr val="accent1"/>
-          </a:effectRef>
-          <a:fontRef idx="minor">
-            <a:schemeClr val="lt1"/>
-          </a:fontRef>
-        </p:style>
-        <p:txBody>
-          <a:bodyPr rtlCol="0" anchor="ctr"/>
-          <a:lstStyle/>
-          <a:p>
-            <a:pPr algn="ctr"/>
-            <a:endParaRPr lang="ko-KR" altLang="en-US"/>
-          </a:p>
-        </p:txBody>
-      </p:sp>
-      <p:sp>
-        <p:nvSpPr>
-          <p:cNvPr id="24" name="타원 23">
-            <a:extLst>
-              <a:ext uri="{FF2B5EF4-FFF2-40B4-BE49-F238E27FC236}">
-                <a16:creationId xmlns:a16="http://schemas.microsoft.com/office/drawing/2014/main" id="{0309251D-77EC-4078-B35F-4D08F9994623}"/>
-              </a:ext>
-            </a:extLst>
-          </p:cNvPr>
-          <p:cNvSpPr/>
-          <p:nvPr/>
-        </p:nvSpPr>
-        <p:spPr>
-          <a:xfrm>
-            <a:off x="3702211" y="5997022"/>
-            <a:ext cx="115878" cy="115878"/>
-          </a:xfrm>
-          <a:prstGeom prst="ellipse">
-            <a:avLst/>
-          </a:prstGeom>
-          <a:solidFill>
-            <a:schemeClr val="accent4">
-              <a:lumMod val="60000"/>
-              <a:lumOff val="40000"/>
-            </a:schemeClr>
-          </a:solidFill>
-          <a:ln>
-            <a:noFill/>
-          </a:ln>
-        </p:spPr>
-        <p:style>
-          <a:lnRef idx="2">
-            <a:schemeClr val="accent1">
-              <a:shade val="50000"/>
-            </a:schemeClr>
-          </a:lnRef>
-          <a:fillRef idx="1">
-            <a:schemeClr val="accent1"/>
-          </a:fillRef>
-          <a:effectRef idx="0">
-            <a:schemeClr val="accent1"/>
-          </a:effectRef>
-          <a:fontRef idx="minor">
-            <a:schemeClr val="lt1"/>
-          </a:fontRef>
-        </p:style>
-        <p:txBody>
-          <a:bodyPr rtlCol="0" anchor="ctr"/>
-          <a:lstStyle/>
-          <a:p>
-            <a:pPr algn="ctr"/>
-            <a:endParaRPr lang="ko-KR" altLang="en-US"/>
-          </a:p>
-        </p:txBody>
-      </p:sp>
-      <p:sp>
-        <p:nvSpPr>
-          <p:cNvPr id="25" name="타원 24">
-            <a:extLst>
-              <a:ext uri="{FF2B5EF4-FFF2-40B4-BE49-F238E27FC236}">
-                <a16:creationId xmlns:a16="http://schemas.microsoft.com/office/drawing/2014/main" id="{61EA443D-551D-45BB-B33E-BBC7525D6CDB}"/>
-              </a:ext>
-            </a:extLst>
-          </p:cNvPr>
-          <p:cNvSpPr/>
-          <p:nvPr/>
-        </p:nvSpPr>
-        <p:spPr>
-          <a:xfrm>
-            <a:off x="3123273" y="5997022"/>
-            <a:ext cx="115878" cy="115878"/>
-          </a:xfrm>
-          <a:prstGeom prst="ellipse">
-            <a:avLst/>
-          </a:prstGeom>
-          <a:solidFill>
-            <a:schemeClr val="accent4">
-              <a:lumMod val="60000"/>
-              <a:lumOff val="40000"/>
-            </a:schemeClr>
-          </a:solidFill>
-          <a:ln>
-            <a:noFill/>
-          </a:ln>
-        </p:spPr>
-        <p:style>
-          <a:lnRef idx="2">
-            <a:schemeClr val="accent1">
-              <a:shade val="50000"/>
-            </a:schemeClr>
-          </a:lnRef>
-          <a:fillRef idx="1">
-            <a:schemeClr val="accent1"/>
-          </a:fillRef>
-          <a:effectRef idx="0">
-            <a:schemeClr val="accent1"/>
-          </a:effectRef>
-          <a:fontRef idx="minor">
-            <a:schemeClr val="lt1"/>
-          </a:fontRef>
-        </p:style>
-        <p:txBody>
-          <a:bodyPr rtlCol="0" anchor="ctr"/>
-          <a:lstStyle/>
-          <a:p>
-            <a:pPr algn="ctr"/>
-            <a:endParaRPr lang="ko-KR" altLang="en-US"/>
-          </a:p>
-        </p:txBody>
-      </p:sp>
-      <p:sp>
-        <p:nvSpPr>
-          <p:cNvPr id="26" name="타원 25">
-            <a:extLst>
-              <a:ext uri="{FF2B5EF4-FFF2-40B4-BE49-F238E27FC236}">
-                <a16:creationId xmlns:a16="http://schemas.microsoft.com/office/drawing/2014/main" id="{A09B336D-1988-4B94-9F6A-0E635502F136}"/>
-              </a:ext>
-            </a:extLst>
-          </p:cNvPr>
-          <p:cNvSpPr/>
-          <p:nvPr/>
-        </p:nvSpPr>
-        <p:spPr>
-          <a:xfrm>
-            <a:off x="8952846" y="5997022"/>
-            <a:ext cx="115878" cy="115878"/>
-          </a:xfrm>
-          <a:prstGeom prst="ellipse">
-            <a:avLst/>
-          </a:prstGeom>
-          <a:solidFill>
-            <a:schemeClr val="accent4">
-              <a:lumMod val="60000"/>
-              <a:lumOff val="40000"/>
-            </a:schemeClr>
-          </a:solidFill>
-          <a:ln>
-            <a:noFill/>
-          </a:ln>
-        </p:spPr>
-        <p:style>
-          <a:lnRef idx="2">
-            <a:schemeClr val="accent1">
-              <a:shade val="50000"/>
-            </a:schemeClr>
-          </a:lnRef>
-          <a:fillRef idx="1">
-            <a:schemeClr val="accent1"/>
-          </a:fillRef>
-          <a:effectRef idx="0">
-            <a:schemeClr val="accent1"/>
-          </a:effectRef>
-          <a:fontRef idx="minor">
-            <a:schemeClr val="lt1"/>
-          </a:fontRef>
-        </p:style>
-        <p:txBody>
-          <a:bodyPr rtlCol="0" anchor="ctr"/>
-          <a:lstStyle/>
-          <a:p>
-            <a:pPr algn="ctr"/>
-            <a:endParaRPr lang="ko-KR" altLang="en-US"/>
-          </a:p>
-        </p:txBody>
-      </p:sp>
-      <p:sp>
-        <p:nvSpPr>
-          <p:cNvPr id="27" name="타원 26">
-            <a:extLst>
-              <a:ext uri="{FF2B5EF4-FFF2-40B4-BE49-F238E27FC236}">
-                <a16:creationId xmlns:a16="http://schemas.microsoft.com/office/drawing/2014/main" id="{FB1B32DC-7CCE-46D0-83B5-14697C5BA541}"/>
-              </a:ext>
-            </a:extLst>
-          </p:cNvPr>
-          <p:cNvSpPr/>
-          <p:nvPr/>
-        </p:nvSpPr>
-        <p:spPr>
-          <a:xfrm>
-            <a:off x="8362296" y="5997022"/>
-            <a:ext cx="115878" cy="115878"/>
-          </a:xfrm>
-          <a:prstGeom prst="ellipse">
-            <a:avLst/>
-          </a:prstGeom>
-          <a:solidFill>
-            <a:schemeClr val="accent4">
-              <a:lumMod val="60000"/>
-              <a:lumOff val="40000"/>
-            </a:schemeClr>
-          </a:solidFill>
-          <a:ln>
-            <a:noFill/>
-          </a:ln>
-        </p:spPr>
-        <p:style>
-          <a:lnRef idx="2">
-            <a:schemeClr val="accent1">
-              <a:shade val="50000"/>
-            </a:schemeClr>
-          </a:lnRef>
-          <a:fillRef idx="1">
-            <a:schemeClr val="accent1"/>
-          </a:fillRef>
-          <a:effectRef idx="0">
-            <a:schemeClr val="accent1"/>
-          </a:effectRef>
-          <a:fontRef idx="minor">
-            <a:schemeClr val="lt1"/>
-          </a:fontRef>
-        </p:style>
-        <p:txBody>
-          <a:bodyPr rtlCol="0" anchor="ctr"/>
-          <a:lstStyle/>
-          <a:p>
-            <a:pPr algn="ctr"/>
-            <a:endParaRPr lang="ko-KR" altLang="en-US"/>
-          </a:p>
-        </p:txBody>
-      </p:sp>
-      <p:sp>
-        <p:nvSpPr>
-          <p:cNvPr id="28" name="타원 27">
-            <a:extLst>
-              <a:ext uri="{FF2B5EF4-FFF2-40B4-BE49-F238E27FC236}">
-                <a16:creationId xmlns:a16="http://schemas.microsoft.com/office/drawing/2014/main" id="{C63E8B24-48B9-4EB2-AFFA-94CD39C2674F}"/>
-              </a:ext>
-            </a:extLst>
-          </p:cNvPr>
-          <p:cNvSpPr/>
-          <p:nvPr/>
-        </p:nvSpPr>
-        <p:spPr>
-          <a:xfrm>
-            <a:off x="7774004" y="5997022"/>
-            <a:ext cx="115878" cy="115878"/>
-          </a:xfrm>
-          <a:prstGeom prst="ellipse">
-            <a:avLst/>
-          </a:prstGeom>
-          <a:solidFill>
-            <a:schemeClr val="accent4">
-              <a:lumMod val="60000"/>
-              <a:lumOff val="40000"/>
-            </a:schemeClr>
-          </a:solidFill>
-          <a:ln>
-            <a:noFill/>
-          </a:ln>
-        </p:spPr>
-        <p:style>
-          <a:lnRef idx="2">
-            <a:schemeClr val="accent1">
-              <a:shade val="50000"/>
-            </a:schemeClr>
-          </a:lnRef>
-          <a:fillRef idx="1">
-            <a:schemeClr val="accent1"/>
-          </a:fillRef>
-          <a:effectRef idx="0">
-            <a:schemeClr val="accent1"/>
-          </a:effectRef>
-          <a:fontRef idx="minor">
-            <a:schemeClr val="lt1"/>
-          </a:fontRef>
-        </p:style>
-        <p:txBody>
-          <a:bodyPr rtlCol="0" anchor="ctr"/>
-          <a:lstStyle/>
-          <a:p>
-            <a:pPr algn="ctr"/>
-            <a:endParaRPr lang="ko-KR" altLang="en-US"/>
-          </a:p>
-        </p:txBody>
-      </p:sp>
-      <p:sp>
-        <p:nvSpPr>
-          <p:cNvPr id="29" name="타원 28">
-            <a:extLst>
-              <a:ext uri="{FF2B5EF4-FFF2-40B4-BE49-F238E27FC236}">
-                <a16:creationId xmlns:a16="http://schemas.microsoft.com/office/drawing/2014/main" id="{7930B239-FD26-4A26-A79E-EE23381E5F86}"/>
-              </a:ext>
-            </a:extLst>
-          </p:cNvPr>
-          <p:cNvSpPr/>
-          <p:nvPr/>
-        </p:nvSpPr>
-        <p:spPr>
-          <a:xfrm>
-            <a:off x="7189221" y="5997022"/>
-            <a:ext cx="115878" cy="115878"/>
-          </a:xfrm>
-          <a:prstGeom prst="ellipse">
-            <a:avLst/>
-          </a:prstGeom>
-          <a:solidFill>
-            <a:schemeClr val="accent4">
-              <a:lumMod val="60000"/>
-              <a:lumOff val="40000"/>
-            </a:schemeClr>
-          </a:solidFill>
-          <a:ln>
-            <a:noFill/>
-          </a:ln>
-        </p:spPr>
-        <p:style>
-          <a:lnRef idx="2">
-            <a:schemeClr val="accent1">
-              <a:shade val="50000"/>
-            </a:schemeClr>
-          </a:lnRef>
-          <a:fillRef idx="1">
-            <a:schemeClr val="accent1"/>
-          </a:fillRef>
-          <a:effectRef idx="0">
-            <a:schemeClr val="accent1"/>
-          </a:effectRef>
-          <a:fontRef idx="minor">
-            <a:schemeClr val="lt1"/>
-          </a:fontRef>
-        </p:style>
-        <p:txBody>
-          <a:bodyPr rtlCol="0" anchor="ctr"/>
-          <a:lstStyle/>
-          <a:p>
-            <a:pPr algn="ctr"/>
-            <a:endParaRPr lang="ko-KR" altLang="en-US"/>
-          </a:p>
-        </p:txBody>
-      </p:sp>
-      <p:sp>
-        <p:nvSpPr>
-          <p:cNvPr id="30" name="타원 29">
-            <a:extLst>
-              <a:ext uri="{FF2B5EF4-FFF2-40B4-BE49-F238E27FC236}">
-                <a16:creationId xmlns:a16="http://schemas.microsoft.com/office/drawing/2014/main" id="{9F67AF80-528B-489B-A9BC-F70070100B2F}"/>
-              </a:ext>
-            </a:extLst>
-          </p:cNvPr>
-          <p:cNvSpPr/>
-          <p:nvPr/>
-        </p:nvSpPr>
-        <p:spPr>
-          <a:xfrm>
-            <a:off x="6610283" y="5997022"/>
-            <a:ext cx="115878" cy="115878"/>
-          </a:xfrm>
-          <a:prstGeom prst="ellipse">
-            <a:avLst/>
-          </a:prstGeom>
-          <a:solidFill>
-            <a:schemeClr val="accent4">
-              <a:lumMod val="60000"/>
-              <a:lumOff val="40000"/>
-            </a:schemeClr>
-          </a:solidFill>
-          <a:ln>
-            <a:noFill/>
-          </a:ln>
-        </p:spPr>
-        <p:style>
-          <a:lnRef idx="2">
-            <a:schemeClr val="accent1">
-              <a:shade val="50000"/>
-            </a:schemeClr>
-          </a:lnRef>
-          <a:fillRef idx="1">
-            <a:schemeClr val="accent1"/>
-          </a:fillRef>
-          <a:effectRef idx="0">
-            <a:schemeClr val="accent1"/>
-          </a:effectRef>
-          <a:fontRef idx="minor">
-            <a:schemeClr val="lt1"/>
-          </a:fontRef>
-        </p:style>
-        <p:txBody>
-          <a:bodyPr rtlCol="0" anchor="ctr"/>
-          <a:lstStyle/>
-          <a:p>
-            <a:pPr algn="ctr"/>
-            <a:endParaRPr lang="ko-KR" altLang="en-US"/>
-          </a:p>
-        </p:txBody>
-      </p:sp>
-      <p:grpSp>
-        <p:nvGrpSpPr>
-          <p:cNvPr id="15" name="그룹 14">
-            <a:extLst>
-              <a:ext uri="{FF2B5EF4-FFF2-40B4-BE49-F238E27FC236}">
-                <a16:creationId xmlns:a16="http://schemas.microsoft.com/office/drawing/2014/main" id="{89D6D221-943C-43B9-94DF-B41558314D1C}"/>
-              </a:ext>
-            </a:extLst>
-          </p:cNvPr>
-          <p:cNvGrpSpPr/>
-          <p:nvPr/>
-        </p:nvGrpSpPr>
-        <p:grpSpPr>
-          <a:xfrm>
-            <a:off x="8952846" y="3367474"/>
-            <a:ext cx="115878" cy="2211734"/>
-            <a:chOff x="8952846" y="3213095"/>
-            <a:chExt cx="115878" cy="2211734"/>
-          </a:xfrm>
-        </p:grpSpPr>
-        <p:sp>
-          <p:nvSpPr>
-            <p:cNvPr id="31" name="타원 30">
-              <a:extLst>
-                <a:ext uri="{FF2B5EF4-FFF2-40B4-BE49-F238E27FC236}">
-                  <a16:creationId xmlns:a16="http://schemas.microsoft.com/office/drawing/2014/main" id="{98BB4F4F-2913-4D21-88C5-87B6CA25860C}"/>
-                </a:ext>
-              </a:extLst>
-            </p:cNvPr>
-            <p:cNvSpPr/>
-            <p:nvPr/>
-          </p:nvSpPr>
-          <p:spPr>
-            <a:xfrm rot="5400000">
-              <a:off x="8952846" y="5308951"/>
-              <a:ext cx="115878" cy="115878"/>
-            </a:xfrm>
-            <a:prstGeom prst="ellipse">
-              <a:avLst/>
-            </a:prstGeom>
-            <a:solidFill>
-              <a:schemeClr val="accent4">
-                <a:lumMod val="60000"/>
-                <a:lumOff val="40000"/>
-              </a:schemeClr>
-            </a:solidFill>
-            <a:ln>
-              <a:noFill/>
-            </a:ln>
-          </p:spPr>
-          <p:style>
-            <a:lnRef idx="2">
-              <a:schemeClr val="accent1">
-                <a:shade val="50000"/>
-              </a:schemeClr>
-            </a:lnRef>
-            <a:fillRef idx="1">
-              <a:schemeClr val="accent1"/>
-            </a:fillRef>
-            <a:effectRef idx="0">
-              <a:schemeClr val="accent1"/>
-            </a:effectRef>
-            <a:fontRef idx="minor">
-              <a:schemeClr val="lt1"/>
-            </a:fontRef>
-          </p:style>
-          <p:txBody>
-            <a:bodyPr rtlCol="0" anchor="ctr"/>
-            <a:lstStyle/>
-            <a:p>
-              <a:pPr algn="ctr"/>
-              <a:endParaRPr lang="ko-KR" altLang="en-US"/>
-            </a:p>
-          </p:txBody>
-        </p:sp>
-        <p:sp>
-          <p:nvSpPr>
-            <p:cNvPr id="32" name="타원 31">
-              <a:extLst>
-                <a:ext uri="{FF2B5EF4-FFF2-40B4-BE49-F238E27FC236}">
-                  <a16:creationId xmlns:a16="http://schemas.microsoft.com/office/drawing/2014/main" id="{D7E765E1-189B-447D-86D3-96FFFA007DBF}"/>
-                </a:ext>
-              </a:extLst>
-            </p:cNvPr>
-            <p:cNvSpPr/>
-            <p:nvPr/>
-          </p:nvSpPr>
-          <p:spPr>
-            <a:xfrm rot="5400000">
-              <a:off x="8952846" y="4785076"/>
-              <a:ext cx="115878" cy="115878"/>
-            </a:xfrm>
-            <a:prstGeom prst="ellipse">
-              <a:avLst/>
-            </a:prstGeom>
-            <a:solidFill>
-              <a:schemeClr val="accent4">
-                <a:lumMod val="60000"/>
-                <a:lumOff val="40000"/>
-              </a:schemeClr>
-            </a:solidFill>
-            <a:ln>
-              <a:noFill/>
-            </a:ln>
-          </p:spPr>
-          <p:style>
-            <a:lnRef idx="2">
-              <a:schemeClr val="accent1">
-                <a:shade val="50000"/>
-              </a:schemeClr>
-            </a:lnRef>
-            <a:fillRef idx="1">
-              <a:schemeClr val="accent1"/>
-            </a:fillRef>
-            <a:effectRef idx="0">
-              <a:schemeClr val="accent1"/>
-            </a:effectRef>
-            <a:fontRef idx="minor">
-              <a:schemeClr val="lt1"/>
-            </a:fontRef>
-          </p:style>
-          <p:txBody>
-            <a:bodyPr rtlCol="0" anchor="ctr"/>
-            <a:lstStyle/>
-            <a:p>
-              <a:pPr algn="ctr"/>
-              <a:endParaRPr lang="ko-KR" altLang="en-US"/>
-            </a:p>
-          </p:txBody>
-        </p:sp>
-        <p:sp>
-          <p:nvSpPr>
-            <p:cNvPr id="33" name="타원 32">
-              <a:extLst>
-                <a:ext uri="{FF2B5EF4-FFF2-40B4-BE49-F238E27FC236}">
-                  <a16:creationId xmlns:a16="http://schemas.microsoft.com/office/drawing/2014/main" id="{CDE9BE75-A88D-4968-A993-0D93E44F9590}"/>
-                </a:ext>
-              </a:extLst>
-            </p:cNvPr>
-            <p:cNvSpPr/>
-            <p:nvPr/>
-          </p:nvSpPr>
-          <p:spPr>
-            <a:xfrm rot="5400000">
-              <a:off x="8952846" y="4234884"/>
-              <a:ext cx="115878" cy="115878"/>
-            </a:xfrm>
-            <a:prstGeom prst="ellipse">
-              <a:avLst/>
-            </a:prstGeom>
-            <a:solidFill>
-              <a:schemeClr val="accent4">
-                <a:lumMod val="60000"/>
-                <a:lumOff val="40000"/>
-              </a:schemeClr>
-            </a:solidFill>
-            <a:ln>
-              <a:noFill/>
-            </a:ln>
-          </p:spPr>
-          <p:style>
-            <a:lnRef idx="2">
-              <a:schemeClr val="accent1">
-                <a:shade val="50000"/>
-              </a:schemeClr>
-            </a:lnRef>
-            <a:fillRef idx="1">
-              <a:schemeClr val="accent1"/>
-            </a:fillRef>
-            <a:effectRef idx="0">
-              <a:schemeClr val="accent1"/>
-            </a:effectRef>
-            <a:fontRef idx="minor">
-              <a:schemeClr val="lt1"/>
-            </a:fontRef>
-          </p:style>
-          <p:txBody>
-            <a:bodyPr rtlCol="0" anchor="ctr"/>
-            <a:lstStyle/>
-            <a:p>
-              <a:pPr algn="ctr"/>
-              <a:endParaRPr lang="ko-KR" altLang="en-US"/>
-            </a:p>
-          </p:txBody>
-        </p:sp>
-        <p:sp>
-          <p:nvSpPr>
-            <p:cNvPr id="34" name="타원 33">
-              <a:extLst>
-                <a:ext uri="{FF2B5EF4-FFF2-40B4-BE49-F238E27FC236}">
-                  <a16:creationId xmlns:a16="http://schemas.microsoft.com/office/drawing/2014/main" id="{1D341DA5-C245-45A4-823E-4C0C7102FF22}"/>
-                </a:ext>
-              </a:extLst>
-            </p:cNvPr>
-            <p:cNvSpPr/>
-            <p:nvPr/>
-          </p:nvSpPr>
-          <p:spPr>
-            <a:xfrm rot="5400000">
-              <a:off x="8952846" y="3735826"/>
-              <a:ext cx="115878" cy="115878"/>
-            </a:xfrm>
-            <a:prstGeom prst="ellipse">
-              <a:avLst/>
-            </a:prstGeom>
-            <a:solidFill>
-              <a:schemeClr val="accent4">
-                <a:lumMod val="60000"/>
-                <a:lumOff val="40000"/>
-              </a:schemeClr>
-            </a:solidFill>
-            <a:ln>
-              <a:noFill/>
-            </a:ln>
-          </p:spPr>
-          <p:style>
-            <a:lnRef idx="2">
-              <a:schemeClr val="accent1">
-                <a:shade val="50000"/>
-              </a:schemeClr>
-            </a:lnRef>
-            <a:fillRef idx="1">
-              <a:schemeClr val="accent1"/>
-            </a:fillRef>
-            <a:effectRef idx="0">
-              <a:schemeClr val="accent1"/>
-            </a:effectRef>
-            <a:fontRef idx="minor">
-              <a:schemeClr val="lt1"/>
-            </a:fontRef>
-          </p:style>
-          <p:txBody>
-            <a:bodyPr rtlCol="0" anchor="ctr"/>
-            <a:lstStyle/>
-            <a:p>
-              <a:pPr algn="ctr"/>
-              <a:endParaRPr lang="ko-KR" altLang="en-US"/>
-            </a:p>
-          </p:txBody>
-        </p:sp>
-        <p:sp>
-          <p:nvSpPr>
-            <p:cNvPr id="35" name="타원 34">
-              <a:extLst>
-                <a:ext uri="{FF2B5EF4-FFF2-40B4-BE49-F238E27FC236}">
-                  <a16:creationId xmlns:a16="http://schemas.microsoft.com/office/drawing/2014/main" id="{EE708E96-9CB1-421C-B944-54DB7EE7C750}"/>
-                </a:ext>
-              </a:extLst>
-            </p:cNvPr>
-            <p:cNvSpPr/>
-            <p:nvPr/>
-          </p:nvSpPr>
-          <p:spPr>
-            <a:xfrm rot="5400000">
-              <a:off x="8952846" y="3213095"/>
-              <a:ext cx="115878" cy="115878"/>
-            </a:xfrm>
-            <a:prstGeom prst="ellipse">
-              <a:avLst/>
-            </a:prstGeom>
-            <a:solidFill>
-              <a:schemeClr val="accent4">
-                <a:lumMod val="60000"/>
-                <a:lumOff val="40000"/>
-              </a:schemeClr>
-            </a:solidFill>
-            <a:ln>
-              <a:noFill/>
-            </a:ln>
-          </p:spPr>
-          <p:style>
-            <a:lnRef idx="2">
-              <a:schemeClr val="accent1">
-                <a:shade val="50000"/>
-              </a:schemeClr>
-            </a:lnRef>
-            <a:fillRef idx="1">
-              <a:schemeClr val="accent1"/>
-            </a:fillRef>
-            <a:effectRef idx="0">
-              <a:schemeClr val="accent1"/>
-            </a:effectRef>
-            <a:fontRef idx="minor">
-              <a:schemeClr val="lt1"/>
-            </a:fontRef>
-          </p:style>
-          <p:txBody>
-            <a:bodyPr rtlCol="0" anchor="ctr"/>
-            <a:lstStyle/>
-            <a:p>
-              <a:pPr algn="ctr"/>
-              <a:endParaRPr lang="ko-KR" altLang="en-US"/>
-            </a:p>
-          </p:txBody>
-        </p:sp>
-      </p:grpSp>
-      <p:sp>
-        <p:nvSpPr>
-          <p:cNvPr id="37" name="타원 36">
-            <a:extLst>
-              <a:ext uri="{FF2B5EF4-FFF2-40B4-BE49-F238E27FC236}">
-                <a16:creationId xmlns:a16="http://schemas.microsoft.com/office/drawing/2014/main" id="{0AB012DD-F095-414F-9CE9-44803FED7E2F}"/>
-              </a:ext>
-            </a:extLst>
-          </p:cNvPr>
-          <p:cNvSpPr/>
-          <p:nvPr/>
-        </p:nvSpPr>
-        <p:spPr>
-          <a:xfrm>
-            <a:off x="8373908" y="726481"/>
-            <a:ext cx="115878" cy="115878"/>
-          </a:xfrm>
-          <a:prstGeom prst="ellipse">
-            <a:avLst/>
-          </a:prstGeom>
-          <a:solidFill>
-            <a:schemeClr val="accent4">
-              <a:lumMod val="60000"/>
-              <a:lumOff val="40000"/>
-            </a:schemeClr>
-          </a:solidFill>
-          <a:ln>
-            <a:noFill/>
-          </a:ln>
-        </p:spPr>
-        <p:style>
-          <a:lnRef idx="2">
-            <a:schemeClr val="accent1">
-              <a:shade val="50000"/>
-            </a:schemeClr>
-          </a:lnRef>
-          <a:fillRef idx="1">
-            <a:schemeClr val="accent1"/>
-          </a:fillRef>
-          <a:effectRef idx="0">
-            <a:schemeClr val="accent1"/>
-          </a:effectRef>
-          <a:fontRef idx="minor">
-            <a:schemeClr val="lt1"/>
-          </a:fontRef>
-        </p:style>
-        <p:txBody>
-          <a:bodyPr rtlCol="0" anchor="ctr"/>
-          <a:lstStyle/>
-          <a:p>
-            <a:pPr algn="ctr"/>
-            <a:endParaRPr lang="ko-KR" altLang="en-US"/>
-          </a:p>
-        </p:txBody>
-      </p:sp>
-      <p:sp>
-        <p:nvSpPr>
-          <p:cNvPr id="38" name="타원 37">
-            <a:extLst>
-              <a:ext uri="{FF2B5EF4-FFF2-40B4-BE49-F238E27FC236}">
-                <a16:creationId xmlns:a16="http://schemas.microsoft.com/office/drawing/2014/main" id="{62782C77-75B9-4918-8EC6-B4D84FC85457}"/>
-              </a:ext>
-            </a:extLst>
-          </p:cNvPr>
-          <p:cNvSpPr/>
-          <p:nvPr/>
-        </p:nvSpPr>
-        <p:spPr>
-          <a:xfrm>
-            <a:off x="7783358" y="726481"/>
-            <a:ext cx="115878" cy="115878"/>
-          </a:xfrm>
-          <a:prstGeom prst="ellipse">
-            <a:avLst/>
-          </a:prstGeom>
-          <a:solidFill>
-            <a:schemeClr val="accent4">
-              <a:lumMod val="60000"/>
-              <a:lumOff val="40000"/>
-            </a:schemeClr>
-          </a:solidFill>
-          <a:ln>
-            <a:noFill/>
-          </a:ln>
-        </p:spPr>
-        <p:style>
-          <a:lnRef idx="2">
-            <a:schemeClr val="accent1">
-              <a:shade val="50000"/>
-            </a:schemeClr>
-          </a:lnRef>
-          <a:fillRef idx="1">
-            <a:schemeClr val="accent1"/>
-          </a:fillRef>
-          <a:effectRef idx="0">
-            <a:schemeClr val="accent1"/>
-          </a:effectRef>
-          <a:fontRef idx="minor">
-            <a:schemeClr val="lt1"/>
-          </a:fontRef>
-        </p:style>
-        <p:txBody>
-          <a:bodyPr rtlCol="0" anchor="ctr"/>
-          <a:lstStyle/>
-          <a:p>
-            <a:pPr algn="ctr"/>
-            <a:endParaRPr lang="ko-KR" altLang="en-US"/>
-          </a:p>
-        </p:txBody>
-      </p:sp>
-      <p:sp>
-        <p:nvSpPr>
-          <p:cNvPr id="39" name="타원 38">
-            <a:extLst>
-              <a:ext uri="{FF2B5EF4-FFF2-40B4-BE49-F238E27FC236}">
-                <a16:creationId xmlns:a16="http://schemas.microsoft.com/office/drawing/2014/main" id="{3768AA76-60FA-478D-B4BC-938E2C50DCE9}"/>
-              </a:ext>
-            </a:extLst>
-          </p:cNvPr>
-          <p:cNvSpPr/>
-          <p:nvPr/>
-        </p:nvSpPr>
-        <p:spPr>
-          <a:xfrm>
-            <a:off x="7195066" y="726481"/>
-            <a:ext cx="115878" cy="115878"/>
-          </a:xfrm>
-          <a:prstGeom prst="ellipse">
-            <a:avLst/>
-          </a:prstGeom>
-          <a:solidFill>
-            <a:schemeClr val="accent4">
-              <a:lumMod val="60000"/>
-              <a:lumOff val="40000"/>
-            </a:schemeClr>
-          </a:solidFill>
-          <a:ln>
-            <a:noFill/>
-          </a:ln>
-        </p:spPr>
-        <p:style>
-          <a:lnRef idx="2">
-            <a:schemeClr val="accent1">
-              <a:shade val="50000"/>
-            </a:schemeClr>
-          </a:lnRef>
-          <a:fillRef idx="1">
-            <a:schemeClr val="accent1"/>
-          </a:fillRef>
-          <a:effectRef idx="0">
-            <a:schemeClr val="accent1"/>
-          </a:effectRef>
-          <a:fontRef idx="minor">
-            <a:schemeClr val="lt1"/>
-          </a:fontRef>
-        </p:style>
-        <p:txBody>
-          <a:bodyPr rtlCol="0" anchor="ctr"/>
-          <a:lstStyle/>
-          <a:p>
-            <a:pPr algn="ctr"/>
-            <a:endParaRPr lang="ko-KR" altLang="en-US"/>
-          </a:p>
-        </p:txBody>
-      </p:sp>
-      <p:sp>
-        <p:nvSpPr>
-          <p:cNvPr id="40" name="타원 39">
-            <a:extLst>
-              <a:ext uri="{FF2B5EF4-FFF2-40B4-BE49-F238E27FC236}">
-                <a16:creationId xmlns:a16="http://schemas.microsoft.com/office/drawing/2014/main" id="{694BC56F-ABA1-42F7-A0D2-134749E73B7C}"/>
-              </a:ext>
-            </a:extLst>
-          </p:cNvPr>
-          <p:cNvSpPr/>
-          <p:nvPr/>
-        </p:nvSpPr>
-        <p:spPr>
-          <a:xfrm>
-            <a:off x="6610283" y="726481"/>
-            <a:ext cx="115878" cy="115878"/>
-          </a:xfrm>
-          <a:prstGeom prst="ellipse">
-            <a:avLst/>
-          </a:prstGeom>
-          <a:solidFill>
-            <a:schemeClr val="accent4">
-              <a:lumMod val="60000"/>
-              <a:lumOff val="40000"/>
-            </a:schemeClr>
-          </a:solidFill>
-          <a:ln>
-            <a:noFill/>
-          </a:ln>
-        </p:spPr>
-        <p:style>
-          <a:lnRef idx="2">
-            <a:schemeClr val="accent1">
-              <a:shade val="50000"/>
-            </a:schemeClr>
-          </a:lnRef>
-          <a:fillRef idx="1">
-            <a:schemeClr val="accent1"/>
-          </a:fillRef>
-          <a:effectRef idx="0">
-            <a:schemeClr val="accent1"/>
-          </a:effectRef>
-          <a:fontRef idx="minor">
-            <a:schemeClr val="lt1"/>
-          </a:fontRef>
-        </p:style>
-        <p:txBody>
-          <a:bodyPr rtlCol="0" anchor="ctr"/>
-          <a:lstStyle/>
-          <a:p>
-            <a:pPr algn="ctr"/>
-            <a:endParaRPr lang="ko-KR" altLang="en-US"/>
-          </a:p>
-        </p:txBody>
-      </p:sp>
-      <p:sp>
-        <p:nvSpPr>
-          <p:cNvPr id="41" name="타원 40">
-            <a:extLst>
-              <a:ext uri="{FF2B5EF4-FFF2-40B4-BE49-F238E27FC236}">
-                <a16:creationId xmlns:a16="http://schemas.microsoft.com/office/drawing/2014/main" id="{206876AB-17EE-402A-9FF4-A7E2E30224C5}"/>
-              </a:ext>
-            </a:extLst>
-          </p:cNvPr>
-          <p:cNvSpPr/>
-          <p:nvPr/>
-        </p:nvSpPr>
-        <p:spPr>
-          <a:xfrm>
-            <a:off x="5465836" y="736828"/>
-            <a:ext cx="115878" cy="115878"/>
-          </a:xfrm>
-          <a:prstGeom prst="ellipse">
-            <a:avLst/>
-          </a:prstGeom>
-          <a:solidFill>
-            <a:schemeClr val="accent4">
-              <a:lumMod val="60000"/>
-              <a:lumOff val="40000"/>
-            </a:schemeClr>
-          </a:solidFill>
-          <a:ln>
-            <a:noFill/>
-          </a:ln>
-        </p:spPr>
-        <p:style>
-          <a:lnRef idx="2">
-            <a:schemeClr val="accent1">
-              <a:shade val="50000"/>
-            </a:schemeClr>
-          </a:lnRef>
-          <a:fillRef idx="1">
-            <a:schemeClr val="accent1"/>
-          </a:fillRef>
-          <a:effectRef idx="0">
-            <a:schemeClr val="accent1"/>
-          </a:effectRef>
-          <a:fontRef idx="minor">
-            <a:schemeClr val="lt1"/>
-          </a:fontRef>
-        </p:style>
-        <p:txBody>
-          <a:bodyPr rtlCol="0" anchor="ctr"/>
-          <a:lstStyle/>
-          <a:p>
-            <a:pPr algn="ctr"/>
-            <a:endParaRPr lang="ko-KR" altLang="en-US"/>
-          </a:p>
-        </p:txBody>
-      </p:sp>
-      <p:sp>
-        <p:nvSpPr>
-          <p:cNvPr id="42" name="타원 41">
-            <a:extLst>
-              <a:ext uri="{FF2B5EF4-FFF2-40B4-BE49-F238E27FC236}">
-                <a16:creationId xmlns:a16="http://schemas.microsoft.com/office/drawing/2014/main" id="{296BDE09-8DC4-422D-969B-A0383BCDBED1}"/>
-              </a:ext>
-            </a:extLst>
-          </p:cNvPr>
-          <p:cNvSpPr/>
-          <p:nvPr/>
-        </p:nvSpPr>
-        <p:spPr>
-          <a:xfrm>
-            <a:off x="4875286" y="736828"/>
-            <a:ext cx="115878" cy="115878"/>
-          </a:xfrm>
-          <a:prstGeom prst="ellipse">
-            <a:avLst/>
-          </a:prstGeom>
-          <a:solidFill>
-            <a:schemeClr val="accent4">
-              <a:lumMod val="60000"/>
-              <a:lumOff val="40000"/>
-            </a:schemeClr>
-          </a:solidFill>
-          <a:ln>
-            <a:noFill/>
-          </a:ln>
-        </p:spPr>
-        <p:style>
-          <a:lnRef idx="2">
-            <a:schemeClr val="accent1">
-              <a:shade val="50000"/>
-            </a:schemeClr>
-          </a:lnRef>
-          <a:fillRef idx="1">
-            <a:schemeClr val="accent1"/>
-          </a:fillRef>
-          <a:effectRef idx="0">
-            <a:schemeClr val="accent1"/>
-          </a:effectRef>
-          <a:fontRef idx="minor">
-            <a:schemeClr val="lt1"/>
-          </a:fontRef>
-        </p:style>
-        <p:txBody>
-          <a:bodyPr rtlCol="0" anchor="ctr"/>
-          <a:lstStyle/>
-          <a:p>
-            <a:pPr algn="ctr"/>
-            <a:endParaRPr lang="ko-KR" altLang="en-US"/>
-          </a:p>
-        </p:txBody>
-      </p:sp>
-      <p:sp>
-        <p:nvSpPr>
-          <p:cNvPr id="43" name="타원 42">
-            <a:extLst>
-              <a:ext uri="{FF2B5EF4-FFF2-40B4-BE49-F238E27FC236}">
-                <a16:creationId xmlns:a16="http://schemas.microsoft.com/office/drawing/2014/main" id="{92414E73-FFC0-4881-A7DC-82A21574E608}"/>
-              </a:ext>
-            </a:extLst>
-          </p:cNvPr>
-          <p:cNvSpPr/>
-          <p:nvPr/>
-        </p:nvSpPr>
-        <p:spPr>
-          <a:xfrm>
-            <a:off x="4286994" y="736828"/>
-            <a:ext cx="115878" cy="115878"/>
-          </a:xfrm>
-          <a:prstGeom prst="ellipse">
-            <a:avLst/>
-          </a:prstGeom>
-          <a:solidFill>
-            <a:schemeClr val="accent4">
-              <a:lumMod val="60000"/>
-              <a:lumOff val="40000"/>
-            </a:schemeClr>
-          </a:solidFill>
-          <a:ln>
-            <a:noFill/>
-          </a:ln>
-        </p:spPr>
-        <p:style>
-          <a:lnRef idx="2">
-            <a:schemeClr val="accent1">
-              <a:shade val="50000"/>
-            </a:schemeClr>
-          </a:lnRef>
-          <a:fillRef idx="1">
-            <a:schemeClr val="accent1"/>
-          </a:fillRef>
-          <a:effectRef idx="0">
-            <a:schemeClr val="accent1"/>
-          </a:effectRef>
-          <a:fontRef idx="minor">
-            <a:schemeClr val="lt1"/>
-          </a:fontRef>
-        </p:style>
-        <p:txBody>
-          <a:bodyPr rtlCol="0" anchor="ctr"/>
-          <a:lstStyle/>
-          <a:p>
-            <a:pPr algn="ctr"/>
-            <a:endParaRPr lang="ko-KR" altLang="en-US"/>
-          </a:p>
-        </p:txBody>
-      </p:sp>
-      <p:sp>
-        <p:nvSpPr>
-          <p:cNvPr id="44" name="타원 43">
-            <a:extLst>
-              <a:ext uri="{FF2B5EF4-FFF2-40B4-BE49-F238E27FC236}">
-                <a16:creationId xmlns:a16="http://schemas.microsoft.com/office/drawing/2014/main" id="{B74EFE77-CE2C-4CCB-82AB-DFEBEA0FE105}"/>
-              </a:ext>
-            </a:extLst>
-          </p:cNvPr>
-          <p:cNvSpPr/>
-          <p:nvPr/>
-        </p:nvSpPr>
-        <p:spPr>
-          <a:xfrm>
-            <a:off x="3702211" y="736828"/>
-            <a:ext cx="115878" cy="115878"/>
-          </a:xfrm>
-          <a:prstGeom prst="ellipse">
-            <a:avLst/>
-          </a:prstGeom>
-          <a:solidFill>
-            <a:schemeClr val="accent4">
-              <a:lumMod val="60000"/>
-              <a:lumOff val="40000"/>
-            </a:schemeClr>
-          </a:solidFill>
-          <a:ln>
-            <a:noFill/>
-          </a:ln>
-        </p:spPr>
-        <p:style>
-          <a:lnRef idx="2">
-            <a:schemeClr val="accent1">
-              <a:shade val="50000"/>
-            </a:schemeClr>
-          </a:lnRef>
-          <a:fillRef idx="1">
-            <a:schemeClr val="accent1"/>
-          </a:fillRef>
-          <a:effectRef idx="0">
-            <a:schemeClr val="accent1"/>
-          </a:effectRef>
-          <a:fontRef idx="minor">
-            <a:schemeClr val="lt1"/>
-          </a:fontRef>
-        </p:style>
-        <p:txBody>
-          <a:bodyPr rtlCol="0" anchor="ctr"/>
-          <a:lstStyle/>
-          <a:p>
-            <a:pPr algn="ctr"/>
-            <a:endParaRPr lang="ko-KR" altLang="en-US"/>
-          </a:p>
-        </p:txBody>
-      </p:sp>
-      <p:sp>
-        <p:nvSpPr>
-          <p:cNvPr id="45" name="타원 44">
-            <a:extLst>
-              <a:ext uri="{FF2B5EF4-FFF2-40B4-BE49-F238E27FC236}">
-                <a16:creationId xmlns:a16="http://schemas.microsoft.com/office/drawing/2014/main" id="{8C9E0A1E-1DDB-4E92-98E5-41827F70A677}"/>
-              </a:ext>
-            </a:extLst>
-          </p:cNvPr>
-          <p:cNvSpPr/>
-          <p:nvPr/>
-        </p:nvSpPr>
-        <p:spPr>
-          <a:xfrm>
-            <a:off x="4886898" y="1790543"/>
-            <a:ext cx="115878" cy="115878"/>
-          </a:xfrm>
-          <a:prstGeom prst="ellipse">
-            <a:avLst/>
-          </a:prstGeom>
-          <a:solidFill>
-            <a:schemeClr val="accent4">
-              <a:lumMod val="60000"/>
-              <a:lumOff val="40000"/>
-            </a:schemeClr>
-          </a:solidFill>
-          <a:ln>
-            <a:noFill/>
-          </a:ln>
-        </p:spPr>
-        <p:style>
-          <a:lnRef idx="2">
-            <a:schemeClr val="accent1">
-              <a:shade val="50000"/>
-            </a:schemeClr>
-          </a:lnRef>
-          <a:fillRef idx="1">
-            <a:schemeClr val="accent1"/>
-          </a:fillRef>
-          <a:effectRef idx="0">
-            <a:schemeClr val="accent1"/>
-          </a:effectRef>
-          <a:fontRef idx="minor">
-            <a:schemeClr val="lt1"/>
-          </a:fontRef>
-        </p:style>
-        <p:txBody>
-          <a:bodyPr rtlCol="0" anchor="ctr"/>
-          <a:lstStyle/>
-          <a:p>
-            <a:pPr algn="ctr"/>
-            <a:endParaRPr lang="ko-KR" altLang="en-US"/>
-          </a:p>
-        </p:txBody>
-      </p:sp>
-      <p:sp>
-        <p:nvSpPr>
-          <p:cNvPr id="46" name="타원 45">
-            <a:extLst>
-              <a:ext uri="{FF2B5EF4-FFF2-40B4-BE49-F238E27FC236}">
-                <a16:creationId xmlns:a16="http://schemas.microsoft.com/office/drawing/2014/main" id="{0DF67876-2731-47BC-8CE1-32C5BBB0ED4E}"/>
-              </a:ext>
-            </a:extLst>
-          </p:cNvPr>
-          <p:cNvSpPr/>
-          <p:nvPr/>
-        </p:nvSpPr>
-        <p:spPr>
-          <a:xfrm>
-            <a:off x="4296348" y="1790543"/>
-            <a:ext cx="115878" cy="115878"/>
-          </a:xfrm>
-          <a:prstGeom prst="ellipse">
-            <a:avLst/>
-          </a:prstGeom>
-          <a:solidFill>
-            <a:schemeClr val="accent4">
-              <a:lumMod val="60000"/>
-              <a:lumOff val="40000"/>
-            </a:schemeClr>
-          </a:solidFill>
-          <a:ln>
-            <a:noFill/>
-          </a:ln>
-        </p:spPr>
-        <p:style>
-          <a:lnRef idx="2">
-            <a:schemeClr val="accent1">
-              <a:shade val="50000"/>
-            </a:schemeClr>
-          </a:lnRef>
-          <a:fillRef idx="1">
-            <a:schemeClr val="accent1"/>
-          </a:fillRef>
-          <a:effectRef idx="0">
-            <a:schemeClr val="accent1"/>
-          </a:effectRef>
-          <a:fontRef idx="minor">
-            <a:schemeClr val="lt1"/>
-          </a:fontRef>
-        </p:style>
-        <p:txBody>
-          <a:bodyPr rtlCol="0" anchor="ctr"/>
-          <a:lstStyle/>
-          <a:p>
-            <a:pPr algn="ctr"/>
-            <a:endParaRPr lang="ko-KR" altLang="en-US"/>
-          </a:p>
-        </p:txBody>
-      </p:sp>
-      <p:sp>
-        <p:nvSpPr>
-          <p:cNvPr id="47" name="타원 46">
-            <a:extLst>
-              <a:ext uri="{FF2B5EF4-FFF2-40B4-BE49-F238E27FC236}">
-                <a16:creationId xmlns:a16="http://schemas.microsoft.com/office/drawing/2014/main" id="{4C5A1EC9-E7C2-4FA1-BFA2-B9085A478736}"/>
-              </a:ext>
-            </a:extLst>
-          </p:cNvPr>
-          <p:cNvSpPr/>
-          <p:nvPr/>
-        </p:nvSpPr>
-        <p:spPr>
-          <a:xfrm>
-            <a:off x="3708056" y="1790543"/>
-            <a:ext cx="115878" cy="115878"/>
-          </a:xfrm>
-          <a:prstGeom prst="ellipse">
-            <a:avLst/>
-          </a:prstGeom>
-          <a:solidFill>
-            <a:schemeClr val="accent4">
-              <a:lumMod val="60000"/>
-              <a:lumOff val="40000"/>
-            </a:schemeClr>
-          </a:solidFill>
-          <a:ln>
-            <a:noFill/>
-          </a:ln>
-        </p:spPr>
-        <p:style>
-          <a:lnRef idx="2">
-            <a:schemeClr val="accent1">
-              <a:shade val="50000"/>
-            </a:schemeClr>
-          </a:lnRef>
-          <a:fillRef idx="1">
-            <a:schemeClr val="accent1"/>
-          </a:fillRef>
-          <a:effectRef idx="0">
-            <a:schemeClr val="accent1"/>
-          </a:effectRef>
-          <a:fontRef idx="minor">
-            <a:schemeClr val="lt1"/>
-          </a:fontRef>
-        </p:style>
-        <p:txBody>
-          <a:bodyPr rtlCol="0" anchor="ctr"/>
-          <a:lstStyle/>
-          <a:p>
-            <a:pPr algn="ctr"/>
-            <a:endParaRPr lang="ko-KR" altLang="en-US"/>
-          </a:p>
-        </p:txBody>
-      </p:sp>
-      <p:sp>
-        <p:nvSpPr>
-          <p:cNvPr id="48" name="타원 47">
-            <a:extLst>
-              <a:ext uri="{FF2B5EF4-FFF2-40B4-BE49-F238E27FC236}">
-                <a16:creationId xmlns:a16="http://schemas.microsoft.com/office/drawing/2014/main" id="{75C71260-706C-4F8D-8124-286CA36A1299}"/>
-              </a:ext>
-            </a:extLst>
-          </p:cNvPr>
-          <p:cNvSpPr/>
-          <p:nvPr/>
-        </p:nvSpPr>
-        <p:spPr>
-          <a:xfrm>
-            <a:off x="3123273" y="1790543"/>
-            <a:ext cx="115878" cy="115878"/>
-          </a:xfrm>
-          <a:prstGeom prst="ellipse">
-            <a:avLst/>
-          </a:prstGeom>
-          <a:solidFill>
-            <a:schemeClr val="accent4">
-              <a:lumMod val="60000"/>
-              <a:lumOff val="40000"/>
-            </a:schemeClr>
-          </a:solidFill>
-          <a:ln>
-            <a:noFill/>
-          </a:ln>
-        </p:spPr>
-        <p:style>
-          <a:lnRef idx="2">
-            <a:schemeClr val="accent1">
-              <a:shade val="50000"/>
-            </a:schemeClr>
-          </a:lnRef>
-          <a:fillRef idx="1">
-            <a:schemeClr val="accent1"/>
-          </a:fillRef>
-          <a:effectRef idx="0">
-            <a:schemeClr val="accent1"/>
-          </a:effectRef>
-          <a:fontRef idx="minor">
-            <a:schemeClr val="lt1"/>
-          </a:fontRef>
-        </p:style>
-        <p:txBody>
-          <a:bodyPr rtlCol="0" anchor="ctr"/>
-          <a:lstStyle/>
-          <a:p>
-            <a:pPr algn="ctr"/>
-            <a:endParaRPr lang="ko-KR" altLang="en-US"/>
-          </a:p>
-        </p:txBody>
-      </p:sp>
-      <p:sp>
-        <p:nvSpPr>
-          <p:cNvPr id="49" name="타원 48">
-            <a:extLst>
-              <a:ext uri="{FF2B5EF4-FFF2-40B4-BE49-F238E27FC236}">
-                <a16:creationId xmlns:a16="http://schemas.microsoft.com/office/drawing/2014/main" id="{C7F089C2-3963-44B4-ABE5-192648FB24C0}"/>
-              </a:ext>
-            </a:extLst>
-          </p:cNvPr>
-          <p:cNvSpPr/>
-          <p:nvPr/>
-        </p:nvSpPr>
-        <p:spPr>
-          <a:xfrm>
-            <a:off x="8373908" y="1800068"/>
-            <a:ext cx="115878" cy="115878"/>
-          </a:xfrm>
-          <a:prstGeom prst="ellipse">
-            <a:avLst/>
-          </a:prstGeom>
-          <a:solidFill>
-            <a:schemeClr val="accent4">
-              <a:lumMod val="60000"/>
-              <a:lumOff val="40000"/>
-            </a:schemeClr>
-          </a:solidFill>
-          <a:ln>
-            <a:noFill/>
-          </a:ln>
-        </p:spPr>
-        <p:style>
-          <a:lnRef idx="2">
-            <a:schemeClr val="accent1">
-              <a:shade val="50000"/>
-            </a:schemeClr>
-          </a:lnRef>
-          <a:fillRef idx="1">
-            <a:schemeClr val="accent1"/>
-          </a:fillRef>
-          <a:effectRef idx="0">
-            <a:schemeClr val="accent1"/>
-          </a:effectRef>
-          <a:fontRef idx="minor">
-            <a:schemeClr val="lt1"/>
-          </a:fontRef>
-        </p:style>
-        <p:txBody>
-          <a:bodyPr rtlCol="0" anchor="ctr"/>
-          <a:lstStyle/>
-          <a:p>
-            <a:pPr algn="ctr"/>
-            <a:endParaRPr lang="ko-KR" altLang="en-US"/>
-          </a:p>
-        </p:txBody>
-      </p:sp>
-      <p:sp>
-        <p:nvSpPr>
-          <p:cNvPr id="50" name="타원 49">
-            <a:extLst>
-              <a:ext uri="{FF2B5EF4-FFF2-40B4-BE49-F238E27FC236}">
-                <a16:creationId xmlns:a16="http://schemas.microsoft.com/office/drawing/2014/main" id="{268E3542-7645-4FBD-B3E8-F7184236B101}"/>
-              </a:ext>
-            </a:extLst>
-          </p:cNvPr>
-          <p:cNvSpPr/>
-          <p:nvPr/>
-        </p:nvSpPr>
-        <p:spPr>
-          <a:xfrm>
-            <a:off x="7783358" y="1800068"/>
-            <a:ext cx="115878" cy="115878"/>
-          </a:xfrm>
-          <a:prstGeom prst="ellipse">
-            <a:avLst/>
-          </a:prstGeom>
-          <a:solidFill>
-            <a:schemeClr val="accent4">
-              <a:lumMod val="60000"/>
-              <a:lumOff val="40000"/>
-            </a:schemeClr>
-          </a:solidFill>
-          <a:ln>
-            <a:noFill/>
-          </a:ln>
-        </p:spPr>
-        <p:style>
-          <a:lnRef idx="2">
-            <a:schemeClr val="accent1">
-              <a:shade val="50000"/>
-            </a:schemeClr>
-          </a:lnRef>
-          <a:fillRef idx="1">
-            <a:schemeClr val="accent1"/>
-          </a:fillRef>
-          <a:effectRef idx="0">
-            <a:schemeClr val="accent1"/>
-          </a:effectRef>
-          <a:fontRef idx="minor">
-            <a:schemeClr val="lt1"/>
-          </a:fontRef>
-        </p:style>
-        <p:txBody>
-          <a:bodyPr rtlCol="0" anchor="ctr"/>
-          <a:lstStyle/>
-          <a:p>
-            <a:pPr algn="ctr"/>
-            <a:endParaRPr lang="ko-KR" altLang="en-US"/>
-          </a:p>
-        </p:txBody>
-      </p:sp>
-      <p:sp>
-        <p:nvSpPr>
-          <p:cNvPr id="51" name="타원 50">
-            <a:extLst>
-              <a:ext uri="{FF2B5EF4-FFF2-40B4-BE49-F238E27FC236}">
-                <a16:creationId xmlns:a16="http://schemas.microsoft.com/office/drawing/2014/main" id="{83BAAA30-CD78-48F8-B87E-926626F1C767}"/>
-              </a:ext>
-            </a:extLst>
-          </p:cNvPr>
-          <p:cNvSpPr/>
-          <p:nvPr/>
-        </p:nvSpPr>
-        <p:spPr>
-          <a:xfrm>
-            <a:off x="7195066" y="1800068"/>
-            <a:ext cx="115878" cy="115878"/>
-          </a:xfrm>
-          <a:prstGeom prst="ellipse">
-            <a:avLst/>
-          </a:prstGeom>
-          <a:solidFill>
-            <a:schemeClr val="accent4">
-              <a:lumMod val="60000"/>
-              <a:lumOff val="40000"/>
-            </a:schemeClr>
-          </a:solidFill>
-          <a:ln>
-            <a:noFill/>
-          </a:ln>
-        </p:spPr>
-        <p:style>
-          <a:lnRef idx="2">
-            <a:schemeClr val="accent1">
-              <a:shade val="50000"/>
-            </a:schemeClr>
-          </a:lnRef>
-          <a:fillRef idx="1">
-            <a:schemeClr val="accent1"/>
-          </a:fillRef>
-          <a:effectRef idx="0">
-            <a:schemeClr val="accent1"/>
-          </a:effectRef>
-          <a:fontRef idx="minor">
-            <a:schemeClr val="lt1"/>
-          </a:fontRef>
-        </p:style>
-        <p:txBody>
-          <a:bodyPr rtlCol="0" anchor="ctr"/>
-          <a:lstStyle/>
-          <a:p>
-            <a:pPr algn="ctr"/>
-            <a:endParaRPr lang="ko-KR" altLang="en-US"/>
-          </a:p>
-        </p:txBody>
-      </p:sp>
-      <p:sp>
-        <p:nvSpPr>
-          <p:cNvPr id="52" name="타원 51">
-            <a:extLst>
-              <a:ext uri="{FF2B5EF4-FFF2-40B4-BE49-F238E27FC236}">
-                <a16:creationId xmlns:a16="http://schemas.microsoft.com/office/drawing/2014/main" id="{541719FF-3A20-4EFA-903B-FF32D06E5BFF}"/>
-              </a:ext>
-            </a:extLst>
-          </p:cNvPr>
-          <p:cNvSpPr/>
-          <p:nvPr/>
-        </p:nvSpPr>
-        <p:spPr>
-          <a:xfrm>
-            <a:off x="6610283" y="1800068"/>
-            <a:ext cx="115878" cy="115878"/>
-          </a:xfrm>
-          <a:prstGeom prst="ellipse">
-            <a:avLst/>
-          </a:prstGeom>
-          <a:solidFill>
-            <a:schemeClr val="accent4">
-              <a:lumMod val="60000"/>
-              <a:lumOff val="40000"/>
-            </a:schemeClr>
-          </a:solidFill>
-          <a:ln>
-            <a:noFill/>
-          </a:ln>
-        </p:spPr>
-        <p:style>
-          <a:lnRef idx="2">
-            <a:schemeClr val="accent1">
-              <a:shade val="50000"/>
-            </a:schemeClr>
-          </a:lnRef>
-          <a:fillRef idx="1">
-            <a:schemeClr val="accent1"/>
-          </a:fillRef>
-          <a:effectRef idx="0">
-            <a:schemeClr val="accent1"/>
-          </a:effectRef>
-          <a:fontRef idx="minor">
-            <a:schemeClr val="lt1"/>
-          </a:fontRef>
-        </p:style>
-        <p:txBody>
-          <a:bodyPr rtlCol="0" anchor="ctr"/>
-          <a:lstStyle/>
-          <a:p>
-            <a:pPr algn="ctr"/>
-            <a:endParaRPr lang="ko-KR" altLang="en-US"/>
-          </a:p>
-        </p:txBody>
-      </p:sp>
-      <p:sp>
-        <p:nvSpPr>
-          <p:cNvPr id="53" name="타원 52">
-            <a:extLst>
-              <a:ext uri="{FF2B5EF4-FFF2-40B4-BE49-F238E27FC236}">
-                <a16:creationId xmlns:a16="http://schemas.microsoft.com/office/drawing/2014/main" id="{43E41AD3-84EE-47BF-AB68-C797F69C05DA}"/>
-              </a:ext>
-            </a:extLst>
-          </p:cNvPr>
-          <p:cNvSpPr/>
-          <p:nvPr/>
-        </p:nvSpPr>
-        <p:spPr>
-          <a:xfrm rot="5400000">
-            <a:off x="8949626" y="2839793"/>
-            <a:ext cx="115878" cy="115878"/>
-          </a:xfrm>
-          <a:prstGeom prst="ellipse">
-            <a:avLst/>
-          </a:prstGeom>
-          <a:solidFill>
-            <a:schemeClr val="accent4">
-              <a:lumMod val="60000"/>
-              <a:lumOff val="40000"/>
-            </a:schemeClr>
-          </a:solidFill>
-          <a:ln>
-            <a:noFill/>
-          </a:ln>
-        </p:spPr>
-        <p:style>
-          <a:lnRef idx="2">
-            <a:schemeClr val="accent1">
-              <a:shade val="50000"/>
-            </a:schemeClr>
-          </a:lnRef>
-          <a:fillRef idx="1">
-            <a:schemeClr val="accent1"/>
-          </a:fillRef>
-          <a:effectRef idx="0">
-            <a:schemeClr val="accent1"/>
-          </a:effectRef>
-          <a:fontRef idx="minor">
-            <a:schemeClr val="lt1"/>
-          </a:fontRef>
-        </p:style>
-        <p:txBody>
-          <a:bodyPr rtlCol="0" anchor="ctr"/>
-          <a:lstStyle/>
-          <a:p>
-            <a:pPr algn="ctr"/>
-            <a:endParaRPr lang="ko-KR" altLang="en-US"/>
-          </a:p>
-        </p:txBody>
-      </p:sp>
-      <p:sp>
-        <p:nvSpPr>
-          <p:cNvPr id="54" name="타원 53">
-            <a:extLst>
-              <a:ext uri="{FF2B5EF4-FFF2-40B4-BE49-F238E27FC236}">
-                <a16:creationId xmlns:a16="http://schemas.microsoft.com/office/drawing/2014/main" id="{A28B9A2A-77AE-4F1D-97A2-0B925BD62136}"/>
-              </a:ext>
-            </a:extLst>
-          </p:cNvPr>
-          <p:cNvSpPr/>
-          <p:nvPr/>
-        </p:nvSpPr>
-        <p:spPr>
-          <a:xfrm rot="5400000">
-            <a:off x="8949626" y="2289601"/>
-            <a:ext cx="115878" cy="115878"/>
-          </a:xfrm>
-          <a:prstGeom prst="ellipse">
-            <a:avLst/>
-          </a:prstGeom>
-          <a:solidFill>
-            <a:schemeClr val="accent4">
-              <a:lumMod val="60000"/>
-              <a:lumOff val="40000"/>
-            </a:schemeClr>
-          </a:solidFill>
-          <a:ln>
-            <a:noFill/>
-          </a:ln>
-        </p:spPr>
-        <p:style>
-          <a:lnRef idx="2">
-            <a:schemeClr val="accent1">
-              <a:shade val="50000"/>
-            </a:schemeClr>
-          </a:lnRef>
-          <a:fillRef idx="1">
-            <a:schemeClr val="accent1"/>
-          </a:fillRef>
-          <a:effectRef idx="0">
-            <a:schemeClr val="accent1"/>
-          </a:effectRef>
-          <a:fontRef idx="minor">
-            <a:schemeClr val="lt1"/>
-          </a:fontRef>
-        </p:style>
-        <p:txBody>
-          <a:bodyPr rtlCol="0" anchor="ctr"/>
-          <a:lstStyle/>
-          <a:p>
-            <a:pPr algn="ctr"/>
-            <a:endParaRPr lang="ko-KR" altLang="en-US"/>
-          </a:p>
-        </p:txBody>
-      </p:sp>
-      <p:sp>
-        <p:nvSpPr>
-          <p:cNvPr id="55" name="타원 54">
-            <a:extLst>
-              <a:ext uri="{FF2B5EF4-FFF2-40B4-BE49-F238E27FC236}">
-                <a16:creationId xmlns:a16="http://schemas.microsoft.com/office/drawing/2014/main" id="{F3B7CA11-5F95-46C1-9E53-35D30229547D}"/>
-              </a:ext>
-            </a:extLst>
-          </p:cNvPr>
-          <p:cNvSpPr/>
-          <p:nvPr/>
-        </p:nvSpPr>
-        <p:spPr>
-          <a:xfrm rot="5400000">
-            <a:off x="8949626" y="1790543"/>
-            <a:ext cx="115878" cy="115878"/>
-          </a:xfrm>
-          <a:prstGeom prst="ellipse">
-            <a:avLst/>
-          </a:prstGeom>
-          <a:solidFill>
-            <a:schemeClr val="accent4">
-              <a:lumMod val="60000"/>
-              <a:lumOff val="40000"/>
-            </a:schemeClr>
-          </a:solidFill>
-          <a:ln>
-            <a:noFill/>
-          </a:ln>
-        </p:spPr>
-        <p:style>
-          <a:lnRef idx="2">
-            <a:schemeClr val="accent1">
-              <a:shade val="50000"/>
-            </a:schemeClr>
-          </a:lnRef>
-          <a:fillRef idx="1">
-            <a:schemeClr val="accent1"/>
-          </a:fillRef>
-          <a:effectRef idx="0">
-            <a:schemeClr val="accent1"/>
-          </a:effectRef>
-          <a:fontRef idx="minor">
-            <a:schemeClr val="lt1"/>
-          </a:fontRef>
-        </p:style>
-        <p:txBody>
-          <a:bodyPr rtlCol="0" anchor="ctr"/>
-          <a:lstStyle/>
-          <a:p>
-            <a:pPr algn="ctr"/>
-            <a:endParaRPr lang="ko-KR" altLang="en-US"/>
-          </a:p>
-        </p:txBody>
-      </p:sp>
-      <p:sp>
-        <p:nvSpPr>
-          <p:cNvPr id="56" name="타원 55">
-            <a:extLst>
-              <a:ext uri="{FF2B5EF4-FFF2-40B4-BE49-F238E27FC236}">
-                <a16:creationId xmlns:a16="http://schemas.microsoft.com/office/drawing/2014/main" id="{2ABE44F0-F6A5-44FB-B091-A468CDD986C8}"/>
-              </a:ext>
-            </a:extLst>
-          </p:cNvPr>
-          <p:cNvSpPr/>
-          <p:nvPr/>
-        </p:nvSpPr>
-        <p:spPr>
-          <a:xfrm rot="5400000">
-            <a:off x="8949626" y="1267812"/>
-            <a:ext cx="115878" cy="115878"/>
-          </a:xfrm>
-          <a:prstGeom prst="ellipse">
-            <a:avLst/>
-          </a:prstGeom>
-          <a:solidFill>
-            <a:schemeClr val="accent4">
-              <a:lumMod val="60000"/>
-              <a:lumOff val="40000"/>
-            </a:schemeClr>
-          </a:solidFill>
-          <a:ln>
-            <a:noFill/>
-          </a:ln>
-        </p:spPr>
-        <p:style>
-          <a:lnRef idx="2">
-            <a:schemeClr val="accent1">
-              <a:shade val="50000"/>
-            </a:schemeClr>
-          </a:lnRef>
-          <a:fillRef idx="1">
-            <a:schemeClr val="accent1"/>
-          </a:fillRef>
-          <a:effectRef idx="0">
-            <a:schemeClr val="accent1"/>
-          </a:effectRef>
-          <a:fontRef idx="minor">
-            <a:schemeClr val="lt1"/>
-          </a:fontRef>
-        </p:style>
-        <p:txBody>
-          <a:bodyPr rtlCol="0" anchor="ctr"/>
-          <a:lstStyle/>
-          <a:p>
-            <a:pPr algn="ctr"/>
-            <a:endParaRPr lang="ko-KR" altLang="en-US"/>
-          </a:p>
-        </p:txBody>
-      </p:sp>
-      <p:sp>
-        <p:nvSpPr>
-          <p:cNvPr id="58" name="타원 57">
-            <a:extLst>
-              <a:ext uri="{FF2B5EF4-FFF2-40B4-BE49-F238E27FC236}">
-                <a16:creationId xmlns:a16="http://schemas.microsoft.com/office/drawing/2014/main" id="{96E59FE2-110D-4EE6-A267-73BA67FFFE38}"/>
-              </a:ext>
-            </a:extLst>
-          </p:cNvPr>
-          <p:cNvSpPr/>
-          <p:nvPr/>
-        </p:nvSpPr>
-        <p:spPr>
-          <a:xfrm rot="5400000">
-            <a:off x="7783343" y="3320915"/>
-            <a:ext cx="115878" cy="115878"/>
-          </a:xfrm>
-          <a:prstGeom prst="ellipse">
-            <a:avLst/>
-          </a:prstGeom>
-          <a:solidFill>
-            <a:schemeClr val="accent4">
-              <a:lumMod val="60000"/>
-              <a:lumOff val="40000"/>
-            </a:schemeClr>
-          </a:solidFill>
-          <a:ln>
-            <a:noFill/>
-          </a:ln>
-        </p:spPr>
-        <p:style>
-          <a:lnRef idx="2">
-            <a:schemeClr val="accent1">
-              <a:shade val="50000"/>
-            </a:schemeClr>
-          </a:lnRef>
-          <a:fillRef idx="1">
-            <a:schemeClr val="accent1"/>
-          </a:fillRef>
-          <a:effectRef idx="0">
-            <a:schemeClr val="accent1"/>
-          </a:effectRef>
-          <a:fontRef idx="minor">
-            <a:schemeClr val="lt1"/>
-          </a:fontRef>
-        </p:style>
-        <p:txBody>
-          <a:bodyPr rtlCol="0" anchor="ctr"/>
-          <a:lstStyle/>
-          <a:p>
-            <a:pPr algn="ctr"/>
-            <a:endParaRPr lang="ko-KR" altLang="en-US"/>
-          </a:p>
-        </p:txBody>
-      </p:sp>
-      <p:sp>
-        <p:nvSpPr>
-          <p:cNvPr id="59" name="타원 58">
-            <a:extLst>
-              <a:ext uri="{FF2B5EF4-FFF2-40B4-BE49-F238E27FC236}">
-                <a16:creationId xmlns:a16="http://schemas.microsoft.com/office/drawing/2014/main" id="{50FE5FCA-04EB-431C-9322-91C7BC10A5EB}"/>
-              </a:ext>
-            </a:extLst>
-          </p:cNvPr>
-          <p:cNvSpPr/>
-          <p:nvPr/>
-        </p:nvSpPr>
-        <p:spPr>
-          <a:xfrm rot="5400000">
-            <a:off x="7783343" y="2821857"/>
-            <a:ext cx="115878" cy="115878"/>
-          </a:xfrm>
-          <a:prstGeom prst="ellipse">
-            <a:avLst/>
-          </a:prstGeom>
-          <a:solidFill>
-            <a:schemeClr val="accent4">
-              <a:lumMod val="60000"/>
-              <a:lumOff val="40000"/>
-            </a:schemeClr>
-          </a:solidFill>
-          <a:ln>
-            <a:noFill/>
-          </a:ln>
-        </p:spPr>
-        <p:style>
-          <a:lnRef idx="2">
-            <a:schemeClr val="accent1">
-              <a:shade val="50000"/>
-            </a:schemeClr>
-          </a:lnRef>
-          <a:fillRef idx="1">
-            <a:schemeClr val="accent1"/>
-          </a:fillRef>
-          <a:effectRef idx="0">
-            <a:schemeClr val="accent1"/>
-          </a:effectRef>
-          <a:fontRef idx="minor">
-            <a:schemeClr val="lt1"/>
-          </a:fontRef>
-        </p:style>
-        <p:txBody>
-          <a:bodyPr rtlCol="0" anchor="ctr"/>
-          <a:lstStyle/>
-          <a:p>
-            <a:pPr algn="ctr"/>
-            <a:endParaRPr lang="ko-KR" altLang="en-US"/>
-          </a:p>
-        </p:txBody>
-      </p:sp>
-      <p:sp>
-        <p:nvSpPr>
-          <p:cNvPr id="60" name="타원 59">
-            <a:extLst>
-              <a:ext uri="{FF2B5EF4-FFF2-40B4-BE49-F238E27FC236}">
-                <a16:creationId xmlns:a16="http://schemas.microsoft.com/office/drawing/2014/main" id="{D431732F-B57C-4465-8638-5A2DC9ACA488}"/>
-              </a:ext>
-            </a:extLst>
-          </p:cNvPr>
-          <p:cNvSpPr/>
-          <p:nvPr/>
-        </p:nvSpPr>
-        <p:spPr>
-          <a:xfrm rot="5400000">
-            <a:off x="7783343" y="2299126"/>
-            <a:ext cx="115878" cy="115878"/>
-          </a:xfrm>
-          <a:prstGeom prst="ellipse">
-            <a:avLst/>
-          </a:prstGeom>
-          <a:solidFill>
-            <a:schemeClr val="accent4">
-              <a:lumMod val="60000"/>
-              <a:lumOff val="40000"/>
-            </a:schemeClr>
-          </a:solidFill>
-          <a:ln>
-            <a:noFill/>
-          </a:ln>
-        </p:spPr>
-        <p:style>
-          <a:lnRef idx="2">
-            <a:schemeClr val="accent1">
-              <a:shade val="50000"/>
-            </a:schemeClr>
-          </a:lnRef>
-          <a:fillRef idx="1">
-            <a:schemeClr val="accent1"/>
-          </a:fillRef>
-          <a:effectRef idx="0">
-            <a:schemeClr val="accent1"/>
-          </a:effectRef>
-          <a:fontRef idx="minor">
-            <a:schemeClr val="lt1"/>
-          </a:fontRef>
-        </p:style>
-        <p:txBody>
-          <a:bodyPr rtlCol="0" anchor="ctr"/>
-          <a:lstStyle/>
-          <a:p>
-            <a:pPr algn="ctr"/>
-            <a:endParaRPr lang="ko-KR" altLang="en-US"/>
-          </a:p>
-        </p:txBody>
-      </p:sp>
-      <p:sp>
-        <p:nvSpPr>
-          <p:cNvPr id="61" name="타원 60">
-            <a:extLst>
-              <a:ext uri="{FF2B5EF4-FFF2-40B4-BE49-F238E27FC236}">
-                <a16:creationId xmlns:a16="http://schemas.microsoft.com/office/drawing/2014/main" id="{4CE039C8-D6E4-4DC5-B230-FE1100153074}"/>
-              </a:ext>
-            </a:extLst>
-          </p:cNvPr>
-          <p:cNvSpPr/>
-          <p:nvPr/>
-        </p:nvSpPr>
-        <p:spPr>
-          <a:xfrm rot="5400000">
-            <a:off x="3120711" y="5463330"/>
-            <a:ext cx="115878" cy="115878"/>
-          </a:xfrm>
-          <a:prstGeom prst="ellipse">
-            <a:avLst/>
-          </a:prstGeom>
-          <a:solidFill>
-            <a:schemeClr val="accent4">
-              <a:lumMod val="60000"/>
-              <a:lumOff val="40000"/>
-            </a:schemeClr>
-          </a:solidFill>
-          <a:ln>
-            <a:noFill/>
-          </a:ln>
-        </p:spPr>
-        <p:style>
-          <a:lnRef idx="2">
-            <a:schemeClr val="accent1">
-              <a:shade val="50000"/>
-            </a:schemeClr>
-          </a:lnRef>
-          <a:fillRef idx="1">
-            <a:schemeClr val="accent1"/>
-          </a:fillRef>
-          <a:effectRef idx="0">
-            <a:schemeClr val="accent1"/>
-          </a:effectRef>
-          <a:fontRef idx="minor">
-            <a:schemeClr val="lt1"/>
-          </a:fontRef>
-        </p:style>
-        <p:txBody>
-          <a:bodyPr rtlCol="0" anchor="ctr"/>
-          <a:lstStyle/>
-          <a:p>
-            <a:pPr algn="ctr"/>
-            <a:endParaRPr lang="ko-KR" altLang="en-US"/>
-          </a:p>
-        </p:txBody>
-      </p:sp>
-      <p:sp>
-        <p:nvSpPr>
-          <p:cNvPr id="62" name="타원 61">
-            <a:extLst>
-              <a:ext uri="{FF2B5EF4-FFF2-40B4-BE49-F238E27FC236}">
-                <a16:creationId xmlns:a16="http://schemas.microsoft.com/office/drawing/2014/main" id="{5D291936-6797-489B-A6AA-264B1DC2E1C2}"/>
-              </a:ext>
-            </a:extLst>
-          </p:cNvPr>
-          <p:cNvSpPr/>
-          <p:nvPr/>
-        </p:nvSpPr>
-        <p:spPr>
-          <a:xfrm rot="5400000">
-            <a:off x="3120711" y="4939455"/>
-            <a:ext cx="115878" cy="115878"/>
-          </a:xfrm>
-          <a:prstGeom prst="ellipse">
-            <a:avLst/>
-          </a:prstGeom>
-          <a:solidFill>
-            <a:schemeClr val="accent4">
-              <a:lumMod val="60000"/>
-              <a:lumOff val="40000"/>
-            </a:schemeClr>
-          </a:solidFill>
-          <a:ln>
-            <a:noFill/>
-          </a:ln>
-        </p:spPr>
-        <p:style>
-          <a:lnRef idx="2">
-            <a:schemeClr val="accent1">
-              <a:shade val="50000"/>
-            </a:schemeClr>
-          </a:lnRef>
-          <a:fillRef idx="1">
-            <a:schemeClr val="accent1"/>
-          </a:fillRef>
-          <a:effectRef idx="0">
-            <a:schemeClr val="accent1"/>
-          </a:effectRef>
-          <a:fontRef idx="minor">
-            <a:schemeClr val="lt1"/>
-          </a:fontRef>
-        </p:style>
-        <p:txBody>
-          <a:bodyPr rtlCol="0" anchor="ctr"/>
-          <a:lstStyle/>
-          <a:p>
-            <a:pPr algn="ctr"/>
-            <a:endParaRPr lang="ko-KR" altLang="en-US"/>
-          </a:p>
-        </p:txBody>
-      </p:sp>
-      <p:sp>
-        <p:nvSpPr>
-          <p:cNvPr id="63" name="타원 62">
-            <a:extLst>
-              <a:ext uri="{FF2B5EF4-FFF2-40B4-BE49-F238E27FC236}">
-                <a16:creationId xmlns:a16="http://schemas.microsoft.com/office/drawing/2014/main" id="{F9E2068C-33DE-4B87-A7F3-91AC26DEFC71}"/>
-              </a:ext>
-            </a:extLst>
-          </p:cNvPr>
-          <p:cNvSpPr/>
-          <p:nvPr/>
-        </p:nvSpPr>
-        <p:spPr>
-          <a:xfrm rot="5400000">
-            <a:off x="3120711" y="4389263"/>
-            <a:ext cx="115878" cy="115878"/>
-          </a:xfrm>
-          <a:prstGeom prst="ellipse">
-            <a:avLst/>
-          </a:prstGeom>
-          <a:solidFill>
-            <a:schemeClr val="accent4">
-              <a:lumMod val="60000"/>
-              <a:lumOff val="40000"/>
-            </a:schemeClr>
-          </a:solidFill>
-          <a:ln>
-            <a:noFill/>
-          </a:ln>
-        </p:spPr>
-        <p:style>
-          <a:lnRef idx="2">
-            <a:schemeClr val="accent1">
-              <a:shade val="50000"/>
-            </a:schemeClr>
-          </a:lnRef>
-          <a:fillRef idx="1">
-            <a:schemeClr val="accent1"/>
-          </a:fillRef>
-          <a:effectRef idx="0">
-            <a:schemeClr val="accent1"/>
-          </a:effectRef>
-          <a:fontRef idx="minor">
-            <a:schemeClr val="lt1"/>
-          </a:fontRef>
-        </p:style>
-        <p:txBody>
-          <a:bodyPr rtlCol="0" anchor="ctr"/>
-          <a:lstStyle/>
-          <a:p>
-            <a:pPr algn="ctr"/>
-            <a:endParaRPr lang="ko-KR" altLang="en-US"/>
-          </a:p>
-        </p:txBody>
-      </p:sp>
-      <p:sp>
-        <p:nvSpPr>
-          <p:cNvPr id="64" name="타원 63">
-            <a:extLst>
-              <a:ext uri="{FF2B5EF4-FFF2-40B4-BE49-F238E27FC236}">
-                <a16:creationId xmlns:a16="http://schemas.microsoft.com/office/drawing/2014/main" id="{87EBF2B3-DC88-4272-876B-27BDF7039495}"/>
-              </a:ext>
-            </a:extLst>
-          </p:cNvPr>
-          <p:cNvSpPr/>
-          <p:nvPr/>
-        </p:nvSpPr>
-        <p:spPr>
-          <a:xfrm rot="5400000">
-            <a:off x="3120711" y="3890205"/>
-            <a:ext cx="115878" cy="115878"/>
-          </a:xfrm>
-          <a:prstGeom prst="ellipse">
-            <a:avLst/>
-          </a:prstGeom>
-          <a:solidFill>
-            <a:schemeClr val="accent4">
-              <a:lumMod val="60000"/>
-              <a:lumOff val="40000"/>
-            </a:schemeClr>
-          </a:solidFill>
-          <a:ln>
-            <a:noFill/>
-          </a:ln>
-        </p:spPr>
-        <p:style>
-          <a:lnRef idx="2">
-            <a:schemeClr val="accent1">
-              <a:shade val="50000"/>
-            </a:schemeClr>
-          </a:lnRef>
-          <a:fillRef idx="1">
-            <a:schemeClr val="accent1"/>
-          </a:fillRef>
-          <a:effectRef idx="0">
-            <a:schemeClr val="accent1"/>
-          </a:effectRef>
-          <a:fontRef idx="minor">
-            <a:schemeClr val="lt1"/>
-          </a:fontRef>
-        </p:style>
-        <p:txBody>
-          <a:bodyPr rtlCol="0" anchor="ctr"/>
-          <a:lstStyle/>
-          <a:p>
-            <a:pPr algn="ctr"/>
-            <a:endParaRPr lang="ko-KR" altLang="en-US"/>
-          </a:p>
-        </p:txBody>
-      </p:sp>
-      <p:sp>
-        <p:nvSpPr>
-          <p:cNvPr id="65" name="타원 64">
-            <a:extLst>
-              <a:ext uri="{FF2B5EF4-FFF2-40B4-BE49-F238E27FC236}">
-                <a16:creationId xmlns:a16="http://schemas.microsoft.com/office/drawing/2014/main" id="{D6CE728C-235F-407B-99A6-547646625DB5}"/>
-              </a:ext>
-            </a:extLst>
-          </p:cNvPr>
-          <p:cNvSpPr/>
-          <p:nvPr/>
-        </p:nvSpPr>
-        <p:spPr>
-          <a:xfrm rot="5400000">
-            <a:off x="3120711" y="3367474"/>
-            <a:ext cx="115878" cy="115878"/>
-          </a:xfrm>
-          <a:prstGeom prst="ellipse">
-            <a:avLst/>
-          </a:prstGeom>
-          <a:solidFill>
-            <a:schemeClr val="accent4">
-              <a:lumMod val="60000"/>
-              <a:lumOff val="40000"/>
-            </a:schemeClr>
-          </a:solidFill>
-          <a:ln>
-            <a:noFill/>
-          </a:ln>
-        </p:spPr>
-        <p:style>
-          <a:lnRef idx="2">
-            <a:schemeClr val="accent1">
-              <a:shade val="50000"/>
-            </a:schemeClr>
-          </a:lnRef>
-          <a:fillRef idx="1">
-            <a:schemeClr val="accent1"/>
-          </a:fillRef>
-          <a:effectRef idx="0">
-            <a:schemeClr val="accent1"/>
-          </a:effectRef>
-          <a:fontRef idx="minor">
-            <a:schemeClr val="lt1"/>
-          </a:fontRef>
-        </p:style>
-        <p:txBody>
-          <a:bodyPr rtlCol="0" anchor="ctr"/>
-          <a:lstStyle/>
-          <a:p>
-            <a:pPr algn="ctr"/>
-            <a:endParaRPr lang="ko-KR" altLang="en-US"/>
-          </a:p>
-        </p:txBody>
-      </p:sp>
-      <p:sp>
-        <p:nvSpPr>
-          <p:cNvPr id="66" name="타원 65">
-            <a:extLst>
-              <a:ext uri="{FF2B5EF4-FFF2-40B4-BE49-F238E27FC236}">
-                <a16:creationId xmlns:a16="http://schemas.microsoft.com/office/drawing/2014/main" id="{D24C8CE9-F562-44AE-A4CF-914019D019D8}"/>
-              </a:ext>
-            </a:extLst>
-          </p:cNvPr>
-          <p:cNvSpPr/>
-          <p:nvPr/>
-        </p:nvSpPr>
-        <p:spPr>
-          <a:xfrm rot="5400000">
-            <a:off x="3117491" y="2839793"/>
-            <a:ext cx="115878" cy="115878"/>
-          </a:xfrm>
-          <a:prstGeom prst="ellipse">
-            <a:avLst/>
-          </a:prstGeom>
-          <a:solidFill>
-            <a:schemeClr val="accent4">
-              <a:lumMod val="60000"/>
-              <a:lumOff val="40000"/>
-            </a:schemeClr>
-          </a:solidFill>
-          <a:ln>
-            <a:noFill/>
-          </a:ln>
-        </p:spPr>
-        <p:style>
-          <a:lnRef idx="2">
-            <a:schemeClr val="accent1">
-              <a:shade val="50000"/>
-            </a:schemeClr>
-          </a:lnRef>
-          <a:fillRef idx="1">
-            <a:schemeClr val="accent1"/>
-          </a:fillRef>
-          <a:effectRef idx="0">
-            <a:schemeClr val="accent1"/>
-          </a:effectRef>
-          <a:fontRef idx="minor">
-            <a:schemeClr val="lt1"/>
-          </a:fontRef>
-        </p:style>
-        <p:txBody>
-          <a:bodyPr rtlCol="0" anchor="ctr"/>
-          <a:lstStyle/>
-          <a:p>
-            <a:pPr algn="ctr"/>
-            <a:endParaRPr lang="ko-KR" altLang="en-US"/>
-          </a:p>
-        </p:txBody>
-      </p:sp>
-      <p:sp>
-        <p:nvSpPr>
-          <p:cNvPr id="67" name="타원 66">
-            <a:extLst>
-              <a:ext uri="{FF2B5EF4-FFF2-40B4-BE49-F238E27FC236}">
-                <a16:creationId xmlns:a16="http://schemas.microsoft.com/office/drawing/2014/main" id="{889EAC1E-9918-4538-A95B-25300DCEDC8A}"/>
-              </a:ext>
-            </a:extLst>
-          </p:cNvPr>
-          <p:cNvSpPr/>
-          <p:nvPr/>
-        </p:nvSpPr>
-        <p:spPr>
-          <a:xfrm rot="5400000">
-            <a:off x="3117491" y="2308651"/>
-            <a:ext cx="115878" cy="115878"/>
-          </a:xfrm>
-          <a:prstGeom prst="ellipse">
-            <a:avLst/>
-          </a:prstGeom>
-          <a:solidFill>
-            <a:schemeClr val="accent4">
-              <a:lumMod val="60000"/>
-              <a:lumOff val="40000"/>
-            </a:schemeClr>
-          </a:solidFill>
-          <a:ln>
-            <a:noFill/>
-          </a:ln>
-        </p:spPr>
-        <p:style>
-          <a:lnRef idx="2">
-            <a:schemeClr val="accent1">
-              <a:shade val="50000"/>
-            </a:schemeClr>
-          </a:lnRef>
-          <a:fillRef idx="1">
-            <a:schemeClr val="accent1"/>
-          </a:fillRef>
-          <a:effectRef idx="0">
-            <a:schemeClr val="accent1"/>
-          </a:effectRef>
-          <a:fontRef idx="minor">
-            <a:schemeClr val="lt1"/>
-          </a:fontRef>
-        </p:style>
-        <p:txBody>
-          <a:bodyPr rtlCol="0" anchor="ctr"/>
-          <a:lstStyle/>
-          <a:p>
-            <a:pPr algn="ctr"/>
-            <a:endParaRPr lang="ko-KR" altLang="en-US"/>
-          </a:p>
-        </p:txBody>
-      </p:sp>
-      <p:sp>
-        <p:nvSpPr>
-          <p:cNvPr id="68" name="타원 67">
-            <a:extLst>
-              <a:ext uri="{FF2B5EF4-FFF2-40B4-BE49-F238E27FC236}">
-                <a16:creationId xmlns:a16="http://schemas.microsoft.com/office/drawing/2014/main" id="{49B67F64-6810-418F-BA24-7C813C209D7C}"/>
-              </a:ext>
-            </a:extLst>
-          </p:cNvPr>
-          <p:cNvSpPr/>
-          <p:nvPr/>
-        </p:nvSpPr>
-        <p:spPr>
-          <a:xfrm>
-            <a:off x="3124052" y="1298290"/>
-            <a:ext cx="115878" cy="115878"/>
-          </a:xfrm>
-          <a:prstGeom prst="ellipse">
-            <a:avLst/>
-          </a:prstGeom>
-          <a:solidFill>
-            <a:schemeClr val="accent4">
-              <a:lumMod val="60000"/>
-              <a:lumOff val="40000"/>
-            </a:schemeClr>
-          </a:solidFill>
-          <a:ln>
-            <a:noFill/>
-          </a:ln>
-        </p:spPr>
-        <p:style>
-          <a:lnRef idx="2">
-            <a:schemeClr val="accent1">
-              <a:shade val="50000"/>
-            </a:schemeClr>
-          </a:lnRef>
-          <a:fillRef idx="1">
-            <a:schemeClr val="accent1"/>
-          </a:fillRef>
-          <a:effectRef idx="0">
-            <a:schemeClr val="accent1"/>
-          </a:effectRef>
-          <a:fontRef idx="minor">
-            <a:schemeClr val="lt1"/>
-          </a:fontRef>
-        </p:style>
-        <p:txBody>
-          <a:bodyPr rtlCol="0" anchor="ctr"/>
-          <a:lstStyle/>
-          <a:p>
-            <a:pPr algn="ctr"/>
-            <a:endParaRPr lang="ko-KR" altLang="en-US"/>
-          </a:p>
-        </p:txBody>
-      </p:sp>
-      <p:sp>
-        <p:nvSpPr>
-          <p:cNvPr id="70" name="타원 69">
-            <a:extLst>
-              <a:ext uri="{FF2B5EF4-FFF2-40B4-BE49-F238E27FC236}">
-                <a16:creationId xmlns:a16="http://schemas.microsoft.com/office/drawing/2014/main" id="{C3A61F6D-49D3-495E-A898-E52DE9994409}"/>
-              </a:ext>
-            </a:extLst>
-          </p:cNvPr>
-          <p:cNvSpPr/>
-          <p:nvPr/>
-        </p:nvSpPr>
-        <p:spPr>
-          <a:xfrm rot="5400000">
-            <a:off x="4296901" y="3378854"/>
-            <a:ext cx="115878" cy="115878"/>
-          </a:xfrm>
-          <a:prstGeom prst="ellipse">
-            <a:avLst/>
-          </a:prstGeom>
-          <a:solidFill>
-            <a:schemeClr val="accent4">
-              <a:lumMod val="60000"/>
-              <a:lumOff val="40000"/>
-            </a:schemeClr>
-          </a:solidFill>
-          <a:ln>
-            <a:noFill/>
-          </a:ln>
-        </p:spPr>
-        <p:style>
-          <a:lnRef idx="2">
-            <a:schemeClr val="accent1">
-              <a:shade val="50000"/>
-            </a:schemeClr>
-          </a:lnRef>
-          <a:fillRef idx="1">
-            <a:schemeClr val="accent1"/>
-          </a:fillRef>
-          <a:effectRef idx="0">
-            <a:schemeClr val="accent1"/>
-          </a:effectRef>
-          <a:fontRef idx="minor">
-            <a:schemeClr val="lt1"/>
-          </a:fontRef>
-        </p:style>
-        <p:txBody>
-          <a:bodyPr rtlCol="0" anchor="ctr"/>
-          <a:lstStyle/>
-          <a:p>
-            <a:pPr algn="ctr"/>
-            <a:endParaRPr lang="ko-KR" altLang="en-US"/>
-          </a:p>
-        </p:txBody>
-      </p:sp>
-      <p:sp>
-        <p:nvSpPr>
-          <p:cNvPr id="71" name="타원 70">
-            <a:extLst>
-              <a:ext uri="{FF2B5EF4-FFF2-40B4-BE49-F238E27FC236}">
-                <a16:creationId xmlns:a16="http://schemas.microsoft.com/office/drawing/2014/main" id="{EA91EC9F-AAC8-40DD-9ABB-7373F79951EC}"/>
-              </a:ext>
-            </a:extLst>
-          </p:cNvPr>
-          <p:cNvSpPr/>
-          <p:nvPr/>
-        </p:nvSpPr>
-        <p:spPr>
-          <a:xfrm rot="5400000">
-            <a:off x="4296901" y="2879796"/>
-            <a:ext cx="115878" cy="115878"/>
-          </a:xfrm>
-          <a:prstGeom prst="ellipse">
-            <a:avLst/>
-          </a:prstGeom>
-          <a:solidFill>
-            <a:schemeClr val="accent4">
-              <a:lumMod val="60000"/>
-              <a:lumOff val="40000"/>
-            </a:schemeClr>
-          </a:solidFill>
-          <a:ln>
-            <a:noFill/>
-          </a:ln>
-        </p:spPr>
-        <p:style>
-          <a:lnRef idx="2">
-            <a:schemeClr val="accent1">
-              <a:shade val="50000"/>
-            </a:schemeClr>
-          </a:lnRef>
-          <a:fillRef idx="1">
-            <a:schemeClr val="accent1"/>
-          </a:fillRef>
-          <a:effectRef idx="0">
-            <a:schemeClr val="accent1"/>
-          </a:effectRef>
-          <a:fontRef idx="minor">
-            <a:schemeClr val="lt1"/>
-          </a:fontRef>
-        </p:style>
-        <p:txBody>
-          <a:bodyPr rtlCol="0" anchor="ctr"/>
-          <a:lstStyle/>
-          <a:p>
-            <a:pPr algn="ctr"/>
-            <a:endParaRPr lang="ko-KR" altLang="en-US"/>
-          </a:p>
-        </p:txBody>
-      </p:sp>
-      <p:sp>
-        <p:nvSpPr>
-          <p:cNvPr id="72" name="타원 71">
-            <a:extLst>
-              <a:ext uri="{FF2B5EF4-FFF2-40B4-BE49-F238E27FC236}">
-                <a16:creationId xmlns:a16="http://schemas.microsoft.com/office/drawing/2014/main" id="{8C11E284-EB8E-4292-AE97-5DE94548C9C8}"/>
-              </a:ext>
-            </a:extLst>
-          </p:cNvPr>
-          <p:cNvSpPr/>
-          <p:nvPr/>
-        </p:nvSpPr>
-        <p:spPr>
-          <a:xfrm rot="5400000">
-            <a:off x="4296901" y="2357065"/>
-            <a:ext cx="115878" cy="115878"/>
-          </a:xfrm>
-          <a:prstGeom prst="ellipse">
-            <a:avLst/>
-          </a:prstGeom>
-          <a:solidFill>
-            <a:schemeClr val="accent4">
-              <a:lumMod val="60000"/>
-              <a:lumOff val="40000"/>
-            </a:schemeClr>
-          </a:solidFill>
-          <a:ln>
-            <a:noFill/>
-          </a:ln>
-        </p:spPr>
-        <p:style>
-          <a:lnRef idx="2">
-            <a:schemeClr val="accent1">
-              <a:shade val="50000"/>
-            </a:schemeClr>
-          </a:lnRef>
-          <a:fillRef idx="1">
-            <a:schemeClr val="accent1"/>
-          </a:fillRef>
-          <a:effectRef idx="0">
-            <a:schemeClr val="accent1"/>
-          </a:effectRef>
-          <a:fontRef idx="minor">
-            <a:schemeClr val="lt1"/>
-          </a:fontRef>
-        </p:style>
-        <p:txBody>
-          <a:bodyPr rtlCol="0" anchor="ctr"/>
-          <a:lstStyle/>
-          <a:p>
-            <a:pPr algn="ctr"/>
-            <a:endParaRPr lang="ko-KR" altLang="en-US"/>
-          </a:p>
-        </p:txBody>
-      </p:sp>
-      <p:sp>
-        <p:nvSpPr>
-          <p:cNvPr id="73" name="타원 72">
-            <a:extLst>
-              <a:ext uri="{FF2B5EF4-FFF2-40B4-BE49-F238E27FC236}">
-                <a16:creationId xmlns:a16="http://schemas.microsoft.com/office/drawing/2014/main" id="{AE74B847-2878-477D-9B5C-5A0840B3B179}"/>
-              </a:ext>
-            </a:extLst>
-          </p:cNvPr>
-          <p:cNvSpPr/>
-          <p:nvPr/>
-        </p:nvSpPr>
-        <p:spPr>
-          <a:xfrm rot="5400000">
-            <a:off x="5465836" y="2875283"/>
-            <a:ext cx="115878" cy="115878"/>
-          </a:xfrm>
-          <a:prstGeom prst="ellipse">
-            <a:avLst/>
-          </a:prstGeom>
-          <a:solidFill>
-            <a:schemeClr val="accent4">
-              <a:lumMod val="60000"/>
-              <a:lumOff val="40000"/>
-            </a:schemeClr>
-          </a:solidFill>
-          <a:ln>
-            <a:noFill/>
-          </a:ln>
-        </p:spPr>
-        <p:style>
-          <a:lnRef idx="2">
-            <a:schemeClr val="accent1">
-              <a:shade val="50000"/>
-            </a:schemeClr>
-          </a:lnRef>
-          <a:fillRef idx="1">
-            <a:schemeClr val="accent1"/>
-          </a:fillRef>
-          <a:effectRef idx="0">
-            <a:schemeClr val="accent1"/>
-          </a:effectRef>
-          <a:fontRef idx="minor">
-            <a:schemeClr val="lt1"/>
-          </a:fontRef>
-        </p:style>
-        <p:txBody>
-          <a:bodyPr rtlCol="0" anchor="ctr"/>
-          <a:lstStyle/>
-          <a:p>
-            <a:pPr algn="ctr"/>
-            <a:endParaRPr lang="ko-KR" altLang="en-US"/>
-          </a:p>
-        </p:txBody>
-      </p:sp>
-      <p:sp>
-        <p:nvSpPr>
-          <p:cNvPr id="74" name="타원 73">
-            <a:extLst>
-              <a:ext uri="{FF2B5EF4-FFF2-40B4-BE49-F238E27FC236}">
-                <a16:creationId xmlns:a16="http://schemas.microsoft.com/office/drawing/2014/main" id="{A7A9BDE3-9BA0-497D-9CCE-4588BC8BF246}"/>
-              </a:ext>
-            </a:extLst>
-          </p:cNvPr>
-          <p:cNvSpPr/>
-          <p:nvPr/>
-        </p:nvSpPr>
-        <p:spPr>
-          <a:xfrm rot="5400000">
-            <a:off x="5462616" y="2347602"/>
-            <a:ext cx="115878" cy="115878"/>
-          </a:xfrm>
-          <a:prstGeom prst="ellipse">
-            <a:avLst/>
-          </a:prstGeom>
-          <a:solidFill>
-            <a:schemeClr val="accent4">
-              <a:lumMod val="60000"/>
-              <a:lumOff val="40000"/>
-            </a:schemeClr>
-          </a:solidFill>
-          <a:ln>
-            <a:noFill/>
-          </a:ln>
-        </p:spPr>
-        <p:style>
-          <a:lnRef idx="2">
-            <a:schemeClr val="accent1">
-              <a:shade val="50000"/>
-            </a:schemeClr>
-          </a:lnRef>
-          <a:fillRef idx="1">
-            <a:schemeClr val="accent1"/>
-          </a:fillRef>
-          <a:effectRef idx="0">
-            <a:schemeClr val="accent1"/>
-          </a:effectRef>
-          <a:fontRef idx="minor">
-            <a:schemeClr val="lt1"/>
-          </a:fontRef>
-        </p:style>
-        <p:txBody>
-          <a:bodyPr rtlCol="0" anchor="ctr"/>
-          <a:lstStyle/>
-          <a:p>
-            <a:pPr algn="ctr"/>
-            <a:endParaRPr lang="ko-KR" altLang="en-US"/>
-          </a:p>
-        </p:txBody>
-      </p:sp>
-      <p:sp>
-        <p:nvSpPr>
-          <p:cNvPr id="75" name="타원 74">
-            <a:extLst>
-              <a:ext uri="{FF2B5EF4-FFF2-40B4-BE49-F238E27FC236}">
-                <a16:creationId xmlns:a16="http://schemas.microsoft.com/office/drawing/2014/main" id="{DB2CB7B4-BDE6-4A8C-9865-EAE9AF4A10C8}"/>
-              </a:ext>
-            </a:extLst>
-          </p:cNvPr>
-          <p:cNvSpPr/>
-          <p:nvPr/>
-        </p:nvSpPr>
-        <p:spPr>
-          <a:xfrm rot="5400000">
-            <a:off x="5462616" y="1797410"/>
-            <a:ext cx="115878" cy="115878"/>
-          </a:xfrm>
-          <a:prstGeom prst="ellipse">
-            <a:avLst/>
-          </a:prstGeom>
-          <a:solidFill>
-            <a:schemeClr val="accent4">
-              <a:lumMod val="60000"/>
-              <a:lumOff val="40000"/>
-            </a:schemeClr>
-          </a:solidFill>
-          <a:ln>
-            <a:noFill/>
-          </a:ln>
-        </p:spPr>
-        <p:style>
-          <a:lnRef idx="2">
-            <a:schemeClr val="accent1">
-              <a:shade val="50000"/>
-            </a:schemeClr>
-          </a:lnRef>
-          <a:fillRef idx="1">
-            <a:schemeClr val="accent1"/>
-          </a:fillRef>
-          <a:effectRef idx="0">
-            <a:schemeClr val="accent1"/>
-          </a:effectRef>
-          <a:fontRef idx="minor">
-            <a:schemeClr val="lt1"/>
-          </a:fontRef>
-        </p:style>
-        <p:txBody>
-          <a:bodyPr rtlCol="0" anchor="ctr"/>
-          <a:lstStyle/>
-          <a:p>
-            <a:pPr algn="ctr"/>
-            <a:endParaRPr lang="ko-KR" altLang="en-US"/>
-          </a:p>
-        </p:txBody>
-      </p:sp>
-      <p:sp>
-        <p:nvSpPr>
-          <p:cNvPr id="76" name="타원 75">
-            <a:extLst>
-              <a:ext uri="{FF2B5EF4-FFF2-40B4-BE49-F238E27FC236}">
-                <a16:creationId xmlns:a16="http://schemas.microsoft.com/office/drawing/2014/main" id="{46E4B1E0-1FC7-4CDF-A569-B10990795EF5}"/>
-              </a:ext>
-            </a:extLst>
-          </p:cNvPr>
-          <p:cNvSpPr/>
-          <p:nvPr/>
-        </p:nvSpPr>
-        <p:spPr>
-          <a:xfrm rot="5400000">
-            <a:off x="7793090" y="4939455"/>
-            <a:ext cx="115878" cy="115878"/>
-          </a:xfrm>
-          <a:prstGeom prst="ellipse">
-            <a:avLst/>
-          </a:prstGeom>
-          <a:solidFill>
-            <a:schemeClr val="accent4">
-              <a:lumMod val="60000"/>
-              <a:lumOff val="40000"/>
-            </a:schemeClr>
-          </a:solidFill>
-          <a:ln>
-            <a:noFill/>
-          </a:ln>
-        </p:spPr>
-        <p:style>
-          <a:lnRef idx="2">
-            <a:schemeClr val="accent1">
-              <a:shade val="50000"/>
-            </a:schemeClr>
-          </a:lnRef>
-          <a:fillRef idx="1">
-            <a:schemeClr val="accent1"/>
-          </a:fillRef>
-          <a:effectRef idx="0">
-            <a:schemeClr val="accent1"/>
-          </a:effectRef>
-          <a:fontRef idx="minor">
-            <a:schemeClr val="lt1"/>
-          </a:fontRef>
-        </p:style>
-        <p:txBody>
-          <a:bodyPr rtlCol="0" anchor="ctr"/>
-          <a:lstStyle/>
-          <a:p>
-            <a:pPr algn="ctr"/>
-            <a:endParaRPr lang="ko-KR" altLang="en-US"/>
-          </a:p>
-        </p:txBody>
-      </p:sp>
-      <p:sp>
-        <p:nvSpPr>
-          <p:cNvPr id="77" name="타원 76">
-            <a:extLst>
-              <a:ext uri="{FF2B5EF4-FFF2-40B4-BE49-F238E27FC236}">
-                <a16:creationId xmlns:a16="http://schemas.microsoft.com/office/drawing/2014/main" id="{2B8FB202-EECA-46BD-AF79-90CB01748C21}"/>
-              </a:ext>
-            </a:extLst>
-          </p:cNvPr>
-          <p:cNvSpPr/>
-          <p:nvPr/>
-        </p:nvSpPr>
-        <p:spPr>
-          <a:xfrm rot="5400000">
-            <a:off x="7793090" y="4415580"/>
-            <a:ext cx="115878" cy="115878"/>
-          </a:xfrm>
-          <a:prstGeom prst="ellipse">
-            <a:avLst/>
-          </a:prstGeom>
-          <a:solidFill>
-            <a:schemeClr val="accent4">
-              <a:lumMod val="60000"/>
-              <a:lumOff val="40000"/>
-            </a:schemeClr>
-          </a:solidFill>
-          <a:ln>
-            <a:noFill/>
-          </a:ln>
-        </p:spPr>
-        <p:style>
-          <a:lnRef idx="2">
-            <a:schemeClr val="accent1">
-              <a:shade val="50000"/>
-            </a:schemeClr>
-          </a:lnRef>
-          <a:fillRef idx="1">
-            <a:schemeClr val="accent1"/>
-          </a:fillRef>
-          <a:effectRef idx="0">
-            <a:schemeClr val="accent1"/>
-          </a:effectRef>
-          <a:fontRef idx="minor">
-            <a:schemeClr val="lt1"/>
-          </a:fontRef>
-        </p:style>
-        <p:txBody>
-          <a:bodyPr rtlCol="0" anchor="ctr"/>
-          <a:lstStyle/>
-          <a:p>
-            <a:pPr algn="ctr"/>
-            <a:endParaRPr lang="ko-KR" altLang="en-US"/>
-          </a:p>
-        </p:txBody>
-      </p:sp>
-      <p:sp>
-        <p:nvSpPr>
-          <p:cNvPr id="78" name="타원 77">
-            <a:extLst>
-              <a:ext uri="{FF2B5EF4-FFF2-40B4-BE49-F238E27FC236}">
-                <a16:creationId xmlns:a16="http://schemas.microsoft.com/office/drawing/2014/main" id="{4B833E05-3E46-4F7D-B40D-7426E3DBC397}"/>
-              </a:ext>
-            </a:extLst>
-          </p:cNvPr>
-          <p:cNvSpPr/>
-          <p:nvPr/>
-        </p:nvSpPr>
-        <p:spPr>
-          <a:xfrm rot="5400000">
-            <a:off x="7201004" y="5471783"/>
-            <a:ext cx="115878" cy="115878"/>
-          </a:xfrm>
-          <a:prstGeom prst="ellipse">
-            <a:avLst/>
-          </a:prstGeom>
-          <a:solidFill>
-            <a:schemeClr val="accent4">
-              <a:lumMod val="60000"/>
-              <a:lumOff val="40000"/>
-            </a:schemeClr>
-          </a:solidFill>
-          <a:ln>
-            <a:noFill/>
-          </a:ln>
-        </p:spPr>
-        <p:style>
-          <a:lnRef idx="2">
-            <a:schemeClr val="accent1">
-              <a:shade val="50000"/>
-            </a:schemeClr>
-          </a:lnRef>
-          <a:fillRef idx="1">
-            <a:schemeClr val="accent1"/>
-          </a:fillRef>
-          <a:effectRef idx="0">
-            <a:schemeClr val="accent1"/>
-          </a:effectRef>
-          <a:fontRef idx="minor">
-            <a:schemeClr val="lt1"/>
-          </a:fontRef>
-        </p:style>
-        <p:txBody>
-          <a:bodyPr rtlCol="0" anchor="ctr"/>
-          <a:lstStyle/>
-          <a:p>
-            <a:pPr algn="ctr"/>
-            <a:endParaRPr lang="ko-KR" altLang="en-US"/>
-          </a:p>
-        </p:txBody>
-      </p:sp>
-      <p:sp>
-        <p:nvSpPr>
-          <p:cNvPr id="79" name="타원 78">
-            <a:extLst>
-              <a:ext uri="{FF2B5EF4-FFF2-40B4-BE49-F238E27FC236}">
-                <a16:creationId xmlns:a16="http://schemas.microsoft.com/office/drawing/2014/main" id="{7EC16F9C-38BF-4F42-8D99-4A6204F0EE85}"/>
-              </a:ext>
-            </a:extLst>
-          </p:cNvPr>
-          <p:cNvSpPr/>
-          <p:nvPr/>
-        </p:nvSpPr>
-        <p:spPr>
-          <a:xfrm rot="5400000">
-            <a:off x="7201004" y="4947908"/>
-            <a:ext cx="115878" cy="115878"/>
-          </a:xfrm>
-          <a:prstGeom prst="ellipse">
-            <a:avLst/>
-          </a:prstGeom>
-          <a:solidFill>
-            <a:schemeClr val="accent4">
-              <a:lumMod val="60000"/>
-              <a:lumOff val="40000"/>
-            </a:schemeClr>
-          </a:solidFill>
-          <a:ln>
-            <a:noFill/>
-          </a:ln>
-        </p:spPr>
-        <p:style>
-          <a:lnRef idx="2">
-            <a:schemeClr val="accent1">
-              <a:shade val="50000"/>
-            </a:schemeClr>
-          </a:lnRef>
-          <a:fillRef idx="1">
-            <a:schemeClr val="accent1"/>
-          </a:fillRef>
-          <a:effectRef idx="0">
-            <a:schemeClr val="accent1"/>
-          </a:effectRef>
-          <a:fontRef idx="minor">
-            <a:schemeClr val="lt1"/>
-          </a:fontRef>
-        </p:style>
-        <p:txBody>
-          <a:bodyPr rtlCol="0" anchor="ctr"/>
-          <a:lstStyle/>
-          <a:p>
-            <a:pPr algn="ctr"/>
-            <a:endParaRPr lang="ko-KR" altLang="en-US"/>
-          </a:p>
-        </p:txBody>
-      </p:sp>
-      <p:sp>
-        <p:nvSpPr>
-          <p:cNvPr id="80" name="타원 79">
-            <a:extLst>
-              <a:ext uri="{FF2B5EF4-FFF2-40B4-BE49-F238E27FC236}">
-                <a16:creationId xmlns:a16="http://schemas.microsoft.com/office/drawing/2014/main" id="{B4BA8A6B-4269-46BF-82BA-3D983AD3F91C}"/>
-              </a:ext>
-            </a:extLst>
-          </p:cNvPr>
-          <p:cNvSpPr/>
-          <p:nvPr/>
-        </p:nvSpPr>
-        <p:spPr>
-          <a:xfrm rot="5400000">
-            <a:off x="4886898" y="5462258"/>
-            <a:ext cx="115878" cy="115878"/>
-          </a:xfrm>
-          <a:prstGeom prst="ellipse">
-            <a:avLst/>
-          </a:prstGeom>
-          <a:solidFill>
-            <a:schemeClr val="accent4">
-              <a:lumMod val="60000"/>
-              <a:lumOff val="40000"/>
-            </a:schemeClr>
-          </a:solidFill>
-          <a:ln>
-            <a:noFill/>
-          </a:ln>
-        </p:spPr>
-        <p:style>
-          <a:lnRef idx="2">
-            <a:schemeClr val="accent1">
-              <a:shade val="50000"/>
-            </a:schemeClr>
-          </a:lnRef>
-          <a:fillRef idx="1">
-            <a:schemeClr val="accent1"/>
-          </a:fillRef>
-          <a:effectRef idx="0">
-            <a:schemeClr val="accent1"/>
-          </a:effectRef>
-          <a:fontRef idx="minor">
-            <a:schemeClr val="lt1"/>
-          </a:fontRef>
-        </p:style>
-        <p:txBody>
-          <a:bodyPr rtlCol="0" anchor="ctr"/>
-          <a:lstStyle/>
-          <a:p>
-            <a:pPr algn="ctr"/>
-            <a:endParaRPr lang="ko-KR" altLang="en-US"/>
-          </a:p>
-        </p:txBody>
-      </p:sp>
-      <p:sp>
-        <p:nvSpPr>
-          <p:cNvPr id="81" name="타원 80">
-            <a:extLst>
-              <a:ext uri="{FF2B5EF4-FFF2-40B4-BE49-F238E27FC236}">
-                <a16:creationId xmlns:a16="http://schemas.microsoft.com/office/drawing/2014/main" id="{43ED8BC9-E2D4-4A66-B3B0-08DA0865E0D0}"/>
-              </a:ext>
-            </a:extLst>
-          </p:cNvPr>
-          <p:cNvSpPr/>
-          <p:nvPr/>
-        </p:nvSpPr>
-        <p:spPr>
-          <a:xfrm rot="5400000">
-            <a:off x="4886898" y="4938383"/>
-            <a:ext cx="115878" cy="115878"/>
-          </a:xfrm>
-          <a:prstGeom prst="ellipse">
-            <a:avLst/>
-          </a:prstGeom>
-          <a:solidFill>
-            <a:schemeClr val="accent4">
-              <a:lumMod val="60000"/>
-              <a:lumOff val="40000"/>
-            </a:schemeClr>
-          </a:solidFill>
-          <a:ln>
-            <a:noFill/>
-          </a:ln>
-        </p:spPr>
-        <p:style>
-          <a:lnRef idx="2">
-            <a:schemeClr val="accent1">
-              <a:shade val="50000"/>
-            </a:schemeClr>
-          </a:lnRef>
-          <a:fillRef idx="1">
-            <a:schemeClr val="accent1"/>
-          </a:fillRef>
-          <a:effectRef idx="0">
-            <a:schemeClr val="accent1"/>
-          </a:effectRef>
-          <a:fontRef idx="minor">
-            <a:schemeClr val="lt1"/>
-          </a:fontRef>
-        </p:style>
-        <p:txBody>
-          <a:bodyPr rtlCol="0" anchor="ctr"/>
-          <a:lstStyle/>
-          <a:p>
-            <a:pPr algn="ctr"/>
-            <a:endParaRPr lang="ko-KR" altLang="en-US"/>
-          </a:p>
-        </p:txBody>
-      </p:sp>
-      <p:sp>
-        <p:nvSpPr>
-          <p:cNvPr id="82" name="타원 81">
-            <a:extLst>
-              <a:ext uri="{FF2B5EF4-FFF2-40B4-BE49-F238E27FC236}">
-                <a16:creationId xmlns:a16="http://schemas.microsoft.com/office/drawing/2014/main" id="{CC91980E-34CE-489B-9EE6-F4A5744C09C8}"/>
-              </a:ext>
-            </a:extLst>
-          </p:cNvPr>
-          <p:cNvSpPr/>
-          <p:nvPr/>
-        </p:nvSpPr>
-        <p:spPr>
-          <a:xfrm rot="5400000">
-            <a:off x="4294812" y="4917126"/>
-            <a:ext cx="115878" cy="115878"/>
-          </a:xfrm>
-          <a:prstGeom prst="ellipse">
-            <a:avLst/>
-          </a:prstGeom>
-          <a:solidFill>
-            <a:schemeClr val="accent4">
-              <a:lumMod val="60000"/>
-              <a:lumOff val="40000"/>
-            </a:schemeClr>
-          </a:solidFill>
-          <a:ln>
-            <a:noFill/>
-          </a:ln>
-        </p:spPr>
-        <p:style>
-          <a:lnRef idx="2">
-            <a:schemeClr val="accent1">
-              <a:shade val="50000"/>
-            </a:schemeClr>
-          </a:lnRef>
-          <a:fillRef idx="1">
-            <a:schemeClr val="accent1"/>
-          </a:fillRef>
-          <a:effectRef idx="0">
-            <a:schemeClr val="accent1"/>
-          </a:effectRef>
-          <a:fontRef idx="minor">
-            <a:schemeClr val="lt1"/>
-          </a:fontRef>
-        </p:style>
-        <p:txBody>
-          <a:bodyPr rtlCol="0" anchor="ctr"/>
-          <a:lstStyle/>
-          <a:p>
-            <a:pPr algn="ctr"/>
-            <a:endParaRPr lang="ko-KR" altLang="en-US"/>
-          </a:p>
-        </p:txBody>
-      </p:sp>
-      <p:sp>
-        <p:nvSpPr>
-          <p:cNvPr id="83" name="타원 82">
-            <a:extLst>
-              <a:ext uri="{FF2B5EF4-FFF2-40B4-BE49-F238E27FC236}">
-                <a16:creationId xmlns:a16="http://schemas.microsoft.com/office/drawing/2014/main" id="{585C8EA6-2A0D-48F2-9352-A9C52790770C}"/>
-              </a:ext>
-            </a:extLst>
-          </p:cNvPr>
-          <p:cNvSpPr/>
-          <p:nvPr/>
-        </p:nvSpPr>
-        <p:spPr>
-          <a:xfrm rot="5400000">
-            <a:off x="4294812" y="4393251"/>
-            <a:ext cx="115878" cy="115878"/>
-          </a:xfrm>
-          <a:prstGeom prst="ellipse">
-            <a:avLst/>
-          </a:prstGeom>
-          <a:solidFill>
-            <a:schemeClr val="accent4">
-              <a:lumMod val="60000"/>
-              <a:lumOff val="40000"/>
-            </a:schemeClr>
-          </a:solidFill>
-          <a:ln>
-            <a:noFill/>
-          </a:ln>
-        </p:spPr>
-        <p:style>
-          <a:lnRef idx="2">
-            <a:schemeClr val="accent1">
-              <a:shade val="50000"/>
-            </a:schemeClr>
-          </a:lnRef>
-          <a:fillRef idx="1">
-            <a:schemeClr val="accent1"/>
-          </a:fillRef>
-          <a:effectRef idx="0">
-            <a:schemeClr val="accent1"/>
-          </a:effectRef>
-          <a:fontRef idx="minor">
-            <a:schemeClr val="lt1"/>
-          </a:fontRef>
-        </p:style>
-        <p:txBody>
-          <a:bodyPr rtlCol="0" anchor="ctr"/>
-          <a:lstStyle/>
-          <a:p>
-            <a:pPr algn="ctr"/>
-            <a:endParaRPr lang="ko-KR" altLang="en-US"/>
-          </a:p>
-        </p:txBody>
-      </p:sp>
-      <p:sp>
-        <p:nvSpPr>
-          <p:cNvPr id="84" name="타원 83">
-            <a:extLst>
-              <a:ext uri="{FF2B5EF4-FFF2-40B4-BE49-F238E27FC236}">
-                <a16:creationId xmlns:a16="http://schemas.microsoft.com/office/drawing/2014/main" id="{176794B8-015C-42F8-A018-E18291350BFB}"/>
-              </a:ext>
-            </a:extLst>
-          </p:cNvPr>
-          <p:cNvSpPr/>
-          <p:nvPr/>
-        </p:nvSpPr>
-        <p:spPr>
-          <a:xfrm rot="5400000">
-            <a:off x="6610283" y="2865768"/>
-            <a:ext cx="115878" cy="115878"/>
-          </a:xfrm>
-          <a:prstGeom prst="ellipse">
-            <a:avLst/>
-          </a:prstGeom>
-          <a:solidFill>
-            <a:schemeClr val="accent4">
-              <a:lumMod val="60000"/>
-              <a:lumOff val="40000"/>
-            </a:schemeClr>
-          </a:solidFill>
-          <a:ln>
-            <a:noFill/>
-          </a:ln>
-        </p:spPr>
-        <p:style>
-          <a:lnRef idx="2">
-            <a:schemeClr val="accent1">
-              <a:shade val="50000"/>
-            </a:schemeClr>
-          </a:lnRef>
-          <a:fillRef idx="1">
-            <a:schemeClr val="accent1"/>
-          </a:fillRef>
-          <a:effectRef idx="0">
-            <a:schemeClr val="accent1"/>
-          </a:effectRef>
-          <a:fontRef idx="minor">
-            <a:schemeClr val="lt1"/>
-          </a:fontRef>
-        </p:style>
-        <p:txBody>
-          <a:bodyPr rtlCol="0" anchor="ctr"/>
-          <a:lstStyle/>
-          <a:p>
-            <a:pPr algn="ctr"/>
-            <a:endParaRPr lang="ko-KR" altLang="en-US"/>
-          </a:p>
-        </p:txBody>
-      </p:sp>
-      <p:sp>
-        <p:nvSpPr>
-          <p:cNvPr id="85" name="타원 84">
-            <a:extLst>
-              <a:ext uri="{FF2B5EF4-FFF2-40B4-BE49-F238E27FC236}">
-                <a16:creationId xmlns:a16="http://schemas.microsoft.com/office/drawing/2014/main" id="{050E8758-F7DA-4387-B01F-0D1CEE34CF44}"/>
-              </a:ext>
-            </a:extLst>
-          </p:cNvPr>
-          <p:cNvSpPr/>
-          <p:nvPr/>
-        </p:nvSpPr>
-        <p:spPr>
-          <a:xfrm rot="5400000">
-            <a:off x="6610283" y="2341893"/>
-            <a:ext cx="115878" cy="115878"/>
-          </a:xfrm>
-          <a:prstGeom prst="ellipse">
-            <a:avLst/>
-          </a:prstGeom>
-          <a:solidFill>
-            <a:schemeClr val="accent4">
-              <a:lumMod val="60000"/>
-              <a:lumOff val="40000"/>
-            </a:schemeClr>
-          </a:solidFill>
-          <a:ln>
-            <a:noFill/>
-          </a:ln>
-        </p:spPr>
-        <p:style>
-          <a:lnRef idx="2">
-            <a:schemeClr val="accent1">
-              <a:shade val="50000"/>
-            </a:schemeClr>
-          </a:lnRef>
-          <a:fillRef idx="1">
-            <a:schemeClr val="accent1"/>
-          </a:fillRef>
-          <a:effectRef idx="0">
-            <a:schemeClr val="accent1"/>
-          </a:effectRef>
-          <a:fontRef idx="minor">
-            <a:schemeClr val="lt1"/>
-          </a:fontRef>
-        </p:style>
-        <p:txBody>
-          <a:bodyPr rtlCol="0" anchor="ctr"/>
-          <a:lstStyle/>
-          <a:p>
-            <a:pPr algn="ctr"/>
-            <a:endParaRPr lang="ko-KR" altLang="en-US"/>
-          </a:p>
-        </p:txBody>
-      </p:sp>
-      <p:sp>
-        <p:nvSpPr>
-          <p:cNvPr id="86" name="타원 85">
-            <a:extLst>
-              <a:ext uri="{FF2B5EF4-FFF2-40B4-BE49-F238E27FC236}">
-                <a16:creationId xmlns:a16="http://schemas.microsoft.com/office/drawing/2014/main" id="{4AC10E6B-3635-4EFC-A721-0AD767F31E2D}"/>
-              </a:ext>
-            </a:extLst>
-          </p:cNvPr>
-          <p:cNvSpPr/>
-          <p:nvPr/>
-        </p:nvSpPr>
-        <p:spPr>
-          <a:xfrm rot="5400000">
-            <a:off x="6038059" y="2865768"/>
-            <a:ext cx="115878" cy="115878"/>
-          </a:xfrm>
-          <a:prstGeom prst="ellipse">
-            <a:avLst/>
-          </a:prstGeom>
-          <a:solidFill>
-            <a:schemeClr val="accent4">
-              <a:lumMod val="60000"/>
-              <a:lumOff val="40000"/>
-            </a:schemeClr>
-          </a:solidFill>
-          <a:ln>
-            <a:noFill/>
-          </a:ln>
-        </p:spPr>
-        <p:style>
-          <a:lnRef idx="2">
-            <a:schemeClr val="accent1">
-              <a:shade val="50000"/>
-            </a:schemeClr>
-          </a:lnRef>
-          <a:fillRef idx="1">
-            <a:schemeClr val="accent1"/>
-          </a:fillRef>
-          <a:effectRef idx="0">
-            <a:schemeClr val="accent1"/>
-          </a:effectRef>
-          <a:fontRef idx="minor">
-            <a:schemeClr val="lt1"/>
-          </a:fontRef>
-        </p:style>
-        <p:txBody>
-          <a:bodyPr rtlCol="0" anchor="ctr"/>
-          <a:lstStyle/>
-          <a:p>
-            <a:pPr algn="ctr"/>
-            <a:endParaRPr lang="ko-KR" altLang="en-US"/>
-          </a:p>
-        </p:txBody>
-      </p:sp>
-      <p:sp>
-        <p:nvSpPr>
-          <p:cNvPr id="87" name="타원 86">
-            <a:extLst>
-              <a:ext uri="{FF2B5EF4-FFF2-40B4-BE49-F238E27FC236}">
-                <a16:creationId xmlns:a16="http://schemas.microsoft.com/office/drawing/2014/main" id="{C36B5E15-CCE4-43CB-AA7D-0534162DE93E}"/>
-              </a:ext>
-            </a:extLst>
-          </p:cNvPr>
-          <p:cNvSpPr/>
-          <p:nvPr/>
-        </p:nvSpPr>
-        <p:spPr>
-          <a:xfrm rot="5400000">
-            <a:off x="8362296" y="4415580"/>
-            <a:ext cx="115878" cy="115878"/>
-          </a:xfrm>
-          <a:prstGeom prst="ellipse">
-            <a:avLst/>
-          </a:prstGeom>
-          <a:solidFill>
-            <a:schemeClr val="accent4">
-              <a:lumMod val="60000"/>
-              <a:lumOff val="40000"/>
-            </a:schemeClr>
-          </a:solidFill>
-          <a:ln>
-            <a:noFill/>
-          </a:ln>
-        </p:spPr>
-        <p:style>
-          <a:lnRef idx="2">
-            <a:schemeClr val="accent1">
-              <a:shade val="50000"/>
-            </a:schemeClr>
-          </a:lnRef>
-          <a:fillRef idx="1">
-            <a:schemeClr val="accent1"/>
-          </a:fillRef>
-          <a:effectRef idx="0">
-            <a:schemeClr val="accent1"/>
-          </a:effectRef>
-          <a:fontRef idx="minor">
-            <a:schemeClr val="lt1"/>
-          </a:fontRef>
-        </p:style>
-        <p:txBody>
-          <a:bodyPr rtlCol="0" anchor="ctr"/>
-          <a:lstStyle/>
-          <a:p>
-            <a:pPr algn="ctr"/>
-            <a:endParaRPr lang="ko-KR" altLang="en-US"/>
-          </a:p>
-        </p:txBody>
-      </p:sp>
-      <p:sp>
-        <p:nvSpPr>
-          <p:cNvPr id="88" name="타원 87">
-            <a:extLst>
-              <a:ext uri="{FF2B5EF4-FFF2-40B4-BE49-F238E27FC236}">
-                <a16:creationId xmlns:a16="http://schemas.microsoft.com/office/drawing/2014/main" id="{7CE67482-F914-4815-BE63-7D6B56E6E606}"/>
-              </a:ext>
-            </a:extLst>
-          </p:cNvPr>
-          <p:cNvSpPr/>
-          <p:nvPr/>
-        </p:nvSpPr>
-        <p:spPr>
-          <a:xfrm rot="5400000">
-            <a:off x="3702211" y="4415580"/>
-            <a:ext cx="115878" cy="115878"/>
-          </a:xfrm>
-          <a:prstGeom prst="ellipse">
-            <a:avLst/>
-          </a:prstGeom>
-          <a:solidFill>
-            <a:schemeClr val="accent4">
-              <a:lumMod val="60000"/>
-              <a:lumOff val="40000"/>
-            </a:schemeClr>
-          </a:solidFill>
-          <a:ln>
-            <a:noFill/>
-          </a:ln>
-        </p:spPr>
-        <p:style>
-          <a:lnRef idx="2">
-            <a:schemeClr val="accent1">
-              <a:shade val="50000"/>
-            </a:schemeClr>
-          </a:lnRef>
-          <a:fillRef idx="1">
-            <a:schemeClr val="accent1"/>
-          </a:fillRef>
-          <a:effectRef idx="0">
-            <a:schemeClr val="accent1"/>
-          </a:effectRef>
-          <a:fontRef idx="minor">
-            <a:schemeClr val="lt1"/>
-          </a:fontRef>
-        </p:style>
-        <p:txBody>
-          <a:bodyPr rtlCol="0" anchor="ctr"/>
-          <a:lstStyle/>
-          <a:p>
-            <a:pPr algn="ctr"/>
-            <a:endParaRPr lang="ko-KR" altLang="en-US"/>
-          </a:p>
-        </p:txBody>
-      </p:sp>
-      <p:sp>
-        <p:nvSpPr>
-          <p:cNvPr id="89" name="타원 88">
-            <a:extLst>
-              <a:ext uri="{FF2B5EF4-FFF2-40B4-BE49-F238E27FC236}">
-                <a16:creationId xmlns:a16="http://schemas.microsoft.com/office/drawing/2014/main" id="{32341F18-992B-4E2E-BA80-ECD0D6876361}"/>
-              </a:ext>
-            </a:extLst>
-          </p:cNvPr>
-          <p:cNvSpPr/>
-          <p:nvPr/>
-        </p:nvSpPr>
-        <p:spPr>
-          <a:xfrm>
-            <a:off x="6026278" y="5471783"/>
-            <a:ext cx="115878" cy="115878"/>
-          </a:xfrm>
-          <a:prstGeom prst="ellipse">
-            <a:avLst/>
-          </a:prstGeom>
-          <a:solidFill>
-            <a:schemeClr val="accent4">
-              <a:lumMod val="60000"/>
-              <a:lumOff val="40000"/>
-            </a:schemeClr>
-          </a:solidFill>
-          <a:ln>
-            <a:noFill/>
-          </a:ln>
-        </p:spPr>
-        <p:style>
-          <a:lnRef idx="2">
-            <a:schemeClr val="accent1">
-              <a:shade val="50000"/>
-            </a:schemeClr>
-          </a:lnRef>
-          <a:fillRef idx="1">
-            <a:schemeClr val="accent1"/>
-          </a:fillRef>
-          <a:effectRef idx="0">
-            <a:schemeClr val="accent1"/>
-          </a:effectRef>
-          <a:fontRef idx="minor">
-            <a:schemeClr val="lt1"/>
-          </a:fontRef>
-        </p:style>
-        <p:txBody>
-          <a:bodyPr rtlCol="0" anchor="ctr"/>
-          <a:lstStyle/>
-          <a:p>
-            <a:pPr algn="ctr"/>
-            <a:endParaRPr lang="ko-KR" altLang="en-US"/>
-          </a:p>
-        </p:txBody>
-      </p:sp>
-      <p:sp>
-        <p:nvSpPr>
-          <p:cNvPr id="90" name="타원 89">
-            <a:extLst>
-              <a:ext uri="{FF2B5EF4-FFF2-40B4-BE49-F238E27FC236}">
-                <a16:creationId xmlns:a16="http://schemas.microsoft.com/office/drawing/2014/main" id="{95A1E84C-82E7-478A-840F-8FD4977F09E4}"/>
-              </a:ext>
-            </a:extLst>
-          </p:cNvPr>
-          <p:cNvSpPr/>
-          <p:nvPr/>
-        </p:nvSpPr>
-        <p:spPr>
-          <a:xfrm rot="5400000">
-            <a:off x="6038061" y="4946544"/>
-            <a:ext cx="115878" cy="115878"/>
-          </a:xfrm>
-          <a:prstGeom prst="ellipse">
-            <a:avLst/>
-          </a:prstGeom>
-          <a:solidFill>
-            <a:schemeClr val="accent4">
-              <a:lumMod val="60000"/>
-              <a:lumOff val="40000"/>
-            </a:schemeClr>
-          </a:solidFill>
-          <a:ln>
-            <a:noFill/>
-          </a:ln>
-        </p:spPr>
-        <p:style>
-          <a:lnRef idx="2">
-            <a:schemeClr val="accent1">
-              <a:shade val="50000"/>
-            </a:schemeClr>
-          </a:lnRef>
-          <a:fillRef idx="1">
-            <a:schemeClr val="accent1"/>
-          </a:fillRef>
-          <a:effectRef idx="0">
-            <a:schemeClr val="accent1"/>
-          </a:effectRef>
-          <a:fontRef idx="minor">
-            <a:schemeClr val="lt1"/>
-          </a:fontRef>
-        </p:style>
-        <p:txBody>
-          <a:bodyPr rtlCol="0" anchor="ctr"/>
-          <a:lstStyle/>
-          <a:p>
-            <a:pPr algn="ctr"/>
-            <a:endParaRPr lang="ko-KR" altLang="en-US"/>
-          </a:p>
-        </p:txBody>
-      </p:sp>
-      <p:sp>
-        <p:nvSpPr>
-          <p:cNvPr id="91" name="타원 90">
-            <a:extLst>
-              <a:ext uri="{FF2B5EF4-FFF2-40B4-BE49-F238E27FC236}">
-                <a16:creationId xmlns:a16="http://schemas.microsoft.com/office/drawing/2014/main" id="{A887A2FB-EA55-48E8-A536-4859D07BD30D}"/>
-              </a:ext>
-            </a:extLst>
-          </p:cNvPr>
-          <p:cNvSpPr/>
-          <p:nvPr/>
-        </p:nvSpPr>
-        <p:spPr>
-          <a:xfrm rot="5400000">
-            <a:off x="6038061" y="4422669"/>
-            <a:ext cx="115878" cy="115878"/>
-          </a:xfrm>
-          <a:prstGeom prst="ellipse">
-            <a:avLst/>
-          </a:prstGeom>
-          <a:solidFill>
-            <a:schemeClr val="accent4">
-              <a:lumMod val="60000"/>
-              <a:lumOff val="40000"/>
-            </a:schemeClr>
-          </a:solidFill>
-          <a:ln>
-            <a:noFill/>
-          </a:ln>
-        </p:spPr>
-        <p:style>
-          <a:lnRef idx="2">
-            <a:schemeClr val="accent1">
-              <a:shade val="50000"/>
-            </a:schemeClr>
-          </a:lnRef>
-          <a:fillRef idx="1">
-            <a:schemeClr val="accent1"/>
-          </a:fillRef>
-          <a:effectRef idx="0">
-            <a:schemeClr val="accent1"/>
-          </a:effectRef>
-          <a:fontRef idx="minor">
-            <a:schemeClr val="lt1"/>
-          </a:fontRef>
-        </p:style>
-        <p:txBody>
-          <a:bodyPr rtlCol="0" anchor="ctr"/>
-          <a:lstStyle/>
-          <a:p>
-            <a:pPr algn="ctr"/>
-            <a:endParaRPr lang="ko-KR" altLang="en-US"/>
-          </a:p>
-        </p:txBody>
-      </p:sp>
+      </p:pic>
     </p:spTree>
     <p:extLst>
       <p:ext uri="{BB962C8B-B14F-4D97-AF65-F5344CB8AC3E}">
@@ -14629,10 +10962,10 @@
       </p:grpSpPr>
       <p:pic>
         <p:nvPicPr>
-          <p:cNvPr id="3" name="그림 2">
+          <p:cNvPr id="4" name="그림 3">
             <a:extLst>
               <a:ext uri="{FF2B5EF4-FFF2-40B4-BE49-F238E27FC236}">
-                <a16:creationId xmlns:a16="http://schemas.microsoft.com/office/drawing/2014/main" id="{36BA11F0-382C-4A98-8D60-2C58AFAA980B}"/>
+                <a16:creationId xmlns:a16="http://schemas.microsoft.com/office/drawing/2014/main" id="{86EC90AA-BC5E-A64C-BB9A-361CF41D415D}"/>
               </a:ext>
             </a:extLst>
           </p:cNvPr>
@@ -14641,7 +10974,7 @@
           </p:cNvPicPr>
           <p:nvPr/>
         </p:nvPicPr>
-        <p:blipFill rotWithShape="1">
+        <p:blipFill>
           <a:blip r:embed="rId2">
             <a:extLst>
               <a:ext uri="{28A0092B-C50C-407E-A947-70E740481C1C}">
@@ -14649,13 +10982,14 @@
               </a:ext>
             </a:extLst>
           </a:blip>
-          <a:srcRect l="19295" r="19658"/>
-          <a:stretch/>
+          <a:stretch>
+            <a:fillRect/>
+          </a:stretch>
         </p:blipFill>
         <p:spPr>
           <a:xfrm>
-            <a:off x="551330" y="1420386"/>
-            <a:ext cx="5190566" cy="4275822"/>
+            <a:off x="6256643" y="944036"/>
+            <a:ext cx="5278864" cy="4720523"/>
           </a:xfrm>
           <a:prstGeom prst="rect">
             <a:avLst/>
@@ -14664,10 +10998,10 @@
       </p:pic>
       <p:pic>
         <p:nvPicPr>
-          <p:cNvPr id="5" name="그림 4">
+          <p:cNvPr id="7" name="그림 6" descr="텍스트, 낱말맞추기게임이(가) 표시된 사진&#10;&#10;자동 생성된 설명">
             <a:extLst>
               <a:ext uri="{FF2B5EF4-FFF2-40B4-BE49-F238E27FC236}">
-                <a16:creationId xmlns:a16="http://schemas.microsoft.com/office/drawing/2014/main" id="{EFF5965F-0180-432E-8B3C-BEE8F077CF5C}"/>
+                <a16:creationId xmlns:a16="http://schemas.microsoft.com/office/drawing/2014/main" id="{19DC86EE-2A51-DD45-AB0C-E2DEF73C04E1}"/>
               </a:ext>
             </a:extLst>
           </p:cNvPr>
@@ -14690,8 +11024,8 @@
         </p:blipFill>
         <p:spPr>
           <a:xfrm>
-            <a:off x="6109447" y="1040491"/>
-            <a:ext cx="5293659" cy="4763293"/>
+            <a:off x="986489" y="1365778"/>
+            <a:ext cx="4598267" cy="4126444"/>
           </a:xfrm>
           <a:prstGeom prst="rect">
             <a:avLst/>

--- a/img/Env.pptx
+++ b/img/Env.pptx
@@ -5,10 +5,12 @@
     <p:sldMasterId id="2147483648" r:id="rId1"/>
   </p:sldMasterIdLst>
   <p:sldIdLst>
-    <p:sldId id="256" r:id="rId2"/>
-    <p:sldId id="258" r:id="rId3"/>
-    <p:sldId id="257" r:id="rId4"/>
-    <p:sldId id="259" r:id="rId5"/>
+    <p:sldId id="257" r:id="rId2"/>
+    <p:sldId id="259" r:id="rId3"/>
+    <p:sldId id="256" r:id="rId4"/>
+    <p:sldId id="258" r:id="rId5"/>
+    <p:sldId id="260" r:id="rId6"/>
+    <p:sldId id="261" r:id="rId7"/>
   </p:sldIdLst>
   <p:sldSz cx="12192000" cy="6858000"/>
   <p:notesSz cx="6858000" cy="9144000"/>
@@ -3344,6 +3346,1915 @@
           <p:nvPr>
             <p:extLst>
               <p:ext uri="{D42A27DB-BD31-4B8C-83A1-F6EECF244321}">
+                <p14:modId xmlns:p14="http://schemas.microsoft.com/office/powerpoint/2010/main" val="77040832"/>
+              </p:ext>
+            </p:extLst>
+          </p:nvPr>
+        </p:nvGraphicFramePr>
+        <p:xfrm>
+          <a:off x="4639622" y="2117612"/>
+          <a:ext cx="2912755" cy="2622775"/>
+        </p:xfrm>
+        <a:graphic>
+          <a:graphicData uri="http://schemas.openxmlformats.org/drawingml/2006/table">
+            <a:tbl>
+              <a:tblPr firstRow="1" bandRow="1">
+                <a:tableStyleId>{5940675A-B579-460E-94D1-54222C63F5DA}</a:tableStyleId>
+              </a:tblPr>
+              <a:tblGrid>
+                <a:gridCol w="582551">
+                  <a:extLst>
+                    <a:ext uri="{9D8B030D-6E8A-4147-A177-3AD203B41FA5}">
+                      <a16:colId xmlns:a16="http://schemas.microsoft.com/office/drawing/2014/main" val="98960500"/>
+                    </a:ext>
+                  </a:extLst>
+                </a:gridCol>
+                <a:gridCol w="582551">
+                  <a:extLst>
+                    <a:ext uri="{9D8B030D-6E8A-4147-A177-3AD203B41FA5}">
+                      <a16:colId xmlns:a16="http://schemas.microsoft.com/office/drawing/2014/main" val="2308932683"/>
+                    </a:ext>
+                  </a:extLst>
+                </a:gridCol>
+                <a:gridCol w="582551">
+                  <a:extLst>
+                    <a:ext uri="{9D8B030D-6E8A-4147-A177-3AD203B41FA5}">
+                      <a16:colId xmlns:a16="http://schemas.microsoft.com/office/drawing/2014/main" val="1124970835"/>
+                    </a:ext>
+                  </a:extLst>
+                </a:gridCol>
+                <a:gridCol w="582551">
+                  <a:extLst>
+                    <a:ext uri="{9D8B030D-6E8A-4147-A177-3AD203B41FA5}">
+                      <a16:colId xmlns:a16="http://schemas.microsoft.com/office/drawing/2014/main" val="1006944417"/>
+                    </a:ext>
+                  </a:extLst>
+                </a:gridCol>
+                <a:gridCol w="582551">
+                  <a:extLst>
+                    <a:ext uri="{9D8B030D-6E8A-4147-A177-3AD203B41FA5}">
+                      <a16:colId xmlns:a16="http://schemas.microsoft.com/office/drawing/2014/main" val="1662117227"/>
+                    </a:ext>
+                  </a:extLst>
+                </a:gridCol>
+              </a:tblGrid>
+              <a:tr h="524555">
+                <a:tc>
+                  <a:txBody>
+                    <a:bodyPr/>
+                    <a:lstStyle/>
+                    <a:p>
+                      <a:pPr latinLnBrk="1"/>
+                      <a:endParaRPr lang="ko-KR" altLang="en-US" sz="2500" dirty="0"/>
+                    </a:p>
+                  </a:txBody>
+                  <a:tcPr marL="129342" marR="129342" marT="64671" marB="64671">
+                    <a:lnL w="12700" cap="flat" cmpd="sng" algn="ctr">
+                      <a:solidFill>
+                        <a:schemeClr val="bg1">
+                          <a:lumMod val="65000"/>
+                        </a:schemeClr>
+                      </a:solidFill>
+                      <a:prstDash val="solid"/>
+                      <a:round/>
+                      <a:headEnd type="none" w="med" len="med"/>
+                      <a:tailEnd type="none" w="med" len="med"/>
+                    </a:lnL>
+                    <a:lnR w="12700" cap="flat" cmpd="sng" algn="ctr">
+                      <a:solidFill>
+                        <a:schemeClr val="bg1">
+                          <a:lumMod val="65000"/>
+                        </a:schemeClr>
+                      </a:solidFill>
+                      <a:prstDash val="solid"/>
+                      <a:round/>
+                      <a:headEnd type="none" w="med" len="med"/>
+                      <a:tailEnd type="none" w="med" len="med"/>
+                    </a:lnR>
+                    <a:lnT w="12700" cap="flat" cmpd="sng" algn="ctr">
+                      <a:solidFill>
+                        <a:schemeClr val="bg1">
+                          <a:lumMod val="65000"/>
+                        </a:schemeClr>
+                      </a:solidFill>
+                      <a:prstDash val="solid"/>
+                      <a:round/>
+                      <a:headEnd type="none" w="med" len="med"/>
+                      <a:tailEnd type="none" w="med" len="med"/>
+                    </a:lnT>
+                    <a:lnB w="12700" cap="flat" cmpd="sng" algn="ctr">
+                      <a:solidFill>
+                        <a:schemeClr val="bg1">
+                          <a:lumMod val="65000"/>
+                        </a:schemeClr>
+                      </a:solidFill>
+                      <a:prstDash val="solid"/>
+                      <a:round/>
+                      <a:headEnd type="none" w="med" len="med"/>
+                      <a:tailEnd type="none" w="med" len="med"/>
+                    </a:lnB>
+                    <a:solidFill>
+                      <a:schemeClr val="bg1"/>
+                    </a:solidFill>
+                  </a:tcPr>
+                </a:tc>
+                <a:tc>
+                  <a:txBody>
+                    <a:bodyPr/>
+                    <a:lstStyle/>
+                    <a:p>
+                      <a:pPr latinLnBrk="1"/>
+                      <a:endParaRPr lang="ko-KR" altLang="en-US" sz="2500" dirty="0"/>
+                    </a:p>
+                  </a:txBody>
+                  <a:tcPr marL="129342" marR="129342" marT="64671" marB="64671">
+                    <a:lnL w="12700" cap="flat" cmpd="sng" algn="ctr">
+                      <a:solidFill>
+                        <a:schemeClr val="bg1">
+                          <a:lumMod val="65000"/>
+                        </a:schemeClr>
+                      </a:solidFill>
+                      <a:prstDash val="solid"/>
+                      <a:round/>
+                      <a:headEnd type="none" w="med" len="med"/>
+                      <a:tailEnd type="none" w="med" len="med"/>
+                    </a:lnL>
+                    <a:lnR w="12700" cap="flat" cmpd="sng" algn="ctr">
+                      <a:solidFill>
+                        <a:schemeClr val="bg1">
+                          <a:lumMod val="65000"/>
+                        </a:schemeClr>
+                      </a:solidFill>
+                      <a:prstDash val="solid"/>
+                      <a:round/>
+                      <a:headEnd type="none" w="med" len="med"/>
+                      <a:tailEnd type="none" w="med" len="med"/>
+                    </a:lnR>
+                    <a:lnT w="12700" cap="flat" cmpd="sng" algn="ctr">
+                      <a:solidFill>
+                        <a:schemeClr val="bg1">
+                          <a:lumMod val="65000"/>
+                        </a:schemeClr>
+                      </a:solidFill>
+                      <a:prstDash val="solid"/>
+                      <a:round/>
+                      <a:headEnd type="none" w="med" len="med"/>
+                      <a:tailEnd type="none" w="med" len="med"/>
+                    </a:lnT>
+                    <a:lnB w="12700" cap="flat" cmpd="sng" algn="ctr">
+                      <a:solidFill>
+                        <a:schemeClr val="bg1">
+                          <a:lumMod val="65000"/>
+                        </a:schemeClr>
+                      </a:solidFill>
+                      <a:prstDash val="solid"/>
+                      <a:round/>
+                      <a:headEnd type="none" w="med" len="med"/>
+                      <a:tailEnd type="none" w="med" len="med"/>
+                    </a:lnB>
+                    <a:solidFill>
+                      <a:schemeClr val="bg1"/>
+                    </a:solidFill>
+                  </a:tcPr>
+                </a:tc>
+                <a:tc>
+                  <a:txBody>
+                    <a:bodyPr/>
+                    <a:lstStyle/>
+                    <a:p>
+                      <a:pPr latinLnBrk="1"/>
+                      <a:endParaRPr lang="ko-KR" altLang="en-US" sz="2500" dirty="0"/>
+                    </a:p>
+                  </a:txBody>
+                  <a:tcPr marL="129342" marR="129342" marT="64671" marB="64671">
+                    <a:lnL w="12700" cap="flat" cmpd="sng" algn="ctr">
+                      <a:solidFill>
+                        <a:schemeClr val="bg1">
+                          <a:lumMod val="65000"/>
+                        </a:schemeClr>
+                      </a:solidFill>
+                      <a:prstDash val="solid"/>
+                      <a:round/>
+                      <a:headEnd type="none" w="med" len="med"/>
+                      <a:tailEnd type="none" w="med" len="med"/>
+                    </a:lnL>
+                    <a:lnR w="12700" cap="flat" cmpd="sng" algn="ctr">
+                      <a:solidFill>
+                        <a:schemeClr val="bg1">
+                          <a:lumMod val="65000"/>
+                        </a:schemeClr>
+                      </a:solidFill>
+                      <a:prstDash val="solid"/>
+                      <a:round/>
+                      <a:headEnd type="none" w="med" len="med"/>
+                      <a:tailEnd type="none" w="med" len="med"/>
+                    </a:lnR>
+                    <a:lnT w="12700" cap="flat" cmpd="sng" algn="ctr">
+                      <a:solidFill>
+                        <a:schemeClr val="bg1">
+                          <a:lumMod val="65000"/>
+                        </a:schemeClr>
+                      </a:solidFill>
+                      <a:prstDash val="solid"/>
+                      <a:round/>
+                      <a:headEnd type="none" w="med" len="med"/>
+                      <a:tailEnd type="none" w="med" len="med"/>
+                    </a:lnT>
+                    <a:lnB w="12700" cap="flat" cmpd="sng" algn="ctr">
+                      <a:solidFill>
+                        <a:schemeClr val="bg1">
+                          <a:lumMod val="65000"/>
+                        </a:schemeClr>
+                      </a:solidFill>
+                      <a:prstDash val="solid"/>
+                      <a:round/>
+                      <a:headEnd type="none" w="med" len="med"/>
+                      <a:tailEnd type="none" w="med" len="med"/>
+                    </a:lnB>
+                    <a:solidFill>
+                      <a:schemeClr val="bg1"/>
+                    </a:solidFill>
+                  </a:tcPr>
+                </a:tc>
+                <a:tc>
+                  <a:txBody>
+                    <a:bodyPr/>
+                    <a:lstStyle/>
+                    <a:p>
+                      <a:pPr latinLnBrk="1"/>
+                      <a:endParaRPr lang="ko-KR" altLang="en-US" sz="2500" dirty="0"/>
+                    </a:p>
+                  </a:txBody>
+                  <a:tcPr marL="129342" marR="129342" marT="64671" marB="64671">
+                    <a:lnL w="12700" cap="flat" cmpd="sng" algn="ctr">
+                      <a:solidFill>
+                        <a:schemeClr val="bg1">
+                          <a:lumMod val="65000"/>
+                        </a:schemeClr>
+                      </a:solidFill>
+                      <a:prstDash val="solid"/>
+                      <a:round/>
+                      <a:headEnd type="none" w="med" len="med"/>
+                      <a:tailEnd type="none" w="med" len="med"/>
+                    </a:lnL>
+                    <a:lnR w="12700" cap="flat" cmpd="sng" algn="ctr">
+                      <a:solidFill>
+                        <a:schemeClr val="bg1">
+                          <a:lumMod val="65000"/>
+                        </a:schemeClr>
+                      </a:solidFill>
+                      <a:prstDash val="solid"/>
+                      <a:round/>
+                      <a:headEnd type="none" w="med" len="med"/>
+                      <a:tailEnd type="none" w="med" len="med"/>
+                    </a:lnR>
+                    <a:lnT w="12700" cap="flat" cmpd="sng" algn="ctr">
+                      <a:solidFill>
+                        <a:schemeClr val="bg1">
+                          <a:lumMod val="65000"/>
+                        </a:schemeClr>
+                      </a:solidFill>
+                      <a:prstDash val="solid"/>
+                      <a:round/>
+                      <a:headEnd type="none" w="med" len="med"/>
+                      <a:tailEnd type="none" w="med" len="med"/>
+                    </a:lnT>
+                    <a:lnB w="12700" cap="flat" cmpd="sng" algn="ctr">
+                      <a:solidFill>
+                        <a:schemeClr val="bg1">
+                          <a:lumMod val="65000"/>
+                        </a:schemeClr>
+                      </a:solidFill>
+                      <a:prstDash val="solid"/>
+                      <a:round/>
+                      <a:headEnd type="none" w="med" len="med"/>
+                      <a:tailEnd type="none" w="med" len="med"/>
+                    </a:lnB>
+                    <a:solidFill>
+                      <a:schemeClr val="bg1"/>
+                    </a:solidFill>
+                  </a:tcPr>
+                </a:tc>
+                <a:tc>
+                  <a:txBody>
+                    <a:bodyPr/>
+                    <a:lstStyle/>
+                    <a:p>
+                      <a:pPr latinLnBrk="1"/>
+                      <a:endParaRPr lang="ko-KR" altLang="en-US" sz="2500" dirty="0"/>
+                    </a:p>
+                  </a:txBody>
+                  <a:tcPr marL="129342" marR="129342" marT="64671" marB="64671">
+                    <a:lnL w="12700" cap="flat" cmpd="sng" algn="ctr">
+                      <a:solidFill>
+                        <a:schemeClr val="bg1">
+                          <a:lumMod val="65000"/>
+                        </a:schemeClr>
+                      </a:solidFill>
+                      <a:prstDash val="solid"/>
+                      <a:round/>
+                      <a:headEnd type="none" w="med" len="med"/>
+                      <a:tailEnd type="none" w="med" len="med"/>
+                    </a:lnL>
+                    <a:lnR w="12700" cap="flat" cmpd="sng" algn="ctr">
+                      <a:solidFill>
+                        <a:schemeClr val="bg1">
+                          <a:lumMod val="65000"/>
+                        </a:schemeClr>
+                      </a:solidFill>
+                      <a:prstDash val="solid"/>
+                      <a:round/>
+                      <a:headEnd type="none" w="med" len="med"/>
+                      <a:tailEnd type="none" w="med" len="med"/>
+                    </a:lnR>
+                    <a:lnT w="12700" cap="flat" cmpd="sng" algn="ctr">
+                      <a:solidFill>
+                        <a:schemeClr val="bg1">
+                          <a:lumMod val="65000"/>
+                        </a:schemeClr>
+                      </a:solidFill>
+                      <a:prstDash val="solid"/>
+                      <a:round/>
+                      <a:headEnd type="none" w="med" len="med"/>
+                      <a:tailEnd type="none" w="med" len="med"/>
+                    </a:lnT>
+                    <a:lnB w="12700" cap="flat" cmpd="sng" algn="ctr">
+                      <a:solidFill>
+                        <a:schemeClr val="bg1">
+                          <a:lumMod val="65000"/>
+                        </a:schemeClr>
+                      </a:solidFill>
+                      <a:prstDash val="solid"/>
+                      <a:round/>
+                      <a:headEnd type="none" w="med" len="med"/>
+                      <a:tailEnd type="none" w="med" len="med"/>
+                    </a:lnB>
+                    <a:solidFill>
+                      <a:schemeClr val="bg1"/>
+                    </a:solidFill>
+                  </a:tcPr>
+                </a:tc>
+                <a:extLst>
+                  <a:ext uri="{0D108BD9-81ED-4DB2-BD59-A6C34878D82A}">
+                    <a16:rowId xmlns:a16="http://schemas.microsoft.com/office/drawing/2014/main" val="666367604"/>
+                  </a:ext>
+                </a:extLst>
+              </a:tr>
+              <a:tr h="524555">
+                <a:tc>
+                  <a:txBody>
+                    <a:bodyPr/>
+                    <a:lstStyle/>
+                    <a:p>
+                      <a:pPr latinLnBrk="1"/>
+                      <a:endParaRPr lang="ko-KR" altLang="en-US" sz="2500"/>
+                    </a:p>
+                  </a:txBody>
+                  <a:tcPr marL="129342" marR="129342" marT="64671" marB="64671">
+                    <a:lnL w="12700" cap="flat" cmpd="sng" algn="ctr">
+                      <a:solidFill>
+                        <a:schemeClr val="bg1">
+                          <a:lumMod val="65000"/>
+                        </a:schemeClr>
+                      </a:solidFill>
+                      <a:prstDash val="solid"/>
+                      <a:round/>
+                      <a:headEnd type="none" w="med" len="med"/>
+                      <a:tailEnd type="none" w="med" len="med"/>
+                    </a:lnL>
+                    <a:lnR w="12700" cap="flat" cmpd="sng" algn="ctr">
+                      <a:solidFill>
+                        <a:schemeClr val="bg1">
+                          <a:lumMod val="65000"/>
+                        </a:schemeClr>
+                      </a:solidFill>
+                      <a:prstDash val="solid"/>
+                      <a:round/>
+                      <a:headEnd type="none" w="med" len="med"/>
+                      <a:tailEnd type="none" w="med" len="med"/>
+                    </a:lnR>
+                    <a:lnT w="12700" cap="flat" cmpd="sng" algn="ctr">
+                      <a:solidFill>
+                        <a:schemeClr val="bg1">
+                          <a:lumMod val="65000"/>
+                        </a:schemeClr>
+                      </a:solidFill>
+                      <a:prstDash val="solid"/>
+                      <a:round/>
+                      <a:headEnd type="none" w="med" len="med"/>
+                      <a:tailEnd type="none" w="med" len="med"/>
+                    </a:lnT>
+                    <a:lnB w="12700" cap="flat" cmpd="sng" algn="ctr">
+                      <a:solidFill>
+                        <a:schemeClr val="bg1">
+                          <a:lumMod val="65000"/>
+                        </a:schemeClr>
+                      </a:solidFill>
+                      <a:prstDash val="solid"/>
+                      <a:round/>
+                      <a:headEnd type="none" w="med" len="med"/>
+                      <a:tailEnd type="none" w="med" len="med"/>
+                    </a:lnB>
+                    <a:solidFill>
+                      <a:schemeClr val="bg1"/>
+                    </a:solidFill>
+                  </a:tcPr>
+                </a:tc>
+                <a:tc>
+                  <a:txBody>
+                    <a:bodyPr/>
+                    <a:lstStyle/>
+                    <a:p>
+                      <a:pPr latinLnBrk="1"/>
+                      <a:endParaRPr lang="ko-KR" altLang="en-US" sz="2500" dirty="0"/>
+                    </a:p>
+                  </a:txBody>
+                  <a:tcPr marL="129342" marR="129342" marT="64671" marB="64671">
+                    <a:lnL w="12700" cap="flat" cmpd="sng" algn="ctr">
+                      <a:solidFill>
+                        <a:schemeClr val="bg1">
+                          <a:lumMod val="65000"/>
+                        </a:schemeClr>
+                      </a:solidFill>
+                      <a:prstDash val="solid"/>
+                      <a:round/>
+                      <a:headEnd type="none" w="med" len="med"/>
+                      <a:tailEnd type="none" w="med" len="med"/>
+                    </a:lnL>
+                    <a:lnR w="12700" cap="flat" cmpd="sng" algn="ctr">
+                      <a:solidFill>
+                        <a:schemeClr val="bg1">
+                          <a:lumMod val="65000"/>
+                        </a:schemeClr>
+                      </a:solidFill>
+                      <a:prstDash val="solid"/>
+                      <a:round/>
+                      <a:headEnd type="none" w="med" len="med"/>
+                      <a:tailEnd type="none" w="med" len="med"/>
+                    </a:lnR>
+                    <a:lnT w="12700" cap="flat" cmpd="sng" algn="ctr">
+                      <a:solidFill>
+                        <a:schemeClr val="bg1">
+                          <a:lumMod val="65000"/>
+                        </a:schemeClr>
+                      </a:solidFill>
+                      <a:prstDash val="solid"/>
+                      <a:round/>
+                      <a:headEnd type="none" w="med" len="med"/>
+                      <a:tailEnd type="none" w="med" len="med"/>
+                    </a:lnT>
+                    <a:lnB w="12700" cap="flat" cmpd="sng" algn="ctr">
+                      <a:solidFill>
+                        <a:schemeClr val="bg1">
+                          <a:lumMod val="65000"/>
+                        </a:schemeClr>
+                      </a:solidFill>
+                      <a:prstDash val="solid"/>
+                      <a:round/>
+                      <a:headEnd type="none" w="med" len="med"/>
+                      <a:tailEnd type="none" w="med" len="med"/>
+                    </a:lnB>
+                    <a:solidFill>
+                      <a:schemeClr val="bg1"/>
+                    </a:solidFill>
+                  </a:tcPr>
+                </a:tc>
+                <a:tc>
+                  <a:txBody>
+                    <a:bodyPr/>
+                    <a:lstStyle/>
+                    <a:p>
+                      <a:pPr latinLnBrk="1"/>
+                      <a:endParaRPr lang="ko-KR" altLang="en-US" sz="2500" dirty="0"/>
+                    </a:p>
+                  </a:txBody>
+                  <a:tcPr marL="129342" marR="129342" marT="64671" marB="64671">
+                    <a:lnL w="12700" cap="flat" cmpd="sng" algn="ctr">
+                      <a:solidFill>
+                        <a:schemeClr val="bg1">
+                          <a:lumMod val="65000"/>
+                        </a:schemeClr>
+                      </a:solidFill>
+                      <a:prstDash val="solid"/>
+                      <a:round/>
+                      <a:headEnd type="none" w="med" len="med"/>
+                      <a:tailEnd type="none" w="med" len="med"/>
+                    </a:lnL>
+                    <a:lnR w="12700" cap="flat" cmpd="sng" algn="ctr">
+                      <a:solidFill>
+                        <a:schemeClr val="bg1">
+                          <a:lumMod val="65000"/>
+                        </a:schemeClr>
+                      </a:solidFill>
+                      <a:prstDash val="solid"/>
+                      <a:round/>
+                      <a:headEnd type="none" w="med" len="med"/>
+                      <a:tailEnd type="none" w="med" len="med"/>
+                    </a:lnR>
+                    <a:lnT w="12700" cap="flat" cmpd="sng" algn="ctr">
+                      <a:solidFill>
+                        <a:schemeClr val="bg1">
+                          <a:lumMod val="65000"/>
+                        </a:schemeClr>
+                      </a:solidFill>
+                      <a:prstDash val="solid"/>
+                      <a:round/>
+                      <a:headEnd type="none" w="med" len="med"/>
+                      <a:tailEnd type="none" w="med" len="med"/>
+                    </a:lnT>
+                    <a:lnB w="12700" cap="flat" cmpd="sng" algn="ctr">
+                      <a:solidFill>
+                        <a:schemeClr val="bg1">
+                          <a:lumMod val="65000"/>
+                        </a:schemeClr>
+                      </a:solidFill>
+                      <a:prstDash val="solid"/>
+                      <a:round/>
+                      <a:headEnd type="none" w="med" len="med"/>
+                      <a:tailEnd type="none" w="med" len="med"/>
+                    </a:lnB>
+                    <a:solidFill>
+                      <a:schemeClr val="bg1">
+                        <a:lumMod val="50000"/>
+                      </a:schemeClr>
+                    </a:solidFill>
+                  </a:tcPr>
+                </a:tc>
+                <a:tc>
+                  <a:txBody>
+                    <a:bodyPr/>
+                    <a:lstStyle/>
+                    <a:p>
+                      <a:pPr latinLnBrk="1"/>
+                      <a:endParaRPr lang="ko-KR" altLang="en-US" sz="2500" dirty="0"/>
+                    </a:p>
+                  </a:txBody>
+                  <a:tcPr marL="129342" marR="129342" marT="64671" marB="64671">
+                    <a:lnL w="12700" cap="flat" cmpd="sng" algn="ctr">
+                      <a:solidFill>
+                        <a:schemeClr val="bg1">
+                          <a:lumMod val="65000"/>
+                        </a:schemeClr>
+                      </a:solidFill>
+                      <a:prstDash val="solid"/>
+                      <a:round/>
+                      <a:headEnd type="none" w="med" len="med"/>
+                      <a:tailEnd type="none" w="med" len="med"/>
+                    </a:lnL>
+                    <a:lnR w="12700" cap="flat" cmpd="sng" algn="ctr">
+                      <a:solidFill>
+                        <a:schemeClr val="bg1">
+                          <a:lumMod val="65000"/>
+                        </a:schemeClr>
+                      </a:solidFill>
+                      <a:prstDash val="solid"/>
+                      <a:round/>
+                      <a:headEnd type="none" w="med" len="med"/>
+                      <a:tailEnd type="none" w="med" len="med"/>
+                    </a:lnR>
+                    <a:lnT w="12700" cap="flat" cmpd="sng" algn="ctr">
+                      <a:solidFill>
+                        <a:schemeClr val="bg1">
+                          <a:lumMod val="65000"/>
+                        </a:schemeClr>
+                      </a:solidFill>
+                      <a:prstDash val="solid"/>
+                      <a:round/>
+                      <a:headEnd type="none" w="med" len="med"/>
+                      <a:tailEnd type="none" w="med" len="med"/>
+                    </a:lnT>
+                    <a:lnB w="12700" cap="flat" cmpd="sng" algn="ctr">
+                      <a:solidFill>
+                        <a:schemeClr val="bg1">
+                          <a:lumMod val="65000"/>
+                        </a:schemeClr>
+                      </a:solidFill>
+                      <a:prstDash val="solid"/>
+                      <a:round/>
+                      <a:headEnd type="none" w="med" len="med"/>
+                      <a:tailEnd type="none" w="med" len="med"/>
+                    </a:lnB>
+                    <a:solidFill>
+                      <a:schemeClr val="bg1"/>
+                    </a:solidFill>
+                  </a:tcPr>
+                </a:tc>
+                <a:tc>
+                  <a:txBody>
+                    <a:bodyPr/>
+                    <a:lstStyle/>
+                    <a:p>
+                      <a:pPr latinLnBrk="1"/>
+                      <a:endParaRPr lang="ko-KR" altLang="en-US" sz="2500" dirty="0"/>
+                    </a:p>
+                  </a:txBody>
+                  <a:tcPr marL="129342" marR="129342" marT="64671" marB="64671">
+                    <a:lnL w="12700" cap="flat" cmpd="sng" algn="ctr">
+                      <a:solidFill>
+                        <a:schemeClr val="bg1">
+                          <a:lumMod val="65000"/>
+                        </a:schemeClr>
+                      </a:solidFill>
+                      <a:prstDash val="solid"/>
+                      <a:round/>
+                      <a:headEnd type="none" w="med" len="med"/>
+                      <a:tailEnd type="none" w="med" len="med"/>
+                    </a:lnL>
+                    <a:lnR w="12700" cap="flat" cmpd="sng" algn="ctr">
+                      <a:solidFill>
+                        <a:schemeClr val="bg1">
+                          <a:lumMod val="65000"/>
+                        </a:schemeClr>
+                      </a:solidFill>
+                      <a:prstDash val="solid"/>
+                      <a:round/>
+                      <a:headEnd type="none" w="med" len="med"/>
+                      <a:tailEnd type="none" w="med" len="med"/>
+                    </a:lnR>
+                    <a:lnT w="12700" cap="flat" cmpd="sng" algn="ctr">
+                      <a:solidFill>
+                        <a:schemeClr val="bg1">
+                          <a:lumMod val="65000"/>
+                        </a:schemeClr>
+                      </a:solidFill>
+                      <a:prstDash val="solid"/>
+                      <a:round/>
+                      <a:headEnd type="none" w="med" len="med"/>
+                      <a:tailEnd type="none" w="med" len="med"/>
+                    </a:lnT>
+                    <a:lnB w="12700" cap="flat" cmpd="sng" algn="ctr">
+                      <a:solidFill>
+                        <a:schemeClr val="bg1">
+                          <a:lumMod val="65000"/>
+                        </a:schemeClr>
+                      </a:solidFill>
+                      <a:prstDash val="solid"/>
+                      <a:round/>
+                      <a:headEnd type="none" w="med" len="med"/>
+                      <a:tailEnd type="none" w="med" len="med"/>
+                    </a:lnB>
+                    <a:solidFill>
+                      <a:schemeClr val="bg1"/>
+                    </a:solidFill>
+                  </a:tcPr>
+                </a:tc>
+                <a:extLst>
+                  <a:ext uri="{0D108BD9-81ED-4DB2-BD59-A6C34878D82A}">
+                    <a16:rowId xmlns:a16="http://schemas.microsoft.com/office/drawing/2014/main" val="1312993401"/>
+                  </a:ext>
+                </a:extLst>
+              </a:tr>
+              <a:tr h="524555">
+                <a:tc>
+                  <a:txBody>
+                    <a:bodyPr/>
+                    <a:lstStyle/>
+                    <a:p>
+                      <a:pPr latinLnBrk="1"/>
+                      <a:endParaRPr lang="ko-KR" altLang="en-US" sz="2500" dirty="0"/>
+                    </a:p>
+                  </a:txBody>
+                  <a:tcPr marL="129342" marR="129342" marT="64671" marB="64671">
+                    <a:lnL w="12700" cap="flat" cmpd="sng" algn="ctr">
+                      <a:solidFill>
+                        <a:schemeClr val="bg1">
+                          <a:lumMod val="65000"/>
+                        </a:schemeClr>
+                      </a:solidFill>
+                      <a:prstDash val="solid"/>
+                      <a:round/>
+                      <a:headEnd type="none" w="med" len="med"/>
+                      <a:tailEnd type="none" w="med" len="med"/>
+                    </a:lnL>
+                    <a:lnR w="12700" cap="flat" cmpd="sng" algn="ctr">
+                      <a:solidFill>
+                        <a:schemeClr val="bg1">
+                          <a:lumMod val="65000"/>
+                        </a:schemeClr>
+                      </a:solidFill>
+                      <a:prstDash val="solid"/>
+                      <a:round/>
+                      <a:headEnd type="none" w="med" len="med"/>
+                      <a:tailEnd type="none" w="med" len="med"/>
+                    </a:lnR>
+                    <a:lnT w="12700" cap="flat" cmpd="sng" algn="ctr">
+                      <a:solidFill>
+                        <a:schemeClr val="bg1">
+                          <a:lumMod val="65000"/>
+                        </a:schemeClr>
+                      </a:solidFill>
+                      <a:prstDash val="solid"/>
+                      <a:round/>
+                      <a:headEnd type="none" w="med" len="med"/>
+                      <a:tailEnd type="none" w="med" len="med"/>
+                    </a:lnT>
+                    <a:lnB w="12700" cap="flat" cmpd="sng" algn="ctr">
+                      <a:solidFill>
+                        <a:schemeClr val="bg1">
+                          <a:lumMod val="65000"/>
+                        </a:schemeClr>
+                      </a:solidFill>
+                      <a:prstDash val="solid"/>
+                      <a:round/>
+                      <a:headEnd type="none" w="med" len="med"/>
+                      <a:tailEnd type="none" w="med" len="med"/>
+                    </a:lnB>
+                    <a:solidFill>
+                      <a:schemeClr val="bg1"/>
+                    </a:solidFill>
+                  </a:tcPr>
+                </a:tc>
+                <a:tc>
+                  <a:txBody>
+                    <a:bodyPr/>
+                    <a:lstStyle/>
+                    <a:p>
+                      <a:pPr latinLnBrk="1"/>
+                      <a:endParaRPr lang="ko-KR" altLang="en-US" sz="2500"/>
+                    </a:p>
+                  </a:txBody>
+                  <a:tcPr marL="129342" marR="129342" marT="64671" marB="64671">
+                    <a:lnL w="12700" cap="flat" cmpd="sng" algn="ctr">
+                      <a:solidFill>
+                        <a:schemeClr val="bg1">
+                          <a:lumMod val="65000"/>
+                        </a:schemeClr>
+                      </a:solidFill>
+                      <a:prstDash val="solid"/>
+                      <a:round/>
+                      <a:headEnd type="none" w="med" len="med"/>
+                      <a:tailEnd type="none" w="med" len="med"/>
+                    </a:lnL>
+                    <a:lnR w="12700" cap="flat" cmpd="sng" algn="ctr">
+                      <a:solidFill>
+                        <a:schemeClr val="bg1">
+                          <a:lumMod val="65000"/>
+                        </a:schemeClr>
+                      </a:solidFill>
+                      <a:prstDash val="solid"/>
+                      <a:round/>
+                      <a:headEnd type="none" w="med" len="med"/>
+                      <a:tailEnd type="none" w="med" len="med"/>
+                    </a:lnR>
+                    <a:lnT w="12700" cap="flat" cmpd="sng" algn="ctr">
+                      <a:solidFill>
+                        <a:schemeClr val="bg1">
+                          <a:lumMod val="65000"/>
+                        </a:schemeClr>
+                      </a:solidFill>
+                      <a:prstDash val="solid"/>
+                      <a:round/>
+                      <a:headEnd type="none" w="med" len="med"/>
+                      <a:tailEnd type="none" w="med" len="med"/>
+                    </a:lnT>
+                    <a:lnB w="12700" cap="flat" cmpd="sng" algn="ctr">
+                      <a:solidFill>
+                        <a:schemeClr val="bg1">
+                          <a:lumMod val="65000"/>
+                        </a:schemeClr>
+                      </a:solidFill>
+                      <a:prstDash val="solid"/>
+                      <a:round/>
+                      <a:headEnd type="none" w="med" len="med"/>
+                      <a:tailEnd type="none" w="med" len="med"/>
+                    </a:lnB>
+                    <a:solidFill>
+                      <a:schemeClr val="bg1"/>
+                    </a:solidFill>
+                  </a:tcPr>
+                </a:tc>
+                <a:tc>
+                  <a:txBody>
+                    <a:bodyPr/>
+                    <a:lstStyle/>
+                    <a:p>
+                      <a:pPr latinLnBrk="1"/>
+                      <a:endParaRPr lang="ko-KR" altLang="en-US" sz="2500" dirty="0"/>
+                    </a:p>
+                  </a:txBody>
+                  <a:tcPr marL="129342" marR="129342" marT="64671" marB="64671">
+                    <a:lnL w="12700" cap="flat" cmpd="sng" algn="ctr">
+                      <a:solidFill>
+                        <a:schemeClr val="bg1">
+                          <a:lumMod val="65000"/>
+                        </a:schemeClr>
+                      </a:solidFill>
+                      <a:prstDash val="solid"/>
+                      <a:round/>
+                      <a:headEnd type="none" w="med" len="med"/>
+                      <a:tailEnd type="none" w="med" len="med"/>
+                    </a:lnL>
+                    <a:lnR w="12700" cap="flat" cmpd="sng" algn="ctr">
+                      <a:solidFill>
+                        <a:schemeClr val="bg1">
+                          <a:lumMod val="65000"/>
+                        </a:schemeClr>
+                      </a:solidFill>
+                      <a:prstDash val="solid"/>
+                      <a:round/>
+                      <a:headEnd type="none" w="med" len="med"/>
+                      <a:tailEnd type="none" w="med" len="med"/>
+                    </a:lnR>
+                    <a:lnT w="12700" cap="flat" cmpd="sng" algn="ctr">
+                      <a:solidFill>
+                        <a:schemeClr val="bg1">
+                          <a:lumMod val="65000"/>
+                        </a:schemeClr>
+                      </a:solidFill>
+                      <a:prstDash val="solid"/>
+                      <a:round/>
+                      <a:headEnd type="none" w="med" len="med"/>
+                      <a:tailEnd type="none" w="med" len="med"/>
+                    </a:lnT>
+                    <a:lnB w="12700" cap="flat" cmpd="sng" algn="ctr">
+                      <a:solidFill>
+                        <a:schemeClr val="bg1">
+                          <a:lumMod val="65000"/>
+                        </a:schemeClr>
+                      </a:solidFill>
+                      <a:prstDash val="solid"/>
+                      <a:round/>
+                      <a:headEnd type="none" w="med" len="med"/>
+                      <a:tailEnd type="none" w="med" len="med"/>
+                    </a:lnB>
+                    <a:solidFill>
+                      <a:schemeClr val="bg1"/>
+                    </a:solidFill>
+                  </a:tcPr>
+                </a:tc>
+                <a:tc>
+                  <a:txBody>
+                    <a:bodyPr/>
+                    <a:lstStyle/>
+                    <a:p>
+                      <a:pPr latinLnBrk="1"/>
+                      <a:endParaRPr lang="ko-KR" altLang="en-US" sz="2500" dirty="0"/>
+                    </a:p>
+                  </a:txBody>
+                  <a:tcPr marL="129342" marR="129342" marT="64671" marB="64671">
+                    <a:lnL w="12700" cap="flat" cmpd="sng" algn="ctr">
+                      <a:solidFill>
+                        <a:schemeClr val="bg1">
+                          <a:lumMod val="65000"/>
+                        </a:schemeClr>
+                      </a:solidFill>
+                      <a:prstDash val="solid"/>
+                      <a:round/>
+                      <a:headEnd type="none" w="med" len="med"/>
+                      <a:tailEnd type="none" w="med" len="med"/>
+                    </a:lnL>
+                    <a:lnR w="12700" cap="flat" cmpd="sng" algn="ctr">
+                      <a:solidFill>
+                        <a:schemeClr val="bg1">
+                          <a:lumMod val="65000"/>
+                        </a:schemeClr>
+                      </a:solidFill>
+                      <a:prstDash val="solid"/>
+                      <a:round/>
+                      <a:headEnd type="none" w="med" len="med"/>
+                      <a:tailEnd type="none" w="med" len="med"/>
+                    </a:lnR>
+                    <a:lnT w="12700" cap="flat" cmpd="sng" algn="ctr">
+                      <a:solidFill>
+                        <a:schemeClr val="bg1">
+                          <a:lumMod val="65000"/>
+                        </a:schemeClr>
+                      </a:solidFill>
+                      <a:prstDash val="solid"/>
+                      <a:round/>
+                      <a:headEnd type="none" w="med" len="med"/>
+                      <a:tailEnd type="none" w="med" len="med"/>
+                    </a:lnT>
+                    <a:lnB w="12700" cap="flat" cmpd="sng" algn="ctr">
+                      <a:solidFill>
+                        <a:schemeClr val="bg1">
+                          <a:lumMod val="65000"/>
+                        </a:schemeClr>
+                      </a:solidFill>
+                      <a:prstDash val="solid"/>
+                      <a:round/>
+                      <a:headEnd type="none" w="med" len="med"/>
+                      <a:tailEnd type="none" w="med" len="med"/>
+                    </a:lnB>
+                    <a:solidFill>
+                      <a:schemeClr val="bg1">
+                        <a:lumMod val="50000"/>
+                      </a:schemeClr>
+                    </a:solidFill>
+                  </a:tcPr>
+                </a:tc>
+                <a:tc>
+                  <a:txBody>
+                    <a:bodyPr/>
+                    <a:lstStyle/>
+                    <a:p>
+                      <a:pPr latinLnBrk="1"/>
+                      <a:endParaRPr lang="ko-KR" altLang="en-US" sz="2500" dirty="0"/>
+                    </a:p>
+                  </a:txBody>
+                  <a:tcPr marL="129342" marR="129342" marT="64671" marB="64671">
+                    <a:lnL w="12700" cap="flat" cmpd="sng" algn="ctr">
+                      <a:solidFill>
+                        <a:schemeClr val="bg1">
+                          <a:lumMod val="65000"/>
+                        </a:schemeClr>
+                      </a:solidFill>
+                      <a:prstDash val="solid"/>
+                      <a:round/>
+                      <a:headEnd type="none" w="med" len="med"/>
+                      <a:tailEnd type="none" w="med" len="med"/>
+                    </a:lnL>
+                    <a:lnR w="12700" cap="flat" cmpd="sng" algn="ctr">
+                      <a:solidFill>
+                        <a:schemeClr val="bg1">
+                          <a:lumMod val="65000"/>
+                        </a:schemeClr>
+                      </a:solidFill>
+                      <a:prstDash val="solid"/>
+                      <a:round/>
+                      <a:headEnd type="none" w="med" len="med"/>
+                      <a:tailEnd type="none" w="med" len="med"/>
+                    </a:lnR>
+                    <a:lnT w="12700" cap="flat" cmpd="sng" algn="ctr">
+                      <a:solidFill>
+                        <a:schemeClr val="bg1">
+                          <a:lumMod val="65000"/>
+                        </a:schemeClr>
+                      </a:solidFill>
+                      <a:prstDash val="solid"/>
+                      <a:round/>
+                      <a:headEnd type="none" w="med" len="med"/>
+                      <a:tailEnd type="none" w="med" len="med"/>
+                    </a:lnT>
+                    <a:lnB w="12700" cap="flat" cmpd="sng" algn="ctr">
+                      <a:solidFill>
+                        <a:schemeClr val="bg1">
+                          <a:lumMod val="65000"/>
+                        </a:schemeClr>
+                      </a:solidFill>
+                      <a:prstDash val="solid"/>
+                      <a:round/>
+                      <a:headEnd type="none" w="med" len="med"/>
+                      <a:tailEnd type="none" w="med" len="med"/>
+                    </a:lnB>
+                    <a:solidFill>
+                      <a:schemeClr val="bg1"/>
+                    </a:solidFill>
+                  </a:tcPr>
+                </a:tc>
+                <a:extLst>
+                  <a:ext uri="{0D108BD9-81ED-4DB2-BD59-A6C34878D82A}">
+                    <a16:rowId xmlns:a16="http://schemas.microsoft.com/office/drawing/2014/main" val="3828762884"/>
+                  </a:ext>
+                </a:extLst>
+              </a:tr>
+              <a:tr h="524555">
+                <a:tc>
+                  <a:txBody>
+                    <a:bodyPr/>
+                    <a:lstStyle/>
+                    <a:p>
+                      <a:pPr latinLnBrk="1"/>
+                      <a:endParaRPr lang="ko-KR" altLang="en-US" sz="2500" dirty="0"/>
+                    </a:p>
+                  </a:txBody>
+                  <a:tcPr marL="129342" marR="129342" marT="64671" marB="64671">
+                    <a:lnL w="12700" cap="flat" cmpd="sng" algn="ctr">
+                      <a:solidFill>
+                        <a:schemeClr val="bg1">
+                          <a:lumMod val="65000"/>
+                        </a:schemeClr>
+                      </a:solidFill>
+                      <a:prstDash val="solid"/>
+                      <a:round/>
+                      <a:headEnd type="none" w="med" len="med"/>
+                      <a:tailEnd type="none" w="med" len="med"/>
+                    </a:lnL>
+                    <a:lnR w="12700" cap="flat" cmpd="sng" algn="ctr">
+                      <a:solidFill>
+                        <a:schemeClr val="bg1">
+                          <a:lumMod val="65000"/>
+                        </a:schemeClr>
+                      </a:solidFill>
+                      <a:prstDash val="solid"/>
+                      <a:round/>
+                      <a:headEnd type="none" w="med" len="med"/>
+                      <a:tailEnd type="none" w="med" len="med"/>
+                    </a:lnR>
+                    <a:lnT w="12700" cap="flat" cmpd="sng" algn="ctr">
+                      <a:solidFill>
+                        <a:schemeClr val="bg1">
+                          <a:lumMod val="65000"/>
+                        </a:schemeClr>
+                      </a:solidFill>
+                      <a:prstDash val="solid"/>
+                      <a:round/>
+                      <a:headEnd type="none" w="med" len="med"/>
+                      <a:tailEnd type="none" w="med" len="med"/>
+                    </a:lnT>
+                    <a:lnB w="12700" cap="flat" cmpd="sng" algn="ctr">
+                      <a:solidFill>
+                        <a:schemeClr val="bg1">
+                          <a:lumMod val="65000"/>
+                        </a:schemeClr>
+                      </a:solidFill>
+                      <a:prstDash val="solid"/>
+                      <a:round/>
+                      <a:headEnd type="none" w="med" len="med"/>
+                      <a:tailEnd type="none" w="med" len="med"/>
+                    </a:lnB>
+                    <a:solidFill>
+                      <a:schemeClr val="bg1">
+                        <a:lumMod val="50000"/>
+                      </a:schemeClr>
+                    </a:solidFill>
+                  </a:tcPr>
+                </a:tc>
+                <a:tc>
+                  <a:txBody>
+                    <a:bodyPr/>
+                    <a:lstStyle/>
+                    <a:p>
+                      <a:pPr latinLnBrk="1"/>
+                      <a:endParaRPr lang="ko-KR" altLang="en-US" sz="2500" dirty="0"/>
+                    </a:p>
+                  </a:txBody>
+                  <a:tcPr marL="129342" marR="129342" marT="64671" marB="64671">
+                    <a:lnL w="12700" cap="flat" cmpd="sng" algn="ctr">
+                      <a:solidFill>
+                        <a:schemeClr val="bg1">
+                          <a:lumMod val="65000"/>
+                        </a:schemeClr>
+                      </a:solidFill>
+                      <a:prstDash val="solid"/>
+                      <a:round/>
+                      <a:headEnd type="none" w="med" len="med"/>
+                      <a:tailEnd type="none" w="med" len="med"/>
+                    </a:lnL>
+                    <a:lnR w="12700" cap="flat" cmpd="sng" algn="ctr">
+                      <a:solidFill>
+                        <a:schemeClr val="bg1">
+                          <a:lumMod val="65000"/>
+                        </a:schemeClr>
+                      </a:solidFill>
+                      <a:prstDash val="solid"/>
+                      <a:round/>
+                      <a:headEnd type="none" w="med" len="med"/>
+                      <a:tailEnd type="none" w="med" len="med"/>
+                    </a:lnR>
+                    <a:lnT w="12700" cap="flat" cmpd="sng" algn="ctr">
+                      <a:solidFill>
+                        <a:schemeClr val="bg1">
+                          <a:lumMod val="65000"/>
+                        </a:schemeClr>
+                      </a:solidFill>
+                      <a:prstDash val="solid"/>
+                      <a:round/>
+                      <a:headEnd type="none" w="med" len="med"/>
+                      <a:tailEnd type="none" w="med" len="med"/>
+                    </a:lnT>
+                    <a:lnB w="12700" cap="flat" cmpd="sng" algn="ctr">
+                      <a:solidFill>
+                        <a:schemeClr val="bg1">
+                          <a:lumMod val="65000"/>
+                        </a:schemeClr>
+                      </a:solidFill>
+                      <a:prstDash val="solid"/>
+                      <a:round/>
+                      <a:headEnd type="none" w="med" len="med"/>
+                      <a:tailEnd type="none" w="med" len="med"/>
+                    </a:lnB>
+                    <a:solidFill>
+                      <a:schemeClr val="bg1">
+                        <a:lumMod val="50000"/>
+                      </a:schemeClr>
+                    </a:solidFill>
+                  </a:tcPr>
+                </a:tc>
+                <a:tc>
+                  <a:txBody>
+                    <a:bodyPr/>
+                    <a:lstStyle/>
+                    <a:p>
+                      <a:pPr latinLnBrk="1"/>
+                      <a:endParaRPr lang="ko-KR" altLang="en-US" sz="2500" dirty="0"/>
+                    </a:p>
+                  </a:txBody>
+                  <a:tcPr marL="129342" marR="129342" marT="64671" marB="64671">
+                    <a:lnL w="12700" cap="flat" cmpd="sng" algn="ctr">
+                      <a:solidFill>
+                        <a:schemeClr val="bg1">
+                          <a:lumMod val="65000"/>
+                        </a:schemeClr>
+                      </a:solidFill>
+                      <a:prstDash val="solid"/>
+                      <a:round/>
+                      <a:headEnd type="none" w="med" len="med"/>
+                      <a:tailEnd type="none" w="med" len="med"/>
+                    </a:lnL>
+                    <a:lnR w="12700" cap="flat" cmpd="sng" algn="ctr">
+                      <a:solidFill>
+                        <a:schemeClr val="bg1">
+                          <a:lumMod val="65000"/>
+                        </a:schemeClr>
+                      </a:solidFill>
+                      <a:prstDash val="solid"/>
+                      <a:round/>
+                      <a:headEnd type="none" w="med" len="med"/>
+                      <a:tailEnd type="none" w="med" len="med"/>
+                    </a:lnR>
+                    <a:lnT w="12700" cap="flat" cmpd="sng" algn="ctr">
+                      <a:solidFill>
+                        <a:schemeClr val="bg1">
+                          <a:lumMod val="65000"/>
+                        </a:schemeClr>
+                      </a:solidFill>
+                      <a:prstDash val="solid"/>
+                      <a:round/>
+                      <a:headEnd type="none" w="med" len="med"/>
+                      <a:tailEnd type="none" w="med" len="med"/>
+                    </a:lnT>
+                    <a:lnB w="12700" cap="flat" cmpd="sng" algn="ctr">
+                      <a:solidFill>
+                        <a:schemeClr val="bg1">
+                          <a:lumMod val="65000"/>
+                        </a:schemeClr>
+                      </a:solidFill>
+                      <a:prstDash val="solid"/>
+                      <a:round/>
+                      <a:headEnd type="none" w="med" len="med"/>
+                      <a:tailEnd type="none" w="med" len="med"/>
+                    </a:lnB>
+                    <a:solidFill>
+                      <a:schemeClr val="bg1"/>
+                    </a:solidFill>
+                  </a:tcPr>
+                </a:tc>
+                <a:tc>
+                  <a:txBody>
+                    <a:bodyPr/>
+                    <a:lstStyle/>
+                    <a:p>
+                      <a:pPr latinLnBrk="1"/>
+                      <a:endParaRPr lang="ko-KR" altLang="en-US" sz="2500" dirty="0"/>
+                    </a:p>
+                  </a:txBody>
+                  <a:tcPr marL="129342" marR="129342" marT="64671" marB="64671">
+                    <a:lnL w="12700" cap="flat" cmpd="sng" algn="ctr">
+                      <a:solidFill>
+                        <a:schemeClr val="bg1">
+                          <a:lumMod val="65000"/>
+                        </a:schemeClr>
+                      </a:solidFill>
+                      <a:prstDash val="solid"/>
+                      <a:round/>
+                      <a:headEnd type="none" w="med" len="med"/>
+                      <a:tailEnd type="none" w="med" len="med"/>
+                    </a:lnL>
+                    <a:lnR w="12700" cap="flat" cmpd="sng" algn="ctr">
+                      <a:solidFill>
+                        <a:schemeClr val="bg1">
+                          <a:lumMod val="65000"/>
+                        </a:schemeClr>
+                      </a:solidFill>
+                      <a:prstDash val="solid"/>
+                      <a:round/>
+                      <a:headEnd type="none" w="med" len="med"/>
+                      <a:tailEnd type="none" w="med" len="med"/>
+                    </a:lnR>
+                    <a:lnT w="12700" cap="flat" cmpd="sng" algn="ctr">
+                      <a:solidFill>
+                        <a:schemeClr val="bg1">
+                          <a:lumMod val="65000"/>
+                        </a:schemeClr>
+                      </a:solidFill>
+                      <a:prstDash val="solid"/>
+                      <a:round/>
+                      <a:headEnd type="none" w="med" len="med"/>
+                      <a:tailEnd type="none" w="med" len="med"/>
+                    </a:lnT>
+                    <a:lnB w="12700" cap="flat" cmpd="sng" algn="ctr">
+                      <a:solidFill>
+                        <a:schemeClr val="bg1">
+                          <a:lumMod val="65000"/>
+                        </a:schemeClr>
+                      </a:solidFill>
+                      <a:prstDash val="solid"/>
+                      <a:round/>
+                      <a:headEnd type="none" w="med" len="med"/>
+                      <a:tailEnd type="none" w="med" len="med"/>
+                    </a:lnB>
+                    <a:solidFill>
+                      <a:schemeClr val="bg1">
+                        <a:lumMod val="50000"/>
+                      </a:schemeClr>
+                    </a:solidFill>
+                  </a:tcPr>
+                </a:tc>
+                <a:tc>
+                  <a:txBody>
+                    <a:bodyPr/>
+                    <a:lstStyle/>
+                    <a:p>
+                      <a:pPr latinLnBrk="1"/>
+                      <a:endParaRPr lang="ko-KR" altLang="en-US" sz="2500" dirty="0"/>
+                    </a:p>
+                  </a:txBody>
+                  <a:tcPr marL="129342" marR="129342" marT="64671" marB="64671">
+                    <a:lnL w="12700" cap="flat" cmpd="sng" algn="ctr">
+                      <a:solidFill>
+                        <a:schemeClr val="bg1">
+                          <a:lumMod val="65000"/>
+                        </a:schemeClr>
+                      </a:solidFill>
+                      <a:prstDash val="solid"/>
+                      <a:round/>
+                      <a:headEnd type="none" w="med" len="med"/>
+                      <a:tailEnd type="none" w="med" len="med"/>
+                    </a:lnL>
+                    <a:lnR w="12700" cap="flat" cmpd="sng" algn="ctr">
+                      <a:solidFill>
+                        <a:schemeClr val="bg1">
+                          <a:lumMod val="65000"/>
+                        </a:schemeClr>
+                      </a:solidFill>
+                      <a:prstDash val="solid"/>
+                      <a:round/>
+                      <a:headEnd type="none" w="med" len="med"/>
+                      <a:tailEnd type="none" w="med" len="med"/>
+                    </a:lnR>
+                    <a:lnT w="12700" cap="flat" cmpd="sng" algn="ctr">
+                      <a:solidFill>
+                        <a:schemeClr val="bg1">
+                          <a:lumMod val="65000"/>
+                        </a:schemeClr>
+                      </a:solidFill>
+                      <a:prstDash val="solid"/>
+                      <a:round/>
+                      <a:headEnd type="none" w="med" len="med"/>
+                      <a:tailEnd type="none" w="med" len="med"/>
+                    </a:lnT>
+                    <a:lnB w="12700" cap="flat" cmpd="sng" algn="ctr">
+                      <a:solidFill>
+                        <a:schemeClr val="bg1">
+                          <a:lumMod val="65000"/>
+                        </a:schemeClr>
+                      </a:solidFill>
+                      <a:prstDash val="solid"/>
+                      <a:round/>
+                      <a:headEnd type="none" w="med" len="med"/>
+                      <a:tailEnd type="none" w="med" len="med"/>
+                    </a:lnB>
+                    <a:solidFill>
+                      <a:schemeClr val="bg1"/>
+                    </a:solidFill>
+                  </a:tcPr>
+                </a:tc>
+                <a:extLst>
+                  <a:ext uri="{0D108BD9-81ED-4DB2-BD59-A6C34878D82A}">
+                    <a16:rowId xmlns:a16="http://schemas.microsoft.com/office/drawing/2014/main" val="2458331210"/>
+                  </a:ext>
+                </a:extLst>
+              </a:tr>
+              <a:tr h="524555">
+                <a:tc>
+                  <a:txBody>
+                    <a:bodyPr/>
+                    <a:lstStyle/>
+                    <a:p>
+                      <a:pPr latinLnBrk="1"/>
+                      <a:endParaRPr lang="ko-KR" altLang="en-US" sz="2500" dirty="0"/>
+                    </a:p>
+                  </a:txBody>
+                  <a:tcPr marL="129342" marR="129342" marT="64671" marB="64671">
+                    <a:lnL w="12700" cap="flat" cmpd="sng" algn="ctr">
+                      <a:solidFill>
+                        <a:schemeClr val="bg1">
+                          <a:lumMod val="65000"/>
+                        </a:schemeClr>
+                      </a:solidFill>
+                      <a:prstDash val="solid"/>
+                      <a:round/>
+                      <a:headEnd type="none" w="med" len="med"/>
+                      <a:tailEnd type="none" w="med" len="med"/>
+                    </a:lnL>
+                    <a:lnR w="12700" cap="flat" cmpd="sng" algn="ctr">
+                      <a:solidFill>
+                        <a:schemeClr val="bg1">
+                          <a:lumMod val="65000"/>
+                        </a:schemeClr>
+                      </a:solidFill>
+                      <a:prstDash val="solid"/>
+                      <a:round/>
+                      <a:headEnd type="none" w="med" len="med"/>
+                      <a:tailEnd type="none" w="med" len="med"/>
+                    </a:lnR>
+                    <a:lnT w="12700" cap="flat" cmpd="sng" algn="ctr">
+                      <a:solidFill>
+                        <a:schemeClr val="bg1">
+                          <a:lumMod val="65000"/>
+                        </a:schemeClr>
+                      </a:solidFill>
+                      <a:prstDash val="solid"/>
+                      <a:round/>
+                      <a:headEnd type="none" w="med" len="med"/>
+                      <a:tailEnd type="none" w="med" len="med"/>
+                    </a:lnT>
+                    <a:lnB w="12700" cap="flat" cmpd="sng" algn="ctr">
+                      <a:solidFill>
+                        <a:schemeClr val="bg1">
+                          <a:lumMod val="65000"/>
+                        </a:schemeClr>
+                      </a:solidFill>
+                      <a:prstDash val="solid"/>
+                      <a:round/>
+                      <a:headEnd type="none" w="med" len="med"/>
+                      <a:tailEnd type="none" w="med" len="med"/>
+                    </a:lnB>
+                    <a:solidFill>
+                      <a:schemeClr val="bg1"/>
+                    </a:solidFill>
+                  </a:tcPr>
+                </a:tc>
+                <a:tc>
+                  <a:txBody>
+                    <a:bodyPr/>
+                    <a:lstStyle/>
+                    <a:p>
+                      <a:pPr latinLnBrk="1"/>
+                      <a:endParaRPr lang="ko-KR" altLang="en-US" sz="2500" dirty="0"/>
+                    </a:p>
+                  </a:txBody>
+                  <a:tcPr marL="129342" marR="129342" marT="64671" marB="64671">
+                    <a:lnL w="12700" cap="flat" cmpd="sng" algn="ctr">
+                      <a:solidFill>
+                        <a:schemeClr val="bg1">
+                          <a:lumMod val="65000"/>
+                        </a:schemeClr>
+                      </a:solidFill>
+                      <a:prstDash val="solid"/>
+                      <a:round/>
+                      <a:headEnd type="none" w="med" len="med"/>
+                      <a:tailEnd type="none" w="med" len="med"/>
+                    </a:lnL>
+                    <a:lnR w="12700" cap="flat" cmpd="sng" algn="ctr">
+                      <a:solidFill>
+                        <a:schemeClr val="bg1">
+                          <a:lumMod val="65000"/>
+                        </a:schemeClr>
+                      </a:solidFill>
+                      <a:prstDash val="solid"/>
+                      <a:round/>
+                      <a:headEnd type="none" w="med" len="med"/>
+                      <a:tailEnd type="none" w="med" len="med"/>
+                    </a:lnR>
+                    <a:lnT w="12700" cap="flat" cmpd="sng" algn="ctr">
+                      <a:solidFill>
+                        <a:schemeClr val="bg1">
+                          <a:lumMod val="65000"/>
+                        </a:schemeClr>
+                      </a:solidFill>
+                      <a:prstDash val="solid"/>
+                      <a:round/>
+                      <a:headEnd type="none" w="med" len="med"/>
+                      <a:tailEnd type="none" w="med" len="med"/>
+                    </a:lnT>
+                    <a:lnB w="12700" cap="flat" cmpd="sng" algn="ctr">
+                      <a:solidFill>
+                        <a:schemeClr val="bg1">
+                          <a:lumMod val="65000"/>
+                        </a:schemeClr>
+                      </a:solidFill>
+                      <a:prstDash val="solid"/>
+                      <a:round/>
+                      <a:headEnd type="none" w="med" len="med"/>
+                      <a:tailEnd type="none" w="med" len="med"/>
+                    </a:lnB>
+                    <a:solidFill>
+                      <a:schemeClr val="bg1"/>
+                    </a:solidFill>
+                  </a:tcPr>
+                </a:tc>
+                <a:tc>
+                  <a:txBody>
+                    <a:bodyPr/>
+                    <a:lstStyle/>
+                    <a:p>
+                      <a:pPr latinLnBrk="1"/>
+                      <a:endParaRPr lang="ko-KR" altLang="en-US" sz="2500" dirty="0"/>
+                    </a:p>
+                  </a:txBody>
+                  <a:tcPr marL="129342" marR="129342" marT="64671" marB="64671">
+                    <a:lnL w="12700" cap="flat" cmpd="sng" algn="ctr">
+                      <a:solidFill>
+                        <a:schemeClr val="bg1">
+                          <a:lumMod val="65000"/>
+                        </a:schemeClr>
+                      </a:solidFill>
+                      <a:prstDash val="solid"/>
+                      <a:round/>
+                      <a:headEnd type="none" w="med" len="med"/>
+                      <a:tailEnd type="none" w="med" len="med"/>
+                    </a:lnL>
+                    <a:lnR w="12700" cap="flat" cmpd="sng" algn="ctr">
+                      <a:solidFill>
+                        <a:schemeClr val="bg1">
+                          <a:lumMod val="65000"/>
+                        </a:schemeClr>
+                      </a:solidFill>
+                      <a:prstDash val="solid"/>
+                      <a:round/>
+                      <a:headEnd type="none" w="med" len="med"/>
+                      <a:tailEnd type="none" w="med" len="med"/>
+                    </a:lnR>
+                    <a:lnT w="12700" cap="flat" cmpd="sng" algn="ctr">
+                      <a:solidFill>
+                        <a:schemeClr val="bg1">
+                          <a:lumMod val="65000"/>
+                        </a:schemeClr>
+                      </a:solidFill>
+                      <a:prstDash val="solid"/>
+                      <a:round/>
+                      <a:headEnd type="none" w="med" len="med"/>
+                      <a:tailEnd type="none" w="med" len="med"/>
+                    </a:lnT>
+                    <a:lnB w="12700" cap="flat" cmpd="sng" algn="ctr">
+                      <a:solidFill>
+                        <a:schemeClr val="bg1">
+                          <a:lumMod val="65000"/>
+                        </a:schemeClr>
+                      </a:solidFill>
+                      <a:prstDash val="solid"/>
+                      <a:round/>
+                      <a:headEnd type="none" w="med" len="med"/>
+                      <a:tailEnd type="none" w="med" len="med"/>
+                    </a:lnB>
+                    <a:solidFill>
+                      <a:schemeClr val="bg1"/>
+                    </a:solidFill>
+                  </a:tcPr>
+                </a:tc>
+                <a:tc>
+                  <a:txBody>
+                    <a:bodyPr/>
+                    <a:lstStyle/>
+                    <a:p>
+                      <a:pPr latinLnBrk="1"/>
+                      <a:endParaRPr lang="ko-KR" altLang="en-US" sz="2500" dirty="0"/>
+                    </a:p>
+                  </a:txBody>
+                  <a:tcPr marL="129342" marR="129342" marT="64671" marB="64671">
+                    <a:lnL w="12700" cap="flat" cmpd="sng" algn="ctr">
+                      <a:solidFill>
+                        <a:schemeClr val="bg1">
+                          <a:lumMod val="65000"/>
+                        </a:schemeClr>
+                      </a:solidFill>
+                      <a:prstDash val="solid"/>
+                      <a:round/>
+                      <a:headEnd type="none" w="med" len="med"/>
+                      <a:tailEnd type="none" w="med" len="med"/>
+                    </a:lnL>
+                    <a:lnR w="12700" cap="flat" cmpd="sng" algn="ctr">
+                      <a:solidFill>
+                        <a:schemeClr val="bg1">
+                          <a:lumMod val="65000"/>
+                        </a:schemeClr>
+                      </a:solidFill>
+                      <a:prstDash val="solid"/>
+                      <a:round/>
+                      <a:headEnd type="none" w="med" len="med"/>
+                      <a:tailEnd type="none" w="med" len="med"/>
+                    </a:lnR>
+                    <a:lnT w="12700" cap="flat" cmpd="sng" algn="ctr">
+                      <a:solidFill>
+                        <a:schemeClr val="bg1">
+                          <a:lumMod val="65000"/>
+                        </a:schemeClr>
+                      </a:solidFill>
+                      <a:prstDash val="solid"/>
+                      <a:round/>
+                      <a:headEnd type="none" w="med" len="med"/>
+                      <a:tailEnd type="none" w="med" len="med"/>
+                    </a:lnT>
+                    <a:lnB w="12700" cap="flat" cmpd="sng" algn="ctr">
+                      <a:solidFill>
+                        <a:schemeClr val="bg1">
+                          <a:lumMod val="65000"/>
+                        </a:schemeClr>
+                      </a:solidFill>
+                      <a:prstDash val="solid"/>
+                      <a:round/>
+                      <a:headEnd type="none" w="med" len="med"/>
+                      <a:tailEnd type="none" w="med" len="med"/>
+                    </a:lnB>
+                    <a:solidFill>
+                      <a:schemeClr val="bg1"/>
+                    </a:solidFill>
+                  </a:tcPr>
+                </a:tc>
+                <a:tc>
+                  <a:txBody>
+                    <a:bodyPr/>
+                    <a:lstStyle/>
+                    <a:p>
+                      <a:pPr latinLnBrk="1"/>
+                      <a:endParaRPr lang="ko-KR" altLang="en-US" sz="2500" dirty="0"/>
+                    </a:p>
+                  </a:txBody>
+                  <a:tcPr marL="129342" marR="129342" marT="64671" marB="64671">
+                    <a:lnL w="12700" cap="flat" cmpd="sng" algn="ctr">
+                      <a:solidFill>
+                        <a:schemeClr val="bg1">
+                          <a:lumMod val="65000"/>
+                        </a:schemeClr>
+                      </a:solidFill>
+                      <a:prstDash val="solid"/>
+                      <a:round/>
+                      <a:headEnd type="none" w="med" len="med"/>
+                      <a:tailEnd type="none" w="med" len="med"/>
+                    </a:lnL>
+                    <a:lnR w="12700" cap="flat" cmpd="sng" algn="ctr">
+                      <a:solidFill>
+                        <a:schemeClr val="bg1">
+                          <a:lumMod val="65000"/>
+                        </a:schemeClr>
+                      </a:solidFill>
+                      <a:prstDash val="solid"/>
+                      <a:round/>
+                      <a:headEnd type="none" w="med" len="med"/>
+                      <a:tailEnd type="none" w="med" len="med"/>
+                    </a:lnR>
+                    <a:lnT w="12700" cap="flat" cmpd="sng" algn="ctr">
+                      <a:solidFill>
+                        <a:schemeClr val="bg1">
+                          <a:lumMod val="65000"/>
+                        </a:schemeClr>
+                      </a:solidFill>
+                      <a:prstDash val="solid"/>
+                      <a:round/>
+                      <a:headEnd type="none" w="med" len="med"/>
+                      <a:tailEnd type="none" w="med" len="med"/>
+                    </a:lnT>
+                    <a:lnB w="12700" cap="flat" cmpd="sng" algn="ctr">
+                      <a:solidFill>
+                        <a:schemeClr val="bg1">
+                          <a:lumMod val="65000"/>
+                        </a:schemeClr>
+                      </a:solidFill>
+                      <a:prstDash val="solid"/>
+                      <a:round/>
+                      <a:headEnd type="none" w="med" len="med"/>
+                      <a:tailEnd type="none" w="med" len="med"/>
+                    </a:lnB>
+                    <a:solidFill>
+                      <a:schemeClr val="bg1"/>
+                    </a:solidFill>
+                  </a:tcPr>
+                </a:tc>
+                <a:extLst>
+                  <a:ext uri="{0D108BD9-81ED-4DB2-BD59-A6C34878D82A}">
+                    <a16:rowId xmlns:a16="http://schemas.microsoft.com/office/drawing/2014/main" val="572134368"/>
+                  </a:ext>
+                </a:extLst>
+              </a:tr>
+            </a:tbl>
+          </a:graphicData>
+        </a:graphic>
+      </p:graphicFrame>
+      <p:pic>
+        <p:nvPicPr>
+          <p:cNvPr id="1026" name="Picture 2" descr="파일:Pacman.svg - 위키백과, 우리 모두의 백과사전">
+            <a:extLst>
+              <a:ext uri="{FF2B5EF4-FFF2-40B4-BE49-F238E27FC236}">
+                <a16:creationId xmlns:a16="http://schemas.microsoft.com/office/drawing/2014/main" id="{B3EAC201-4239-4B82-8767-4DD08A3A9A42}"/>
+              </a:ext>
+            </a:extLst>
+          </p:cNvPr>
+          <p:cNvPicPr>
+            <a:picLocks noChangeAspect="1" noChangeArrowheads="1"/>
+          </p:cNvPicPr>
+          <p:nvPr/>
+        </p:nvPicPr>
+        <p:blipFill>
+          <a:blip r:embed="rId2">
+            <a:extLst>
+              <a:ext uri="{28A0092B-C50C-407E-A947-70E740481C1C}">
+                <a14:useLocalDpi xmlns:a14="http://schemas.microsoft.com/office/drawing/2010/main" val="0"/>
+              </a:ext>
+            </a:extLst>
+          </a:blip>
+          <a:srcRect/>
+          <a:stretch>
+            <a:fillRect/>
+          </a:stretch>
+        </p:blipFill>
+        <p:spPr bwMode="auto">
+          <a:xfrm>
+            <a:off x="4733900" y="4247075"/>
+            <a:ext cx="431101" cy="454167"/>
+          </a:xfrm>
+          <a:prstGeom prst="rect">
+            <a:avLst/>
+          </a:prstGeom>
+          <a:noFill/>
+          <a:extLst>
+            <a:ext uri="{909E8E84-426E-40DD-AFC4-6F175D3DCCD1}">
+              <a14:hiddenFill xmlns:a14="http://schemas.microsoft.com/office/drawing/2010/main">
+                <a:solidFill>
+                  <a:srgbClr val="FFFFFF"/>
+                </a:solidFill>
+              </a14:hiddenFill>
+            </a:ext>
+          </a:extLst>
+        </p:spPr>
+      </p:pic>
+      <p:pic>
+        <p:nvPicPr>
+          <p:cNvPr id="1030" name="Picture 6" descr="Learning From Clyde, The Sensitive Pac-Man Ghost – Ryan Harvey">
+            <a:extLst>
+              <a:ext uri="{FF2B5EF4-FFF2-40B4-BE49-F238E27FC236}">
+                <a16:creationId xmlns:a16="http://schemas.microsoft.com/office/drawing/2014/main" id="{6CB4F52B-6499-49AB-B2E5-E46D4F7F02D5}"/>
+              </a:ext>
+            </a:extLst>
+          </p:cNvPr>
+          <p:cNvPicPr>
+            <a:picLocks noChangeAspect="1" noChangeArrowheads="1"/>
+          </p:cNvPicPr>
+          <p:nvPr/>
+        </p:nvPicPr>
+        <p:blipFill>
+          <a:blip r:embed="rId3">
+            <a:extLst>
+              <a:ext uri="{28A0092B-C50C-407E-A947-70E740481C1C}">
+                <a14:useLocalDpi xmlns:a14="http://schemas.microsoft.com/office/drawing/2010/main" val="0"/>
+              </a:ext>
+            </a:extLst>
+          </a:blip>
+          <a:srcRect/>
+          <a:stretch>
+            <a:fillRect/>
+          </a:stretch>
+        </p:blipFill>
+        <p:spPr bwMode="auto">
+          <a:xfrm>
+            <a:off x="7022341" y="2149116"/>
+            <a:ext cx="461800" cy="454167"/>
+          </a:xfrm>
+          <a:prstGeom prst="rect">
+            <a:avLst/>
+          </a:prstGeom>
+          <a:noFill/>
+          <a:extLst>
+            <a:ext uri="{909E8E84-426E-40DD-AFC4-6F175D3DCCD1}">
+              <a14:hiddenFill xmlns:a14="http://schemas.microsoft.com/office/drawing/2010/main">
+                <a:solidFill>
+                  <a:srgbClr val="FFFFFF"/>
+                </a:solidFill>
+              </a14:hiddenFill>
+            </a:ext>
+          </a:extLst>
+        </p:spPr>
+      </p:pic>
+      <p:pic>
+        <p:nvPicPr>
+          <p:cNvPr id="1032" name="Picture 8" descr="Pacman Ghost Transparent Background Free Images Png - Pacman Ghost  Transparent Background, Png Download , Transparent Png Image - PNGitem">
+            <a:extLst>
+              <a:ext uri="{FF2B5EF4-FFF2-40B4-BE49-F238E27FC236}">
+                <a16:creationId xmlns:a16="http://schemas.microsoft.com/office/drawing/2014/main" id="{EC4DB17A-9E44-432A-B9B1-C51A9952CD78}"/>
+              </a:ext>
+            </a:extLst>
+          </p:cNvPr>
+          <p:cNvPicPr>
+            <a:picLocks noChangeAspect="1" noChangeArrowheads="1"/>
+          </p:cNvPicPr>
+          <p:nvPr/>
+        </p:nvPicPr>
+        <p:blipFill rotWithShape="1">
+          <a:blip r:embed="rId4">
+            <a:extLst>
+              <a:ext uri="{28A0092B-C50C-407E-A947-70E740481C1C}">
+                <a14:useLocalDpi xmlns:a14="http://schemas.microsoft.com/office/drawing/2010/main" val="0"/>
+              </a:ext>
+            </a:extLst>
+          </a:blip>
+          <a:srcRect l="10886" t="5326" r="10886" b="3247"/>
+          <a:stretch/>
+        </p:blipFill>
+        <p:spPr bwMode="auto">
+          <a:xfrm>
+            <a:off x="5278326" y="2669990"/>
+            <a:ext cx="492914" cy="454168"/>
+          </a:xfrm>
+          <a:prstGeom prst="rect">
+            <a:avLst/>
+          </a:prstGeom>
+          <a:noFill/>
+          <a:extLst>
+            <a:ext uri="{909E8E84-426E-40DD-AFC4-6F175D3DCCD1}">
+              <a14:hiddenFill xmlns:a14="http://schemas.microsoft.com/office/drawing/2010/main">
+                <a:solidFill>
+                  <a:srgbClr val="FFFFFF"/>
+                </a:solidFill>
+              </a14:hiddenFill>
+            </a:ext>
+          </a:extLst>
+        </p:spPr>
+      </p:pic>
+      <p:pic>
+        <p:nvPicPr>
+          <p:cNvPr id="1036" name="Picture 12" descr="Golden Star PNG Image File | PNG All">
+            <a:extLst>
+              <a:ext uri="{FF2B5EF4-FFF2-40B4-BE49-F238E27FC236}">
+                <a16:creationId xmlns:a16="http://schemas.microsoft.com/office/drawing/2014/main" id="{F2838804-F1EB-45DF-B02A-A301A5FC0639}"/>
+              </a:ext>
+            </a:extLst>
+          </p:cNvPr>
+          <p:cNvPicPr>
+            <a:picLocks noChangeAspect="1" noChangeArrowheads="1"/>
+          </p:cNvPicPr>
+          <p:nvPr/>
+        </p:nvPicPr>
+        <p:blipFill>
+          <a:blip r:embed="rId5">
+            <a:extLst>
+              <a:ext uri="{28A0092B-C50C-407E-A947-70E740481C1C}">
+                <a14:useLocalDpi xmlns:a14="http://schemas.microsoft.com/office/drawing/2010/main" val="0"/>
+              </a:ext>
+            </a:extLst>
+          </a:blip>
+          <a:srcRect/>
+          <a:stretch>
+            <a:fillRect/>
+          </a:stretch>
+        </p:blipFill>
+        <p:spPr bwMode="auto">
+          <a:xfrm>
+            <a:off x="5874802" y="2142779"/>
+            <a:ext cx="461289" cy="444022"/>
+          </a:xfrm>
+          <a:prstGeom prst="rect">
+            <a:avLst/>
+          </a:prstGeom>
+          <a:noFill/>
+          <a:extLst>
+            <a:ext uri="{909E8E84-426E-40DD-AFC4-6F175D3DCCD1}">
+              <a14:hiddenFill xmlns:a14="http://schemas.microsoft.com/office/drawing/2010/main">
+                <a:solidFill>
+                  <a:srgbClr val="FFFFFF"/>
+                </a:solidFill>
+              </a14:hiddenFill>
+            </a:ext>
+          </a:extLst>
+        </p:spPr>
+      </p:pic>
+    </p:spTree>
+    <p:extLst>
+      <p:ext uri="{BB962C8B-B14F-4D97-AF65-F5344CB8AC3E}">
+        <p14:creationId xmlns:p14="http://schemas.microsoft.com/office/powerpoint/2010/main" val="2919694329"/>
+      </p:ext>
+    </p:extLst>
+  </p:cSld>
+  <p:clrMapOvr>
+    <a:masterClrMapping/>
+  </p:clrMapOvr>
+</p:sld>
+</file>
+
+<file path=ppt/slides/slide2.xml><?xml version="1.0" encoding="utf-8"?>
+<p:sld xmlns:a="http://schemas.openxmlformats.org/drawingml/2006/main" xmlns:r="http://schemas.openxmlformats.org/officeDocument/2006/relationships" xmlns:p="http://schemas.openxmlformats.org/presentationml/2006/main">
+  <p:cSld>
+    <p:spTree>
+      <p:nvGrpSpPr>
+        <p:cNvPr id="1" name=""/>
+        <p:cNvGrpSpPr/>
+        <p:nvPr/>
+      </p:nvGrpSpPr>
+      <p:grpSpPr>
+        <a:xfrm>
+          <a:off x="0" y="0"/>
+          <a:ext cx="0" cy="0"/>
+          <a:chOff x="0" y="0"/>
+          <a:chExt cx="0" cy="0"/>
+        </a:xfrm>
+      </p:grpSpPr>
+      <p:pic>
+        <p:nvPicPr>
+          <p:cNvPr id="7" name="그림 6">
+            <a:extLst>
+              <a:ext uri="{FF2B5EF4-FFF2-40B4-BE49-F238E27FC236}">
+                <a16:creationId xmlns:a16="http://schemas.microsoft.com/office/drawing/2014/main" id="{2F737E18-C3E2-44B8-A714-8E0CD8B1E374}"/>
+              </a:ext>
+            </a:extLst>
+          </p:cNvPr>
+          <p:cNvPicPr>
+            <a:picLocks noChangeAspect="1"/>
+          </p:cNvPicPr>
+          <p:nvPr/>
+        </p:nvPicPr>
+        <p:blipFill>
+          <a:blip r:embed="rId2">
+            <a:extLst>
+              <a:ext uri="{28A0092B-C50C-407E-A947-70E740481C1C}">
+                <a14:useLocalDpi xmlns:a14="http://schemas.microsoft.com/office/drawing/2010/main" val="0"/>
+              </a:ext>
+            </a:extLst>
+          </a:blip>
+          <a:stretch>
+            <a:fillRect/>
+          </a:stretch>
+        </p:blipFill>
+        <p:spPr>
+          <a:xfrm>
+            <a:off x="6281108" y="1199431"/>
+            <a:ext cx="5023224" cy="4486031"/>
+          </a:xfrm>
+          <a:prstGeom prst="rect">
+            <a:avLst/>
+          </a:prstGeom>
+        </p:spPr>
+      </p:pic>
+      <p:pic>
+        <p:nvPicPr>
+          <p:cNvPr id="8" name="그림 7">
+            <a:extLst>
+              <a:ext uri="{FF2B5EF4-FFF2-40B4-BE49-F238E27FC236}">
+                <a16:creationId xmlns:a16="http://schemas.microsoft.com/office/drawing/2014/main" id="{2FA4238C-1300-49A7-8613-1472248562E3}"/>
+              </a:ext>
+            </a:extLst>
+          </p:cNvPr>
+          <p:cNvPicPr>
+            <a:picLocks noChangeAspect="1"/>
+          </p:cNvPicPr>
+          <p:nvPr/>
+        </p:nvPicPr>
+        <p:blipFill>
+          <a:blip r:embed="rId3">
+            <a:extLst>
+              <a:ext uri="{28A0092B-C50C-407E-A947-70E740481C1C}">
+                <a14:useLocalDpi xmlns:a14="http://schemas.microsoft.com/office/drawing/2010/main" val="0"/>
+              </a:ext>
+            </a:extLst>
+          </a:blip>
+          <a:stretch>
+            <a:fillRect/>
+          </a:stretch>
+        </p:blipFill>
+        <p:spPr>
+          <a:xfrm>
+            <a:off x="1124267" y="1686085"/>
+            <a:ext cx="4250722" cy="3835370"/>
+          </a:xfrm>
+          <a:prstGeom prst="rect">
+            <a:avLst/>
+          </a:prstGeom>
+        </p:spPr>
+      </p:pic>
+    </p:spTree>
+    <p:extLst>
+      <p:ext uri="{BB962C8B-B14F-4D97-AF65-F5344CB8AC3E}">
+        <p14:creationId xmlns:p14="http://schemas.microsoft.com/office/powerpoint/2010/main" val="1033708262"/>
+      </p:ext>
+    </p:extLst>
+  </p:cSld>
+  <p:clrMapOvr>
+    <a:masterClrMapping/>
+  </p:clrMapOvr>
+</p:sld>
+</file>
+
+<file path=ppt/slides/slide3.xml><?xml version="1.0" encoding="utf-8"?>
+<p:sld xmlns:a="http://schemas.openxmlformats.org/drawingml/2006/main" xmlns:r="http://schemas.openxmlformats.org/officeDocument/2006/relationships" xmlns:p="http://schemas.openxmlformats.org/presentationml/2006/main">
+  <p:cSld>
+    <p:spTree>
+      <p:nvGrpSpPr>
+        <p:cNvPr id="1" name=""/>
+        <p:cNvGrpSpPr/>
+        <p:nvPr/>
+      </p:nvGrpSpPr>
+      <p:grpSpPr>
+        <a:xfrm>
+          <a:off x="0" y="0"/>
+          <a:ext cx="0" cy="0"/>
+          <a:chOff x="0" y="0"/>
+          <a:chExt cx="0" cy="0"/>
+        </a:xfrm>
+      </p:grpSpPr>
+      <p:graphicFrame>
+        <p:nvGraphicFramePr>
+          <p:cNvPr id="6" name="표 5">
+            <a:extLst>
+              <a:ext uri="{FF2B5EF4-FFF2-40B4-BE49-F238E27FC236}">
+                <a16:creationId xmlns:a16="http://schemas.microsoft.com/office/drawing/2014/main" id="{89F38EDE-6964-437D-BEC8-AFCF3FA3F796}"/>
+              </a:ext>
+            </a:extLst>
+          </p:cNvPr>
+          <p:cNvGraphicFramePr>
+            <a:graphicFrameLocks noGrp="1"/>
+          </p:cNvGraphicFramePr>
+          <p:nvPr>
+            <p:extLst>
+              <p:ext uri="{D42A27DB-BD31-4B8C-83A1-F6EECF244321}">
                 <p14:modId xmlns:p14="http://schemas.microsoft.com/office/powerpoint/2010/main" val="961841969"/>
               </p:ext>
             </p:extLst>
@@ -10943,7 +12854,7 @@
 </p:sld>
 </file>
 
-<file path=ppt/slides/slide2.xml><?xml version="1.0" encoding="utf-8"?>
+<file path=ppt/slides/slide4.xml><?xml version="1.0" encoding="utf-8"?>
 <p:sld xmlns:a="http://schemas.openxmlformats.org/drawingml/2006/main" xmlns:r="http://schemas.openxmlformats.org/officeDocument/2006/relationships" xmlns:p="http://schemas.openxmlformats.org/presentationml/2006/main">
   <p:cSld>
     <p:spTree>
@@ -11045,7 +12956,7 @@
 </p:sld>
 </file>
 
-<file path=ppt/slides/slide3.xml><?xml version="1.0" encoding="utf-8"?>
+<file path=ppt/slides/slide5.xml><?xml version="1.0" encoding="utf-8"?>
 <p:sld xmlns:a="http://schemas.openxmlformats.org/drawingml/2006/main" xmlns:r="http://schemas.openxmlformats.org/officeDocument/2006/relationships" xmlns:p="http://schemas.openxmlformats.org/presentationml/2006/main">
   <p:cSld>
     <p:spTree>
@@ -11077,14 +12988,14 @@
           <p:nvPr>
             <p:extLst>
               <p:ext uri="{D42A27DB-BD31-4B8C-83A1-F6EECF244321}">
-                <p14:modId xmlns:p14="http://schemas.microsoft.com/office/powerpoint/2010/main" val="77040832"/>
+                <p14:modId xmlns:p14="http://schemas.microsoft.com/office/powerpoint/2010/main" val="2653847725"/>
               </p:ext>
             </p:extLst>
           </p:nvPr>
         </p:nvGraphicFramePr>
         <p:xfrm>
-          <a:off x="4639622" y="2117612"/>
-          <a:ext cx="2912755" cy="2622775"/>
+          <a:off x="2891969" y="543947"/>
+          <a:ext cx="6408061" cy="5770105"/>
         </p:xfrm>
         <a:graphic>
           <a:graphicData uri="http://schemas.openxmlformats.org/drawingml/2006/table">
@@ -11128,6 +13039,48 @@
                     </a:ext>
                   </a:extLst>
                 </a:gridCol>
+                <a:gridCol w="582551">
+                  <a:extLst>
+                    <a:ext uri="{9D8B030D-6E8A-4147-A177-3AD203B41FA5}">
+                      <a16:colId xmlns:a16="http://schemas.microsoft.com/office/drawing/2014/main" val="578347103"/>
+                    </a:ext>
+                  </a:extLst>
+                </a:gridCol>
+                <a:gridCol w="582551">
+                  <a:extLst>
+                    <a:ext uri="{9D8B030D-6E8A-4147-A177-3AD203B41FA5}">
+                      <a16:colId xmlns:a16="http://schemas.microsoft.com/office/drawing/2014/main" val="3331242209"/>
+                    </a:ext>
+                  </a:extLst>
+                </a:gridCol>
+                <a:gridCol w="582551">
+                  <a:extLst>
+                    <a:ext uri="{9D8B030D-6E8A-4147-A177-3AD203B41FA5}">
+                      <a16:colId xmlns:a16="http://schemas.microsoft.com/office/drawing/2014/main" val="8974766"/>
+                    </a:ext>
+                  </a:extLst>
+                </a:gridCol>
+                <a:gridCol w="582551">
+                  <a:extLst>
+                    <a:ext uri="{9D8B030D-6E8A-4147-A177-3AD203B41FA5}">
+                      <a16:colId xmlns:a16="http://schemas.microsoft.com/office/drawing/2014/main" val="199441182"/>
+                    </a:ext>
+                  </a:extLst>
+                </a:gridCol>
+                <a:gridCol w="582551">
+                  <a:extLst>
+                    <a:ext uri="{9D8B030D-6E8A-4147-A177-3AD203B41FA5}">
+                      <a16:colId xmlns:a16="http://schemas.microsoft.com/office/drawing/2014/main" val="2545054532"/>
+                    </a:ext>
+                  </a:extLst>
+                </a:gridCol>
+                <a:gridCol w="582551">
+                  <a:extLst>
+                    <a:ext uri="{9D8B030D-6E8A-4147-A177-3AD203B41FA5}">
+                      <a16:colId xmlns:a16="http://schemas.microsoft.com/office/drawing/2014/main" val="963041637"/>
+                    </a:ext>
+                  </a:extLst>
+                </a:gridCol>
               </a:tblGrid>
               <a:tr h="524555">
                 <a:tc>
@@ -11313,7 +13266,7 @@
                     <a:lstStyle/>
                     <a:p>
                       <a:pPr latinLnBrk="1"/>
-                      <a:endParaRPr lang="ko-KR" altLang="en-US" sz="2500" dirty="0"/>
+                      <a:endParaRPr lang="ko-KR" altLang="en-US" sz="2500"/>
                     </a:p>
                   </a:txBody>
                   <a:tcPr marL="129342" marR="129342" marT="64671" marB="64671">
@@ -11363,6 +13316,366 @@
                     </a:lnB>
                     <a:solidFill>
                       <a:schemeClr val="bg1"/>
+                    </a:solidFill>
+                  </a:tcPr>
+                </a:tc>
+                <a:tc>
+                  <a:txBody>
+                    <a:bodyPr/>
+                    <a:lstStyle/>
+                    <a:p>
+                      <a:pPr latinLnBrk="1"/>
+                      <a:endParaRPr lang="ko-KR" altLang="en-US" sz="2500" dirty="0"/>
+                    </a:p>
+                  </a:txBody>
+                  <a:tcPr marL="129342" marR="129342" marT="64671" marB="64671">
+                    <a:lnL w="12700" cap="flat" cmpd="sng" algn="ctr">
+                      <a:solidFill>
+                        <a:schemeClr val="bg1">
+                          <a:lumMod val="65000"/>
+                        </a:schemeClr>
+                      </a:solidFill>
+                      <a:prstDash val="solid"/>
+                      <a:round/>
+                      <a:headEnd type="none" w="med" len="med"/>
+                      <a:tailEnd type="none" w="med" len="med"/>
+                    </a:lnL>
+                    <a:lnR w="12700" cap="flat" cmpd="sng" algn="ctr">
+                      <a:solidFill>
+                        <a:schemeClr val="bg1">
+                          <a:lumMod val="65000"/>
+                        </a:schemeClr>
+                      </a:solidFill>
+                      <a:prstDash val="solid"/>
+                      <a:round/>
+                      <a:headEnd type="none" w="med" len="med"/>
+                      <a:tailEnd type="none" w="med" len="med"/>
+                    </a:lnR>
+                    <a:lnT w="12700" cap="flat" cmpd="sng" algn="ctr">
+                      <a:solidFill>
+                        <a:schemeClr val="bg1">
+                          <a:lumMod val="65000"/>
+                        </a:schemeClr>
+                      </a:solidFill>
+                      <a:prstDash val="solid"/>
+                      <a:round/>
+                      <a:headEnd type="none" w="med" len="med"/>
+                      <a:tailEnd type="none" w="med" len="med"/>
+                    </a:lnT>
+                    <a:lnB w="12700" cap="flat" cmpd="sng" algn="ctr">
+                      <a:solidFill>
+                        <a:schemeClr val="bg1">
+                          <a:lumMod val="65000"/>
+                        </a:schemeClr>
+                      </a:solidFill>
+                      <a:prstDash val="solid"/>
+                      <a:round/>
+                      <a:headEnd type="none" w="med" len="med"/>
+                      <a:tailEnd type="none" w="med" len="med"/>
+                    </a:lnB>
+                    <a:solidFill>
+                      <a:schemeClr val="bg1"/>
+                    </a:solidFill>
+                  </a:tcPr>
+                </a:tc>
+                <a:tc>
+                  <a:txBody>
+                    <a:bodyPr/>
+                    <a:lstStyle/>
+                    <a:p>
+                      <a:pPr latinLnBrk="1"/>
+                      <a:endParaRPr lang="ko-KR" altLang="en-US" sz="2500" dirty="0"/>
+                    </a:p>
+                  </a:txBody>
+                  <a:tcPr marL="129342" marR="129342" marT="64671" marB="64671">
+                    <a:lnL w="12700" cap="flat" cmpd="sng" algn="ctr">
+                      <a:solidFill>
+                        <a:schemeClr val="bg1">
+                          <a:lumMod val="65000"/>
+                        </a:schemeClr>
+                      </a:solidFill>
+                      <a:prstDash val="solid"/>
+                      <a:round/>
+                      <a:headEnd type="none" w="med" len="med"/>
+                      <a:tailEnd type="none" w="med" len="med"/>
+                    </a:lnL>
+                    <a:lnR w="12700" cap="flat" cmpd="sng" algn="ctr">
+                      <a:solidFill>
+                        <a:schemeClr val="bg1">
+                          <a:lumMod val="65000"/>
+                        </a:schemeClr>
+                      </a:solidFill>
+                      <a:prstDash val="solid"/>
+                      <a:round/>
+                      <a:headEnd type="none" w="med" len="med"/>
+                      <a:tailEnd type="none" w="med" len="med"/>
+                    </a:lnR>
+                    <a:lnT w="12700" cap="flat" cmpd="sng" algn="ctr">
+                      <a:solidFill>
+                        <a:schemeClr val="bg1">
+                          <a:lumMod val="65000"/>
+                        </a:schemeClr>
+                      </a:solidFill>
+                      <a:prstDash val="solid"/>
+                      <a:round/>
+                      <a:headEnd type="none" w="med" len="med"/>
+                      <a:tailEnd type="none" w="med" len="med"/>
+                    </a:lnT>
+                    <a:lnB w="12700" cap="flat" cmpd="sng" algn="ctr">
+                      <a:solidFill>
+                        <a:schemeClr val="bg1">
+                          <a:lumMod val="65000"/>
+                        </a:schemeClr>
+                      </a:solidFill>
+                      <a:prstDash val="solid"/>
+                      <a:round/>
+                      <a:headEnd type="none" w="med" len="med"/>
+                      <a:tailEnd type="none" w="med" len="med"/>
+                    </a:lnB>
+                    <a:solidFill>
+                      <a:schemeClr val="bg1"/>
+                    </a:solidFill>
+                  </a:tcPr>
+                </a:tc>
+                <a:tc>
+                  <a:txBody>
+                    <a:bodyPr/>
+                    <a:lstStyle/>
+                    <a:p>
+                      <a:pPr latinLnBrk="1"/>
+                      <a:endParaRPr lang="ko-KR" altLang="en-US" sz="2500" dirty="0"/>
+                    </a:p>
+                  </a:txBody>
+                  <a:tcPr marL="129342" marR="129342" marT="64671" marB="64671">
+                    <a:lnL w="12700" cap="flat" cmpd="sng" algn="ctr">
+                      <a:solidFill>
+                        <a:schemeClr val="bg1">
+                          <a:lumMod val="65000"/>
+                        </a:schemeClr>
+                      </a:solidFill>
+                      <a:prstDash val="solid"/>
+                      <a:round/>
+                      <a:headEnd type="none" w="med" len="med"/>
+                      <a:tailEnd type="none" w="med" len="med"/>
+                    </a:lnL>
+                    <a:lnR w="12700" cap="flat" cmpd="sng" algn="ctr">
+                      <a:solidFill>
+                        <a:schemeClr val="bg1">
+                          <a:lumMod val="65000"/>
+                        </a:schemeClr>
+                      </a:solidFill>
+                      <a:prstDash val="solid"/>
+                      <a:round/>
+                      <a:headEnd type="none" w="med" len="med"/>
+                      <a:tailEnd type="none" w="med" len="med"/>
+                    </a:lnR>
+                    <a:lnT w="12700" cap="flat" cmpd="sng" algn="ctr">
+                      <a:solidFill>
+                        <a:schemeClr val="bg1">
+                          <a:lumMod val="65000"/>
+                        </a:schemeClr>
+                      </a:solidFill>
+                      <a:prstDash val="solid"/>
+                      <a:round/>
+                      <a:headEnd type="none" w="med" len="med"/>
+                      <a:tailEnd type="none" w="med" len="med"/>
+                    </a:lnT>
+                    <a:lnB w="12700" cap="flat" cmpd="sng" algn="ctr">
+                      <a:solidFill>
+                        <a:schemeClr val="bg1">
+                          <a:lumMod val="65000"/>
+                        </a:schemeClr>
+                      </a:solidFill>
+                      <a:prstDash val="solid"/>
+                      <a:round/>
+                      <a:headEnd type="none" w="med" len="med"/>
+                      <a:tailEnd type="none" w="med" len="med"/>
+                    </a:lnB>
+                    <a:solidFill>
+                      <a:schemeClr val="bg1"/>
+                    </a:solidFill>
+                  </a:tcPr>
+                </a:tc>
+                <a:tc>
+                  <a:txBody>
+                    <a:bodyPr/>
+                    <a:lstStyle/>
+                    <a:p>
+                      <a:pPr latinLnBrk="1"/>
+                      <a:endParaRPr lang="ko-KR" altLang="en-US" sz="2500" dirty="0"/>
+                    </a:p>
+                  </a:txBody>
+                  <a:tcPr marL="129342" marR="129342" marT="64671" marB="64671">
+                    <a:lnL w="12700" cap="flat" cmpd="sng" algn="ctr">
+                      <a:solidFill>
+                        <a:schemeClr val="bg1">
+                          <a:lumMod val="65000"/>
+                        </a:schemeClr>
+                      </a:solidFill>
+                      <a:prstDash val="solid"/>
+                      <a:round/>
+                      <a:headEnd type="none" w="med" len="med"/>
+                      <a:tailEnd type="none" w="med" len="med"/>
+                    </a:lnL>
+                    <a:lnR w="12700" cap="flat" cmpd="sng" algn="ctr">
+                      <a:solidFill>
+                        <a:schemeClr val="bg1">
+                          <a:lumMod val="65000"/>
+                        </a:schemeClr>
+                      </a:solidFill>
+                      <a:prstDash val="solid"/>
+                      <a:round/>
+                      <a:headEnd type="none" w="med" len="med"/>
+                      <a:tailEnd type="none" w="med" len="med"/>
+                    </a:lnR>
+                    <a:lnT w="12700" cap="flat" cmpd="sng" algn="ctr">
+                      <a:solidFill>
+                        <a:schemeClr val="bg1">
+                          <a:lumMod val="65000"/>
+                        </a:schemeClr>
+                      </a:solidFill>
+                      <a:prstDash val="solid"/>
+                      <a:round/>
+                      <a:headEnd type="none" w="med" len="med"/>
+                      <a:tailEnd type="none" w="med" len="med"/>
+                    </a:lnT>
+                    <a:lnB w="12700" cap="flat" cmpd="sng" algn="ctr">
+                      <a:solidFill>
+                        <a:schemeClr val="bg1">
+                          <a:lumMod val="65000"/>
+                        </a:schemeClr>
+                      </a:solidFill>
+                      <a:prstDash val="solid"/>
+                      <a:round/>
+                      <a:headEnd type="none" w="med" len="med"/>
+                      <a:tailEnd type="none" w="med" len="med"/>
+                    </a:lnB>
+                    <a:solidFill>
+                      <a:schemeClr val="bg1">
+                        <a:lumMod val="50000"/>
+                      </a:schemeClr>
+                    </a:solidFill>
+                  </a:tcPr>
+                </a:tc>
+                <a:tc>
+                  <a:txBody>
+                    <a:bodyPr/>
+                    <a:lstStyle/>
+                    <a:p>
+                      <a:pPr latinLnBrk="1"/>
+                      <a:endParaRPr lang="ko-KR" altLang="en-US" sz="2500"/>
+                    </a:p>
+                  </a:txBody>
+                  <a:tcPr marL="129342" marR="129342" marT="64671" marB="64671">
+                    <a:lnL w="12700" cap="flat" cmpd="sng" algn="ctr">
+                      <a:solidFill>
+                        <a:schemeClr val="bg1">
+                          <a:lumMod val="65000"/>
+                        </a:schemeClr>
+                      </a:solidFill>
+                      <a:prstDash val="solid"/>
+                      <a:round/>
+                      <a:headEnd type="none" w="med" len="med"/>
+                      <a:tailEnd type="none" w="med" len="med"/>
+                    </a:lnL>
+                    <a:lnR w="12700" cap="flat" cmpd="sng" algn="ctr">
+                      <a:solidFill>
+                        <a:schemeClr val="bg1">
+                          <a:lumMod val="65000"/>
+                        </a:schemeClr>
+                      </a:solidFill>
+                      <a:prstDash val="solid"/>
+                      <a:round/>
+                      <a:headEnd type="none" w="med" len="med"/>
+                      <a:tailEnd type="none" w="med" len="med"/>
+                    </a:lnR>
+                    <a:lnT w="12700" cap="flat" cmpd="sng" algn="ctr">
+                      <a:solidFill>
+                        <a:schemeClr val="bg1">
+                          <a:lumMod val="65000"/>
+                        </a:schemeClr>
+                      </a:solidFill>
+                      <a:prstDash val="solid"/>
+                      <a:round/>
+                      <a:headEnd type="none" w="med" len="med"/>
+                      <a:tailEnd type="none" w="med" len="med"/>
+                    </a:lnT>
+                    <a:lnB w="12700" cap="flat" cmpd="sng" algn="ctr">
+                      <a:solidFill>
+                        <a:schemeClr val="bg1">
+                          <a:lumMod val="65000"/>
+                        </a:schemeClr>
+                      </a:solidFill>
+                      <a:prstDash val="solid"/>
+                      <a:round/>
+                      <a:headEnd type="none" w="med" len="med"/>
+                      <a:tailEnd type="none" w="med" len="med"/>
+                    </a:lnB>
+                    <a:solidFill>
+                      <a:schemeClr val="bg1">
+                        <a:lumMod val="50000"/>
+                      </a:schemeClr>
+                    </a:solidFill>
+                  </a:tcPr>
+                </a:tc>
+                <a:tc>
+                  <a:txBody>
+                    <a:bodyPr/>
+                    <a:lstStyle/>
+                    <a:p>
+                      <a:pPr latinLnBrk="1"/>
+                      <a:endParaRPr lang="ko-KR" altLang="en-US" sz="2500" dirty="0"/>
+                    </a:p>
+                  </a:txBody>
+                  <a:tcPr marL="129342" marR="129342" marT="64671" marB="64671">
+                    <a:lnL w="12700" cap="flat" cmpd="sng" algn="ctr">
+                      <a:solidFill>
+                        <a:schemeClr val="bg1">
+                          <a:lumMod val="65000"/>
+                        </a:schemeClr>
+                      </a:solidFill>
+                      <a:prstDash val="solid"/>
+                      <a:round/>
+                      <a:headEnd type="none" w="med" len="med"/>
+                      <a:tailEnd type="none" w="med" len="med"/>
+                    </a:lnL>
+                    <a:lnR w="12700" cap="flat" cmpd="sng" algn="ctr">
+                      <a:solidFill>
+                        <a:schemeClr val="bg1">
+                          <a:lumMod val="65000"/>
+                        </a:schemeClr>
+                      </a:solidFill>
+                      <a:prstDash val="solid"/>
+                      <a:round/>
+                      <a:headEnd type="none" w="med" len="med"/>
+                      <a:tailEnd type="none" w="med" len="med"/>
+                    </a:lnR>
+                    <a:lnT w="12700" cap="flat" cmpd="sng" algn="ctr">
+                      <a:solidFill>
+                        <a:schemeClr val="bg1">
+                          <a:lumMod val="65000"/>
+                        </a:schemeClr>
+                      </a:solidFill>
+                      <a:prstDash val="solid"/>
+                      <a:round/>
+                      <a:headEnd type="none" w="med" len="med"/>
+                      <a:tailEnd type="none" w="med" len="med"/>
+                    </a:lnT>
+                    <a:lnB w="12700" cap="flat" cmpd="sng" algn="ctr">
+                      <a:solidFill>
+                        <a:schemeClr val="bg1">
+                          <a:lumMod val="65000"/>
+                        </a:schemeClr>
+                      </a:solidFill>
+                      <a:prstDash val="solid"/>
+                      <a:round/>
+                      <a:headEnd type="none" w="med" len="med"/>
+                      <a:tailEnd type="none" w="med" len="med"/>
+                    </a:lnB>
+                    <a:solidFill>
+                      <a:schemeClr val="bg1">
+                        <a:lumMod val="50000"/>
+                      </a:schemeClr>
                     </a:solidFill>
                   </a:tcPr>
                 </a:tc>
@@ -11546,6 +13859,67 @@
                       <a:tailEnd type="none" w="med" len="med"/>
                     </a:lnB>
                     <a:solidFill>
+                      <a:schemeClr val="bg1">
+                        <a:lumMod val="50000"/>
+                      </a:schemeClr>
+                    </a:solidFill>
+                  </a:tcPr>
+                </a:tc>
+                <a:tc>
+                  <a:txBody>
+                    <a:bodyPr/>
+                    <a:lstStyle/>
+                    <a:p>
+                      <a:pPr latinLnBrk="1"/>
+                      <a:endParaRPr lang="ko-KR" altLang="en-US" sz="2500" dirty="0"/>
+                    </a:p>
+                  </a:txBody>
+                  <a:tcPr marL="129342" marR="129342" marT="64671" marB="64671">
+                    <a:lnL w="12700" cap="flat" cmpd="sng" algn="ctr">
+                      <a:solidFill>
+                        <a:schemeClr val="bg1">
+                          <a:lumMod val="65000"/>
+                        </a:schemeClr>
+                      </a:solidFill>
+                      <a:prstDash val="solid"/>
+                      <a:round/>
+                      <a:headEnd type="none" w="med" len="med"/>
+                      <a:tailEnd type="none" w="med" len="med"/>
+                    </a:lnL>
+                    <a:lnR w="12700" cap="flat" cmpd="sng" algn="ctr">
+                      <a:solidFill>
+                        <a:schemeClr val="bg1">
+                          <a:lumMod val="65000"/>
+                        </a:schemeClr>
+                      </a:solidFill>
+                      <a:prstDash val="solid"/>
+                      <a:round/>
+                      <a:headEnd type="none" w="med" len="med"/>
+                      <a:tailEnd type="none" w="med" len="med"/>
+                    </a:lnR>
+                    <a:lnT w="12700" cap="flat" cmpd="sng" algn="ctr">
+                      <a:solidFill>
+                        <a:schemeClr val="bg1">
+                          <a:lumMod val="65000"/>
+                        </a:schemeClr>
+                      </a:solidFill>
+                      <a:prstDash val="solid"/>
+                      <a:round/>
+                      <a:headEnd type="none" w="med" len="med"/>
+                      <a:tailEnd type="none" w="med" len="med"/>
+                    </a:lnT>
+                    <a:lnB w="12700" cap="flat" cmpd="sng" algn="ctr">
+                      <a:solidFill>
+                        <a:schemeClr val="bg1">
+                          <a:lumMod val="65000"/>
+                        </a:schemeClr>
+                      </a:solidFill>
+                      <a:prstDash val="solid"/>
+                      <a:round/>
+                      <a:headEnd type="none" w="med" len="med"/>
+                      <a:tailEnd type="none" w="med" len="med"/>
+                    </a:lnB>
+                    <a:solidFill>
                       <a:schemeClr val="bg1"/>
                     </a:solidFill>
                   </a:tcPr>
@@ -11608,6 +13982,305 @@
                       <a:schemeClr val="bg1">
                         <a:lumMod val="50000"/>
                       </a:schemeClr>
+                    </a:solidFill>
+                  </a:tcPr>
+                </a:tc>
+                <a:tc>
+                  <a:txBody>
+                    <a:bodyPr/>
+                    <a:lstStyle/>
+                    <a:p>
+                      <a:pPr latinLnBrk="1"/>
+                      <a:endParaRPr lang="ko-KR" altLang="en-US" sz="2500" dirty="0"/>
+                    </a:p>
+                  </a:txBody>
+                  <a:tcPr marL="129342" marR="129342" marT="64671" marB="64671">
+                    <a:lnL w="12700" cap="flat" cmpd="sng" algn="ctr">
+                      <a:solidFill>
+                        <a:schemeClr val="bg1">
+                          <a:lumMod val="65000"/>
+                        </a:schemeClr>
+                      </a:solidFill>
+                      <a:prstDash val="solid"/>
+                      <a:round/>
+                      <a:headEnd type="none" w="med" len="med"/>
+                      <a:tailEnd type="none" w="med" len="med"/>
+                    </a:lnL>
+                    <a:lnR w="12700" cap="flat" cmpd="sng" algn="ctr">
+                      <a:solidFill>
+                        <a:schemeClr val="bg1">
+                          <a:lumMod val="65000"/>
+                        </a:schemeClr>
+                      </a:solidFill>
+                      <a:prstDash val="solid"/>
+                      <a:round/>
+                      <a:headEnd type="none" w="med" len="med"/>
+                      <a:tailEnd type="none" w="med" len="med"/>
+                    </a:lnR>
+                    <a:lnT w="12700" cap="flat" cmpd="sng" algn="ctr">
+                      <a:solidFill>
+                        <a:schemeClr val="bg1">
+                          <a:lumMod val="65000"/>
+                        </a:schemeClr>
+                      </a:solidFill>
+                      <a:prstDash val="solid"/>
+                      <a:round/>
+                      <a:headEnd type="none" w="med" len="med"/>
+                      <a:tailEnd type="none" w="med" len="med"/>
+                    </a:lnT>
+                    <a:lnB w="12700" cap="flat" cmpd="sng" algn="ctr">
+                      <a:solidFill>
+                        <a:schemeClr val="bg1">
+                          <a:lumMod val="65000"/>
+                        </a:schemeClr>
+                      </a:solidFill>
+                      <a:prstDash val="solid"/>
+                      <a:round/>
+                      <a:headEnd type="none" w="med" len="med"/>
+                      <a:tailEnd type="none" w="med" len="med"/>
+                    </a:lnB>
+                    <a:solidFill>
+                      <a:schemeClr val="bg1"/>
+                    </a:solidFill>
+                  </a:tcPr>
+                </a:tc>
+                <a:tc>
+                  <a:txBody>
+                    <a:bodyPr/>
+                    <a:lstStyle/>
+                    <a:p>
+                      <a:pPr latinLnBrk="1"/>
+                      <a:endParaRPr lang="ko-KR" altLang="en-US" sz="2500" dirty="0"/>
+                    </a:p>
+                  </a:txBody>
+                  <a:tcPr marL="129342" marR="129342" marT="64671" marB="64671">
+                    <a:lnL w="12700" cap="flat" cmpd="sng" algn="ctr">
+                      <a:solidFill>
+                        <a:schemeClr val="bg1">
+                          <a:lumMod val="65000"/>
+                        </a:schemeClr>
+                      </a:solidFill>
+                      <a:prstDash val="solid"/>
+                      <a:round/>
+                      <a:headEnd type="none" w="med" len="med"/>
+                      <a:tailEnd type="none" w="med" len="med"/>
+                    </a:lnL>
+                    <a:lnR w="12700" cap="flat" cmpd="sng" algn="ctr">
+                      <a:solidFill>
+                        <a:schemeClr val="bg1">
+                          <a:lumMod val="65000"/>
+                        </a:schemeClr>
+                      </a:solidFill>
+                      <a:prstDash val="solid"/>
+                      <a:round/>
+                      <a:headEnd type="none" w="med" len="med"/>
+                      <a:tailEnd type="none" w="med" len="med"/>
+                    </a:lnR>
+                    <a:lnT w="12700" cap="flat" cmpd="sng" algn="ctr">
+                      <a:solidFill>
+                        <a:schemeClr val="bg1">
+                          <a:lumMod val="65000"/>
+                        </a:schemeClr>
+                      </a:solidFill>
+                      <a:prstDash val="solid"/>
+                      <a:round/>
+                      <a:headEnd type="none" w="med" len="med"/>
+                      <a:tailEnd type="none" w="med" len="med"/>
+                    </a:lnT>
+                    <a:lnB w="12700" cap="flat" cmpd="sng" algn="ctr">
+                      <a:solidFill>
+                        <a:schemeClr val="bg1">
+                          <a:lumMod val="65000"/>
+                        </a:schemeClr>
+                      </a:solidFill>
+                      <a:prstDash val="solid"/>
+                      <a:round/>
+                      <a:headEnd type="none" w="med" len="med"/>
+                      <a:tailEnd type="none" w="med" len="med"/>
+                    </a:lnB>
+                    <a:solidFill>
+                      <a:schemeClr val="bg1">
+                        <a:lumMod val="50000"/>
+                      </a:schemeClr>
+                    </a:solidFill>
+                  </a:tcPr>
+                </a:tc>
+                <a:tc>
+                  <a:txBody>
+                    <a:bodyPr/>
+                    <a:lstStyle/>
+                    <a:p>
+                      <a:pPr latinLnBrk="1"/>
+                      <a:endParaRPr lang="ko-KR" altLang="en-US" sz="2500" dirty="0"/>
+                    </a:p>
+                  </a:txBody>
+                  <a:tcPr marL="129342" marR="129342" marT="64671" marB="64671">
+                    <a:lnL w="12700" cap="flat" cmpd="sng" algn="ctr">
+                      <a:solidFill>
+                        <a:schemeClr val="bg1">
+                          <a:lumMod val="65000"/>
+                        </a:schemeClr>
+                      </a:solidFill>
+                      <a:prstDash val="solid"/>
+                      <a:round/>
+                      <a:headEnd type="none" w="med" len="med"/>
+                      <a:tailEnd type="none" w="med" len="med"/>
+                    </a:lnL>
+                    <a:lnR w="12700" cap="flat" cmpd="sng" algn="ctr">
+                      <a:solidFill>
+                        <a:schemeClr val="bg1">
+                          <a:lumMod val="65000"/>
+                        </a:schemeClr>
+                      </a:solidFill>
+                      <a:prstDash val="solid"/>
+                      <a:round/>
+                      <a:headEnd type="none" w="med" len="med"/>
+                      <a:tailEnd type="none" w="med" len="med"/>
+                    </a:lnR>
+                    <a:lnT w="12700" cap="flat" cmpd="sng" algn="ctr">
+                      <a:solidFill>
+                        <a:schemeClr val="bg1">
+                          <a:lumMod val="65000"/>
+                        </a:schemeClr>
+                      </a:solidFill>
+                      <a:prstDash val="solid"/>
+                      <a:round/>
+                      <a:headEnd type="none" w="med" len="med"/>
+                      <a:tailEnd type="none" w="med" len="med"/>
+                    </a:lnT>
+                    <a:lnB w="12700" cap="flat" cmpd="sng" algn="ctr">
+                      <a:solidFill>
+                        <a:schemeClr val="bg1">
+                          <a:lumMod val="65000"/>
+                        </a:schemeClr>
+                      </a:solidFill>
+                      <a:prstDash val="solid"/>
+                      <a:round/>
+                      <a:headEnd type="none" w="med" len="med"/>
+                      <a:tailEnd type="none" w="med" len="med"/>
+                    </a:lnB>
+                    <a:solidFill>
+                      <a:schemeClr val="bg1"/>
+                    </a:solidFill>
+                  </a:tcPr>
+                </a:tc>
+                <a:tc>
+                  <a:txBody>
+                    <a:bodyPr/>
+                    <a:lstStyle/>
+                    <a:p>
+                      <a:pPr latinLnBrk="1"/>
+                      <a:endParaRPr lang="ko-KR" altLang="en-US" sz="2500" dirty="0"/>
+                    </a:p>
+                  </a:txBody>
+                  <a:tcPr marL="129342" marR="129342" marT="64671" marB="64671">
+                    <a:lnL w="12700" cap="flat" cmpd="sng" algn="ctr">
+                      <a:solidFill>
+                        <a:schemeClr val="bg1">
+                          <a:lumMod val="65000"/>
+                        </a:schemeClr>
+                      </a:solidFill>
+                      <a:prstDash val="solid"/>
+                      <a:round/>
+                      <a:headEnd type="none" w="med" len="med"/>
+                      <a:tailEnd type="none" w="med" len="med"/>
+                    </a:lnL>
+                    <a:lnR w="12700" cap="flat" cmpd="sng" algn="ctr">
+                      <a:solidFill>
+                        <a:schemeClr val="bg1">
+                          <a:lumMod val="65000"/>
+                        </a:schemeClr>
+                      </a:solidFill>
+                      <a:prstDash val="solid"/>
+                      <a:round/>
+                      <a:headEnd type="none" w="med" len="med"/>
+                      <a:tailEnd type="none" w="med" len="med"/>
+                    </a:lnR>
+                    <a:lnT w="12700" cap="flat" cmpd="sng" algn="ctr">
+                      <a:solidFill>
+                        <a:schemeClr val="bg1">
+                          <a:lumMod val="65000"/>
+                        </a:schemeClr>
+                      </a:solidFill>
+                      <a:prstDash val="solid"/>
+                      <a:round/>
+                      <a:headEnd type="none" w="med" len="med"/>
+                      <a:tailEnd type="none" w="med" len="med"/>
+                    </a:lnT>
+                    <a:lnB w="12700" cap="flat" cmpd="sng" algn="ctr">
+                      <a:solidFill>
+                        <a:schemeClr val="bg1">
+                          <a:lumMod val="65000"/>
+                        </a:schemeClr>
+                      </a:solidFill>
+                      <a:prstDash val="solid"/>
+                      <a:round/>
+                      <a:headEnd type="none" w="med" len="med"/>
+                      <a:tailEnd type="none" w="med" len="med"/>
+                    </a:lnB>
+                    <a:solidFill>
+                      <a:schemeClr val="bg1">
+                        <a:lumMod val="50000"/>
+                      </a:schemeClr>
+                    </a:solidFill>
+                  </a:tcPr>
+                </a:tc>
+                <a:tc>
+                  <a:txBody>
+                    <a:bodyPr/>
+                    <a:lstStyle/>
+                    <a:p>
+                      <a:pPr latinLnBrk="1"/>
+                      <a:endParaRPr lang="ko-KR" altLang="en-US" sz="2500" dirty="0"/>
+                    </a:p>
+                  </a:txBody>
+                  <a:tcPr marL="129342" marR="129342" marT="64671" marB="64671">
+                    <a:lnL w="12700" cap="flat" cmpd="sng" algn="ctr">
+                      <a:solidFill>
+                        <a:schemeClr val="bg1">
+                          <a:lumMod val="65000"/>
+                        </a:schemeClr>
+                      </a:solidFill>
+                      <a:prstDash val="solid"/>
+                      <a:round/>
+                      <a:headEnd type="none" w="med" len="med"/>
+                      <a:tailEnd type="none" w="med" len="med"/>
+                    </a:lnL>
+                    <a:lnR w="12700" cap="flat" cmpd="sng" algn="ctr">
+                      <a:solidFill>
+                        <a:schemeClr val="bg1">
+                          <a:lumMod val="65000"/>
+                        </a:schemeClr>
+                      </a:solidFill>
+                      <a:prstDash val="solid"/>
+                      <a:round/>
+                      <a:headEnd type="none" w="med" len="med"/>
+                      <a:tailEnd type="none" w="med" len="med"/>
+                    </a:lnR>
+                    <a:lnT w="12700" cap="flat" cmpd="sng" algn="ctr">
+                      <a:solidFill>
+                        <a:schemeClr val="bg1">
+                          <a:lumMod val="65000"/>
+                        </a:schemeClr>
+                      </a:solidFill>
+                      <a:prstDash val="solid"/>
+                      <a:round/>
+                      <a:headEnd type="none" w="med" len="med"/>
+                      <a:tailEnd type="none" w="med" len="med"/>
+                    </a:lnT>
+                    <a:lnB w="12700" cap="flat" cmpd="sng" algn="ctr">
+                      <a:solidFill>
+                        <a:schemeClr val="bg1">
+                          <a:lumMod val="65000"/>
+                        </a:schemeClr>
+                      </a:solidFill>
+                      <a:prstDash val="solid"/>
+                      <a:round/>
+                      <a:headEnd type="none" w="med" len="med"/>
+                      <a:tailEnd type="none" w="med" len="med"/>
+                    </a:lnB>
+                    <a:solidFill>
+                      <a:schemeClr val="bg1"/>
                     </a:solidFill>
                   </a:tcPr>
                 </a:tc>
@@ -11742,7 +14415,7 @@
                     <a:lstStyle/>
                     <a:p>
                       <a:pPr latinLnBrk="1"/>
-                      <a:endParaRPr lang="ko-KR" altLang="en-US" sz="2500" dirty="0"/>
+                      <a:endParaRPr lang="ko-KR" altLang="en-US" sz="2500"/>
                     </a:p>
                   </a:txBody>
                   <a:tcPr marL="129342" marR="129342" marT="64671" marB="64671">
@@ -11801,7 +14474,68 @@
                     <a:lstStyle/>
                     <a:p>
                       <a:pPr latinLnBrk="1"/>
-                      <a:endParaRPr lang="ko-KR" altLang="en-US" sz="2500"/>
+                      <a:endParaRPr lang="ko-KR" altLang="en-US" sz="2500" dirty="0"/>
+                    </a:p>
+                  </a:txBody>
+                  <a:tcPr marL="129342" marR="129342" marT="64671" marB="64671">
+                    <a:lnL w="12700" cap="flat" cmpd="sng" algn="ctr">
+                      <a:solidFill>
+                        <a:schemeClr val="bg1">
+                          <a:lumMod val="65000"/>
+                        </a:schemeClr>
+                      </a:solidFill>
+                      <a:prstDash val="solid"/>
+                      <a:round/>
+                      <a:headEnd type="none" w="med" len="med"/>
+                      <a:tailEnd type="none" w="med" len="med"/>
+                    </a:lnL>
+                    <a:lnR w="12700" cap="flat" cmpd="sng" algn="ctr">
+                      <a:solidFill>
+                        <a:schemeClr val="bg1">
+                          <a:lumMod val="65000"/>
+                        </a:schemeClr>
+                      </a:solidFill>
+                      <a:prstDash val="solid"/>
+                      <a:round/>
+                      <a:headEnd type="none" w="med" len="med"/>
+                      <a:tailEnd type="none" w="med" len="med"/>
+                    </a:lnR>
+                    <a:lnT w="12700" cap="flat" cmpd="sng" algn="ctr">
+                      <a:solidFill>
+                        <a:schemeClr val="bg1">
+                          <a:lumMod val="65000"/>
+                        </a:schemeClr>
+                      </a:solidFill>
+                      <a:prstDash val="solid"/>
+                      <a:round/>
+                      <a:headEnd type="none" w="med" len="med"/>
+                      <a:tailEnd type="none" w="med" len="med"/>
+                    </a:lnT>
+                    <a:lnB w="12700" cap="flat" cmpd="sng" algn="ctr">
+                      <a:solidFill>
+                        <a:schemeClr val="bg1">
+                          <a:lumMod val="65000"/>
+                        </a:schemeClr>
+                      </a:solidFill>
+                      <a:prstDash val="solid"/>
+                      <a:round/>
+                      <a:headEnd type="none" w="med" len="med"/>
+                      <a:tailEnd type="none" w="med" len="med"/>
+                    </a:lnB>
+                    <a:solidFill>
+                      <a:schemeClr val="bg1">
+                        <a:lumMod val="50000"/>
+                      </a:schemeClr>
+                    </a:solidFill>
+                  </a:tcPr>
+                </a:tc>
+                <a:tc>
+                  <a:txBody>
+                    <a:bodyPr/>
+                    <a:lstStyle/>
+                    <a:p>
+                      <a:pPr latinLnBrk="1"/>
+                      <a:endParaRPr lang="ko-KR" altLang="en-US" sz="2500" dirty="0"/>
                     </a:p>
                   </a:txBody>
                   <a:tcPr marL="129342" marR="129342" marT="64671" marB="64671">
@@ -11909,7 +14643,310 @@
                       <a:tailEnd type="none" w="med" len="med"/>
                     </a:lnB>
                     <a:solidFill>
+                      <a:schemeClr val="bg1">
+                        <a:lumMod val="50000"/>
+                      </a:schemeClr>
+                    </a:solidFill>
+                  </a:tcPr>
+                </a:tc>
+                <a:tc>
+                  <a:txBody>
+                    <a:bodyPr/>
+                    <a:lstStyle/>
+                    <a:p>
+                      <a:pPr latinLnBrk="1"/>
+                      <a:endParaRPr lang="ko-KR" altLang="en-US" sz="2500" dirty="0"/>
+                    </a:p>
+                  </a:txBody>
+                  <a:tcPr marL="129342" marR="129342" marT="64671" marB="64671">
+                    <a:lnL w="12700" cap="flat" cmpd="sng" algn="ctr">
+                      <a:solidFill>
+                        <a:schemeClr val="bg1">
+                          <a:lumMod val="65000"/>
+                        </a:schemeClr>
+                      </a:solidFill>
+                      <a:prstDash val="solid"/>
+                      <a:round/>
+                      <a:headEnd type="none" w="med" len="med"/>
+                      <a:tailEnd type="none" w="med" len="med"/>
+                    </a:lnL>
+                    <a:lnR w="12700" cap="flat" cmpd="sng" algn="ctr">
+                      <a:solidFill>
+                        <a:schemeClr val="bg1">
+                          <a:lumMod val="65000"/>
+                        </a:schemeClr>
+                      </a:solidFill>
+                      <a:prstDash val="solid"/>
+                      <a:round/>
+                      <a:headEnd type="none" w="med" len="med"/>
+                      <a:tailEnd type="none" w="med" len="med"/>
+                    </a:lnR>
+                    <a:lnT w="12700" cap="flat" cmpd="sng" algn="ctr">
+                      <a:solidFill>
+                        <a:schemeClr val="bg1">
+                          <a:lumMod val="65000"/>
+                        </a:schemeClr>
+                      </a:solidFill>
+                      <a:prstDash val="solid"/>
+                      <a:round/>
+                      <a:headEnd type="none" w="med" len="med"/>
+                      <a:tailEnd type="none" w="med" len="med"/>
+                    </a:lnT>
+                    <a:lnB w="12700" cap="flat" cmpd="sng" algn="ctr">
+                      <a:solidFill>
+                        <a:schemeClr val="bg1">
+                          <a:lumMod val="65000"/>
+                        </a:schemeClr>
+                      </a:solidFill>
+                      <a:prstDash val="solid"/>
+                      <a:round/>
+                      <a:headEnd type="none" w="med" len="med"/>
+                      <a:tailEnd type="none" w="med" len="med"/>
+                    </a:lnB>
+                    <a:solidFill>
                       <a:schemeClr val="bg1"/>
+                    </a:solidFill>
+                  </a:tcPr>
+                </a:tc>
+                <a:tc>
+                  <a:txBody>
+                    <a:bodyPr/>
+                    <a:lstStyle/>
+                    <a:p>
+                      <a:pPr latinLnBrk="1"/>
+                      <a:endParaRPr lang="ko-KR" altLang="en-US" sz="2500" dirty="0"/>
+                    </a:p>
+                  </a:txBody>
+                  <a:tcPr marL="129342" marR="129342" marT="64671" marB="64671">
+                    <a:lnL w="12700" cap="flat" cmpd="sng" algn="ctr">
+                      <a:solidFill>
+                        <a:schemeClr val="bg1">
+                          <a:lumMod val="65000"/>
+                        </a:schemeClr>
+                      </a:solidFill>
+                      <a:prstDash val="solid"/>
+                      <a:round/>
+                      <a:headEnd type="none" w="med" len="med"/>
+                      <a:tailEnd type="none" w="med" len="med"/>
+                    </a:lnL>
+                    <a:lnR w="12700" cap="flat" cmpd="sng" algn="ctr">
+                      <a:solidFill>
+                        <a:schemeClr val="bg1">
+                          <a:lumMod val="65000"/>
+                        </a:schemeClr>
+                      </a:solidFill>
+                      <a:prstDash val="solid"/>
+                      <a:round/>
+                      <a:headEnd type="none" w="med" len="med"/>
+                      <a:tailEnd type="none" w="med" len="med"/>
+                    </a:lnR>
+                    <a:lnT w="12700" cap="flat" cmpd="sng" algn="ctr">
+                      <a:solidFill>
+                        <a:schemeClr val="bg1">
+                          <a:lumMod val="65000"/>
+                        </a:schemeClr>
+                      </a:solidFill>
+                      <a:prstDash val="solid"/>
+                      <a:round/>
+                      <a:headEnd type="none" w="med" len="med"/>
+                      <a:tailEnd type="none" w="med" len="med"/>
+                    </a:lnT>
+                    <a:lnB w="12700" cap="flat" cmpd="sng" algn="ctr">
+                      <a:solidFill>
+                        <a:schemeClr val="bg1">
+                          <a:lumMod val="65000"/>
+                        </a:schemeClr>
+                      </a:solidFill>
+                      <a:prstDash val="solid"/>
+                      <a:round/>
+                      <a:headEnd type="none" w="med" len="med"/>
+                      <a:tailEnd type="none" w="med" len="med"/>
+                    </a:lnB>
+                    <a:solidFill>
+                      <a:schemeClr val="bg1">
+                        <a:lumMod val="50000"/>
+                      </a:schemeClr>
+                    </a:solidFill>
+                  </a:tcPr>
+                </a:tc>
+                <a:tc>
+                  <a:txBody>
+                    <a:bodyPr/>
+                    <a:lstStyle/>
+                    <a:p>
+                      <a:pPr latinLnBrk="1"/>
+                      <a:endParaRPr lang="ko-KR" altLang="en-US" sz="2500" dirty="0"/>
+                    </a:p>
+                  </a:txBody>
+                  <a:tcPr marL="129342" marR="129342" marT="64671" marB="64671">
+                    <a:lnL w="12700" cap="flat" cmpd="sng" algn="ctr">
+                      <a:solidFill>
+                        <a:schemeClr val="bg1">
+                          <a:lumMod val="65000"/>
+                        </a:schemeClr>
+                      </a:solidFill>
+                      <a:prstDash val="solid"/>
+                      <a:round/>
+                      <a:headEnd type="none" w="med" len="med"/>
+                      <a:tailEnd type="none" w="med" len="med"/>
+                    </a:lnL>
+                    <a:lnR w="12700" cap="flat" cmpd="sng" algn="ctr">
+                      <a:solidFill>
+                        <a:schemeClr val="bg1">
+                          <a:lumMod val="65000"/>
+                        </a:schemeClr>
+                      </a:solidFill>
+                      <a:prstDash val="solid"/>
+                      <a:round/>
+                      <a:headEnd type="none" w="med" len="med"/>
+                      <a:tailEnd type="none" w="med" len="med"/>
+                    </a:lnR>
+                    <a:lnT w="12700" cap="flat" cmpd="sng" algn="ctr">
+                      <a:solidFill>
+                        <a:schemeClr val="bg1">
+                          <a:lumMod val="65000"/>
+                        </a:schemeClr>
+                      </a:solidFill>
+                      <a:prstDash val="solid"/>
+                      <a:round/>
+                      <a:headEnd type="none" w="med" len="med"/>
+                      <a:tailEnd type="none" w="med" len="med"/>
+                    </a:lnT>
+                    <a:lnB w="12700" cap="flat" cmpd="sng" algn="ctr">
+                      <a:solidFill>
+                        <a:schemeClr val="bg1">
+                          <a:lumMod val="65000"/>
+                        </a:schemeClr>
+                      </a:solidFill>
+                      <a:prstDash val="solid"/>
+                      <a:round/>
+                      <a:headEnd type="none" w="med" len="med"/>
+                      <a:tailEnd type="none" w="med" len="med"/>
+                    </a:lnB>
+                    <a:solidFill>
+                      <a:schemeClr val="bg1"/>
+                    </a:solidFill>
+                  </a:tcPr>
+                </a:tc>
+                <a:tc>
+                  <a:txBody>
+                    <a:bodyPr/>
+                    <a:lstStyle/>
+                    <a:p>
+                      <a:pPr latinLnBrk="1"/>
+                      <a:endParaRPr lang="ko-KR" altLang="en-US" sz="2500" dirty="0"/>
+                    </a:p>
+                  </a:txBody>
+                  <a:tcPr marL="129342" marR="129342" marT="64671" marB="64671">
+                    <a:lnL w="12700" cap="flat" cmpd="sng" algn="ctr">
+                      <a:solidFill>
+                        <a:schemeClr val="bg1">
+                          <a:lumMod val="65000"/>
+                        </a:schemeClr>
+                      </a:solidFill>
+                      <a:prstDash val="solid"/>
+                      <a:round/>
+                      <a:headEnd type="none" w="med" len="med"/>
+                      <a:tailEnd type="none" w="med" len="med"/>
+                    </a:lnL>
+                    <a:lnR w="12700" cap="flat" cmpd="sng" algn="ctr">
+                      <a:solidFill>
+                        <a:schemeClr val="bg1">
+                          <a:lumMod val="65000"/>
+                        </a:schemeClr>
+                      </a:solidFill>
+                      <a:prstDash val="solid"/>
+                      <a:round/>
+                      <a:headEnd type="none" w="med" len="med"/>
+                      <a:tailEnd type="none" w="med" len="med"/>
+                    </a:lnR>
+                    <a:lnT w="12700" cap="flat" cmpd="sng" algn="ctr">
+                      <a:solidFill>
+                        <a:schemeClr val="bg1">
+                          <a:lumMod val="65000"/>
+                        </a:schemeClr>
+                      </a:solidFill>
+                      <a:prstDash val="solid"/>
+                      <a:round/>
+                      <a:headEnd type="none" w="med" len="med"/>
+                      <a:tailEnd type="none" w="med" len="med"/>
+                    </a:lnT>
+                    <a:lnB w="12700" cap="flat" cmpd="sng" algn="ctr">
+                      <a:solidFill>
+                        <a:schemeClr val="bg1">
+                          <a:lumMod val="65000"/>
+                        </a:schemeClr>
+                      </a:solidFill>
+                      <a:prstDash val="solid"/>
+                      <a:round/>
+                      <a:headEnd type="none" w="med" len="med"/>
+                      <a:tailEnd type="none" w="med" len="med"/>
+                    </a:lnB>
+                    <a:solidFill>
+                      <a:schemeClr val="bg1">
+                        <a:lumMod val="50000"/>
+                      </a:schemeClr>
+                    </a:solidFill>
+                  </a:tcPr>
+                </a:tc>
+                <a:tc>
+                  <a:txBody>
+                    <a:bodyPr/>
+                    <a:lstStyle/>
+                    <a:p>
+                      <a:pPr latinLnBrk="1"/>
+                      <a:endParaRPr lang="ko-KR" altLang="en-US" sz="2500" dirty="0"/>
+                    </a:p>
+                  </a:txBody>
+                  <a:tcPr marL="129342" marR="129342" marT="64671" marB="64671">
+                    <a:lnL w="12700" cap="flat" cmpd="sng" algn="ctr">
+                      <a:solidFill>
+                        <a:schemeClr val="bg1">
+                          <a:lumMod val="65000"/>
+                        </a:schemeClr>
+                      </a:solidFill>
+                      <a:prstDash val="solid"/>
+                      <a:round/>
+                      <a:headEnd type="none" w="med" len="med"/>
+                      <a:tailEnd type="none" w="med" len="med"/>
+                    </a:lnL>
+                    <a:lnR w="12700" cap="flat" cmpd="sng" algn="ctr">
+                      <a:solidFill>
+                        <a:schemeClr val="bg1">
+                          <a:lumMod val="65000"/>
+                        </a:schemeClr>
+                      </a:solidFill>
+                      <a:prstDash val="solid"/>
+                      <a:round/>
+                      <a:headEnd type="none" w="med" len="med"/>
+                      <a:tailEnd type="none" w="med" len="med"/>
+                    </a:lnR>
+                    <a:lnT w="12700" cap="flat" cmpd="sng" algn="ctr">
+                      <a:solidFill>
+                        <a:schemeClr val="bg1">
+                          <a:lumMod val="65000"/>
+                        </a:schemeClr>
+                      </a:solidFill>
+                      <a:prstDash val="solid"/>
+                      <a:round/>
+                      <a:headEnd type="none" w="med" len="med"/>
+                      <a:tailEnd type="none" w="med" len="med"/>
+                    </a:lnT>
+                    <a:lnB w="12700" cap="flat" cmpd="sng" algn="ctr">
+                      <a:solidFill>
+                        <a:schemeClr val="bg1">
+                          <a:lumMod val="65000"/>
+                        </a:schemeClr>
+                      </a:solidFill>
+                      <a:prstDash val="solid"/>
+                      <a:round/>
+                      <a:headEnd type="none" w="med" len="med"/>
+                      <a:tailEnd type="none" w="med" len="med"/>
+                    </a:lnB>
+                    <a:solidFill>
+                      <a:schemeClr val="bg1">
+                        <a:lumMod val="50000"/>
+                      </a:schemeClr>
                     </a:solidFill>
                   </a:tcPr>
                 </a:tc>
@@ -12046,6 +15083,65 @@
                     <a:lstStyle/>
                     <a:p>
                       <a:pPr latinLnBrk="1"/>
+                      <a:endParaRPr lang="ko-KR" altLang="en-US" sz="2500"/>
+                    </a:p>
+                  </a:txBody>
+                  <a:tcPr marL="129342" marR="129342" marT="64671" marB="64671">
+                    <a:lnL w="12700" cap="flat" cmpd="sng" algn="ctr">
+                      <a:solidFill>
+                        <a:schemeClr val="bg1">
+                          <a:lumMod val="65000"/>
+                        </a:schemeClr>
+                      </a:solidFill>
+                      <a:prstDash val="solid"/>
+                      <a:round/>
+                      <a:headEnd type="none" w="med" len="med"/>
+                      <a:tailEnd type="none" w="med" len="med"/>
+                    </a:lnL>
+                    <a:lnR w="12700" cap="flat" cmpd="sng" algn="ctr">
+                      <a:solidFill>
+                        <a:schemeClr val="bg1">
+                          <a:lumMod val="65000"/>
+                        </a:schemeClr>
+                      </a:solidFill>
+                      <a:prstDash val="solid"/>
+                      <a:round/>
+                      <a:headEnd type="none" w="med" len="med"/>
+                      <a:tailEnd type="none" w="med" len="med"/>
+                    </a:lnR>
+                    <a:lnT w="12700" cap="flat" cmpd="sng" algn="ctr">
+                      <a:solidFill>
+                        <a:schemeClr val="bg1">
+                          <a:lumMod val="65000"/>
+                        </a:schemeClr>
+                      </a:solidFill>
+                      <a:prstDash val="solid"/>
+                      <a:round/>
+                      <a:headEnd type="none" w="med" len="med"/>
+                      <a:tailEnd type="none" w="med" len="med"/>
+                    </a:lnT>
+                    <a:lnB w="12700" cap="flat" cmpd="sng" algn="ctr">
+                      <a:solidFill>
+                        <a:schemeClr val="bg1">
+                          <a:lumMod val="65000"/>
+                        </a:schemeClr>
+                      </a:solidFill>
+                      <a:prstDash val="solid"/>
+                      <a:round/>
+                      <a:headEnd type="none" w="med" len="med"/>
+                      <a:tailEnd type="none" w="med" len="med"/>
+                    </a:lnB>
+                    <a:solidFill>
+                      <a:schemeClr val="bg1"/>
+                    </a:solidFill>
+                  </a:tcPr>
+                </a:tc>
+                <a:tc>
+                  <a:txBody>
+                    <a:bodyPr/>
+                    <a:lstStyle/>
+                    <a:p>
+                      <a:pPr latinLnBrk="1"/>
                       <a:endParaRPr lang="ko-KR" altLang="en-US" sz="2500" dirty="0"/>
                     </a:p>
                   </a:txBody>
@@ -12156,67 +15252,6 @@
                       <a:tailEnd type="none" w="med" len="med"/>
                     </a:lnB>
                     <a:solidFill>
-                      <a:schemeClr val="bg1">
-                        <a:lumMod val="50000"/>
-                      </a:schemeClr>
-                    </a:solidFill>
-                  </a:tcPr>
-                </a:tc>
-                <a:tc>
-                  <a:txBody>
-                    <a:bodyPr/>
-                    <a:lstStyle/>
-                    <a:p>
-                      <a:pPr latinLnBrk="1"/>
-                      <a:endParaRPr lang="ko-KR" altLang="en-US" sz="2500" dirty="0"/>
-                    </a:p>
-                  </a:txBody>
-                  <a:tcPr marL="129342" marR="129342" marT="64671" marB="64671">
-                    <a:lnL w="12700" cap="flat" cmpd="sng" algn="ctr">
-                      <a:solidFill>
-                        <a:schemeClr val="bg1">
-                          <a:lumMod val="65000"/>
-                        </a:schemeClr>
-                      </a:solidFill>
-                      <a:prstDash val="solid"/>
-                      <a:round/>
-                      <a:headEnd type="none" w="med" len="med"/>
-                      <a:tailEnd type="none" w="med" len="med"/>
-                    </a:lnL>
-                    <a:lnR w="12700" cap="flat" cmpd="sng" algn="ctr">
-                      <a:solidFill>
-                        <a:schemeClr val="bg1">
-                          <a:lumMod val="65000"/>
-                        </a:schemeClr>
-                      </a:solidFill>
-                      <a:prstDash val="solid"/>
-                      <a:round/>
-                      <a:headEnd type="none" w="med" len="med"/>
-                      <a:tailEnd type="none" w="med" len="med"/>
-                    </a:lnR>
-                    <a:lnT w="12700" cap="flat" cmpd="sng" algn="ctr">
-                      <a:solidFill>
-                        <a:schemeClr val="bg1">
-                          <a:lumMod val="65000"/>
-                        </a:schemeClr>
-                      </a:solidFill>
-                      <a:prstDash val="solid"/>
-                      <a:round/>
-                      <a:headEnd type="none" w="med" len="med"/>
-                      <a:tailEnd type="none" w="med" len="med"/>
-                    </a:lnT>
-                    <a:lnB w="12700" cap="flat" cmpd="sng" algn="ctr">
-                      <a:solidFill>
-                        <a:schemeClr val="bg1">
-                          <a:lumMod val="65000"/>
-                        </a:schemeClr>
-                      </a:solidFill>
-                      <a:prstDash val="solid"/>
-                      <a:round/>
-                      <a:headEnd type="none" w="med" len="med"/>
-                      <a:tailEnd type="none" w="med" len="med"/>
-                    </a:lnB>
-                    <a:solidFill>
                       <a:schemeClr val="bg1"/>
                     </a:solidFill>
                   </a:tcPr>
@@ -12289,6 +15324,362 @@
                     <a:p>
                       <a:pPr latinLnBrk="1"/>
                       <a:endParaRPr lang="ko-KR" altLang="en-US" sz="2500" dirty="0"/>
+                    </a:p>
+                  </a:txBody>
+                  <a:tcPr marL="129342" marR="129342" marT="64671" marB="64671">
+                    <a:lnL w="12700" cap="flat" cmpd="sng" algn="ctr">
+                      <a:solidFill>
+                        <a:schemeClr val="bg1">
+                          <a:lumMod val="65000"/>
+                        </a:schemeClr>
+                      </a:solidFill>
+                      <a:prstDash val="solid"/>
+                      <a:round/>
+                      <a:headEnd type="none" w="med" len="med"/>
+                      <a:tailEnd type="none" w="med" len="med"/>
+                    </a:lnL>
+                    <a:lnR w="12700" cap="flat" cmpd="sng" algn="ctr">
+                      <a:solidFill>
+                        <a:schemeClr val="bg1">
+                          <a:lumMod val="65000"/>
+                        </a:schemeClr>
+                      </a:solidFill>
+                      <a:prstDash val="solid"/>
+                      <a:round/>
+                      <a:headEnd type="none" w="med" len="med"/>
+                      <a:tailEnd type="none" w="med" len="med"/>
+                    </a:lnR>
+                    <a:lnT w="12700" cap="flat" cmpd="sng" algn="ctr">
+                      <a:solidFill>
+                        <a:schemeClr val="bg1">
+                          <a:lumMod val="65000"/>
+                        </a:schemeClr>
+                      </a:solidFill>
+                      <a:prstDash val="solid"/>
+                      <a:round/>
+                      <a:headEnd type="none" w="med" len="med"/>
+                      <a:tailEnd type="none" w="med" len="med"/>
+                    </a:lnT>
+                    <a:lnB w="12700" cap="flat" cmpd="sng" algn="ctr">
+                      <a:solidFill>
+                        <a:schemeClr val="bg1">
+                          <a:lumMod val="65000"/>
+                        </a:schemeClr>
+                      </a:solidFill>
+                      <a:prstDash val="solid"/>
+                      <a:round/>
+                      <a:headEnd type="none" w="med" len="med"/>
+                      <a:tailEnd type="none" w="med" len="med"/>
+                    </a:lnB>
+                    <a:solidFill>
+                      <a:schemeClr val="bg1"/>
+                    </a:solidFill>
+                  </a:tcPr>
+                </a:tc>
+                <a:tc>
+                  <a:txBody>
+                    <a:bodyPr/>
+                    <a:lstStyle/>
+                    <a:p>
+                      <a:pPr latinLnBrk="1"/>
+                      <a:endParaRPr lang="ko-KR" altLang="en-US" sz="2500" dirty="0"/>
+                    </a:p>
+                  </a:txBody>
+                  <a:tcPr marL="129342" marR="129342" marT="64671" marB="64671">
+                    <a:lnL w="12700" cap="flat" cmpd="sng" algn="ctr">
+                      <a:solidFill>
+                        <a:schemeClr val="bg1">
+                          <a:lumMod val="65000"/>
+                        </a:schemeClr>
+                      </a:solidFill>
+                      <a:prstDash val="solid"/>
+                      <a:round/>
+                      <a:headEnd type="none" w="med" len="med"/>
+                      <a:tailEnd type="none" w="med" len="med"/>
+                    </a:lnL>
+                    <a:lnR w="12700" cap="flat" cmpd="sng" algn="ctr">
+                      <a:solidFill>
+                        <a:schemeClr val="bg1">
+                          <a:lumMod val="65000"/>
+                        </a:schemeClr>
+                      </a:solidFill>
+                      <a:prstDash val="solid"/>
+                      <a:round/>
+                      <a:headEnd type="none" w="med" len="med"/>
+                      <a:tailEnd type="none" w="med" len="med"/>
+                    </a:lnR>
+                    <a:lnT w="12700" cap="flat" cmpd="sng" algn="ctr">
+                      <a:solidFill>
+                        <a:schemeClr val="bg1">
+                          <a:lumMod val="65000"/>
+                        </a:schemeClr>
+                      </a:solidFill>
+                      <a:prstDash val="solid"/>
+                      <a:round/>
+                      <a:headEnd type="none" w="med" len="med"/>
+                      <a:tailEnd type="none" w="med" len="med"/>
+                    </a:lnT>
+                    <a:lnB w="12700" cap="flat" cmpd="sng" algn="ctr">
+                      <a:solidFill>
+                        <a:schemeClr val="bg1">
+                          <a:lumMod val="65000"/>
+                        </a:schemeClr>
+                      </a:solidFill>
+                      <a:prstDash val="solid"/>
+                      <a:round/>
+                      <a:headEnd type="none" w="med" len="med"/>
+                      <a:tailEnd type="none" w="med" len="med"/>
+                    </a:lnB>
+                    <a:solidFill>
+                      <a:schemeClr val="bg1"/>
+                    </a:solidFill>
+                  </a:tcPr>
+                </a:tc>
+                <a:tc>
+                  <a:txBody>
+                    <a:bodyPr/>
+                    <a:lstStyle/>
+                    <a:p>
+                      <a:pPr latinLnBrk="1"/>
+                      <a:endParaRPr lang="ko-KR" altLang="en-US" sz="2500"/>
+                    </a:p>
+                  </a:txBody>
+                  <a:tcPr marL="129342" marR="129342" marT="64671" marB="64671">
+                    <a:lnL w="12700" cap="flat" cmpd="sng" algn="ctr">
+                      <a:solidFill>
+                        <a:schemeClr val="bg1">
+                          <a:lumMod val="65000"/>
+                        </a:schemeClr>
+                      </a:solidFill>
+                      <a:prstDash val="solid"/>
+                      <a:round/>
+                      <a:headEnd type="none" w="med" len="med"/>
+                      <a:tailEnd type="none" w="med" len="med"/>
+                    </a:lnL>
+                    <a:lnR w="12700" cap="flat" cmpd="sng" algn="ctr">
+                      <a:solidFill>
+                        <a:schemeClr val="bg1">
+                          <a:lumMod val="65000"/>
+                        </a:schemeClr>
+                      </a:solidFill>
+                      <a:prstDash val="solid"/>
+                      <a:round/>
+                      <a:headEnd type="none" w="med" len="med"/>
+                      <a:tailEnd type="none" w="med" len="med"/>
+                    </a:lnR>
+                    <a:lnT w="12700" cap="flat" cmpd="sng" algn="ctr">
+                      <a:solidFill>
+                        <a:schemeClr val="bg1">
+                          <a:lumMod val="65000"/>
+                        </a:schemeClr>
+                      </a:solidFill>
+                      <a:prstDash val="solid"/>
+                      <a:round/>
+                      <a:headEnd type="none" w="med" len="med"/>
+                      <a:tailEnd type="none" w="med" len="med"/>
+                    </a:lnT>
+                    <a:lnB w="12700" cap="flat" cmpd="sng" algn="ctr">
+                      <a:solidFill>
+                        <a:schemeClr val="bg1">
+                          <a:lumMod val="65000"/>
+                        </a:schemeClr>
+                      </a:solidFill>
+                      <a:prstDash val="solid"/>
+                      <a:round/>
+                      <a:headEnd type="none" w="med" len="med"/>
+                      <a:tailEnd type="none" w="med" len="med"/>
+                    </a:lnB>
+                    <a:solidFill>
+                      <a:schemeClr val="bg1"/>
+                    </a:solidFill>
+                  </a:tcPr>
+                </a:tc>
+                <a:tc>
+                  <a:txBody>
+                    <a:bodyPr/>
+                    <a:lstStyle/>
+                    <a:p>
+                      <a:pPr latinLnBrk="1"/>
+                      <a:endParaRPr lang="ko-KR" altLang="en-US" sz="2500"/>
+                    </a:p>
+                  </a:txBody>
+                  <a:tcPr marL="129342" marR="129342" marT="64671" marB="64671">
+                    <a:lnL w="12700" cap="flat" cmpd="sng" algn="ctr">
+                      <a:solidFill>
+                        <a:schemeClr val="bg1">
+                          <a:lumMod val="65000"/>
+                        </a:schemeClr>
+                      </a:solidFill>
+                      <a:prstDash val="solid"/>
+                      <a:round/>
+                      <a:headEnd type="none" w="med" len="med"/>
+                      <a:tailEnd type="none" w="med" len="med"/>
+                    </a:lnL>
+                    <a:lnR w="12700" cap="flat" cmpd="sng" algn="ctr">
+                      <a:solidFill>
+                        <a:schemeClr val="bg1">
+                          <a:lumMod val="65000"/>
+                        </a:schemeClr>
+                      </a:solidFill>
+                      <a:prstDash val="solid"/>
+                      <a:round/>
+                      <a:headEnd type="none" w="med" len="med"/>
+                      <a:tailEnd type="none" w="med" len="med"/>
+                    </a:lnR>
+                    <a:lnT w="12700" cap="flat" cmpd="sng" algn="ctr">
+                      <a:solidFill>
+                        <a:schemeClr val="bg1">
+                          <a:lumMod val="65000"/>
+                        </a:schemeClr>
+                      </a:solidFill>
+                      <a:prstDash val="solid"/>
+                      <a:round/>
+                      <a:headEnd type="none" w="med" len="med"/>
+                      <a:tailEnd type="none" w="med" len="med"/>
+                    </a:lnT>
+                    <a:lnB w="12700" cap="flat" cmpd="sng" algn="ctr">
+                      <a:solidFill>
+                        <a:schemeClr val="bg1">
+                          <a:lumMod val="65000"/>
+                        </a:schemeClr>
+                      </a:solidFill>
+                      <a:prstDash val="solid"/>
+                      <a:round/>
+                      <a:headEnd type="none" w="med" len="med"/>
+                      <a:tailEnd type="none" w="med" len="med"/>
+                    </a:lnB>
+                    <a:solidFill>
+                      <a:schemeClr val="bg1"/>
+                    </a:solidFill>
+                  </a:tcPr>
+                </a:tc>
+                <a:tc>
+                  <a:txBody>
+                    <a:bodyPr/>
+                    <a:lstStyle/>
+                    <a:p>
+                      <a:pPr latinLnBrk="1"/>
+                      <a:endParaRPr lang="ko-KR" altLang="en-US" sz="2500" dirty="0"/>
+                    </a:p>
+                  </a:txBody>
+                  <a:tcPr marL="129342" marR="129342" marT="64671" marB="64671">
+                    <a:lnL w="12700" cap="flat" cmpd="sng" algn="ctr">
+                      <a:solidFill>
+                        <a:schemeClr val="bg1">
+                          <a:lumMod val="65000"/>
+                        </a:schemeClr>
+                      </a:solidFill>
+                      <a:prstDash val="solid"/>
+                      <a:round/>
+                      <a:headEnd type="none" w="med" len="med"/>
+                      <a:tailEnd type="none" w="med" len="med"/>
+                    </a:lnL>
+                    <a:lnR w="12700" cap="flat" cmpd="sng" algn="ctr">
+                      <a:solidFill>
+                        <a:schemeClr val="bg1">
+                          <a:lumMod val="65000"/>
+                        </a:schemeClr>
+                      </a:solidFill>
+                      <a:prstDash val="solid"/>
+                      <a:round/>
+                      <a:headEnd type="none" w="med" len="med"/>
+                      <a:tailEnd type="none" w="med" len="med"/>
+                    </a:lnR>
+                    <a:lnT w="12700" cap="flat" cmpd="sng" algn="ctr">
+                      <a:solidFill>
+                        <a:schemeClr val="bg1">
+                          <a:lumMod val="65000"/>
+                        </a:schemeClr>
+                      </a:solidFill>
+                      <a:prstDash val="solid"/>
+                      <a:round/>
+                      <a:headEnd type="none" w="med" len="med"/>
+                      <a:tailEnd type="none" w="med" len="med"/>
+                    </a:lnT>
+                    <a:lnB w="12700" cap="flat" cmpd="sng" algn="ctr">
+                      <a:solidFill>
+                        <a:schemeClr val="bg1">
+                          <a:lumMod val="65000"/>
+                        </a:schemeClr>
+                      </a:solidFill>
+                      <a:prstDash val="solid"/>
+                      <a:round/>
+                      <a:headEnd type="none" w="med" len="med"/>
+                      <a:tailEnd type="none" w="med" len="med"/>
+                    </a:lnB>
+                    <a:solidFill>
+                      <a:schemeClr val="bg1"/>
+                    </a:solidFill>
+                  </a:tcPr>
+                </a:tc>
+                <a:tc>
+                  <a:txBody>
+                    <a:bodyPr/>
+                    <a:lstStyle/>
+                    <a:p>
+                      <a:pPr latinLnBrk="1"/>
+                      <a:endParaRPr lang="ko-KR" altLang="en-US" sz="2500" dirty="0"/>
+                    </a:p>
+                  </a:txBody>
+                  <a:tcPr marL="129342" marR="129342" marT="64671" marB="64671">
+                    <a:lnL w="12700" cap="flat" cmpd="sng" algn="ctr">
+                      <a:solidFill>
+                        <a:schemeClr val="bg1">
+                          <a:lumMod val="65000"/>
+                        </a:schemeClr>
+                      </a:solidFill>
+                      <a:prstDash val="solid"/>
+                      <a:round/>
+                      <a:headEnd type="none" w="med" len="med"/>
+                      <a:tailEnd type="none" w="med" len="med"/>
+                    </a:lnL>
+                    <a:lnR w="12700" cap="flat" cmpd="sng" algn="ctr">
+                      <a:solidFill>
+                        <a:schemeClr val="bg1">
+                          <a:lumMod val="65000"/>
+                        </a:schemeClr>
+                      </a:solidFill>
+                      <a:prstDash val="solid"/>
+                      <a:round/>
+                      <a:headEnd type="none" w="med" len="med"/>
+                      <a:tailEnd type="none" w="med" len="med"/>
+                    </a:lnR>
+                    <a:lnT w="12700" cap="flat" cmpd="sng" algn="ctr">
+                      <a:solidFill>
+                        <a:schemeClr val="bg1">
+                          <a:lumMod val="65000"/>
+                        </a:schemeClr>
+                      </a:solidFill>
+                      <a:prstDash val="solid"/>
+                      <a:round/>
+                      <a:headEnd type="none" w="med" len="med"/>
+                      <a:tailEnd type="none" w="med" len="med"/>
+                    </a:lnT>
+                    <a:lnB w="12700" cap="flat" cmpd="sng" algn="ctr">
+                      <a:solidFill>
+                        <a:schemeClr val="bg1">
+                          <a:lumMod val="65000"/>
+                        </a:schemeClr>
+                      </a:solidFill>
+                      <a:prstDash val="solid"/>
+                      <a:round/>
+                      <a:headEnd type="none" w="med" len="med"/>
+                      <a:tailEnd type="none" w="med" len="med"/>
+                    </a:lnB>
+                    <a:solidFill>
+                      <a:schemeClr val="bg1">
+                        <a:lumMod val="50000"/>
+                      </a:schemeClr>
+                    </a:solidFill>
+                  </a:tcPr>
+                </a:tc>
+                <a:tc>
+                  <a:txBody>
+                    <a:bodyPr/>
+                    <a:lstStyle/>
+                    <a:p>
+                      <a:pPr latinLnBrk="1"/>
+                      <a:endParaRPr lang="ko-KR" altLang="en-US" sz="2500"/>
                     </a:p>
                   </a:txBody>
                   <a:tcPr marL="129342" marR="129342" marT="64671" marB="64671">
@@ -12354,7 +15745,7 @@
                     <a:lstStyle/>
                     <a:p>
                       <a:pPr latinLnBrk="1"/>
-                      <a:endParaRPr lang="ko-KR" altLang="en-US" sz="2500" dirty="0"/>
+                      <a:endParaRPr lang="ko-KR" altLang="en-US" sz="2500"/>
                     </a:p>
                   </a:txBody>
                   <a:tcPr marL="129342" marR="129342" marT="64671" marB="64671">
@@ -12462,7 +15853,131 @@
                       <a:tailEnd type="none" w="med" len="med"/>
                     </a:lnB>
                     <a:solidFill>
-                      <a:schemeClr val="bg1"/>
+                      <a:schemeClr val="bg1">
+                        <a:lumMod val="50000"/>
+                      </a:schemeClr>
+                    </a:solidFill>
+                  </a:tcPr>
+                </a:tc>
+                <a:tc>
+                  <a:txBody>
+                    <a:bodyPr/>
+                    <a:lstStyle/>
+                    <a:p>
+                      <a:pPr latinLnBrk="1"/>
+                      <a:endParaRPr lang="ko-KR" altLang="en-US" sz="2500" dirty="0"/>
+                    </a:p>
+                  </a:txBody>
+                  <a:tcPr marL="129342" marR="129342" marT="64671" marB="64671">
+                    <a:lnL w="12700" cap="flat" cmpd="sng" algn="ctr">
+                      <a:solidFill>
+                        <a:schemeClr val="bg1">
+                          <a:lumMod val="65000"/>
+                        </a:schemeClr>
+                      </a:solidFill>
+                      <a:prstDash val="solid"/>
+                      <a:round/>
+                      <a:headEnd type="none" w="med" len="med"/>
+                      <a:tailEnd type="none" w="med" len="med"/>
+                    </a:lnL>
+                    <a:lnR w="12700" cap="flat" cmpd="sng" algn="ctr">
+                      <a:solidFill>
+                        <a:schemeClr val="bg1">
+                          <a:lumMod val="65000"/>
+                        </a:schemeClr>
+                      </a:solidFill>
+                      <a:prstDash val="solid"/>
+                      <a:round/>
+                      <a:headEnd type="none" w="med" len="med"/>
+                      <a:tailEnd type="none" w="med" len="med"/>
+                    </a:lnR>
+                    <a:lnT w="12700" cap="flat" cmpd="sng" algn="ctr">
+                      <a:solidFill>
+                        <a:schemeClr val="bg1">
+                          <a:lumMod val="65000"/>
+                        </a:schemeClr>
+                      </a:solidFill>
+                      <a:prstDash val="solid"/>
+                      <a:round/>
+                      <a:headEnd type="none" w="med" len="med"/>
+                      <a:tailEnd type="none" w="med" len="med"/>
+                    </a:lnT>
+                    <a:lnB w="12700" cap="flat" cmpd="sng" algn="ctr">
+                      <a:solidFill>
+                        <a:schemeClr val="bg1">
+                          <a:lumMod val="65000"/>
+                        </a:schemeClr>
+                      </a:solidFill>
+                      <a:prstDash val="solid"/>
+                      <a:round/>
+                      <a:headEnd type="none" w="med" len="med"/>
+                      <a:tailEnd type="none" w="med" len="med"/>
+                    </a:lnB>
+                    <a:solidFill>
+                      <a:schemeClr val="bg1">
+                        <a:lumMod val="50000"/>
+                      </a:schemeClr>
+                    </a:solidFill>
+                  </a:tcPr>
+                </a:tc>
+                <a:tc>
+                  <a:txBody>
+                    <a:bodyPr/>
+                    <a:lstStyle/>
+                    <a:p>
+                      <a:pPr latinLnBrk="1"/>
+                      <a:endParaRPr lang="ko-KR" altLang="en-US" sz="2500" dirty="0"/>
+                    </a:p>
+                  </a:txBody>
+                  <a:tcPr marL="129342" marR="129342" marT="64671" marB="64671">
+                    <a:lnL w="12700" cap="flat" cmpd="sng" algn="ctr">
+                      <a:solidFill>
+                        <a:schemeClr val="bg1">
+                          <a:lumMod val="65000"/>
+                        </a:schemeClr>
+                      </a:solidFill>
+                      <a:prstDash val="solid"/>
+                      <a:round/>
+                      <a:headEnd type="none" w="med" len="med"/>
+                      <a:tailEnd type="none" w="med" len="med"/>
+                    </a:lnL>
+                    <a:lnR w="12700" cap="flat" cmpd="sng" algn="ctr">
+                      <a:solidFill>
+                        <a:schemeClr val="bg1">
+                          <a:lumMod val="65000"/>
+                        </a:schemeClr>
+                      </a:solidFill>
+                      <a:prstDash val="solid"/>
+                      <a:round/>
+                      <a:headEnd type="none" w="med" len="med"/>
+                      <a:tailEnd type="none" w="med" len="med"/>
+                    </a:lnR>
+                    <a:lnT w="12700" cap="flat" cmpd="sng" algn="ctr">
+                      <a:solidFill>
+                        <a:schemeClr val="bg1">
+                          <a:lumMod val="65000"/>
+                        </a:schemeClr>
+                      </a:solidFill>
+                      <a:prstDash val="solid"/>
+                      <a:round/>
+                      <a:headEnd type="none" w="med" len="med"/>
+                      <a:tailEnd type="none" w="med" len="med"/>
+                    </a:lnT>
+                    <a:lnB w="12700" cap="flat" cmpd="sng" algn="ctr">
+                      <a:solidFill>
+                        <a:schemeClr val="bg1">
+                          <a:lumMod val="65000"/>
+                        </a:schemeClr>
+                      </a:solidFill>
+                      <a:prstDash val="solid"/>
+                      <a:round/>
+                      <a:headEnd type="none" w="med" len="med"/>
+                      <a:tailEnd type="none" w="med" len="med"/>
+                    </a:lnB>
+                    <a:solidFill>
+                      <a:schemeClr val="bg1">
+                        <a:lumMod val="50000"/>
+                      </a:schemeClr>
                     </a:solidFill>
                   </a:tcPr>
                 </a:tc>
@@ -12580,7 +16095,9 @@
                       <a:tailEnd type="none" w="med" len="med"/>
                     </a:lnB>
                     <a:solidFill>
-                      <a:schemeClr val="bg1"/>
+                      <a:schemeClr val="bg1">
+                        <a:lumMod val="50000"/>
+                      </a:schemeClr>
                     </a:solidFill>
                   </a:tcPr>
                 </a:tc>
@@ -12590,7 +16107,7 @@
                     <a:lstStyle/>
                     <a:p>
                       <a:pPr latinLnBrk="1"/>
-                      <a:endParaRPr lang="ko-KR" altLang="en-US" sz="2500" dirty="0"/>
+                      <a:endParaRPr lang="ko-KR" altLang="en-US" sz="2500"/>
                     </a:p>
                   </a:txBody>
                   <a:tcPr marL="129342" marR="129342" marT="64671" marB="64671">
@@ -12643,9 +16160,4227 @@
                     </a:solidFill>
                   </a:tcPr>
                 </a:tc>
+                <a:tc>
+                  <a:txBody>
+                    <a:bodyPr/>
+                    <a:lstStyle/>
+                    <a:p>
+                      <a:pPr latinLnBrk="1"/>
+                      <a:endParaRPr lang="ko-KR" altLang="en-US" sz="2500" dirty="0"/>
+                    </a:p>
+                  </a:txBody>
+                  <a:tcPr marL="129342" marR="129342" marT="64671" marB="64671">
+                    <a:lnL w="12700" cap="flat" cmpd="sng" algn="ctr">
+                      <a:solidFill>
+                        <a:schemeClr val="bg1">
+                          <a:lumMod val="65000"/>
+                        </a:schemeClr>
+                      </a:solidFill>
+                      <a:prstDash val="solid"/>
+                      <a:round/>
+                      <a:headEnd type="none" w="med" len="med"/>
+                      <a:tailEnd type="none" w="med" len="med"/>
+                    </a:lnL>
+                    <a:lnR w="12700" cap="flat" cmpd="sng" algn="ctr">
+                      <a:solidFill>
+                        <a:schemeClr val="bg1">
+                          <a:lumMod val="65000"/>
+                        </a:schemeClr>
+                      </a:solidFill>
+                      <a:prstDash val="solid"/>
+                      <a:round/>
+                      <a:headEnd type="none" w="med" len="med"/>
+                      <a:tailEnd type="none" w="med" len="med"/>
+                    </a:lnR>
+                    <a:lnT w="12700" cap="flat" cmpd="sng" algn="ctr">
+                      <a:solidFill>
+                        <a:schemeClr val="bg1">
+                          <a:lumMod val="65000"/>
+                        </a:schemeClr>
+                      </a:solidFill>
+                      <a:prstDash val="solid"/>
+                      <a:round/>
+                      <a:headEnd type="none" w="med" len="med"/>
+                      <a:tailEnd type="none" w="med" len="med"/>
+                    </a:lnT>
+                    <a:lnB w="12700" cap="flat" cmpd="sng" algn="ctr">
+                      <a:solidFill>
+                        <a:schemeClr val="bg1">
+                          <a:lumMod val="65000"/>
+                        </a:schemeClr>
+                      </a:solidFill>
+                      <a:prstDash val="solid"/>
+                      <a:round/>
+                      <a:headEnd type="none" w="med" len="med"/>
+                      <a:tailEnd type="none" w="med" len="med"/>
+                    </a:lnB>
+                    <a:solidFill>
+                      <a:schemeClr val="bg1">
+                        <a:lumMod val="50000"/>
+                      </a:schemeClr>
+                    </a:solidFill>
+                  </a:tcPr>
+                </a:tc>
+                <a:tc>
+                  <a:txBody>
+                    <a:bodyPr/>
+                    <a:lstStyle/>
+                    <a:p>
+                      <a:pPr latinLnBrk="1"/>
+                      <a:endParaRPr lang="ko-KR" altLang="en-US" sz="2500" dirty="0"/>
+                    </a:p>
+                  </a:txBody>
+                  <a:tcPr marL="129342" marR="129342" marT="64671" marB="64671">
+                    <a:lnL w="12700" cap="flat" cmpd="sng" algn="ctr">
+                      <a:solidFill>
+                        <a:schemeClr val="bg1">
+                          <a:lumMod val="65000"/>
+                        </a:schemeClr>
+                      </a:solidFill>
+                      <a:prstDash val="solid"/>
+                      <a:round/>
+                      <a:headEnd type="none" w="med" len="med"/>
+                      <a:tailEnd type="none" w="med" len="med"/>
+                    </a:lnL>
+                    <a:lnR w="12700" cap="flat" cmpd="sng" algn="ctr">
+                      <a:solidFill>
+                        <a:schemeClr val="bg1">
+                          <a:lumMod val="65000"/>
+                        </a:schemeClr>
+                      </a:solidFill>
+                      <a:prstDash val="solid"/>
+                      <a:round/>
+                      <a:headEnd type="none" w="med" len="med"/>
+                      <a:tailEnd type="none" w="med" len="med"/>
+                    </a:lnR>
+                    <a:lnT w="12700" cap="flat" cmpd="sng" algn="ctr">
+                      <a:solidFill>
+                        <a:schemeClr val="bg1">
+                          <a:lumMod val="65000"/>
+                        </a:schemeClr>
+                      </a:solidFill>
+                      <a:prstDash val="solid"/>
+                      <a:round/>
+                      <a:headEnd type="none" w="med" len="med"/>
+                      <a:tailEnd type="none" w="med" len="med"/>
+                    </a:lnT>
+                    <a:lnB w="12700" cap="flat" cmpd="sng" algn="ctr">
+                      <a:solidFill>
+                        <a:schemeClr val="bg1">
+                          <a:lumMod val="65000"/>
+                        </a:schemeClr>
+                      </a:solidFill>
+                      <a:prstDash val="solid"/>
+                      <a:round/>
+                      <a:headEnd type="none" w="med" len="med"/>
+                      <a:tailEnd type="none" w="med" len="med"/>
+                    </a:lnB>
+                    <a:solidFill>
+                      <a:schemeClr val="bg1">
+                        <a:lumMod val="50000"/>
+                      </a:schemeClr>
+                    </a:solidFill>
+                  </a:tcPr>
+                </a:tc>
+                <a:tc>
+                  <a:txBody>
+                    <a:bodyPr/>
+                    <a:lstStyle/>
+                    <a:p>
+                      <a:pPr latinLnBrk="1"/>
+                      <a:endParaRPr lang="ko-KR" altLang="en-US" sz="2500" dirty="0"/>
+                    </a:p>
+                  </a:txBody>
+                  <a:tcPr marL="129342" marR="129342" marT="64671" marB="64671">
+                    <a:lnL w="12700" cap="flat" cmpd="sng" algn="ctr">
+                      <a:solidFill>
+                        <a:schemeClr val="bg1">
+                          <a:lumMod val="65000"/>
+                        </a:schemeClr>
+                      </a:solidFill>
+                      <a:prstDash val="solid"/>
+                      <a:round/>
+                      <a:headEnd type="none" w="med" len="med"/>
+                      <a:tailEnd type="none" w="med" len="med"/>
+                    </a:lnL>
+                    <a:lnR w="12700" cap="flat" cmpd="sng" algn="ctr">
+                      <a:solidFill>
+                        <a:schemeClr val="bg1">
+                          <a:lumMod val="65000"/>
+                        </a:schemeClr>
+                      </a:solidFill>
+                      <a:prstDash val="solid"/>
+                      <a:round/>
+                      <a:headEnd type="none" w="med" len="med"/>
+                      <a:tailEnd type="none" w="med" len="med"/>
+                    </a:lnR>
+                    <a:lnT w="12700" cap="flat" cmpd="sng" algn="ctr">
+                      <a:solidFill>
+                        <a:schemeClr val="bg1">
+                          <a:lumMod val="65000"/>
+                        </a:schemeClr>
+                      </a:solidFill>
+                      <a:prstDash val="solid"/>
+                      <a:round/>
+                      <a:headEnd type="none" w="med" len="med"/>
+                      <a:tailEnd type="none" w="med" len="med"/>
+                    </a:lnT>
+                    <a:lnB w="12700" cap="flat" cmpd="sng" algn="ctr">
+                      <a:solidFill>
+                        <a:schemeClr val="bg1">
+                          <a:lumMod val="65000"/>
+                        </a:schemeClr>
+                      </a:solidFill>
+                      <a:prstDash val="solid"/>
+                      <a:round/>
+                      <a:headEnd type="none" w="med" len="med"/>
+                      <a:tailEnd type="none" w="med" len="med"/>
+                    </a:lnB>
+                    <a:solidFill>
+                      <a:schemeClr val="bg1">
+                        <a:lumMod val="50000"/>
+                      </a:schemeClr>
+                    </a:solidFill>
+                  </a:tcPr>
+                </a:tc>
+                <a:tc>
+                  <a:txBody>
+                    <a:bodyPr/>
+                    <a:lstStyle/>
+                    <a:p>
+                      <a:pPr latinLnBrk="1"/>
+                      <a:endParaRPr lang="ko-KR" altLang="en-US" sz="2500" dirty="0"/>
+                    </a:p>
+                  </a:txBody>
+                  <a:tcPr marL="129342" marR="129342" marT="64671" marB="64671">
+                    <a:lnL w="12700" cap="flat" cmpd="sng" algn="ctr">
+                      <a:solidFill>
+                        <a:schemeClr val="bg1">
+                          <a:lumMod val="65000"/>
+                        </a:schemeClr>
+                      </a:solidFill>
+                      <a:prstDash val="solid"/>
+                      <a:round/>
+                      <a:headEnd type="none" w="med" len="med"/>
+                      <a:tailEnd type="none" w="med" len="med"/>
+                    </a:lnL>
+                    <a:lnR w="12700" cap="flat" cmpd="sng" algn="ctr">
+                      <a:solidFill>
+                        <a:schemeClr val="bg1">
+                          <a:lumMod val="65000"/>
+                        </a:schemeClr>
+                      </a:solidFill>
+                      <a:prstDash val="solid"/>
+                      <a:round/>
+                      <a:headEnd type="none" w="med" len="med"/>
+                      <a:tailEnd type="none" w="med" len="med"/>
+                    </a:lnR>
+                    <a:lnT w="12700" cap="flat" cmpd="sng" algn="ctr">
+                      <a:solidFill>
+                        <a:schemeClr val="bg1">
+                          <a:lumMod val="65000"/>
+                        </a:schemeClr>
+                      </a:solidFill>
+                      <a:prstDash val="solid"/>
+                      <a:round/>
+                      <a:headEnd type="none" w="med" len="med"/>
+                      <a:tailEnd type="none" w="med" len="med"/>
+                    </a:lnT>
+                    <a:lnB w="12700" cap="flat" cmpd="sng" algn="ctr">
+                      <a:solidFill>
+                        <a:schemeClr val="bg1">
+                          <a:lumMod val="65000"/>
+                        </a:schemeClr>
+                      </a:solidFill>
+                      <a:prstDash val="solid"/>
+                      <a:round/>
+                      <a:headEnd type="none" w="med" len="med"/>
+                      <a:tailEnd type="none" w="med" len="med"/>
+                    </a:lnB>
+                    <a:solidFill>
+                      <a:schemeClr val="bg1"/>
+                    </a:solidFill>
+                  </a:tcPr>
+                </a:tc>
                 <a:extLst>
                   <a:ext uri="{0D108BD9-81ED-4DB2-BD59-A6C34878D82A}">
                     <a16:rowId xmlns:a16="http://schemas.microsoft.com/office/drawing/2014/main" val="572134368"/>
+                  </a:ext>
+                </a:extLst>
+              </a:tr>
+              <a:tr h="524555">
+                <a:tc>
+                  <a:txBody>
+                    <a:bodyPr/>
+                    <a:lstStyle/>
+                    <a:p>
+                      <a:pPr latinLnBrk="1"/>
+                      <a:endParaRPr lang="ko-KR" altLang="en-US" sz="2500"/>
+                    </a:p>
+                  </a:txBody>
+                  <a:tcPr marL="129342" marR="129342" marT="64671" marB="64671">
+                    <a:lnL w="12700" cap="flat" cmpd="sng" algn="ctr">
+                      <a:solidFill>
+                        <a:schemeClr val="bg1">
+                          <a:lumMod val="65000"/>
+                        </a:schemeClr>
+                      </a:solidFill>
+                      <a:prstDash val="solid"/>
+                      <a:round/>
+                      <a:headEnd type="none" w="med" len="med"/>
+                      <a:tailEnd type="none" w="med" len="med"/>
+                    </a:lnL>
+                    <a:lnR w="12700" cap="flat" cmpd="sng" algn="ctr">
+                      <a:solidFill>
+                        <a:schemeClr val="bg1">
+                          <a:lumMod val="65000"/>
+                        </a:schemeClr>
+                      </a:solidFill>
+                      <a:prstDash val="solid"/>
+                      <a:round/>
+                      <a:headEnd type="none" w="med" len="med"/>
+                      <a:tailEnd type="none" w="med" len="med"/>
+                    </a:lnR>
+                    <a:lnT w="12700" cap="flat" cmpd="sng" algn="ctr">
+                      <a:solidFill>
+                        <a:schemeClr val="bg1">
+                          <a:lumMod val="65000"/>
+                        </a:schemeClr>
+                      </a:solidFill>
+                      <a:prstDash val="solid"/>
+                      <a:round/>
+                      <a:headEnd type="none" w="med" len="med"/>
+                      <a:tailEnd type="none" w="med" len="med"/>
+                    </a:lnT>
+                    <a:lnB w="12700" cap="flat" cmpd="sng" algn="ctr">
+                      <a:solidFill>
+                        <a:schemeClr val="bg1">
+                          <a:lumMod val="65000"/>
+                        </a:schemeClr>
+                      </a:solidFill>
+                      <a:prstDash val="solid"/>
+                      <a:round/>
+                      <a:headEnd type="none" w="med" len="med"/>
+                      <a:tailEnd type="none" w="med" len="med"/>
+                    </a:lnB>
+                    <a:solidFill>
+                      <a:schemeClr val="bg1"/>
+                    </a:solidFill>
+                  </a:tcPr>
+                </a:tc>
+                <a:tc>
+                  <a:txBody>
+                    <a:bodyPr/>
+                    <a:lstStyle/>
+                    <a:p>
+                      <a:pPr latinLnBrk="1"/>
+                      <a:endParaRPr lang="ko-KR" altLang="en-US" sz="2500" dirty="0"/>
+                    </a:p>
+                  </a:txBody>
+                  <a:tcPr marL="129342" marR="129342" marT="64671" marB="64671">
+                    <a:lnL w="12700" cap="flat" cmpd="sng" algn="ctr">
+                      <a:solidFill>
+                        <a:schemeClr val="bg1">
+                          <a:lumMod val="65000"/>
+                        </a:schemeClr>
+                      </a:solidFill>
+                      <a:prstDash val="solid"/>
+                      <a:round/>
+                      <a:headEnd type="none" w="med" len="med"/>
+                      <a:tailEnd type="none" w="med" len="med"/>
+                    </a:lnL>
+                    <a:lnR w="12700" cap="flat" cmpd="sng" algn="ctr">
+                      <a:solidFill>
+                        <a:schemeClr val="bg1">
+                          <a:lumMod val="65000"/>
+                        </a:schemeClr>
+                      </a:solidFill>
+                      <a:prstDash val="solid"/>
+                      <a:round/>
+                      <a:headEnd type="none" w="med" len="med"/>
+                      <a:tailEnd type="none" w="med" len="med"/>
+                    </a:lnR>
+                    <a:lnT w="12700" cap="flat" cmpd="sng" algn="ctr">
+                      <a:solidFill>
+                        <a:schemeClr val="bg1">
+                          <a:lumMod val="65000"/>
+                        </a:schemeClr>
+                      </a:solidFill>
+                      <a:prstDash val="solid"/>
+                      <a:round/>
+                      <a:headEnd type="none" w="med" len="med"/>
+                      <a:tailEnd type="none" w="med" len="med"/>
+                    </a:lnT>
+                    <a:lnB w="12700" cap="flat" cmpd="sng" algn="ctr">
+                      <a:solidFill>
+                        <a:schemeClr val="bg1">
+                          <a:lumMod val="65000"/>
+                        </a:schemeClr>
+                      </a:solidFill>
+                      <a:prstDash val="solid"/>
+                      <a:round/>
+                      <a:headEnd type="none" w="med" len="med"/>
+                      <a:tailEnd type="none" w="med" len="med"/>
+                    </a:lnB>
+                    <a:solidFill>
+                      <a:schemeClr val="bg1"/>
+                    </a:solidFill>
+                  </a:tcPr>
+                </a:tc>
+                <a:tc>
+                  <a:txBody>
+                    <a:bodyPr/>
+                    <a:lstStyle/>
+                    <a:p>
+                      <a:pPr latinLnBrk="1"/>
+                      <a:endParaRPr lang="ko-KR" altLang="en-US" sz="2500" dirty="0"/>
+                    </a:p>
+                  </a:txBody>
+                  <a:tcPr marL="129342" marR="129342" marT="64671" marB="64671">
+                    <a:lnL w="12700" cap="flat" cmpd="sng" algn="ctr">
+                      <a:solidFill>
+                        <a:schemeClr val="bg1">
+                          <a:lumMod val="65000"/>
+                        </a:schemeClr>
+                      </a:solidFill>
+                      <a:prstDash val="solid"/>
+                      <a:round/>
+                      <a:headEnd type="none" w="med" len="med"/>
+                      <a:tailEnd type="none" w="med" len="med"/>
+                    </a:lnL>
+                    <a:lnR w="12700" cap="flat" cmpd="sng" algn="ctr">
+                      <a:solidFill>
+                        <a:schemeClr val="bg1">
+                          <a:lumMod val="65000"/>
+                        </a:schemeClr>
+                      </a:solidFill>
+                      <a:prstDash val="solid"/>
+                      <a:round/>
+                      <a:headEnd type="none" w="med" len="med"/>
+                      <a:tailEnd type="none" w="med" len="med"/>
+                    </a:lnR>
+                    <a:lnT w="12700" cap="flat" cmpd="sng" algn="ctr">
+                      <a:solidFill>
+                        <a:schemeClr val="bg1">
+                          <a:lumMod val="65000"/>
+                        </a:schemeClr>
+                      </a:solidFill>
+                      <a:prstDash val="solid"/>
+                      <a:round/>
+                      <a:headEnd type="none" w="med" len="med"/>
+                      <a:tailEnd type="none" w="med" len="med"/>
+                    </a:lnT>
+                    <a:lnB w="12700" cap="flat" cmpd="sng" algn="ctr">
+                      <a:solidFill>
+                        <a:schemeClr val="bg1">
+                          <a:lumMod val="65000"/>
+                        </a:schemeClr>
+                      </a:solidFill>
+                      <a:prstDash val="solid"/>
+                      <a:round/>
+                      <a:headEnd type="none" w="med" len="med"/>
+                      <a:tailEnd type="none" w="med" len="med"/>
+                    </a:lnB>
+                    <a:solidFill>
+                      <a:schemeClr val="bg1"/>
+                    </a:solidFill>
+                  </a:tcPr>
+                </a:tc>
+                <a:tc>
+                  <a:txBody>
+                    <a:bodyPr/>
+                    <a:lstStyle/>
+                    <a:p>
+                      <a:pPr latinLnBrk="1"/>
+                      <a:endParaRPr lang="ko-KR" altLang="en-US" sz="2500" dirty="0"/>
+                    </a:p>
+                  </a:txBody>
+                  <a:tcPr marL="129342" marR="129342" marT="64671" marB="64671">
+                    <a:lnL w="12700" cap="flat" cmpd="sng" algn="ctr">
+                      <a:solidFill>
+                        <a:schemeClr val="bg1">
+                          <a:lumMod val="65000"/>
+                        </a:schemeClr>
+                      </a:solidFill>
+                      <a:prstDash val="solid"/>
+                      <a:round/>
+                      <a:headEnd type="none" w="med" len="med"/>
+                      <a:tailEnd type="none" w="med" len="med"/>
+                    </a:lnL>
+                    <a:lnR w="12700" cap="flat" cmpd="sng" algn="ctr">
+                      <a:solidFill>
+                        <a:schemeClr val="bg1">
+                          <a:lumMod val="65000"/>
+                        </a:schemeClr>
+                      </a:solidFill>
+                      <a:prstDash val="solid"/>
+                      <a:round/>
+                      <a:headEnd type="none" w="med" len="med"/>
+                      <a:tailEnd type="none" w="med" len="med"/>
+                    </a:lnR>
+                    <a:lnT w="12700" cap="flat" cmpd="sng" algn="ctr">
+                      <a:solidFill>
+                        <a:schemeClr val="bg1">
+                          <a:lumMod val="65000"/>
+                        </a:schemeClr>
+                      </a:solidFill>
+                      <a:prstDash val="solid"/>
+                      <a:round/>
+                      <a:headEnd type="none" w="med" len="med"/>
+                      <a:tailEnd type="none" w="med" len="med"/>
+                    </a:lnT>
+                    <a:lnB w="12700" cap="flat" cmpd="sng" algn="ctr">
+                      <a:solidFill>
+                        <a:schemeClr val="bg1">
+                          <a:lumMod val="65000"/>
+                        </a:schemeClr>
+                      </a:solidFill>
+                      <a:prstDash val="solid"/>
+                      <a:round/>
+                      <a:headEnd type="none" w="med" len="med"/>
+                      <a:tailEnd type="none" w="med" len="med"/>
+                    </a:lnB>
+                    <a:solidFill>
+                      <a:schemeClr val="bg1"/>
+                    </a:solidFill>
+                  </a:tcPr>
+                </a:tc>
+                <a:tc>
+                  <a:txBody>
+                    <a:bodyPr/>
+                    <a:lstStyle/>
+                    <a:p>
+                      <a:pPr latinLnBrk="1"/>
+                      <a:endParaRPr lang="ko-KR" altLang="en-US" sz="2500" dirty="0"/>
+                    </a:p>
+                  </a:txBody>
+                  <a:tcPr marL="129342" marR="129342" marT="64671" marB="64671">
+                    <a:lnL w="12700" cap="flat" cmpd="sng" algn="ctr">
+                      <a:solidFill>
+                        <a:schemeClr val="bg1">
+                          <a:lumMod val="65000"/>
+                        </a:schemeClr>
+                      </a:solidFill>
+                      <a:prstDash val="solid"/>
+                      <a:round/>
+                      <a:headEnd type="none" w="med" len="med"/>
+                      <a:tailEnd type="none" w="med" len="med"/>
+                    </a:lnL>
+                    <a:lnR w="12700" cap="flat" cmpd="sng" algn="ctr">
+                      <a:solidFill>
+                        <a:schemeClr val="bg1">
+                          <a:lumMod val="65000"/>
+                        </a:schemeClr>
+                      </a:solidFill>
+                      <a:prstDash val="solid"/>
+                      <a:round/>
+                      <a:headEnd type="none" w="med" len="med"/>
+                      <a:tailEnd type="none" w="med" len="med"/>
+                    </a:lnR>
+                    <a:lnT w="12700" cap="flat" cmpd="sng" algn="ctr">
+                      <a:solidFill>
+                        <a:schemeClr val="bg1">
+                          <a:lumMod val="65000"/>
+                        </a:schemeClr>
+                      </a:solidFill>
+                      <a:prstDash val="solid"/>
+                      <a:round/>
+                      <a:headEnd type="none" w="med" len="med"/>
+                      <a:tailEnd type="none" w="med" len="med"/>
+                    </a:lnT>
+                    <a:lnB w="12700" cap="flat" cmpd="sng" algn="ctr">
+                      <a:solidFill>
+                        <a:schemeClr val="bg1">
+                          <a:lumMod val="65000"/>
+                        </a:schemeClr>
+                      </a:solidFill>
+                      <a:prstDash val="solid"/>
+                      <a:round/>
+                      <a:headEnd type="none" w="med" len="med"/>
+                      <a:tailEnd type="none" w="med" len="med"/>
+                    </a:lnB>
+                    <a:solidFill>
+                      <a:schemeClr val="bg1"/>
+                    </a:solidFill>
+                  </a:tcPr>
+                </a:tc>
+                <a:tc>
+                  <a:txBody>
+                    <a:bodyPr/>
+                    <a:lstStyle/>
+                    <a:p>
+                      <a:pPr latinLnBrk="1"/>
+                      <a:endParaRPr lang="ko-KR" altLang="en-US" sz="2500" dirty="0"/>
+                    </a:p>
+                  </a:txBody>
+                  <a:tcPr marL="129342" marR="129342" marT="64671" marB="64671">
+                    <a:lnL w="12700" cap="flat" cmpd="sng" algn="ctr">
+                      <a:solidFill>
+                        <a:schemeClr val="bg1">
+                          <a:lumMod val="65000"/>
+                        </a:schemeClr>
+                      </a:solidFill>
+                      <a:prstDash val="solid"/>
+                      <a:round/>
+                      <a:headEnd type="none" w="med" len="med"/>
+                      <a:tailEnd type="none" w="med" len="med"/>
+                    </a:lnL>
+                    <a:lnR w="12700" cap="flat" cmpd="sng" algn="ctr">
+                      <a:solidFill>
+                        <a:schemeClr val="bg1">
+                          <a:lumMod val="65000"/>
+                        </a:schemeClr>
+                      </a:solidFill>
+                      <a:prstDash val="solid"/>
+                      <a:round/>
+                      <a:headEnd type="none" w="med" len="med"/>
+                      <a:tailEnd type="none" w="med" len="med"/>
+                    </a:lnR>
+                    <a:lnT w="12700" cap="flat" cmpd="sng" algn="ctr">
+                      <a:solidFill>
+                        <a:schemeClr val="bg1">
+                          <a:lumMod val="65000"/>
+                        </a:schemeClr>
+                      </a:solidFill>
+                      <a:prstDash val="solid"/>
+                      <a:round/>
+                      <a:headEnd type="none" w="med" len="med"/>
+                      <a:tailEnd type="none" w="med" len="med"/>
+                    </a:lnT>
+                    <a:lnB w="12700" cap="flat" cmpd="sng" algn="ctr">
+                      <a:solidFill>
+                        <a:schemeClr val="bg1">
+                          <a:lumMod val="65000"/>
+                        </a:schemeClr>
+                      </a:solidFill>
+                      <a:prstDash val="solid"/>
+                      <a:round/>
+                      <a:headEnd type="none" w="med" len="med"/>
+                      <a:tailEnd type="none" w="med" len="med"/>
+                    </a:lnB>
+                    <a:solidFill>
+                      <a:schemeClr val="bg1">
+                        <a:lumMod val="50000"/>
+                      </a:schemeClr>
+                    </a:solidFill>
+                  </a:tcPr>
+                </a:tc>
+                <a:tc>
+                  <a:txBody>
+                    <a:bodyPr/>
+                    <a:lstStyle/>
+                    <a:p>
+                      <a:pPr latinLnBrk="1"/>
+                      <a:endParaRPr lang="ko-KR" altLang="en-US" sz="2500" dirty="0"/>
+                    </a:p>
+                  </a:txBody>
+                  <a:tcPr marL="129342" marR="129342" marT="64671" marB="64671">
+                    <a:lnL w="12700" cap="flat" cmpd="sng" algn="ctr">
+                      <a:solidFill>
+                        <a:schemeClr val="bg1">
+                          <a:lumMod val="65000"/>
+                        </a:schemeClr>
+                      </a:solidFill>
+                      <a:prstDash val="solid"/>
+                      <a:round/>
+                      <a:headEnd type="none" w="med" len="med"/>
+                      <a:tailEnd type="none" w="med" len="med"/>
+                    </a:lnL>
+                    <a:lnR w="12700" cap="flat" cmpd="sng" algn="ctr">
+                      <a:solidFill>
+                        <a:schemeClr val="bg1">
+                          <a:lumMod val="65000"/>
+                        </a:schemeClr>
+                      </a:solidFill>
+                      <a:prstDash val="solid"/>
+                      <a:round/>
+                      <a:headEnd type="none" w="med" len="med"/>
+                      <a:tailEnd type="none" w="med" len="med"/>
+                    </a:lnR>
+                    <a:lnT w="12700" cap="flat" cmpd="sng" algn="ctr">
+                      <a:solidFill>
+                        <a:schemeClr val="bg1">
+                          <a:lumMod val="65000"/>
+                        </a:schemeClr>
+                      </a:solidFill>
+                      <a:prstDash val="solid"/>
+                      <a:round/>
+                      <a:headEnd type="none" w="med" len="med"/>
+                      <a:tailEnd type="none" w="med" len="med"/>
+                    </a:lnT>
+                    <a:lnB w="12700" cap="flat" cmpd="sng" algn="ctr">
+                      <a:solidFill>
+                        <a:schemeClr val="bg1">
+                          <a:lumMod val="65000"/>
+                        </a:schemeClr>
+                      </a:solidFill>
+                      <a:prstDash val="solid"/>
+                      <a:round/>
+                      <a:headEnd type="none" w="med" len="med"/>
+                      <a:tailEnd type="none" w="med" len="med"/>
+                    </a:lnB>
+                    <a:solidFill>
+                      <a:schemeClr val="bg1"/>
+                    </a:solidFill>
+                  </a:tcPr>
+                </a:tc>
+                <a:tc>
+                  <a:txBody>
+                    <a:bodyPr/>
+                    <a:lstStyle/>
+                    <a:p>
+                      <a:pPr latinLnBrk="1"/>
+                      <a:endParaRPr lang="ko-KR" altLang="en-US" sz="2500" dirty="0"/>
+                    </a:p>
+                  </a:txBody>
+                  <a:tcPr marL="129342" marR="129342" marT="64671" marB="64671">
+                    <a:lnL w="12700" cap="flat" cmpd="sng" algn="ctr">
+                      <a:solidFill>
+                        <a:schemeClr val="bg1">
+                          <a:lumMod val="65000"/>
+                        </a:schemeClr>
+                      </a:solidFill>
+                      <a:prstDash val="solid"/>
+                      <a:round/>
+                      <a:headEnd type="none" w="med" len="med"/>
+                      <a:tailEnd type="none" w="med" len="med"/>
+                    </a:lnL>
+                    <a:lnR w="12700" cap="flat" cmpd="sng" algn="ctr">
+                      <a:solidFill>
+                        <a:schemeClr val="bg1">
+                          <a:lumMod val="65000"/>
+                        </a:schemeClr>
+                      </a:solidFill>
+                      <a:prstDash val="solid"/>
+                      <a:round/>
+                      <a:headEnd type="none" w="med" len="med"/>
+                      <a:tailEnd type="none" w="med" len="med"/>
+                    </a:lnR>
+                    <a:lnT w="12700" cap="flat" cmpd="sng" algn="ctr">
+                      <a:solidFill>
+                        <a:schemeClr val="bg1">
+                          <a:lumMod val="65000"/>
+                        </a:schemeClr>
+                      </a:solidFill>
+                      <a:prstDash val="solid"/>
+                      <a:round/>
+                      <a:headEnd type="none" w="med" len="med"/>
+                      <a:tailEnd type="none" w="med" len="med"/>
+                    </a:lnT>
+                    <a:lnB w="12700" cap="flat" cmpd="sng" algn="ctr">
+                      <a:solidFill>
+                        <a:schemeClr val="bg1">
+                          <a:lumMod val="65000"/>
+                        </a:schemeClr>
+                      </a:solidFill>
+                      <a:prstDash val="solid"/>
+                      <a:round/>
+                      <a:headEnd type="none" w="med" len="med"/>
+                      <a:tailEnd type="none" w="med" len="med"/>
+                    </a:lnB>
+                    <a:solidFill>
+                      <a:schemeClr val="bg1"/>
+                    </a:solidFill>
+                  </a:tcPr>
+                </a:tc>
+                <a:tc>
+                  <a:txBody>
+                    <a:bodyPr/>
+                    <a:lstStyle/>
+                    <a:p>
+                      <a:pPr latinLnBrk="1"/>
+                      <a:endParaRPr lang="ko-KR" altLang="en-US" sz="2500" dirty="0"/>
+                    </a:p>
+                  </a:txBody>
+                  <a:tcPr marL="129342" marR="129342" marT="64671" marB="64671">
+                    <a:lnL w="12700" cap="flat" cmpd="sng" algn="ctr">
+                      <a:solidFill>
+                        <a:schemeClr val="bg1">
+                          <a:lumMod val="65000"/>
+                        </a:schemeClr>
+                      </a:solidFill>
+                      <a:prstDash val="solid"/>
+                      <a:round/>
+                      <a:headEnd type="none" w="med" len="med"/>
+                      <a:tailEnd type="none" w="med" len="med"/>
+                    </a:lnL>
+                    <a:lnR w="12700" cap="flat" cmpd="sng" algn="ctr">
+                      <a:solidFill>
+                        <a:schemeClr val="bg1">
+                          <a:lumMod val="65000"/>
+                        </a:schemeClr>
+                      </a:solidFill>
+                      <a:prstDash val="solid"/>
+                      <a:round/>
+                      <a:headEnd type="none" w="med" len="med"/>
+                      <a:tailEnd type="none" w="med" len="med"/>
+                    </a:lnR>
+                    <a:lnT w="12700" cap="flat" cmpd="sng" algn="ctr">
+                      <a:solidFill>
+                        <a:schemeClr val="bg1">
+                          <a:lumMod val="65000"/>
+                        </a:schemeClr>
+                      </a:solidFill>
+                      <a:prstDash val="solid"/>
+                      <a:round/>
+                      <a:headEnd type="none" w="med" len="med"/>
+                      <a:tailEnd type="none" w="med" len="med"/>
+                    </a:lnT>
+                    <a:lnB w="12700" cap="flat" cmpd="sng" algn="ctr">
+                      <a:solidFill>
+                        <a:schemeClr val="bg1">
+                          <a:lumMod val="65000"/>
+                        </a:schemeClr>
+                      </a:solidFill>
+                      <a:prstDash val="solid"/>
+                      <a:round/>
+                      <a:headEnd type="none" w="med" len="med"/>
+                      <a:tailEnd type="none" w="med" len="med"/>
+                    </a:lnB>
+                    <a:solidFill>
+                      <a:schemeClr val="bg1"/>
+                    </a:solidFill>
+                  </a:tcPr>
+                </a:tc>
+                <a:tc>
+                  <a:txBody>
+                    <a:bodyPr/>
+                    <a:lstStyle/>
+                    <a:p>
+                      <a:pPr latinLnBrk="1"/>
+                      <a:endParaRPr lang="ko-KR" altLang="en-US" sz="2500" dirty="0"/>
+                    </a:p>
+                  </a:txBody>
+                  <a:tcPr marL="129342" marR="129342" marT="64671" marB="64671">
+                    <a:lnL w="12700" cap="flat" cmpd="sng" algn="ctr">
+                      <a:solidFill>
+                        <a:schemeClr val="bg1">
+                          <a:lumMod val="65000"/>
+                        </a:schemeClr>
+                      </a:solidFill>
+                      <a:prstDash val="solid"/>
+                      <a:round/>
+                      <a:headEnd type="none" w="med" len="med"/>
+                      <a:tailEnd type="none" w="med" len="med"/>
+                    </a:lnL>
+                    <a:lnR w="12700" cap="flat" cmpd="sng" algn="ctr">
+                      <a:solidFill>
+                        <a:schemeClr val="bg1">
+                          <a:lumMod val="65000"/>
+                        </a:schemeClr>
+                      </a:solidFill>
+                      <a:prstDash val="solid"/>
+                      <a:round/>
+                      <a:headEnd type="none" w="med" len="med"/>
+                      <a:tailEnd type="none" w="med" len="med"/>
+                    </a:lnR>
+                    <a:lnT w="12700" cap="flat" cmpd="sng" algn="ctr">
+                      <a:solidFill>
+                        <a:schemeClr val="bg1">
+                          <a:lumMod val="65000"/>
+                        </a:schemeClr>
+                      </a:solidFill>
+                      <a:prstDash val="solid"/>
+                      <a:round/>
+                      <a:headEnd type="none" w="med" len="med"/>
+                      <a:tailEnd type="none" w="med" len="med"/>
+                    </a:lnT>
+                    <a:lnB w="12700" cap="flat" cmpd="sng" algn="ctr">
+                      <a:solidFill>
+                        <a:schemeClr val="bg1">
+                          <a:lumMod val="65000"/>
+                        </a:schemeClr>
+                      </a:solidFill>
+                      <a:prstDash val="solid"/>
+                      <a:round/>
+                      <a:headEnd type="none" w="med" len="med"/>
+                      <a:tailEnd type="none" w="med" len="med"/>
+                    </a:lnB>
+                    <a:solidFill>
+                      <a:schemeClr val="bg1"/>
+                    </a:solidFill>
+                  </a:tcPr>
+                </a:tc>
+                <a:tc>
+                  <a:txBody>
+                    <a:bodyPr/>
+                    <a:lstStyle/>
+                    <a:p>
+                      <a:pPr latinLnBrk="1"/>
+                      <a:endParaRPr lang="ko-KR" altLang="en-US" sz="2500" dirty="0"/>
+                    </a:p>
+                  </a:txBody>
+                  <a:tcPr marL="129342" marR="129342" marT="64671" marB="64671">
+                    <a:lnL w="12700" cap="flat" cmpd="sng" algn="ctr">
+                      <a:solidFill>
+                        <a:schemeClr val="bg1">
+                          <a:lumMod val="65000"/>
+                        </a:schemeClr>
+                      </a:solidFill>
+                      <a:prstDash val="solid"/>
+                      <a:round/>
+                      <a:headEnd type="none" w="med" len="med"/>
+                      <a:tailEnd type="none" w="med" len="med"/>
+                    </a:lnL>
+                    <a:lnR w="12700" cap="flat" cmpd="sng" algn="ctr">
+                      <a:solidFill>
+                        <a:schemeClr val="bg1">
+                          <a:lumMod val="65000"/>
+                        </a:schemeClr>
+                      </a:solidFill>
+                      <a:prstDash val="solid"/>
+                      <a:round/>
+                      <a:headEnd type="none" w="med" len="med"/>
+                      <a:tailEnd type="none" w="med" len="med"/>
+                    </a:lnR>
+                    <a:lnT w="12700" cap="flat" cmpd="sng" algn="ctr">
+                      <a:solidFill>
+                        <a:schemeClr val="bg1">
+                          <a:lumMod val="65000"/>
+                        </a:schemeClr>
+                      </a:solidFill>
+                      <a:prstDash val="solid"/>
+                      <a:round/>
+                      <a:headEnd type="none" w="med" len="med"/>
+                      <a:tailEnd type="none" w="med" len="med"/>
+                    </a:lnT>
+                    <a:lnB w="12700" cap="flat" cmpd="sng" algn="ctr">
+                      <a:solidFill>
+                        <a:schemeClr val="bg1">
+                          <a:lumMod val="65000"/>
+                        </a:schemeClr>
+                      </a:solidFill>
+                      <a:prstDash val="solid"/>
+                      <a:round/>
+                      <a:headEnd type="none" w="med" len="med"/>
+                      <a:tailEnd type="none" w="med" len="med"/>
+                    </a:lnB>
+                    <a:solidFill>
+                      <a:schemeClr val="bg1"/>
+                    </a:solidFill>
+                  </a:tcPr>
+                </a:tc>
+                <a:extLst>
+                  <a:ext uri="{0D108BD9-81ED-4DB2-BD59-A6C34878D82A}">
+                    <a16:rowId xmlns:a16="http://schemas.microsoft.com/office/drawing/2014/main" val="4104744604"/>
+                  </a:ext>
+                </a:extLst>
+              </a:tr>
+              <a:tr h="524555">
+                <a:tc>
+                  <a:txBody>
+                    <a:bodyPr/>
+                    <a:lstStyle/>
+                    <a:p>
+                      <a:pPr latinLnBrk="1"/>
+                      <a:endParaRPr lang="ko-KR" altLang="en-US" sz="2500"/>
+                    </a:p>
+                  </a:txBody>
+                  <a:tcPr marL="129342" marR="129342" marT="64671" marB="64671">
+                    <a:lnL w="12700" cap="flat" cmpd="sng" algn="ctr">
+                      <a:solidFill>
+                        <a:schemeClr val="bg1">
+                          <a:lumMod val="65000"/>
+                        </a:schemeClr>
+                      </a:solidFill>
+                      <a:prstDash val="solid"/>
+                      <a:round/>
+                      <a:headEnd type="none" w="med" len="med"/>
+                      <a:tailEnd type="none" w="med" len="med"/>
+                    </a:lnL>
+                    <a:lnR w="12700" cap="flat" cmpd="sng" algn="ctr">
+                      <a:solidFill>
+                        <a:schemeClr val="bg1">
+                          <a:lumMod val="65000"/>
+                        </a:schemeClr>
+                      </a:solidFill>
+                      <a:prstDash val="solid"/>
+                      <a:round/>
+                      <a:headEnd type="none" w="med" len="med"/>
+                      <a:tailEnd type="none" w="med" len="med"/>
+                    </a:lnR>
+                    <a:lnT w="12700" cap="flat" cmpd="sng" algn="ctr">
+                      <a:solidFill>
+                        <a:schemeClr val="bg1">
+                          <a:lumMod val="65000"/>
+                        </a:schemeClr>
+                      </a:solidFill>
+                      <a:prstDash val="solid"/>
+                      <a:round/>
+                      <a:headEnd type="none" w="med" len="med"/>
+                      <a:tailEnd type="none" w="med" len="med"/>
+                    </a:lnT>
+                    <a:lnB w="12700" cap="flat" cmpd="sng" algn="ctr">
+                      <a:solidFill>
+                        <a:schemeClr val="bg1">
+                          <a:lumMod val="65000"/>
+                        </a:schemeClr>
+                      </a:solidFill>
+                      <a:prstDash val="solid"/>
+                      <a:round/>
+                      <a:headEnd type="none" w="med" len="med"/>
+                      <a:tailEnd type="none" w="med" len="med"/>
+                    </a:lnB>
+                    <a:solidFill>
+                      <a:schemeClr val="bg1"/>
+                    </a:solidFill>
+                  </a:tcPr>
+                </a:tc>
+                <a:tc>
+                  <a:txBody>
+                    <a:bodyPr/>
+                    <a:lstStyle/>
+                    <a:p>
+                      <a:pPr latinLnBrk="1"/>
+                      <a:endParaRPr lang="ko-KR" altLang="en-US" sz="2500" dirty="0"/>
+                    </a:p>
+                  </a:txBody>
+                  <a:tcPr marL="129342" marR="129342" marT="64671" marB="64671">
+                    <a:lnL w="12700" cap="flat" cmpd="sng" algn="ctr">
+                      <a:solidFill>
+                        <a:schemeClr val="bg1">
+                          <a:lumMod val="65000"/>
+                        </a:schemeClr>
+                      </a:solidFill>
+                      <a:prstDash val="solid"/>
+                      <a:round/>
+                      <a:headEnd type="none" w="med" len="med"/>
+                      <a:tailEnd type="none" w="med" len="med"/>
+                    </a:lnL>
+                    <a:lnR w="12700" cap="flat" cmpd="sng" algn="ctr">
+                      <a:solidFill>
+                        <a:schemeClr val="bg1">
+                          <a:lumMod val="65000"/>
+                        </a:schemeClr>
+                      </a:solidFill>
+                      <a:prstDash val="solid"/>
+                      <a:round/>
+                      <a:headEnd type="none" w="med" len="med"/>
+                      <a:tailEnd type="none" w="med" len="med"/>
+                    </a:lnR>
+                    <a:lnT w="12700" cap="flat" cmpd="sng" algn="ctr">
+                      <a:solidFill>
+                        <a:schemeClr val="bg1">
+                          <a:lumMod val="65000"/>
+                        </a:schemeClr>
+                      </a:solidFill>
+                      <a:prstDash val="solid"/>
+                      <a:round/>
+                      <a:headEnd type="none" w="med" len="med"/>
+                      <a:tailEnd type="none" w="med" len="med"/>
+                    </a:lnT>
+                    <a:lnB w="12700" cap="flat" cmpd="sng" algn="ctr">
+                      <a:solidFill>
+                        <a:schemeClr val="bg1">
+                          <a:lumMod val="65000"/>
+                        </a:schemeClr>
+                      </a:solidFill>
+                      <a:prstDash val="solid"/>
+                      <a:round/>
+                      <a:headEnd type="none" w="med" len="med"/>
+                      <a:tailEnd type="none" w="med" len="med"/>
+                    </a:lnB>
+                    <a:solidFill>
+                      <a:schemeClr val="bg1">
+                        <a:lumMod val="50000"/>
+                      </a:schemeClr>
+                    </a:solidFill>
+                  </a:tcPr>
+                </a:tc>
+                <a:tc>
+                  <a:txBody>
+                    <a:bodyPr/>
+                    <a:lstStyle/>
+                    <a:p>
+                      <a:pPr latinLnBrk="1"/>
+                      <a:endParaRPr lang="ko-KR" altLang="en-US" sz="2500" dirty="0"/>
+                    </a:p>
+                  </a:txBody>
+                  <a:tcPr marL="129342" marR="129342" marT="64671" marB="64671">
+                    <a:lnL w="12700" cap="flat" cmpd="sng" algn="ctr">
+                      <a:solidFill>
+                        <a:schemeClr val="bg1">
+                          <a:lumMod val="65000"/>
+                        </a:schemeClr>
+                      </a:solidFill>
+                      <a:prstDash val="solid"/>
+                      <a:round/>
+                      <a:headEnd type="none" w="med" len="med"/>
+                      <a:tailEnd type="none" w="med" len="med"/>
+                    </a:lnL>
+                    <a:lnR w="12700" cap="flat" cmpd="sng" algn="ctr">
+                      <a:solidFill>
+                        <a:schemeClr val="bg1">
+                          <a:lumMod val="65000"/>
+                        </a:schemeClr>
+                      </a:solidFill>
+                      <a:prstDash val="solid"/>
+                      <a:round/>
+                      <a:headEnd type="none" w="med" len="med"/>
+                      <a:tailEnd type="none" w="med" len="med"/>
+                    </a:lnR>
+                    <a:lnT w="12700" cap="flat" cmpd="sng" algn="ctr">
+                      <a:solidFill>
+                        <a:schemeClr val="bg1">
+                          <a:lumMod val="65000"/>
+                        </a:schemeClr>
+                      </a:solidFill>
+                      <a:prstDash val="solid"/>
+                      <a:round/>
+                      <a:headEnd type="none" w="med" len="med"/>
+                      <a:tailEnd type="none" w="med" len="med"/>
+                    </a:lnT>
+                    <a:lnB w="12700" cap="flat" cmpd="sng" algn="ctr">
+                      <a:solidFill>
+                        <a:schemeClr val="bg1">
+                          <a:lumMod val="65000"/>
+                        </a:schemeClr>
+                      </a:solidFill>
+                      <a:prstDash val="solid"/>
+                      <a:round/>
+                      <a:headEnd type="none" w="med" len="med"/>
+                      <a:tailEnd type="none" w="med" len="med"/>
+                    </a:lnB>
+                    <a:solidFill>
+                      <a:schemeClr val="bg1">
+                        <a:lumMod val="50000"/>
+                      </a:schemeClr>
+                    </a:solidFill>
+                  </a:tcPr>
+                </a:tc>
+                <a:tc>
+                  <a:txBody>
+                    <a:bodyPr/>
+                    <a:lstStyle/>
+                    <a:p>
+                      <a:pPr latinLnBrk="1"/>
+                      <a:endParaRPr lang="ko-KR" altLang="en-US" sz="2500" dirty="0"/>
+                    </a:p>
+                  </a:txBody>
+                  <a:tcPr marL="129342" marR="129342" marT="64671" marB="64671">
+                    <a:lnL w="12700" cap="flat" cmpd="sng" algn="ctr">
+                      <a:solidFill>
+                        <a:schemeClr val="bg1">
+                          <a:lumMod val="65000"/>
+                        </a:schemeClr>
+                      </a:solidFill>
+                      <a:prstDash val="solid"/>
+                      <a:round/>
+                      <a:headEnd type="none" w="med" len="med"/>
+                      <a:tailEnd type="none" w="med" len="med"/>
+                    </a:lnL>
+                    <a:lnR w="12700" cap="flat" cmpd="sng" algn="ctr">
+                      <a:solidFill>
+                        <a:schemeClr val="bg1">
+                          <a:lumMod val="65000"/>
+                        </a:schemeClr>
+                      </a:solidFill>
+                      <a:prstDash val="solid"/>
+                      <a:round/>
+                      <a:headEnd type="none" w="med" len="med"/>
+                      <a:tailEnd type="none" w="med" len="med"/>
+                    </a:lnR>
+                    <a:lnT w="12700" cap="flat" cmpd="sng" algn="ctr">
+                      <a:solidFill>
+                        <a:schemeClr val="bg1">
+                          <a:lumMod val="65000"/>
+                        </a:schemeClr>
+                      </a:solidFill>
+                      <a:prstDash val="solid"/>
+                      <a:round/>
+                      <a:headEnd type="none" w="med" len="med"/>
+                      <a:tailEnd type="none" w="med" len="med"/>
+                    </a:lnT>
+                    <a:lnB w="12700" cap="flat" cmpd="sng" algn="ctr">
+                      <a:solidFill>
+                        <a:schemeClr val="bg1">
+                          <a:lumMod val="65000"/>
+                        </a:schemeClr>
+                      </a:solidFill>
+                      <a:prstDash val="solid"/>
+                      <a:round/>
+                      <a:headEnd type="none" w="med" len="med"/>
+                      <a:tailEnd type="none" w="med" len="med"/>
+                    </a:lnB>
+                    <a:solidFill>
+                      <a:schemeClr val="bg1">
+                        <a:lumMod val="50000"/>
+                      </a:schemeClr>
+                    </a:solidFill>
+                  </a:tcPr>
+                </a:tc>
+                <a:tc>
+                  <a:txBody>
+                    <a:bodyPr/>
+                    <a:lstStyle/>
+                    <a:p>
+                      <a:pPr latinLnBrk="1"/>
+                      <a:endParaRPr lang="ko-KR" altLang="en-US" sz="2500"/>
+                    </a:p>
+                  </a:txBody>
+                  <a:tcPr marL="129342" marR="129342" marT="64671" marB="64671">
+                    <a:lnL w="12700" cap="flat" cmpd="sng" algn="ctr">
+                      <a:solidFill>
+                        <a:schemeClr val="bg1">
+                          <a:lumMod val="65000"/>
+                        </a:schemeClr>
+                      </a:solidFill>
+                      <a:prstDash val="solid"/>
+                      <a:round/>
+                      <a:headEnd type="none" w="med" len="med"/>
+                      <a:tailEnd type="none" w="med" len="med"/>
+                    </a:lnL>
+                    <a:lnR w="12700" cap="flat" cmpd="sng" algn="ctr">
+                      <a:solidFill>
+                        <a:schemeClr val="bg1">
+                          <a:lumMod val="65000"/>
+                        </a:schemeClr>
+                      </a:solidFill>
+                      <a:prstDash val="solid"/>
+                      <a:round/>
+                      <a:headEnd type="none" w="med" len="med"/>
+                      <a:tailEnd type="none" w="med" len="med"/>
+                    </a:lnR>
+                    <a:lnT w="12700" cap="flat" cmpd="sng" algn="ctr">
+                      <a:solidFill>
+                        <a:schemeClr val="bg1">
+                          <a:lumMod val="65000"/>
+                        </a:schemeClr>
+                      </a:solidFill>
+                      <a:prstDash val="solid"/>
+                      <a:round/>
+                      <a:headEnd type="none" w="med" len="med"/>
+                      <a:tailEnd type="none" w="med" len="med"/>
+                    </a:lnT>
+                    <a:lnB w="12700" cap="flat" cmpd="sng" algn="ctr">
+                      <a:solidFill>
+                        <a:schemeClr val="bg1">
+                          <a:lumMod val="65000"/>
+                        </a:schemeClr>
+                      </a:solidFill>
+                      <a:prstDash val="solid"/>
+                      <a:round/>
+                      <a:headEnd type="none" w="med" len="med"/>
+                      <a:tailEnd type="none" w="med" len="med"/>
+                    </a:lnB>
+                    <a:solidFill>
+                      <a:schemeClr val="bg1"/>
+                    </a:solidFill>
+                  </a:tcPr>
+                </a:tc>
+                <a:tc>
+                  <a:txBody>
+                    <a:bodyPr/>
+                    <a:lstStyle/>
+                    <a:p>
+                      <a:pPr latinLnBrk="1"/>
+                      <a:endParaRPr lang="ko-KR" altLang="en-US" sz="2500" dirty="0"/>
+                    </a:p>
+                  </a:txBody>
+                  <a:tcPr marL="129342" marR="129342" marT="64671" marB="64671">
+                    <a:lnL w="12700" cap="flat" cmpd="sng" algn="ctr">
+                      <a:solidFill>
+                        <a:schemeClr val="bg1">
+                          <a:lumMod val="65000"/>
+                        </a:schemeClr>
+                      </a:solidFill>
+                      <a:prstDash val="solid"/>
+                      <a:round/>
+                      <a:headEnd type="none" w="med" len="med"/>
+                      <a:tailEnd type="none" w="med" len="med"/>
+                    </a:lnL>
+                    <a:lnR w="12700" cap="flat" cmpd="sng" algn="ctr">
+                      <a:solidFill>
+                        <a:schemeClr val="bg1">
+                          <a:lumMod val="65000"/>
+                        </a:schemeClr>
+                      </a:solidFill>
+                      <a:prstDash val="solid"/>
+                      <a:round/>
+                      <a:headEnd type="none" w="med" len="med"/>
+                      <a:tailEnd type="none" w="med" len="med"/>
+                    </a:lnR>
+                    <a:lnT w="12700" cap="flat" cmpd="sng" algn="ctr">
+                      <a:solidFill>
+                        <a:schemeClr val="bg1">
+                          <a:lumMod val="65000"/>
+                        </a:schemeClr>
+                      </a:solidFill>
+                      <a:prstDash val="solid"/>
+                      <a:round/>
+                      <a:headEnd type="none" w="med" len="med"/>
+                      <a:tailEnd type="none" w="med" len="med"/>
+                    </a:lnT>
+                    <a:lnB w="12700" cap="flat" cmpd="sng" algn="ctr">
+                      <a:solidFill>
+                        <a:schemeClr val="bg1">
+                          <a:lumMod val="65000"/>
+                        </a:schemeClr>
+                      </a:solidFill>
+                      <a:prstDash val="solid"/>
+                      <a:round/>
+                      <a:headEnd type="none" w="med" len="med"/>
+                      <a:tailEnd type="none" w="med" len="med"/>
+                    </a:lnB>
+                    <a:solidFill>
+                      <a:schemeClr val="bg1">
+                        <a:lumMod val="50000"/>
+                      </a:schemeClr>
+                    </a:solidFill>
+                  </a:tcPr>
+                </a:tc>
+                <a:tc>
+                  <a:txBody>
+                    <a:bodyPr/>
+                    <a:lstStyle/>
+                    <a:p>
+                      <a:pPr latinLnBrk="1"/>
+                      <a:endParaRPr lang="ko-KR" altLang="en-US" sz="2500" dirty="0"/>
+                    </a:p>
+                  </a:txBody>
+                  <a:tcPr marL="129342" marR="129342" marT="64671" marB="64671">
+                    <a:lnL w="12700" cap="flat" cmpd="sng" algn="ctr">
+                      <a:solidFill>
+                        <a:schemeClr val="bg1">
+                          <a:lumMod val="65000"/>
+                        </a:schemeClr>
+                      </a:solidFill>
+                      <a:prstDash val="solid"/>
+                      <a:round/>
+                      <a:headEnd type="none" w="med" len="med"/>
+                      <a:tailEnd type="none" w="med" len="med"/>
+                    </a:lnL>
+                    <a:lnR w="12700" cap="flat" cmpd="sng" algn="ctr">
+                      <a:solidFill>
+                        <a:schemeClr val="bg1">
+                          <a:lumMod val="65000"/>
+                        </a:schemeClr>
+                      </a:solidFill>
+                      <a:prstDash val="solid"/>
+                      <a:round/>
+                      <a:headEnd type="none" w="med" len="med"/>
+                      <a:tailEnd type="none" w="med" len="med"/>
+                    </a:lnR>
+                    <a:lnT w="12700" cap="flat" cmpd="sng" algn="ctr">
+                      <a:solidFill>
+                        <a:schemeClr val="bg1">
+                          <a:lumMod val="65000"/>
+                        </a:schemeClr>
+                      </a:solidFill>
+                      <a:prstDash val="solid"/>
+                      <a:round/>
+                      <a:headEnd type="none" w="med" len="med"/>
+                      <a:tailEnd type="none" w="med" len="med"/>
+                    </a:lnT>
+                    <a:lnB w="12700" cap="flat" cmpd="sng" algn="ctr">
+                      <a:solidFill>
+                        <a:schemeClr val="bg1">
+                          <a:lumMod val="65000"/>
+                        </a:schemeClr>
+                      </a:solidFill>
+                      <a:prstDash val="solid"/>
+                      <a:round/>
+                      <a:headEnd type="none" w="med" len="med"/>
+                      <a:tailEnd type="none" w="med" len="med"/>
+                    </a:lnB>
+                    <a:solidFill>
+                      <a:schemeClr val="bg1"/>
+                    </a:solidFill>
+                  </a:tcPr>
+                </a:tc>
+                <a:tc>
+                  <a:txBody>
+                    <a:bodyPr/>
+                    <a:lstStyle/>
+                    <a:p>
+                      <a:pPr latinLnBrk="1"/>
+                      <a:endParaRPr lang="ko-KR" altLang="en-US" sz="2500" dirty="0"/>
+                    </a:p>
+                  </a:txBody>
+                  <a:tcPr marL="129342" marR="129342" marT="64671" marB="64671">
+                    <a:lnL w="12700" cap="flat" cmpd="sng" algn="ctr">
+                      <a:solidFill>
+                        <a:schemeClr val="bg1">
+                          <a:lumMod val="65000"/>
+                        </a:schemeClr>
+                      </a:solidFill>
+                      <a:prstDash val="solid"/>
+                      <a:round/>
+                      <a:headEnd type="none" w="med" len="med"/>
+                      <a:tailEnd type="none" w="med" len="med"/>
+                    </a:lnL>
+                    <a:lnR w="12700" cap="flat" cmpd="sng" algn="ctr">
+                      <a:solidFill>
+                        <a:schemeClr val="bg1">
+                          <a:lumMod val="65000"/>
+                        </a:schemeClr>
+                      </a:solidFill>
+                      <a:prstDash val="solid"/>
+                      <a:round/>
+                      <a:headEnd type="none" w="med" len="med"/>
+                      <a:tailEnd type="none" w="med" len="med"/>
+                    </a:lnR>
+                    <a:lnT w="12700" cap="flat" cmpd="sng" algn="ctr">
+                      <a:solidFill>
+                        <a:schemeClr val="bg1">
+                          <a:lumMod val="65000"/>
+                        </a:schemeClr>
+                      </a:solidFill>
+                      <a:prstDash val="solid"/>
+                      <a:round/>
+                      <a:headEnd type="none" w="med" len="med"/>
+                      <a:tailEnd type="none" w="med" len="med"/>
+                    </a:lnT>
+                    <a:lnB w="12700" cap="flat" cmpd="sng" algn="ctr">
+                      <a:solidFill>
+                        <a:schemeClr val="bg1">
+                          <a:lumMod val="65000"/>
+                        </a:schemeClr>
+                      </a:solidFill>
+                      <a:prstDash val="solid"/>
+                      <a:round/>
+                      <a:headEnd type="none" w="med" len="med"/>
+                      <a:tailEnd type="none" w="med" len="med"/>
+                    </a:lnB>
+                    <a:solidFill>
+                      <a:schemeClr val="bg1">
+                        <a:lumMod val="50000"/>
+                      </a:schemeClr>
+                    </a:solidFill>
+                  </a:tcPr>
+                </a:tc>
+                <a:tc>
+                  <a:txBody>
+                    <a:bodyPr/>
+                    <a:lstStyle/>
+                    <a:p>
+                      <a:pPr latinLnBrk="1"/>
+                      <a:endParaRPr lang="ko-KR" altLang="en-US" sz="2500" dirty="0"/>
+                    </a:p>
+                  </a:txBody>
+                  <a:tcPr marL="129342" marR="129342" marT="64671" marB="64671">
+                    <a:lnL w="12700" cap="flat" cmpd="sng" algn="ctr">
+                      <a:solidFill>
+                        <a:schemeClr val="bg1">
+                          <a:lumMod val="65000"/>
+                        </a:schemeClr>
+                      </a:solidFill>
+                      <a:prstDash val="solid"/>
+                      <a:round/>
+                      <a:headEnd type="none" w="med" len="med"/>
+                      <a:tailEnd type="none" w="med" len="med"/>
+                    </a:lnL>
+                    <a:lnR w="12700" cap="flat" cmpd="sng" algn="ctr">
+                      <a:solidFill>
+                        <a:schemeClr val="bg1">
+                          <a:lumMod val="65000"/>
+                        </a:schemeClr>
+                      </a:solidFill>
+                      <a:prstDash val="solid"/>
+                      <a:round/>
+                      <a:headEnd type="none" w="med" len="med"/>
+                      <a:tailEnd type="none" w="med" len="med"/>
+                    </a:lnR>
+                    <a:lnT w="12700" cap="flat" cmpd="sng" algn="ctr">
+                      <a:solidFill>
+                        <a:schemeClr val="bg1">
+                          <a:lumMod val="65000"/>
+                        </a:schemeClr>
+                      </a:solidFill>
+                      <a:prstDash val="solid"/>
+                      <a:round/>
+                      <a:headEnd type="none" w="med" len="med"/>
+                      <a:tailEnd type="none" w="med" len="med"/>
+                    </a:lnT>
+                    <a:lnB w="12700" cap="flat" cmpd="sng" algn="ctr">
+                      <a:solidFill>
+                        <a:schemeClr val="bg1">
+                          <a:lumMod val="65000"/>
+                        </a:schemeClr>
+                      </a:solidFill>
+                      <a:prstDash val="solid"/>
+                      <a:round/>
+                      <a:headEnd type="none" w="med" len="med"/>
+                      <a:tailEnd type="none" w="med" len="med"/>
+                    </a:lnB>
+                    <a:solidFill>
+                      <a:schemeClr val="bg1">
+                        <a:lumMod val="50000"/>
+                      </a:schemeClr>
+                    </a:solidFill>
+                  </a:tcPr>
+                </a:tc>
+                <a:tc>
+                  <a:txBody>
+                    <a:bodyPr/>
+                    <a:lstStyle/>
+                    <a:p>
+                      <a:pPr latinLnBrk="1"/>
+                      <a:endParaRPr lang="ko-KR" altLang="en-US" sz="2500" dirty="0"/>
+                    </a:p>
+                  </a:txBody>
+                  <a:tcPr marL="129342" marR="129342" marT="64671" marB="64671">
+                    <a:lnL w="12700" cap="flat" cmpd="sng" algn="ctr">
+                      <a:solidFill>
+                        <a:schemeClr val="bg1">
+                          <a:lumMod val="65000"/>
+                        </a:schemeClr>
+                      </a:solidFill>
+                      <a:prstDash val="solid"/>
+                      <a:round/>
+                      <a:headEnd type="none" w="med" len="med"/>
+                      <a:tailEnd type="none" w="med" len="med"/>
+                    </a:lnL>
+                    <a:lnR w="12700" cap="flat" cmpd="sng" algn="ctr">
+                      <a:solidFill>
+                        <a:schemeClr val="bg1">
+                          <a:lumMod val="65000"/>
+                        </a:schemeClr>
+                      </a:solidFill>
+                      <a:prstDash val="solid"/>
+                      <a:round/>
+                      <a:headEnd type="none" w="med" len="med"/>
+                      <a:tailEnd type="none" w="med" len="med"/>
+                    </a:lnR>
+                    <a:lnT w="12700" cap="flat" cmpd="sng" algn="ctr">
+                      <a:solidFill>
+                        <a:schemeClr val="bg1">
+                          <a:lumMod val="65000"/>
+                        </a:schemeClr>
+                      </a:solidFill>
+                      <a:prstDash val="solid"/>
+                      <a:round/>
+                      <a:headEnd type="none" w="med" len="med"/>
+                      <a:tailEnd type="none" w="med" len="med"/>
+                    </a:lnT>
+                    <a:lnB w="12700" cap="flat" cmpd="sng" algn="ctr">
+                      <a:solidFill>
+                        <a:schemeClr val="bg1">
+                          <a:lumMod val="65000"/>
+                        </a:schemeClr>
+                      </a:solidFill>
+                      <a:prstDash val="solid"/>
+                      <a:round/>
+                      <a:headEnd type="none" w="med" len="med"/>
+                      <a:tailEnd type="none" w="med" len="med"/>
+                    </a:lnB>
+                    <a:solidFill>
+                      <a:schemeClr val="bg1">
+                        <a:lumMod val="50000"/>
+                      </a:schemeClr>
+                    </a:solidFill>
+                  </a:tcPr>
+                </a:tc>
+                <a:tc>
+                  <a:txBody>
+                    <a:bodyPr/>
+                    <a:lstStyle/>
+                    <a:p>
+                      <a:pPr latinLnBrk="1"/>
+                      <a:endParaRPr lang="ko-KR" altLang="en-US" sz="2500" dirty="0"/>
+                    </a:p>
+                  </a:txBody>
+                  <a:tcPr marL="129342" marR="129342" marT="64671" marB="64671">
+                    <a:lnL w="12700" cap="flat" cmpd="sng" algn="ctr">
+                      <a:solidFill>
+                        <a:schemeClr val="bg1">
+                          <a:lumMod val="65000"/>
+                        </a:schemeClr>
+                      </a:solidFill>
+                      <a:prstDash val="solid"/>
+                      <a:round/>
+                      <a:headEnd type="none" w="med" len="med"/>
+                      <a:tailEnd type="none" w="med" len="med"/>
+                    </a:lnL>
+                    <a:lnR w="12700" cap="flat" cmpd="sng" algn="ctr">
+                      <a:solidFill>
+                        <a:schemeClr val="bg1">
+                          <a:lumMod val="65000"/>
+                        </a:schemeClr>
+                      </a:solidFill>
+                      <a:prstDash val="solid"/>
+                      <a:round/>
+                      <a:headEnd type="none" w="med" len="med"/>
+                      <a:tailEnd type="none" w="med" len="med"/>
+                    </a:lnR>
+                    <a:lnT w="12700" cap="flat" cmpd="sng" algn="ctr">
+                      <a:solidFill>
+                        <a:schemeClr val="bg1">
+                          <a:lumMod val="65000"/>
+                        </a:schemeClr>
+                      </a:solidFill>
+                      <a:prstDash val="solid"/>
+                      <a:round/>
+                      <a:headEnd type="none" w="med" len="med"/>
+                      <a:tailEnd type="none" w="med" len="med"/>
+                    </a:lnT>
+                    <a:lnB w="12700" cap="flat" cmpd="sng" algn="ctr">
+                      <a:solidFill>
+                        <a:schemeClr val="bg1">
+                          <a:lumMod val="65000"/>
+                        </a:schemeClr>
+                      </a:solidFill>
+                      <a:prstDash val="solid"/>
+                      <a:round/>
+                      <a:headEnd type="none" w="med" len="med"/>
+                      <a:tailEnd type="none" w="med" len="med"/>
+                    </a:lnB>
+                    <a:solidFill>
+                      <a:schemeClr val="bg1"/>
+                    </a:solidFill>
+                  </a:tcPr>
+                </a:tc>
+                <a:extLst>
+                  <a:ext uri="{0D108BD9-81ED-4DB2-BD59-A6C34878D82A}">
+                    <a16:rowId xmlns:a16="http://schemas.microsoft.com/office/drawing/2014/main" val="2652445292"/>
+                  </a:ext>
+                </a:extLst>
+              </a:tr>
+              <a:tr h="524555">
+                <a:tc>
+                  <a:txBody>
+                    <a:bodyPr/>
+                    <a:lstStyle/>
+                    <a:p>
+                      <a:pPr latinLnBrk="1"/>
+                      <a:endParaRPr lang="ko-KR" altLang="en-US" sz="2500"/>
+                    </a:p>
+                  </a:txBody>
+                  <a:tcPr marL="129342" marR="129342" marT="64671" marB="64671">
+                    <a:lnL w="12700" cap="flat" cmpd="sng" algn="ctr">
+                      <a:solidFill>
+                        <a:schemeClr val="bg1">
+                          <a:lumMod val="65000"/>
+                        </a:schemeClr>
+                      </a:solidFill>
+                      <a:prstDash val="solid"/>
+                      <a:round/>
+                      <a:headEnd type="none" w="med" len="med"/>
+                      <a:tailEnd type="none" w="med" len="med"/>
+                    </a:lnL>
+                    <a:lnR w="12700" cap="flat" cmpd="sng" algn="ctr">
+                      <a:solidFill>
+                        <a:schemeClr val="bg1">
+                          <a:lumMod val="65000"/>
+                        </a:schemeClr>
+                      </a:solidFill>
+                      <a:prstDash val="solid"/>
+                      <a:round/>
+                      <a:headEnd type="none" w="med" len="med"/>
+                      <a:tailEnd type="none" w="med" len="med"/>
+                    </a:lnR>
+                    <a:lnT w="12700" cap="flat" cmpd="sng" algn="ctr">
+                      <a:solidFill>
+                        <a:schemeClr val="bg1">
+                          <a:lumMod val="65000"/>
+                        </a:schemeClr>
+                      </a:solidFill>
+                      <a:prstDash val="solid"/>
+                      <a:round/>
+                      <a:headEnd type="none" w="med" len="med"/>
+                      <a:tailEnd type="none" w="med" len="med"/>
+                    </a:lnT>
+                    <a:lnB w="12700" cap="flat" cmpd="sng" algn="ctr">
+                      <a:solidFill>
+                        <a:schemeClr val="bg1">
+                          <a:lumMod val="65000"/>
+                        </a:schemeClr>
+                      </a:solidFill>
+                      <a:prstDash val="solid"/>
+                      <a:round/>
+                      <a:headEnd type="none" w="med" len="med"/>
+                      <a:tailEnd type="none" w="med" len="med"/>
+                    </a:lnB>
+                    <a:solidFill>
+                      <a:schemeClr val="bg1"/>
+                    </a:solidFill>
+                  </a:tcPr>
+                </a:tc>
+                <a:tc>
+                  <a:txBody>
+                    <a:bodyPr/>
+                    <a:lstStyle/>
+                    <a:p>
+                      <a:pPr latinLnBrk="1"/>
+                      <a:endParaRPr lang="ko-KR" altLang="en-US" sz="2500" dirty="0"/>
+                    </a:p>
+                  </a:txBody>
+                  <a:tcPr marL="129342" marR="129342" marT="64671" marB="64671">
+                    <a:lnL w="12700" cap="flat" cmpd="sng" algn="ctr">
+                      <a:solidFill>
+                        <a:schemeClr val="bg1">
+                          <a:lumMod val="65000"/>
+                        </a:schemeClr>
+                      </a:solidFill>
+                      <a:prstDash val="solid"/>
+                      <a:round/>
+                      <a:headEnd type="none" w="med" len="med"/>
+                      <a:tailEnd type="none" w="med" len="med"/>
+                    </a:lnL>
+                    <a:lnR w="12700" cap="flat" cmpd="sng" algn="ctr">
+                      <a:solidFill>
+                        <a:schemeClr val="bg1">
+                          <a:lumMod val="65000"/>
+                        </a:schemeClr>
+                      </a:solidFill>
+                      <a:prstDash val="solid"/>
+                      <a:round/>
+                      <a:headEnd type="none" w="med" len="med"/>
+                      <a:tailEnd type="none" w="med" len="med"/>
+                    </a:lnR>
+                    <a:lnT w="12700" cap="flat" cmpd="sng" algn="ctr">
+                      <a:solidFill>
+                        <a:schemeClr val="bg1">
+                          <a:lumMod val="65000"/>
+                        </a:schemeClr>
+                      </a:solidFill>
+                      <a:prstDash val="solid"/>
+                      <a:round/>
+                      <a:headEnd type="none" w="med" len="med"/>
+                      <a:tailEnd type="none" w="med" len="med"/>
+                    </a:lnT>
+                    <a:lnB w="12700" cap="flat" cmpd="sng" algn="ctr">
+                      <a:solidFill>
+                        <a:schemeClr val="bg1">
+                          <a:lumMod val="65000"/>
+                        </a:schemeClr>
+                      </a:solidFill>
+                      <a:prstDash val="solid"/>
+                      <a:round/>
+                      <a:headEnd type="none" w="med" len="med"/>
+                      <a:tailEnd type="none" w="med" len="med"/>
+                    </a:lnB>
+                    <a:solidFill>
+                      <a:schemeClr val="bg1">
+                        <a:lumMod val="50000"/>
+                      </a:schemeClr>
+                    </a:solidFill>
+                  </a:tcPr>
+                </a:tc>
+                <a:tc>
+                  <a:txBody>
+                    <a:bodyPr/>
+                    <a:lstStyle/>
+                    <a:p>
+                      <a:pPr latinLnBrk="1"/>
+                      <a:endParaRPr lang="ko-KR" altLang="en-US" sz="2500"/>
+                    </a:p>
+                  </a:txBody>
+                  <a:tcPr marL="129342" marR="129342" marT="64671" marB="64671">
+                    <a:lnL w="12700" cap="flat" cmpd="sng" algn="ctr">
+                      <a:solidFill>
+                        <a:schemeClr val="bg1">
+                          <a:lumMod val="65000"/>
+                        </a:schemeClr>
+                      </a:solidFill>
+                      <a:prstDash val="solid"/>
+                      <a:round/>
+                      <a:headEnd type="none" w="med" len="med"/>
+                      <a:tailEnd type="none" w="med" len="med"/>
+                    </a:lnL>
+                    <a:lnR w="12700" cap="flat" cmpd="sng" algn="ctr">
+                      <a:solidFill>
+                        <a:schemeClr val="bg1">
+                          <a:lumMod val="65000"/>
+                        </a:schemeClr>
+                      </a:solidFill>
+                      <a:prstDash val="solid"/>
+                      <a:round/>
+                      <a:headEnd type="none" w="med" len="med"/>
+                      <a:tailEnd type="none" w="med" len="med"/>
+                    </a:lnR>
+                    <a:lnT w="12700" cap="flat" cmpd="sng" algn="ctr">
+                      <a:solidFill>
+                        <a:schemeClr val="bg1">
+                          <a:lumMod val="65000"/>
+                        </a:schemeClr>
+                      </a:solidFill>
+                      <a:prstDash val="solid"/>
+                      <a:round/>
+                      <a:headEnd type="none" w="med" len="med"/>
+                      <a:tailEnd type="none" w="med" len="med"/>
+                    </a:lnT>
+                    <a:lnB w="12700" cap="flat" cmpd="sng" algn="ctr">
+                      <a:solidFill>
+                        <a:schemeClr val="bg1">
+                          <a:lumMod val="65000"/>
+                        </a:schemeClr>
+                      </a:solidFill>
+                      <a:prstDash val="solid"/>
+                      <a:round/>
+                      <a:headEnd type="none" w="med" len="med"/>
+                      <a:tailEnd type="none" w="med" len="med"/>
+                    </a:lnB>
+                    <a:solidFill>
+                      <a:schemeClr val="bg1"/>
+                    </a:solidFill>
+                  </a:tcPr>
+                </a:tc>
+                <a:tc>
+                  <a:txBody>
+                    <a:bodyPr/>
+                    <a:lstStyle/>
+                    <a:p>
+                      <a:pPr latinLnBrk="1"/>
+                      <a:endParaRPr lang="ko-KR" altLang="en-US" sz="2500" dirty="0"/>
+                    </a:p>
+                  </a:txBody>
+                  <a:tcPr marL="129342" marR="129342" marT="64671" marB="64671">
+                    <a:lnL w="12700" cap="flat" cmpd="sng" algn="ctr">
+                      <a:solidFill>
+                        <a:schemeClr val="bg1">
+                          <a:lumMod val="65000"/>
+                        </a:schemeClr>
+                      </a:solidFill>
+                      <a:prstDash val="solid"/>
+                      <a:round/>
+                      <a:headEnd type="none" w="med" len="med"/>
+                      <a:tailEnd type="none" w="med" len="med"/>
+                    </a:lnL>
+                    <a:lnR w="12700" cap="flat" cmpd="sng" algn="ctr">
+                      <a:solidFill>
+                        <a:schemeClr val="bg1">
+                          <a:lumMod val="65000"/>
+                        </a:schemeClr>
+                      </a:solidFill>
+                      <a:prstDash val="solid"/>
+                      <a:round/>
+                      <a:headEnd type="none" w="med" len="med"/>
+                      <a:tailEnd type="none" w="med" len="med"/>
+                    </a:lnR>
+                    <a:lnT w="12700" cap="flat" cmpd="sng" algn="ctr">
+                      <a:solidFill>
+                        <a:schemeClr val="bg1">
+                          <a:lumMod val="65000"/>
+                        </a:schemeClr>
+                      </a:solidFill>
+                      <a:prstDash val="solid"/>
+                      <a:round/>
+                      <a:headEnd type="none" w="med" len="med"/>
+                      <a:tailEnd type="none" w="med" len="med"/>
+                    </a:lnT>
+                    <a:lnB w="12700" cap="flat" cmpd="sng" algn="ctr">
+                      <a:solidFill>
+                        <a:schemeClr val="bg1">
+                          <a:lumMod val="65000"/>
+                        </a:schemeClr>
+                      </a:solidFill>
+                      <a:prstDash val="solid"/>
+                      <a:round/>
+                      <a:headEnd type="none" w="med" len="med"/>
+                      <a:tailEnd type="none" w="med" len="med"/>
+                    </a:lnB>
+                    <a:solidFill>
+                      <a:schemeClr val="bg1">
+                        <a:lumMod val="50000"/>
+                      </a:schemeClr>
+                    </a:solidFill>
+                  </a:tcPr>
+                </a:tc>
+                <a:tc>
+                  <a:txBody>
+                    <a:bodyPr/>
+                    <a:lstStyle/>
+                    <a:p>
+                      <a:pPr latinLnBrk="1"/>
+                      <a:endParaRPr lang="ko-KR" altLang="en-US" sz="2500" dirty="0"/>
+                    </a:p>
+                  </a:txBody>
+                  <a:tcPr marL="129342" marR="129342" marT="64671" marB="64671">
+                    <a:lnL w="12700" cap="flat" cmpd="sng" algn="ctr">
+                      <a:solidFill>
+                        <a:schemeClr val="bg1">
+                          <a:lumMod val="65000"/>
+                        </a:schemeClr>
+                      </a:solidFill>
+                      <a:prstDash val="solid"/>
+                      <a:round/>
+                      <a:headEnd type="none" w="med" len="med"/>
+                      <a:tailEnd type="none" w="med" len="med"/>
+                    </a:lnL>
+                    <a:lnR w="12700" cap="flat" cmpd="sng" algn="ctr">
+                      <a:solidFill>
+                        <a:schemeClr val="bg1">
+                          <a:lumMod val="65000"/>
+                        </a:schemeClr>
+                      </a:solidFill>
+                      <a:prstDash val="solid"/>
+                      <a:round/>
+                      <a:headEnd type="none" w="med" len="med"/>
+                      <a:tailEnd type="none" w="med" len="med"/>
+                    </a:lnR>
+                    <a:lnT w="12700" cap="flat" cmpd="sng" algn="ctr">
+                      <a:solidFill>
+                        <a:schemeClr val="bg1">
+                          <a:lumMod val="65000"/>
+                        </a:schemeClr>
+                      </a:solidFill>
+                      <a:prstDash val="solid"/>
+                      <a:round/>
+                      <a:headEnd type="none" w="med" len="med"/>
+                      <a:tailEnd type="none" w="med" len="med"/>
+                    </a:lnT>
+                    <a:lnB w="12700" cap="flat" cmpd="sng" algn="ctr">
+                      <a:solidFill>
+                        <a:schemeClr val="bg1">
+                          <a:lumMod val="65000"/>
+                        </a:schemeClr>
+                      </a:solidFill>
+                      <a:prstDash val="solid"/>
+                      <a:round/>
+                      <a:headEnd type="none" w="med" len="med"/>
+                      <a:tailEnd type="none" w="med" len="med"/>
+                    </a:lnB>
+                    <a:solidFill>
+                      <a:schemeClr val="bg1"/>
+                    </a:solidFill>
+                  </a:tcPr>
+                </a:tc>
+                <a:tc>
+                  <a:txBody>
+                    <a:bodyPr/>
+                    <a:lstStyle/>
+                    <a:p>
+                      <a:pPr latinLnBrk="1"/>
+                      <a:endParaRPr lang="ko-KR" altLang="en-US" sz="2500" dirty="0"/>
+                    </a:p>
+                  </a:txBody>
+                  <a:tcPr marL="129342" marR="129342" marT="64671" marB="64671">
+                    <a:lnL w="12700" cap="flat" cmpd="sng" algn="ctr">
+                      <a:solidFill>
+                        <a:schemeClr val="bg1">
+                          <a:lumMod val="65000"/>
+                        </a:schemeClr>
+                      </a:solidFill>
+                      <a:prstDash val="solid"/>
+                      <a:round/>
+                      <a:headEnd type="none" w="med" len="med"/>
+                      <a:tailEnd type="none" w="med" len="med"/>
+                    </a:lnL>
+                    <a:lnR w="12700" cap="flat" cmpd="sng" algn="ctr">
+                      <a:solidFill>
+                        <a:schemeClr val="bg1">
+                          <a:lumMod val="65000"/>
+                        </a:schemeClr>
+                      </a:solidFill>
+                      <a:prstDash val="solid"/>
+                      <a:round/>
+                      <a:headEnd type="none" w="med" len="med"/>
+                      <a:tailEnd type="none" w="med" len="med"/>
+                    </a:lnR>
+                    <a:lnT w="12700" cap="flat" cmpd="sng" algn="ctr">
+                      <a:solidFill>
+                        <a:schemeClr val="bg1">
+                          <a:lumMod val="65000"/>
+                        </a:schemeClr>
+                      </a:solidFill>
+                      <a:prstDash val="solid"/>
+                      <a:round/>
+                      <a:headEnd type="none" w="med" len="med"/>
+                      <a:tailEnd type="none" w="med" len="med"/>
+                    </a:lnT>
+                    <a:lnB w="12700" cap="flat" cmpd="sng" algn="ctr">
+                      <a:solidFill>
+                        <a:schemeClr val="bg1">
+                          <a:lumMod val="65000"/>
+                        </a:schemeClr>
+                      </a:solidFill>
+                      <a:prstDash val="solid"/>
+                      <a:round/>
+                      <a:headEnd type="none" w="med" len="med"/>
+                      <a:tailEnd type="none" w="med" len="med"/>
+                    </a:lnB>
+                    <a:solidFill>
+                      <a:schemeClr val="bg1">
+                        <a:lumMod val="50000"/>
+                      </a:schemeClr>
+                    </a:solidFill>
+                  </a:tcPr>
+                </a:tc>
+                <a:tc>
+                  <a:txBody>
+                    <a:bodyPr/>
+                    <a:lstStyle/>
+                    <a:p>
+                      <a:pPr latinLnBrk="1"/>
+                      <a:endParaRPr lang="ko-KR" altLang="en-US" sz="2500" dirty="0"/>
+                    </a:p>
+                  </a:txBody>
+                  <a:tcPr marL="129342" marR="129342" marT="64671" marB="64671">
+                    <a:lnL w="12700" cap="flat" cmpd="sng" algn="ctr">
+                      <a:solidFill>
+                        <a:schemeClr val="bg1">
+                          <a:lumMod val="65000"/>
+                        </a:schemeClr>
+                      </a:solidFill>
+                      <a:prstDash val="solid"/>
+                      <a:round/>
+                      <a:headEnd type="none" w="med" len="med"/>
+                      <a:tailEnd type="none" w="med" len="med"/>
+                    </a:lnL>
+                    <a:lnR w="12700" cap="flat" cmpd="sng" algn="ctr">
+                      <a:solidFill>
+                        <a:schemeClr val="bg1">
+                          <a:lumMod val="65000"/>
+                        </a:schemeClr>
+                      </a:solidFill>
+                      <a:prstDash val="solid"/>
+                      <a:round/>
+                      <a:headEnd type="none" w="med" len="med"/>
+                      <a:tailEnd type="none" w="med" len="med"/>
+                    </a:lnR>
+                    <a:lnT w="12700" cap="flat" cmpd="sng" algn="ctr">
+                      <a:solidFill>
+                        <a:schemeClr val="bg1">
+                          <a:lumMod val="65000"/>
+                        </a:schemeClr>
+                      </a:solidFill>
+                      <a:prstDash val="solid"/>
+                      <a:round/>
+                      <a:headEnd type="none" w="med" len="med"/>
+                      <a:tailEnd type="none" w="med" len="med"/>
+                    </a:lnT>
+                    <a:lnB w="12700" cap="flat" cmpd="sng" algn="ctr">
+                      <a:solidFill>
+                        <a:schemeClr val="bg1">
+                          <a:lumMod val="65000"/>
+                        </a:schemeClr>
+                      </a:solidFill>
+                      <a:prstDash val="solid"/>
+                      <a:round/>
+                      <a:headEnd type="none" w="med" len="med"/>
+                      <a:tailEnd type="none" w="med" len="med"/>
+                    </a:lnB>
+                    <a:solidFill>
+                      <a:schemeClr val="bg1"/>
+                    </a:solidFill>
+                  </a:tcPr>
+                </a:tc>
+                <a:tc>
+                  <a:txBody>
+                    <a:bodyPr/>
+                    <a:lstStyle/>
+                    <a:p>
+                      <a:pPr latinLnBrk="1"/>
+                      <a:endParaRPr lang="ko-KR" altLang="en-US" sz="2500" dirty="0"/>
+                    </a:p>
+                  </a:txBody>
+                  <a:tcPr marL="129342" marR="129342" marT="64671" marB="64671">
+                    <a:lnL w="12700" cap="flat" cmpd="sng" algn="ctr">
+                      <a:solidFill>
+                        <a:schemeClr val="bg1">
+                          <a:lumMod val="65000"/>
+                        </a:schemeClr>
+                      </a:solidFill>
+                      <a:prstDash val="solid"/>
+                      <a:round/>
+                      <a:headEnd type="none" w="med" len="med"/>
+                      <a:tailEnd type="none" w="med" len="med"/>
+                    </a:lnL>
+                    <a:lnR w="12700" cap="flat" cmpd="sng" algn="ctr">
+                      <a:solidFill>
+                        <a:schemeClr val="bg1">
+                          <a:lumMod val="65000"/>
+                        </a:schemeClr>
+                      </a:solidFill>
+                      <a:prstDash val="solid"/>
+                      <a:round/>
+                      <a:headEnd type="none" w="med" len="med"/>
+                      <a:tailEnd type="none" w="med" len="med"/>
+                    </a:lnR>
+                    <a:lnT w="12700" cap="flat" cmpd="sng" algn="ctr">
+                      <a:solidFill>
+                        <a:schemeClr val="bg1">
+                          <a:lumMod val="65000"/>
+                        </a:schemeClr>
+                      </a:solidFill>
+                      <a:prstDash val="solid"/>
+                      <a:round/>
+                      <a:headEnd type="none" w="med" len="med"/>
+                      <a:tailEnd type="none" w="med" len="med"/>
+                    </a:lnT>
+                    <a:lnB w="12700" cap="flat" cmpd="sng" algn="ctr">
+                      <a:solidFill>
+                        <a:schemeClr val="bg1">
+                          <a:lumMod val="65000"/>
+                        </a:schemeClr>
+                      </a:solidFill>
+                      <a:prstDash val="solid"/>
+                      <a:round/>
+                      <a:headEnd type="none" w="med" len="med"/>
+                      <a:tailEnd type="none" w="med" len="med"/>
+                    </a:lnB>
+                    <a:solidFill>
+                      <a:schemeClr val="bg1"/>
+                    </a:solidFill>
+                  </a:tcPr>
+                </a:tc>
+                <a:tc>
+                  <a:txBody>
+                    <a:bodyPr/>
+                    <a:lstStyle/>
+                    <a:p>
+                      <a:pPr latinLnBrk="1"/>
+                      <a:endParaRPr lang="ko-KR" altLang="en-US" sz="2500" dirty="0"/>
+                    </a:p>
+                  </a:txBody>
+                  <a:tcPr marL="129342" marR="129342" marT="64671" marB="64671">
+                    <a:lnL w="12700" cap="flat" cmpd="sng" algn="ctr">
+                      <a:solidFill>
+                        <a:schemeClr val="bg1">
+                          <a:lumMod val="65000"/>
+                        </a:schemeClr>
+                      </a:solidFill>
+                      <a:prstDash val="solid"/>
+                      <a:round/>
+                      <a:headEnd type="none" w="med" len="med"/>
+                      <a:tailEnd type="none" w="med" len="med"/>
+                    </a:lnL>
+                    <a:lnR w="12700" cap="flat" cmpd="sng" algn="ctr">
+                      <a:solidFill>
+                        <a:schemeClr val="bg1">
+                          <a:lumMod val="65000"/>
+                        </a:schemeClr>
+                      </a:solidFill>
+                      <a:prstDash val="solid"/>
+                      <a:round/>
+                      <a:headEnd type="none" w="med" len="med"/>
+                      <a:tailEnd type="none" w="med" len="med"/>
+                    </a:lnR>
+                    <a:lnT w="12700" cap="flat" cmpd="sng" algn="ctr">
+                      <a:solidFill>
+                        <a:schemeClr val="bg1">
+                          <a:lumMod val="65000"/>
+                        </a:schemeClr>
+                      </a:solidFill>
+                      <a:prstDash val="solid"/>
+                      <a:round/>
+                      <a:headEnd type="none" w="med" len="med"/>
+                      <a:tailEnd type="none" w="med" len="med"/>
+                    </a:lnT>
+                    <a:lnB w="12700" cap="flat" cmpd="sng" algn="ctr">
+                      <a:solidFill>
+                        <a:schemeClr val="bg1">
+                          <a:lumMod val="65000"/>
+                        </a:schemeClr>
+                      </a:solidFill>
+                      <a:prstDash val="solid"/>
+                      <a:round/>
+                      <a:headEnd type="none" w="med" len="med"/>
+                      <a:tailEnd type="none" w="med" len="med"/>
+                    </a:lnB>
+                    <a:solidFill>
+                      <a:schemeClr val="bg1">
+                        <a:lumMod val="50000"/>
+                      </a:schemeClr>
+                    </a:solidFill>
+                  </a:tcPr>
+                </a:tc>
+                <a:tc>
+                  <a:txBody>
+                    <a:bodyPr/>
+                    <a:lstStyle/>
+                    <a:p>
+                      <a:pPr latinLnBrk="1"/>
+                      <a:endParaRPr lang="ko-KR" altLang="en-US" sz="2500"/>
+                    </a:p>
+                  </a:txBody>
+                  <a:tcPr marL="129342" marR="129342" marT="64671" marB="64671">
+                    <a:lnL w="12700" cap="flat" cmpd="sng" algn="ctr">
+                      <a:solidFill>
+                        <a:schemeClr val="bg1">
+                          <a:lumMod val="65000"/>
+                        </a:schemeClr>
+                      </a:solidFill>
+                      <a:prstDash val="solid"/>
+                      <a:round/>
+                      <a:headEnd type="none" w="med" len="med"/>
+                      <a:tailEnd type="none" w="med" len="med"/>
+                    </a:lnL>
+                    <a:lnR w="12700" cap="flat" cmpd="sng" algn="ctr">
+                      <a:solidFill>
+                        <a:schemeClr val="bg1">
+                          <a:lumMod val="65000"/>
+                        </a:schemeClr>
+                      </a:solidFill>
+                      <a:prstDash val="solid"/>
+                      <a:round/>
+                      <a:headEnd type="none" w="med" len="med"/>
+                      <a:tailEnd type="none" w="med" len="med"/>
+                    </a:lnR>
+                    <a:lnT w="12700" cap="flat" cmpd="sng" algn="ctr">
+                      <a:solidFill>
+                        <a:schemeClr val="bg1">
+                          <a:lumMod val="65000"/>
+                        </a:schemeClr>
+                      </a:solidFill>
+                      <a:prstDash val="solid"/>
+                      <a:round/>
+                      <a:headEnd type="none" w="med" len="med"/>
+                      <a:tailEnd type="none" w="med" len="med"/>
+                    </a:lnT>
+                    <a:lnB w="12700" cap="flat" cmpd="sng" algn="ctr">
+                      <a:solidFill>
+                        <a:schemeClr val="bg1">
+                          <a:lumMod val="65000"/>
+                        </a:schemeClr>
+                      </a:solidFill>
+                      <a:prstDash val="solid"/>
+                      <a:round/>
+                      <a:headEnd type="none" w="med" len="med"/>
+                      <a:tailEnd type="none" w="med" len="med"/>
+                    </a:lnB>
+                    <a:solidFill>
+                      <a:schemeClr val="bg1"/>
+                    </a:solidFill>
+                  </a:tcPr>
+                </a:tc>
+                <a:tc>
+                  <a:txBody>
+                    <a:bodyPr/>
+                    <a:lstStyle/>
+                    <a:p>
+                      <a:pPr latinLnBrk="1"/>
+                      <a:endParaRPr lang="ko-KR" altLang="en-US" sz="2500" dirty="0"/>
+                    </a:p>
+                  </a:txBody>
+                  <a:tcPr marL="129342" marR="129342" marT="64671" marB="64671">
+                    <a:lnL w="12700" cap="flat" cmpd="sng" algn="ctr">
+                      <a:solidFill>
+                        <a:schemeClr val="bg1">
+                          <a:lumMod val="65000"/>
+                        </a:schemeClr>
+                      </a:solidFill>
+                      <a:prstDash val="solid"/>
+                      <a:round/>
+                      <a:headEnd type="none" w="med" len="med"/>
+                      <a:tailEnd type="none" w="med" len="med"/>
+                    </a:lnL>
+                    <a:lnR w="12700" cap="flat" cmpd="sng" algn="ctr">
+                      <a:solidFill>
+                        <a:schemeClr val="bg1">
+                          <a:lumMod val="65000"/>
+                        </a:schemeClr>
+                      </a:solidFill>
+                      <a:prstDash val="solid"/>
+                      <a:round/>
+                      <a:headEnd type="none" w="med" len="med"/>
+                      <a:tailEnd type="none" w="med" len="med"/>
+                    </a:lnR>
+                    <a:lnT w="12700" cap="flat" cmpd="sng" algn="ctr">
+                      <a:solidFill>
+                        <a:schemeClr val="bg1">
+                          <a:lumMod val="65000"/>
+                        </a:schemeClr>
+                      </a:solidFill>
+                      <a:prstDash val="solid"/>
+                      <a:round/>
+                      <a:headEnd type="none" w="med" len="med"/>
+                      <a:tailEnd type="none" w="med" len="med"/>
+                    </a:lnT>
+                    <a:lnB w="12700" cap="flat" cmpd="sng" algn="ctr">
+                      <a:solidFill>
+                        <a:schemeClr val="bg1">
+                          <a:lumMod val="65000"/>
+                        </a:schemeClr>
+                      </a:solidFill>
+                      <a:prstDash val="solid"/>
+                      <a:round/>
+                      <a:headEnd type="none" w="med" len="med"/>
+                      <a:tailEnd type="none" w="med" len="med"/>
+                    </a:lnB>
+                    <a:solidFill>
+                      <a:schemeClr val="bg1"/>
+                    </a:solidFill>
+                  </a:tcPr>
+                </a:tc>
+                <a:extLst>
+                  <a:ext uri="{0D108BD9-81ED-4DB2-BD59-A6C34878D82A}">
+                    <a16:rowId xmlns:a16="http://schemas.microsoft.com/office/drawing/2014/main" val="605150786"/>
+                  </a:ext>
+                </a:extLst>
+              </a:tr>
+              <a:tr h="524555">
+                <a:tc>
+                  <a:txBody>
+                    <a:bodyPr/>
+                    <a:lstStyle/>
+                    <a:p>
+                      <a:pPr latinLnBrk="1"/>
+                      <a:endParaRPr lang="ko-KR" altLang="en-US" sz="2500"/>
+                    </a:p>
+                  </a:txBody>
+                  <a:tcPr marL="129342" marR="129342" marT="64671" marB="64671">
+                    <a:lnL w="12700" cap="flat" cmpd="sng" algn="ctr">
+                      <a:solidFill>
+                        <a:schemeClr val="bg1">
+                          <a:lumMod val="65000"/>
+                        </a:schemeClr>
+                      </a:solidFill>
+                      <a:prstDash val="solid"/>
+                      <a:round/>
+                      <a:headEnd type="none" w="med" len="med"/>
+                      <a:tailEnd type="none" w="med" len="med"/>
+                    </a:lnL>
+                    <a:lnR w="12700" cap="flat" cmpd="sng" algn="ctr">
+                      <a:solidFill>
+                        <a:schemeClr val="bg1">
+                          <a:lumMod val="65000"/>
+                        </a:schemeClr>
+                      </a:solidFill>
+                      <a:prstDash val="solid"/>
+                      <a:round/>
+                      <a:headEnd type="none" w="med" len="med"/>
+                      <a:tailEnd type="none" w="med" len="med"/>
+                    </a:lnR>
+                    <a:lnT w="12700" cap="flat" cmpd="sng" algn="ctr">
+                      <a:solidFill>
+                        <a:schemeClr val="bg1">
+                          <a:lumMod val="65000"/>
+                        </a:schemeClr>
+                      </a:solidFill>
+                      <a:prstDash val="solid"/>
+                      <a:round/>
+                      <a:headEnd type="none" w="med" len="med"/>
+                      <a:tailEnd type="none" w="med" len="med"/>
+                    </a:lnT>
+                    <a:lnB w="12700" cap="flat" cmpd="sng" algn="ctr">
+                      <a:solidFill>
+                        <a:schemeClr val="bg1">
+                          <a:lumMod val="65000"/>
+                        </a:schemeClr>
+                      </a:solidFill>
+                      <a:prstDash val="solid"/>
+                      <a:round/>
+                      <a:headEnd type="none" w="med" len="med"/>
+                      <a:tailEnd type="none" w="med" len="med"/>
+                    </a:lnB>
+                    <a:solidFill>
+                      <a:schemeClr val="bg1"/>
+                    </a:solidFill>
+                  </a:tcPr>
+                </a:tc>
+                <a:tc>
+                  <a:txBody>
+                    <a:bodyPr/>
+                    <a:lstStyle/>
+                    <a:p>
+                      <a:pPr latinLnBrk="1"/>
+                      <a:endParaRPr lang="ko-KR" altLang="en-US" sz="2500" dirty="0"/>
+                    </a:p>
+                  </a:txBody>
+                  <a:tcPr marL="129342" marR="129342" marT="64671" marB="64671">
+                    <a:lnL w="12700" cap="flat" cmpd="sng" algn="ctr">
+                      <a:solidFill>
+                        <a:schemeClr val="bg1">
+                          <a:lumMod val="65000"/>
+                        </a:schemeClr>
+                      </a:solidFill>
+                      <a:prstDash val="solid"/>
+                      <a:round/>
+                      <a:headEnd type="none" w="med" len="med"/>
+                      <a:tailEnd type="none" w="med" len="med"/>
+                    </a:lnL>
+                    <a:lnR w="12700" cap="flat" cmpd="sng" algn="ctr">
+                      <a:solidFill>
+                        <a:schemeClr val="bg1">
+                          <a:lumMod val="65000"/>
+                        </a:schemeClr>
+                      </a:solidFill>
+                      <a:prstDash val="solid"/>
+                      <a:round/>
+                      <a:headEnd type="none" w="med" len="med"/>
+                      <a:tailEnd type="none" w="med" len="med"/>
+                    </a:lnR>
+                    <a:lnT w="12700" cap="flat" cmpd="sng" algn="ctr">
+                      <a:solidFill>
+                        <a:schemeClr val="bg1">
+                          <a:lumMod val="65000"/>
+                        </a:schemeClr>
+                      </a:solidFill>
+                      <a:prstDash val="solid"/>
+                      <a:round/>
+                      <a:headEnd type="none" w="med" len="med"/>
+                      <a:tailEnd type="none" w="med" len="med"/>
+                    </a:lnT>
+                    <a:lnB w="12700" cap="flat" cmpd="sng" algn="ctr">
+                      <a:solidFill>
+                        <a:schemeClr val="bg1">
+                          <a:lumMod val="65000"/>
+                        </a:schemeClr>
+                      </a:solidFill>
+                      <a:prstDash val="solid"/>
+                      <a:round/>
+                      <a:headEnd type="none" w="med" len="med"/>
+                      <a:tailEnd type="none" w="med" len="med"/>
+                    </a:lnB>
+                    <a:solidFill>
+                      <a:schemeClr val="bg1">
+                        <a:lumMod val="50000"/>
+                      </a:schemeClr>
+                    </a:solidFill>
+                  </a:tcPr>
+                </a:tc>
+                <a:tc>
+                  <a:txBody>
+                    <a:bodyPr/>
+                    <a:lstStyle/>
+                    <a:p>
+                      <a:pPr latinLnBrk="1"/>
+                      <a:endParaRPr lang="ko-KR" altLang="en-US" sz="2500"/>
+                    </a:p>
+                  </a:txBody>
+                  <a:tcPr marL="129342" marR="129342" marT="64671" marB="64671">
+                    <a:lnL w="12700" cap="flat" cmpd="sng" algn="ctr">
+                      <a:solidFill>
+                        <a:schemeClr val="bg1">
+                          <a:lumMod val="65000"/>
+                        </a:schemeClr>
+                      </a:solidFill>
+                      <a:prstDash val="solid"/>
+                      <a:round/>
+                      <a:headEnd type="none" w="med" len="med"/>
+                      <a:tailEnd type="none" w="med" len="med"/>
+                    </a:lnL>
+                    <a:lnR w="12700" cap="flat" cmpd="sng" algn="ctr">
+                      <a:solidFill>
+                        <a:schemeClr val="bg1">
+                          <a:lumMod val="65000"/>
+                        </a:schemeClr>
+                      </a:solidFill>
+                      <a:prstDash val="solid"/>
+                      <a:round/>
+                      <a:headEnd type="none" w="med" len="med"/>
+                      <a:tailEnd type="none" w="med" len="med"/>
+                    </a:lnR>
+                    <a:lnT w="12700" cap="flat" cmpd="sng" algn="ctr">
+                      <a:solidFill>
+                        <a:schemeClr val="bg1">
+                          <a:lumMod val="65000"/>
+                        </a:schemeClr>
+                      </a:solidFill>
+                      <a:prstDash val="solid"/>
+                      <a:round/>
+                      <a:headEnd type="none" w="med" len="med"/>
+                      <a:tailEnd type="none" w="med" len="med"/>
+                    </a:lnT>
+                    <a:lnB w="12700" cap="flat" cmpd="sng" algn="ctr">
+                      <a:solidFill>
+                        <a:schemeClr val="bg1">
+                          <a:lumMod val="65000"/>
+                        </a:schemeClr>
+                      </a:solidFill>
+                      <a:prstDash val="solid"/>
+                      <a:round/>
+                      <a:headEnd type="none" w="med" len="med"/>
+                      <a:tailEnd type="none" w="med" len="med"/>
+                    </a:lnB>
+                    <a:solidFill>
+                      <a:schemeClr val="bg1"/>
+                    </a:solidFill>
+                  </a:tcPr>
+                </a:tc>
+                <a:tc>
+                  <a:txBody>
+                    <a:bodyPr/>
+                    <a:lstStyle/>
+                    <a:p>
+                      <a:pPr latinLnBrk="1"/>
+                      <a:endParaRPr lang="ko-KR" altLang="en-US" sz="2500" dirty="0"/>
+                    </a:p>
+                  </a:txBody>
+                  <a:tcPr marL="129342" marR="129342" marT="64671" marB="64671">
+                    <a:lnL w="12700" cap="flat" cmpd="sng" algn="ctr">
+                      <a:solidFill>
+                        <a:schemeClr val="bg1">
+                          <a:lumMod val="65000"/>
+                        </a:schemeClr>
+                      </a:solidFill>
+                      <a:prstDash val="solid"/>
+                      <a:round/>
+                      <a:headEnd type="none" w="med" len="med"/>
+                      <a:tailEnd type="none" w="med" len="med"/>
+                    </a:lnL>
+                    <a:lnR w="12700" cap="flat" cmpd="sng" algn="ctr">
+                      <a:solidFill>
+                        <a:schemeClr val="bg1">
+                          <a:lumMod val="65000"/>
+                        </a:schemeClr>
+                      </a:solidFill>
+                      <a:prstDash val="solid"/>
+                      <a:round/>
+                      <a:headEnd type="none" w="med" len="med"/>
+                      <a:tailEnd type="none" w="med" len="med"/>
+                    </a:lnR>
+                    <a:lnT w="12700" cap="flat" cmpd="sng" algn="ctr">
+                      <a:solidFill>
+                        <a:schemeClr val="bg1">
+                          <a:lumMod val="65000"/>
+                        </a:schemeClr>
+                      </a:solidFill>
+                      <a:prstDash val="solid"/>
+                      <a:round/>
+                      <a:headEnd type="none" w="med" len="med"/>
+                      <a:tailEnd type="none" w="med" len="med"/>
+                    </a:lnT>
+                    <a:lnB w="12700" cap="flat" cmpd="sng" algn="ctr">
+                      <a:solidFill>
+                        <a:schemeClr val="bg1">
+                          <a:lumMod val="65000"/>
+                        </a:schemeClr>
+                      </a:solidFill>
+                      <a:prstDash val="solid"/>
+                      <a:round/>
+                      <a:headEnd type="none" w="med" len="med"/>
+                      <a:tailEnd type="none" w="med" len="med"/>
+                    </a:lnB>
+                    <a:solidFill>
+                      <a:schemeClr val="bg1">
+                        <a:lumMod val="50000"/>
+                      </a:schemeClr>
+                    </a:solidFill>
+                  </a:tcPr>
+                </a:tc>
+                <a:tc>
+                  <a:txBody>
+                    <a:bodyPr/>
+                    <a:lstStyle/>
+                    <a:p>
+                      <a:pPr latinLnBrk="1"/>
+                      <a:endParaRPr lang="ko-KR" altLang="en-US" sz="2500" dirty="0"/>
+                    </a:p>
+                  </a:txBody>
+                  <a:tcPr marL="129342" marR="129342" marT="64671" marB="64671">
+                    <a:lnL w="12700" cap="flat" cmpd="sng" algn="ctr">
+                      <a:solidFill>
+                        <a:schemeClr val="bg1">
+                          <a:lumMod val="65000"/>
+                        </a:schemeClr>
+                      </a:solidFill>
+                      <a:prstDash val="solid"/>
+                      <a:round/>
+                      <a:headEnd type="none" w="med" len="med"/>
+                      <a:tailEnd type="none" w="med" len="med"/>
+                    </a:lnL>
+                    <a:lnR w="12700" cap="flat" cmpd="sng" algn="ctr">
+                      <a:solidFill>
+                        <a:schemeClr val="bg1">
+                          <a:lumMod val="65000"/>
+                        </a:schemeClr>
+                      </a:solidFill>
+                      <a:prstDash val="solid"/>
+                      <a:round/>
+                      <a:headEnd type="none" w="med" len="med"/>
+                      <a:tailEnd type="none" w="med" len="med"/>
+                    </a:lnR>
+                    <a:lnT w="12700" cap="flat" cmpd="sng" algn="ctr">
+                      <a:solidFill>
+                        <a:schemeClr val="bg1">
+                          <a:lumMod val="65000"/>
+                        </a:schemeClr>
+                      </a:solidFill>
+                      <a:prstDash val="solid"/>
+                      <a:round/>
+                      <a:headEnd type="none" w="med" len="med"/>
+                      <a:tailEnd type="none" w="med" len="med"/>
+                    </a:lnT>
+                    <a:lnB w="12700" cap="flat" cmpd="sng" algn="ctr">
+                      <a:solidFill>
+                        <a:schemeClr val="bg1">
+                          <a:lumMod val="65000"/>
+                        </a:schemeClr>
+                      </a:solidFill>
+                      <a:prstDash val="solid"/>
+                      <a:round/>
+                      <a:headEnd type="none" w="med" len="med"/>
+                      <a:tailEnd type="none" w="med" len="med"/>
+                    </a:lnB>
+                    <a:solidFill>
+                      <a:schemeClr val="bg1"/>
+                    </a:solidFill>
+                  </a:tcPr>
+                </a:tc>
+                <a:tc>
+                  <a:txBody>
+                    <a:bodyPr/>
+                    <a:lstStyle/>
+                    <a:p>
+                      <a:pPr latinLnBrk="1"/>
+                      <a:endParaRPr lang="ko-KR" altLang="en-US" sz="2500" dirty="0"/>
+                    </a:p>
+                  </a:txBody>
+                  <a:tcPr marL="129342" marR="129342" marT="64671" marB="64671">
+                    <a:lnL w="12700" cap="flat" cmpd="sng" algn="ctr">
+                      <a:solidFill>
+                        <a:schemeClr val="bg1">
+                          <a:lumMod val="65000"/>
+                        </a:schemeClr>
+                      </a:solidFill>
+                      <a:prstDash val="solid"/>
+                      <a:round/>
+                      <a:headEnd type="none" w="med" len="med"/>
+                      <a:tailEnd type="none" w="med" len="med"/>
+                    </a:lnL>
+                    <a:lnR w="12700" cap="flat" cmpd="sng" algn="ctr">
+                      <a:solidFill>
+                        <a:schemeClr val="bg1">
+                          <a:lumMod val="65000"/>
+                        </a:schemeClr>
+                      </a:solidFill>
+                      <a:prstDash val="solid"/>
+                      <a:round/>
+                      <a:headEnd type="none" w="med" len="med"/>
+                      <a:tailEnd type="none" w="med" len="med"/>
+                    </a:lnR>
+                    <a:lnT w="12700" cap="flat" cmpd="sng" algn="ctr">
+                      <a:solidFill>
+                        <a:schemeClr val="bg1">
+                          <a:lumMod val="65000"/>
+                        </a:schemeClr>
+                      </a:solidFill>
+                      <a:prstDash val="solid"/>
+                      <a:round/>
+                      <a:headEnd type="none" w="med" len="med"/>
+                      <a:tailEnd type="none" w="med" len="med"/>
+                    </a:lnT>
+                    <a:lnB w="12700" cap="flat" cmpd="sng" algn="ctr">
+                      <a:solidFill>
+                        <a:schemeClr val="bg1">
+                          <a:lumMod val="65000"/>
+                        </a:schemeClr>
+                      </a:solidFill>
+                      <a:prstDash val="solid"/>
+                      <a:round/>
+                      <a:headEnd type="none" w="med" len="med"/>
+                      <a:tailEnd type="none" w="med" len="med"/>
+                    </a:lnB>
+                    <a:solidFill>
+                      <a:schemeClr val="bg1">
+                        <a:lumMod val="50000"/>
+                      </a:schemeClr>
+                    </a:solidFill>
+                  </a:tcPr>
+                </a:tc>
+                <a:tc>
+                  <a:txBody>
+                    <a:bodyPr/>
+                    <a:lstStyle/>
+                    <a:p>
+                      <a:pPr latinLnBrk="1"/>
+                      <a:endParaRPr lang="ko-KR" altLang="en-US" sz="2500" dirty="0"/>
+                    </a:p>
+                  </a:txBody>
+                  <a:tcPr marL="129342" marR="129342" marT="64671" marB="64671">
+                    <a:lnL w="12700" cap="flat" cmpd="sng" algn="ctr">
+                      <a:solidFill>
+                        <a:schemeClr val="bg1">
+                          <a:lumMod val="65000"/>
+                        </a:schemeClr>
+                      </a:solidFill>
+                      <a:prstDash val="solid"/>
+                      <a:round/>
+                      <a:headEnd type="none" w="med" len="med"/>
+                      <a:tailEnd type="none" w="med" len="med"/>
+                    </a:lnL>
+                    <a:lnR w="12700" cap="flat" cmpd="sng" algn="ctr">
+                      <a:solidFill>
+                        <a:schemeClr val="bg1">
+                          <a:lumMod val="65000"/>
+                        </a:schemeClr>
+                      </a:solidFill>
+                      <a:prstDash val="solid"/>
+                      <a:round/>
+                      <a:headEnd type="none" w="med" len="med"/>
+                      <a:tailEnd type="none" w="med" len="med"/>
+                    </a:lnR>
+                    <a:lnT w="12700" cap="flat" cmpd="sng" algn="ctr">
+                      <a:solidFill>
+                        <a:schemeClr val="bg1">
+                          <a:lumMod val="65000"/>
+                        </a:schemeClr>
+                      </a:solidFill>
+                      <a:prstDash val="solid"/>
+                      <a:round/>
+                      <a:headEnd type="none" w="med" len="med"/>
+                      <a:tailEnd type="none" w="med" len="med"/>
+                    </a:lnT>
+                    <a:lnB w="12700" cap="flat" cmpd="sng" algn="ctr">
+                      <a:solidFill>
+                        <a:schemeClr val="bg1">
+                          <a:lumMod val="65000"/>
+                        </a:schemeClr>
+                      </a:solidFill>
+                      <a:prstDash val="solid"/>
+                      <a:round/>
+                      <a:headEnd type="none" w="med" len="med"/>
+                      <a:tailEnd type="none" w="med" len="med"/>
+                    </a:lnB>
+                    <a:solidFill>
+                      <a:schemeClr val="bg1"/>
+                    </a:solidFill>
+                  </a:tcPr>
+                </a:tc>
+                <a:tc>
+                  <a:txBody>
+                    <a:bodyPr/>
+                    <a:lstStyle/>
+                    <a:p>
+                      <a:pPr latinLnBrk="1"/>
+                      <a:endParaRPr lang="ko-KR" altLang="en-US" sz="2500"/>
+                    </a:p>
+                  </a:txBody>
+                  <a:tcPr marL="129342" marR="129342" marT="64671" marB="64671">
+                    <a:lnL w="12700" cap="flat" cmpd="sng" algn="ctr">
+                      <a:solidFill>
+                        <a:schemeClr val="bg1">
+                          <a:lumMod val="65000"/>
+                        </a:schemeClr>
+                      </a:solidFill>
+                      <a:prstDash val="solid"/>
+                      <a:round/>
+                      <a:headEnd type="none" w="med" len="med"/>
+                      <a:tailEnd type="none" w="med" len="med"/>
+                    </a:lnL>
+                    <a:lnR w="12700" cap="flat" cmpd="sng" algn="ctr">
+                      <a:solidFill>
+                        <a:schemeClr val="bg1">
+                          <a:lumMod val="65000"/>
+                        </a:schemeClr>
+                      </a:solidFill>
+                      <a:prstDash val="solid"/>
+                      <a:round/>
+                      <a:headEnd type="none" w="med" len="med"/>
+                      <a:tailEnd type="none" w="med" len="med"/>
+                    </a:lnR>
+                    <a:lnT w="12700" cap="flat" cmpd="sng" algn="ctr">
+                      <a:solidFill>
+                        <a:schemeClr val="bg1">
+                          <a:lumMod val="65000"/>
+                        </a:schemeClr>
+                      </a:solidFill>
+                      <a:prstDash val="solid"/>
+                      <a:round/>
+                      <a:headEnd type="none" w="med" len="med"/>
+                      <a:tailEnd type="none" w="med" len="med"/>
+                    </a:lnT>
+                    <a:lnB w="12700" cap="flat" cmpd="sng" algn="ctr">
+                      <a:solidFill>
+                        <a:schemeClr val="bg1">
+                          <a:lumMod val="65000"/>
+                        </a:schemeClr>
+                      </a:solidFill>
+                      <a:prstDash val="solid"/>
+                      <a:round/>
+                      <a:headEnd type="none" w="med" len="med"/>
+                      <a:tailEnd type="none" w="med" len="med"/>
+                    </a:lnB>
+                    <a:solidFill>
+                      <a:schemeClr val="bg1"/>
+                    </a:solidFill>
+                  </a:tcPr>
+                </a:tc>
+                <a:tc>
+                  <a:txBody>
+                    <a:bodyPr/>
+                    <a:lstStyle/>
+                    <a:p>
+                      <a:pPr latinLnBrk="1"/>
+                      <a:endParaRPr lang="ko-KR" altLang="en-US" sz="2500" dirty="0"/>
+                    </a:p>
+                  </a:txBody>
+                  <a:tcPr marL="129342" marR="129342" marT="64671" marB="64671">
+                    <a:lnL w="12700" cap="flat" cmpd="sng" algn="ctr">
+                      <a:solidFill>
+                        <a:schemeClr val="bg1">
+                          <a:lumMod val="65000"/>
+                        </a:schemeClr>
+                      </a:solidFill>
+                      <a:prstDash val="solid"/>
+                      <a:round/>
+                      <a:headEnd type="none" w="med" len="med"/>
+                      <a:tailEnd type="none" w="med" len="med"/>
+                    </a:lnL>
+                    <a:lnR w="12700" cap="flat" cmpd="sng" algn="ctr">
+                      <a:solidFill>
+                        <a:schemeClr val="bg1">
+                          <a:lumMod val="65000"/>
+                        </a:schemeClr>
+                      </a:solidFill>
+                      <a:prstDash val="solid"/>
+                      <a:round/>
+                      <a:headEnd type="none" w="med" len="med"/>
+                      <a:tailEnd type="none" w="med" len="med"/>
+                    </a:lnR>
+                    <a:lnT w="12700" cap="flat" cmpd="sng" algn="ctr">
+                      <a:solidFill>
+                        <a:schemeClr val="bg1">
+                          <a:lumMod val="65000"/>
+                        </a:schemeClr>
+                      </a:solidFill>
+                      <a:prstDash val="solid"/>
+                      <a:round/>
+                      <a:headEnd type="none" w="med" len="med"/>
+                      <a:tailEnd type="none" w="med" len="med"/>
+                    </a:lnT>
+                    <a:lnB w="12700" cap="flat" cmpd="sng" algn="ctr">
+                      <a:solidFill>
+                        <a:schemeClr val="bg1">
+                          <a:lumMod val="65000"/>
+                        </a:schemeClr>
+                      </a:solidFill>
+                      <a:prstDash val="solid"/>
+                      <a:round/>
+                      <a:headEnd type="none" w="med" len="med"/>
+                      <a:tailEnd type="none" w="med" len="med"/>
+                    </a:lnB>
+                    <a:solidFill>
+                      <a:schemeClr val="bg1">
+                        <a:lumMod val="50000"/>
+                      </a:schemeClr>
+                    </a:solidFill>
+                  </a:tcPr>
+                </a:tc>
+                <a:tc>
+                  <a:txBody>
+                    <a:bodyPr/>
+                    <a:lstStyle/>
+                    <a:p>
+                      <a:pPr latinLnBrk="1"/>
+                      <a:endParaRPr lang="ko-KR" altLang="en-US" sz="2500" dirty="0"/>
+                    </a:p>
+                  </a:txBody>
+                  <a:tcPr marL="129342" marR="129342" marT="64671" marB="64671">
+                    <a:lnL w="12700" cap="flat" cmpd="sng" algn="ctr">
+                      <a:solidFill>
+                        <a:schemeClr val="bg1">
+                          <a:lumMod val="65000"/>
+                        </a:schemeClr>
+                      </a:solidFill>
+                      <a:prstDash val="solid"/>
+                      <a:round/>
+                      <a:headEnd type="none" w="med" len="med"/>
+                      <a:tailEnd type="none" w="med" len="med"/>
+                    </a:lnL>
+                    <a:lnR w="12700" cap="flat" cmpd="sng" algn="ctr">
+                      <a:solidFill>
+                        <a:schemeClr val="bg1">
+                          <a:lumMod val="65000"/>
+                        </a:schemeClr>
+                      </a:solidFill>
+                      <a:prstDash val="solid"/>
+                      <a:round/>
+                      <a:headEnd type="none" w="med" len="med"/>
+                      <a:tailEnd type="none" w="med" len="med"/>
+                    </a:lnR>
+                    <a:lnT w="12700" cap="flat" cmpd="sng" algn="ctr">
+                      <a:solidFill>
+                        <a:schemeClr val="bg1">
+                          <a:lumMod val="65000"/>
+                        </a:schemeClr>
+                      </a:solidFill>
+                      <a:prstDash val="solid"/>
+                      <a:round/>
+                      <a:headEnd type="none" w="med" len="med"/>
+                      <a:tailEnd type="none" w="med" len="med"/>
+                    </a:lnT>
+                    <a:lnB w="12700" cap="flat" cmpd="sng" algn="ctr">
+                      <a:solidFill>
+                        <a:schemeClr val="bg1">
+                          <a:lumMod val="65000"/>
+                        </a:schemeClr>
+                      </a:solidFill>
+                      <a:prstDash val="solid"/>
+                      <a:round/>
+                      <a:headEnd type="none" w="med" len="med"/>
+                      <a:tailEnd type="none" w="med" len="med"/>
+                    </a:lnB>
+                    <a:solidFill>
+                      <a:schemeClr val="bg1"/>
+                    </a:solidFill>
+                  </a:tcPr>
+                </a:tc>
+                <a:tc>
+                  <a:txBody>
+                    <a:bodyPr/>
+                    <a:lstStyle/>
+                    <a:p>
+                      <a:pPr latinLnBrk="1"/>
+                      <a:endParaRPr lang="ko-KR" altLang="en-US" sz="2500" dirty="0"/>
+                    </a:p>
+                  </a:txBody>
+                  <a:tcPr marL="129342" marR="129342" marT="64671" marB="64671">
+                    <a:lnL w="12700" cap="flat" cmpd="sng" algn="ctr">
+                      <a:solidFill>
+                        <a:schemeClr val="bg1">
+                          <a:lumMod val="65000"/>
+                        </a:schemeClr>
+                      </a:solidFill>
+                      <a:prstDash val="solid"/>
+                      <a:round/>
+                      <a:headEnd type="none" w="med" len="med"/>
+                      <a:tailEnd type="none" w="med" len="med"/>
+                    </a:lnL>
+                    <a:lnR w="12700" cap="flat" cmpd="sng" algn="ctr">
+                      <a:solidFill>
+                        <a:schemeClr val="bg1">
+                          <a:lumMod val="65000"/>
+                        </a:schemeClr>
+                      </a:solidFill>
+                      <a:prstDash val="solid"/>
+                      <a:round/>
+                      <a:headEnd type="none" w="med" len="med"/>
+                      <a:tailEnd type="none" w="med" len="med"/>
+                    </a:lnR>
+                    <a:lnT w="12700" cap="flat" cmpd="sng" algn="ctr">
+                      <a:solidFill>
+                        <a:schemeClr val="bg1">
+                          <a:lumMod val="65000"/>
+                        </a:schemeClr>
+                      </a:solidFill>
+                      <a:prstDash val="solid"/>
+                      <a:round/>
+                      <a:headEnd type="none" w="med" len="med"/>
+                      <a:tailEnd type="none" w="med" len="med"/>
+                    </a:lnT>
+                    <a:lnB w="12700" cap="flat" cmpd="sng" algn="ctr">
+                      <a:solidFill>
+                        <a:schemeClr val="bg1">
+                          <a:lumMod val="65000"/>
+                        </a:schemeClr>
+                      </a:solidFill>
+                      <a:prstDash val="solid"/>
+                      <a:round/>
+                      <a:headEnd type="none" w="med" len="med"/>
+                      <a:tailEnd type="none" w="med" len="med"/>
+                    </a:lnB>
+                    <a:solidFill>
+                      <a:schemeClr val="bg1"/>
+                    </a:solidFill>
+                  </a:tcPr>
+                </a:tc>
+                <a:extLst>
+                  <a:ext uri="{0D108BD9-81ED-4DB2-BD59-A6C34878D82A}">
+                    <a16:rowId xmlns:a16="http://schemas.microsoft.com/office/drawing/2014/main" val="741923436"/>
+                  </a:ext>
+                </a:extLst>
+              </a:tr>
+              <a:tr h="524555">
+                <a:tc>
+                  <a:txBody>
+                    <a:bodyPr/>
+                    <a:lstStyle/>
+                    <a:p>
+                      <a:pPr latinLnBrk="1"/>
+                      <a:endParaRPr lang="ko-KR" altLang="en-US" sz="2500"/>
+                    </a:p>
+                  </a:txBody>
+                  <a:tcPr marL="129342" marR="129342" marT="64671" marB="64671">
+                    <a:lnL w="12700" cap="flat" cmpd="sng" algn="ctr">
+                      <a:solidFill>
+                        <a:schemeClr val="bg1">
+                          <a:lumMod val="65000"/>
+                        </a:schemeClr>
+                      </a:solidFill>
+                      <a:prstDash val="solid"/>
+                      <a:round/>
+                      <a:headEnd type="none" w="med" len="med"/>
+                      <a:tailEnd type="none" w="med" len="med"/>
+                    </a:lnL>
+                    <a:lnR w="12700" cap="flat" cmpd="sng" algn="ctr">
+                      <a:solidFill>
+                        <a:schemeClr val="bg1">
+                          <a:lumMod val="65000"/>
+                        </a:schemeClr>
+                      </a:solidFill>
+                      <a:prstDash val="solid"/>
+                      <a:round/>
+                      <a:headEnd type="none" w="med" len="med"/>
+                      <a:tailEnd type="none" w="med" len="med"/>
+                    </a:lnR>
+                    <a:lnT w="12700" cap="flat" cmpd="sng" algn="ctr">
+                      <a:solidFill>
+                        <a:schemeClr val="bg1">
+                          <a:lumMod val="65000"/>
+                        </a:schemeClr>
+                      </a:solidFill>
+                      <a:prstDash val="solid"/>
+                      <a:round/>
+                      <a:headEnd type="none" w="med" len="med"/>
+                      <a:tailEnd type="none" w="med" len="med"/>
+                    </a:lnT>
+                    <a:lnB w="12700" cap="flat" cmpd="sng" algn="ctr">
+                      <a:solidFill>
+                        <a:schemeClr val="bg1">
+                          <a:lumMod val="65000"/>
+                        </a:schemeClr>
+                      </a:solidFill>
+                      <a:prstDash val="solid"/>
+                      <a:round/>
+                      <a:headEnd type="none" w="med" len="med"/>
+                      <a:tailEnd type="none" w="med" len="med"/>
+                    </a:lnB>
+                    <a:solidFill>
+                      <a:schemeClr val="bg1"/>
+                    </a:solidFill>
+                  </a:tcPr>
+                </a:tc>
+                <a:tc>
+                  <a:txBody>
+                    <a:bodyPr/>
+                    <a:lstStyle/>
+                    <a:p>
+                      <a:pPr latinLnBrk="1"/>
+                      <a:endParaRPr lang="ko-KR" altLang="en-US" sz="2500" dirty="0"/>
+                    </a:p>
+                  </a:txBody>
+                  <a:tcPr marL="129342" marR="129342" marT="64671" marB="64671">
+                    <a:lnL w="12700" cap="flat" cmpd="sng" algn="ctr">
+                      <a:solidFill>
+                        <a:schemeClr val="bg1">
+                          <a:lumMod val="65000"/>
+                        </a:schemeClr>
+                      </a:solidFill>
+                      <a:prstDash val="solid"/>
+                      <a:round/>
+                      <a:headEnd type="none" w="med" len="med"/>
+                      <a:tailEnd type="none" w="med" len="med"/>
+                    </a:lnL>
+                    <a:lnR w="12700" cap="flat" cmpd="sng" algn="ctr">
+                      <a:solidFill>
+                        <a:schemeClr val="bg1">
+                          <a:lumMod val="65000"/>
+                        </a:schemeClr>
+                      </a:solidFill>
+                      <a:prstDash val="solid"/>
+                      <a:round/>
+                      <a:headEnd type="none" w="med" len="med"/>
+                      <a:tailEnd type="none" w="med" len="med"/>
+                    </a:lnR>
+                    <a:lnT w="12700" cap="flat" cmpd="sng" algn="ctr">
+                      <a:solidFill>
+                        <a:schemeClr val="bg1">
+                          <a:lumMod val="65000"/>
+                        </a:schemeClr>
+                      </a:solidFill>
+                      <a:prstDash val="solid"/>
+                      <a:round/>
+                      <a:headEnd type="none" w="med" len="med"/>
+                      <a:tailEnd type="none" w="med" len="med"/>
+                    </a:lnT>
+                    <a:lnB w="12700" cap="flat" cmpd="sng" algn="ctr">
+                      <a:solidFill>
+                        <a:schemeClr val="bg1">
+                          <a:lumMod val="65000"/>
+                        </a:schemeClr>
+                      </a:solidFill>
+                      <a:prstDash val="solid"/>
+                      <a:round/>
+                      <a:headEnd type="none" w="med" len="med"/>
+                      <a:tailEnd type="none" w="med" len="med"/>
+                    </a:lnB>
+                    <a:solidFill>
+                      <a:schemeClr val="bg1">
+                        <a:lumMod val="50000"/>
+                      </a:schemeClr>
+                    </a:solidFill>
+                  </a:tcPr>
+                </a:tc>
+                <a:tc>
+                  <a:txBody>
+                    <a:bodyPr/>
+                    <a:lstStyle/>
+                    <a:p>
+                      <a:pPr latinLnBrk="1"/>
+                      <a:endParaRPr lang="ko-KR" altLang="en-US" sz="2500" dirty="0"/>
+                    </a:p>
+                  </a:txBody>
+                  <a:tcPr marL="129342" marR="129342" marT="64671" marB="64671">
+                    <a:lnL w="12700" cap="flat" cmpd="sng" algn="ctr">
+                      <a:solidFill>
+                        <a:schemeClr val="bg1">
+                          <a:lumMod val="65000"/>
+                        </a:schemeClr>
+                      </a:solidFill>
+                      <a:prstDash val="solid"/>
+                      <a:round/>
+                      <a:headEnd type="none" w="med" len="med"/>
+                      <a:tailEnd type="none" w="med" len="med"/>
+                    </a:lnL>
+                    <a:lnR w="12700" cap="flat" cmpd="sng" algn="ctr">
+                      <a:solidFill>
+                        <a:schemeClr val="bg1">
+                          <a:lumMod val="65000"/>
+                        </a:schemeClr>
+                      </a:solidFill>
+                      <a:prstDash val="solid"/>
+                      <a:round/>
+                      <a:headEnd type="none" w="med" len="med"/>
+                      <a:tailEnd type="none" w="med" len="med"/>
+                    </a:lnR>
+                    <a:lnT w="12700" cap="flat" cmpd="sng" algn="ctr">
+                      <a:solidFill>
+                        <a:schemeClr val="bg1">
+                          <a:lumMod val="65000"/>
+                        </a:schemeClr>
+                      </a:solidFill>
+                      <a:prstDash val="solid"/>
+                      <a:round/>
+                      <a:headEnd type="none" w="med" len="med"/>
+                      <a:tailEnd type="none" w="med" len="med"/>
+                    </a:lnT>
+                    <a:lnB w="12700" cap="flat" cmpd="sng" algn="ctr">
+                      <a:solidFill>
+                        <a:schemeClr val="bg1">
+                          <a:lumMod val="65000"/>
+                        </a:schemeClr>
+                      </a:solidFill>
+                      <a:prstDash val="solid"/>
+                      <a:round/>
+                      <a:headEnd type="none" w="med" len="med"/>
+                      <a:tailEnd type="none" w="med" len="med"/>
+                    </a:lnB>
+                    <a:solidFill>
+                      <a:schemeClr val="bg1"/>
+                    </a:solidFill>
+                  </a:tcPr>
+                </a:tc>
+                <a:tc>
+                  <a:txBody>
+                    <a:bodyPr/>
+                    <a:lstStyle/>
+                    <a:p>
+                      <a:pPr latinLnBrk="1"/>
+                      <a:endParaRPr lang="ko-KR" altLang="en-US" sz="2500" dirty="0"/>
+                    </a:p>
+                  </a:txBody>
+                  <a:tcPr marL="129342" marR="129342" marT="64671" marB="64671">
+                    <a:lnL w="12700" cap="flat" cmpd="sng" algn="ctr">
+                      <a:solidFill>
+                        <a:schemeClr val="bg1">
+                          <a:lumMod val="65000"/>
+                        </a:schemeClr>
+                      </a:solidFill>
+                      <a:prstDash val="solid"/>
+                      <a:round/>
+                      <a:headEnd type="none" w="med" len="med"/>
+                      <a:tailEnd type="none" w="med" len="med"/>
+                    </a:lnL>
+                    <a:lnR w="12700" cap="flat" cmpd="sng" algn="ctr">
+                      <a:solidFill>
+                        <a:schemeClr val="bg1">
+                          <a:lumMod val="65000"/>
+                        </a:schemeClr>
+                      </a:solidFill>
+                      <a:prstDash val="solid"/>
+                      <a:round/>
+                      <a:headEnd type="none" w="med" len="med"/>
+                      <a:tailEnd type="none" w="med" len="med"/>
+                    </a:lnR>
+                    <a:lnT w="12700" cap="flat" cmpd="sng" algn="ctr">
+                      <a:solidFill>
+                        <a:schemeClr val="bg1">
+                          <a:lumMod val="65000"/>
+                        </a:schemeClr>
+                      </a:solidFill>
+                      <a:prstDash val="solid"/>
+                      <a:round/>
+                      <a:headEnd type="none" w="med" len="med"/>
+                      <a:tailEnd type="none" w="med" len="med"/>
+                    </a:lnT>
+                    <a:lnB w="12700" cap="flat" cmpd="sng" algn="ctr">
+                      <a:solidFill>
+                        <a:schemeClr val="bg1">
+                          <a:lumMod val="65000"/>
+                        </a:schemeClr>
+                      </a:solidFill>
+                      <a:prstDash val="solid"/>
+                      <a:round/>
+                      <a:headEnd type="none" w="med" len="med"/>
+                      <a:tailEnd type="none" w="med" len="med"/>
+                    </a:lnB>
+                    <a:solidFill>
+                      <a:schemeClr val="bg1">
+                        <a:lumMod val="50000"/>
+                      </a:schemeClr>
+                    </a:solidFill>
+                  </a:tcPr>
+                </a:tc>
+                <a:tc>
+                  <a:txBody>
+                    <a:bodyPr/>
+                    <a:lstStyle/>
+                    <a:p>
+                      <a:pPr latinLnBrk="1"/>
+                      <a:endParaRPr lang="ko-KR" altLang="en-US" sz="2500" dirty="0"/>
+                    </a:p>
+                  </a:txBody>
+                  <a:tcPr marL="129342" marR="129342" marT="64671" marB="64671">
+                    <a:lnL w="12700" cap="flat" cmpd="sng" algn="ctr">
+                      <a:solidFill>
+                        <a:schemeClr val="bg1">
+                          <a:lumMod val="65000"/>
+                        </a:schemeClr>
+                      </a:solidFill>
+                      <a:prstDash val="solid"/>
+                      <a:round/>
+                      <a:headEnd type="none" w="med" len="med"/>
+                      <a:tailEnd type="none" w="med" len="med"/>
+                    </a:lnL>
+                    <a:lnR w="12700" cap="flat" cmpd="sng" algn="ctr">
+                      <a:solidFill>
+                        <a:schemeClr val="bg1">
+                          <a:lumMod val="65000"/>
+                        </a:schemeClr>
+                      </a:solidFill>
+                      <a:prstDash val="solid"/>
+                      <a:round/>
+                      <a:headEnd type="none" w="med" len="med"/>
+                      <a:tailEnd type="none" w="med" len="med"/>
+                    </a:lnR>
+                    <a:lnT w="12700" cap="flat" cmpd="sng" algn="ctr">
+                      <a:solidFill>
+                        <a:schemeClr val="bg1">
+                          <a:lumMod val="65000"/>
+                        </a:schemeClr>
+                      </a:solidFill>
+                      <a:prstDash val="solid"/>
+                      <a:round/>
+                      <a:headEnd type="none" w="med" len="med"/>
+                      <a:tailEnd type="none" w="med" len="med"/>
+                    </a:lnT>
+                    <a:lnB w="12700" cap="flat" cmpd="sng" algn="ctr">
+                      <a:solidFill>
+                        <a:schemeClr val="bg1">
+                          <a:lumMod val="65000"/>
+                        </a:schemeClr>
+                      </a:solidFill>
+                      <a:prstDash val="solid"/>
+                      <a:round/>
+                      <a:headEnd type="none" w="med" len="med"/>
+                      <a:tailEnd type="none" w="med" len="med"/>
+                    </a:lnB>
+                    <a:solidFill>
+                      <a:schemeClr val="bg1"/>
+                    </a:solidFill>
+                  </a:tcPr>
+                </a:tc>
+                <a:tc>
+                  <a:txBody>
+                    <a:bodyPr/>
+                    <a:lstStyle/>
+                    <a:p>
+                      <a:pPr latinLnBrk="1"/>
+                      <a:endParaRPr lang="ko-KR" altLang="en-US" sz="2500" dirty="0"/>
+                    </a:p>
+                  </a:txBody>
+                  <a:tcPr marL="129342" marR="129342" marT="64671" marB="64671">
+                    <a:lnL w="12700" cap="flat" cmpd="sng" algn="ctr">
+                      <a:solidFill>
+                        <a:schemeClr val="bg1">
+                          <a:lumMod val="65000"/>
+                        </a:schemeClr>
+                      </a:solidFill>
+                      <a:prstDash val="solid"/>
+                      <a:round/>
+                      <a:headEnd type="none" w="med" len="med"/>
+                      <a:tailEnd type="none" w="med" len="med"/>
+                    </a:lnL>
+                    <a:lnR w="12700" cap="flat" cmpd="sng" algn="ctr">
+                      <a:solidFill>
+                        <a:schemeClr val="bg1">
+                          <a:lumMod val="65000"/>
+                        </a:schemeClr>
+                      </a:solidFill>
+                      <a:prstDash val="solid"/>
+                      <a:round/>
+                      <a:headEnd type="none" w="med" len="med"/>
+                      <a:tailEnd type="none" w="med" len="med"/>
+                    </a:lnR>
+                    <a:lnT w="12700" cap="flat" cmpd="sng" algn="ctr">
+                      <a:solidFill>
+                        <a:schemeClr val="bg1">
+                          <a:lumMod val="65000"/>
+                        </a:schemeClr>
+                      </a:solidFill>
+                      <a:prstDash val="solid"/>
+                      <a:round/>
+                      <a:headEnd type="none" w="med" len="med"/>
+                      <a:tailEnd type="none" w="med" len="med"/>
+                    </a:lnT>
+                    <a:lnB w="12700" cap="flat" cmpd="sng" algn="ctr">
+                      <a:solidFill>
+                        <a:schemeClr val="bg1">
+                          <a:lumMod val="65000"/>
+                        </a:schemeClr>
+                      </a:solidFill>
+                      <a:prstDash val="solid"/>
+                      <a:round/>
+                      <a:headEnd type="none" w="med" len="med"/>
+                      <a:tailEnd type="none" w="med" len="med"/>
+                    </a:lnB>
+                    <a:solidFill>
+                      <a:schemeClr val="bg1">
+                        <a:lumMod val="50000"/>
+                      </a:schemeClr>
+                    </a:solidFill>
+                  </a:tcPr>
+                </a:tc>
+                <a:tc>
+                  <a:txBody>
+                    <a:bodyPr/>
+                    <a:lstStyle/>
+                    <a:p>
+                      <a:pPr latinLnBrk="1"/>
+                      <a:endParaRPr lang="ko-KR" altLang="en-US" sz="2500" dirty="0"/>
+                    </a:p>
+                  </a:txBody>
+                  <a:tcPr marL="129342" marR="129342" marT="64671" marB="64671">
+                    <a:lnL w="12700" cap="flat" cmpd="sng" algn="ctr">
+                      <a:solidFill>
+                        <a:schemeClr val="bg1">
+                          <a:lumMod val="65000"/>
+                        </a:schemeClr>
+                      </a:solidFill>
+                      <a:prstDash val="solid"/>
+                      <a:round/>
+                      <a:headEnd type="none" w="med" len="med"/>
+                      <a:tailEnd type="none" w="med" len="med"/>
+                    </a:lnL>
+                    <a:lnR w="12700" cap="flat" cmpd="sng" algn="ctr">
+                      <a:solidFill>
+                        <a:schemeClr val="bg1">
+                          <a:lumMod val="65000"/>
+                        </a:schemeClr>
+                      </a:solidFill>
+                      <a:prstDash val="solid"/>
+                      <a:round/>
+                      <a:headEnd type="none" w="med" len="med"/>
+                      <a:tailEnd type="none" w="med" len="med"/>
+                    </a:lnR>
+                    <a:lnT w="12700" cap="flat" cmpd="sng" algn="ctr">
+                      <a:solidFill>
+                        <a:schemeClr val="bg1">
+                          <a:lumMod val="65000"/>
+                        </a:schemeClr>
+                      </a:solidFill>
+                      <a:prstDash val="solid"/>
+                      <a:round/>
+                      <a:headEnd type="none" w="med" len="med"/>
+                      <a:tailEnd type="none" w="med" len="med"/>
+                    </a:lnT>
+                    <a:lnB w="12700" cap="flat" cmpd="sng" algn="ctr">
+                      <a:solidFill>
+                        <a:schemeClr val="bg1">
+                          <a:lumMod val="65000"/>
+                        </a:schemeClr>
+                      </a:solidFill>
+                      <a:prstDash val="solid"/>
+                      <a:round/>
+                      <a:headEnd type="none" w="med" len="med"/>
+                      <a:tailEnd type="none" w="med" len="med"/>
+                    </a:lnB>
+                    <a:solidFill>
+                      <a:schemeClr val="bg1"/>
+                    </a:solidFill>
+                  </a:tcPr>
+                </a:tc>
+                <a:tc>
+                  <a:txBody>
+                    <a:bodyPr/>
+                    <a:lstStyle/>
+                    <a:p>
+                      <a:pPr latinLnBrk="1"/>
+                      <a:endParaRPr lang="ko-KR" altLang="en-US" sz="2500"/>
+                    </a:p>
+                  </a:txBody>
+                  <a:tcPr marL="129342" marR="129342" marT="64671" marB="64671">
+                    <a:lnL w="12700" cap="flat" cmpd="sng" algn="ctr">
+                      <a:solidFill>
+                        <a:schemeClr val="bg1">
+                          <a:lumMod val="65000"/>
+                        </a:schemeClr>
+                      </a:solidFill>
+                      <a:prstDash val="solid"/>
+                      <a:round/>
+                      <a:headEnd type="none" w="med" len="med"/>
+                      <a:tailEnd type="none" w="med" len="med"/>
+                    </a:lnL>
+                    <a:lnR w="12700" cap="flat" cmpd="sng" algn="ctr">
+                      <a:solidFill>
+                        <a:schemeClr val="bg1">
+                          <a:lumMod val="65000"/>
+                        </a:schemeClr>
+                      </a:solidFill>
+                      <a:prstDash val="solid"/>
+                      <a:round/>
+                      <a:headEnd type="none" w="med" len="med"/>
+                      <a:tailEnd type="none" w="med" len="med"/>
+                    </a:lnR>
+                    <a:lnT w="12700" cap="flat" cmpd="sng" algn="ctr">
+                      <a:solidFill>
+                        <a:schemeClr val="bg1">
+                          <a:lumMod val="65000"/>
+                        </a:schemeClr>
+                      </a:solidFill>
+                      <a:prstDash val="solid"/>
+                      <a:round/>
+                      <a:headEnd type="none" w="med" len="med"/>
+                      <a:tailEnd type="none" w="med" len="med"/>
+                    </a:lnT>
+                    <a:lnB w="12700" cap="flat" cmpd="sng" algn="ctr">
+                      <a:solidFill>
+                        <a:schemeClr val="bg1">
+                          <a:lumMod val="65000"/>
+                        </a:schemeClr>
+                      </a:solidFill>
+                      <a:prstDash val="solid"/>
+                      <a:round/>
+                      <a:headEnd type="none" w="med" len="med"/>
+                      <a:tailEnd type="none" w="med" len="med"/>
+                    </a:lnB>
+                    <a:solidFill>
+                      <a:schemeClr val="bg1"/>
+                    </a:solidFill>
+                  </a:tcPr>
+                </a:tc>
+                <a:tc>
+                  <a:txBody>
+                    <a:bodyPr/>
+                    <a:lstStyle/>
+                    <a:p>
+                      <a:pPr latinLnBrk="1"/>
+                      <a:endParaRPr lang="ko-KR" altLang="en-US" sz="2500" dirty="0"/>
+                    </a:p>
+                  </a:txBody>
+                  <a:tcPr marL="129342" marR="129342" marT="64671" marB="64671">
+                    <a:lnL w="12700" cap="flat" cmpd="sng" algn="ctr">
+                      <a:solidFill>
+                        <a:schemeClr val="bg1">
+                          <a:lumMod val="65000"/>
+                        </a:schemeClr>
+                      </a:solidFill>
+                      <a:prstDash val="solid"/>
+                      <a:round/>
+                      <a:headEnd type="none" w="med" len="med"/>
+                      <a:tailEnd type="none" w="med" len="med"/>
+                    </a:lnL>
+                    <a:lnR w="12700" cap="flat" cmpd="sng" algn="ctr">
+                      <a:solidFill>
+                        <a:schemeClr val="bg1">
+                          <a:lumMod val="65000"/>
+                        </a:schemeClr>
+                      </a:solidFill>
+                      <a:prstDash val="solid"/>
+                      <a:round/>
+                      <a:headEnd type="none" w="med" len="med"/>
+                      <a:tailEnd type="none" w="med" len="med"/>
+                    </a:lnR>
+                    <a:lnT w="12700" cap="flat" cmpd="sng" algn="ctr">
+                      <a:solidFill>
+                        <a:schemeClr val="bg1">
+                          <a:lumMod val="65000"/>
+                        </a:schemeClr>
+                      </a:solidFill>
+                      <a:prstDash val="solid"/>
+                      <a:round/>
+                      <a:headEnd type="none" w="med" len="med"/>
+                      <a:tailEnd type="none" w="med" len="med"/>
+                    </a:lnT>
+                    <a:lnB w="12700" cap="flat" cmpd="sng" algn="ctr">
+                      <a:solidFill>
+                        <a:schemeClr val="bg1">
+                          <a:lumMod val="65000"/>
+                        </a:schemeClr>
+                      </a:solidFill>
+                      <a:prstDash val="solid"/>
+                      <a:round/>
+                      <a:headEnd type="none" w="med" len="med"/>
+                      <a:tailEnd type="none" w="med" len="med"/>
+                    </a:lnB>
+                    <a:solidFill>
+                      <a:schemeClr val="bg1">
+                        <a:lumMod val="50000"/>
+                      </a:schemeClr>
+                    </a:solidFill>
+                  </a:tcPr>
+                </a:tc>
+                <a:tc>
+                  <a:txBody>
+                    <a:bodyPr/>
+                    <a:lstStyle/>
+                    <a:p>
+                      <a:pPr latinLnBrk="1"/>
+                      <a:endParaRPr lang="ko-KR" altLang="en-US" sz="2500" dirty="0"/>
+                    </a:p>
+                  </a:txBody>
+                  <a:tcPr marL="129342" marR="129342" marT="64671" marB="64671">
+                    <a:lnL w="12700" cap="flat" cmpd="sng" algn="ctr">
+                      <a:solidFill>
+                        <a:schemeClr val="bg1">
+                          <a:lumMod val="65000"/>
+                        </a:schemeClr>
+                      </a:solidFill>
+                      <a:prstDash val="solid"/>
+                      <a:round/>
+                      <a:headEnd type="none" w="med" len="med"/>
+                      <a:tailEnd type="none" w="med" len="med"/>
+                    </a:lnL>
+                    <a:lnR w="12700" cap="flat" cmpd="sng" algn="ctr">
+                      <a:solidFill>
+                        <a:schemeClr val="bg1">
+                          <a:lumMod val="65000"/>
+                        </a:schemeClr>
+                      </a:solidFill>
+                      <a:prstDash val="solid"/>
+                      <a:round/>
+                      <a:headEnd type="none" w="med" len="med"/>
+                      <a:tailEnd type="none" w="med" len="med"/>
+                    </a:lnR>
+                    <a:lnT w="12700" cap="flat" cmpd="sng" algn="ctr">
+                      <a:solidFill>
+                        <a:schemeClr val="bg1">
+                          <a:lumMod val="65000"/>
+                        </a:schemeClr>
+                      </a:solidFill>
+                      <a:prstDash val="solid"/>
+                      <a:round/>
+                      <a:headEnd type="none" w="med" len="med"/>
+                      <a:tailEnd type="none" w="med" len="med"/>
+                    </a:lnT>
+                    <a:lnB w="12700" cap="flat" cmpd="sng" algn="ctr">
+                      <a:solidFill>
+                        <a:schemeClr val="bg1">
+                          <a:lumMod val="65000"/>
+                        </a:schemeClr>
+                      </a:solidFill>
+                      <a:prstDash val="solid"/>
+                      <a:round/>
+                      <a:headEnd type="none" w="med" len="med"/>
+                      <a:tailEnd type="none" w="med" len="med"/>
+                    </a:lnB>
+                    <a:solidFill>
+                      <a:schemeClr val="bg1"/>
+                    </a:solidFill>
+                  </a:tcPr>
+                </a:tc>
+                <a:tc>
+                  <a:txBody>
+                    <a:bodyPr/>
+                    <a:lstStyle/>
+                    <a:p>
+                      <a:pPr latinLnBrk="1"/>
+                      <a:endParaRPr lang="ko-KR" altLang="en-US" sz="2500" dirty="0"/>
+                    </a:p>
+                  </a:txBody>
+                  <a:tcPr marL="129342" marR="129342" marT="64671" marB="64671">
+                    <a:lnL w="12700" cap="flat" cmpd="sng" algn="ctr">
+                      <a:solidFill>
+                        <a:schemeClr val="bg1">
+                          <a:lumMod val="65000"/>
+                        </a:schemeClr>
+                      </a:solidFill>
+                      <a:prstDash val="solid"/>
+                      <a:round/>
+                      <a:headEnd type="none" w="med" len="med"/>
+                      <a:tailEnd type="none" w="med" len="med"/>
+                    </a:lnL>
+                    <a:lnR w="12700" cap="flat" cmpd="sng" algn="ctr">
+                      <a:solidFill>
+                        <a:schemeClr val="bg1">
+                          <a:lumMod val="65000"/>
+                        </a:schemeClr>
+                      </a:solidFill>
+                      <a:prstDash val="solid"/>
+                      <a:round/>
+                      <a:headEnd type="none" w="med" len="med"/>
+                      <a:tailEnd type="none" w="med" len="med"/>
+                    </a:lnR>
+                    <a:lnT w="12700" cap="flat" cmpd="sng" algn="ctr">
+                      <a:solidFill>
+                        <a:schemeClr val="bg1">
+                          <a:lumMod val="65000"/>
+                        </a:schemeClr>
+                      </a:solidFill>
+                      <a:prstDash val="solid"/>
+                      <a:round/>
+                      <a:headEnd type="none" w="med" len="med"/>
+                      <a:tailEnd type="none" w="med" len="med"/>
+                    </a:lnT>
+                    <a:lnB w="12700" cap="flat" cmpd="sng" algn="ctr">
+                      <a:solidFill>
+                        <a:schemeClr val="bg1">
+                          <a:lumMod val="65000"/>
+                        </a:schemeClr>
+                      </a:solidFill>
+                      <a:prstDash val="solid"/>
+                      <a:round/>
+                      <a:headEnd type="none" w="med" len="med"/>
+                      <a:tailEnd type="none" w="med" len="med"/>
+                    </a:lnB>
+                    <a:solidFill>
+                      <a:schemeClr val="bg1"/>
+                    </a:solidFill>
+                  </a:tcPr>
+                </a:tc>
+                <a:extLst>
+                  <a:ext uri="{0D108BD9-81ED-4DB2-BD59-A6C34878D82A}">
+                    <a16:rowId xmlns:a16="http://schemas.microsoft.com/office/drawing/2014/main" val="2563173231"/>
+                  </a:ext>
+                </a:extLst>
+              </a:tr>
+              <a:tr h="524555">
+                <a:tc>
+                  <a:txBody>
+                    <a:bodyPr/>
+                    <a:lstStyle/>
+                    <a:p>
+                      <a:pPr latinLnBrk="1"/>
+                      <a:endParaRPr lang="ko-KR" altLang="en-US" sz="2500"/>
+                    </a:p>
+                  </a:txBody>
+                  <a:tcPr marL="129342" marR="129342" marT="64671" marB="64671">
+                    <a:lnL w="12700" cap="flat" cmpd="sng" algn="ctr">
+                      <a:solidFill>
+                        <a:schemeClr val="bg1">
+                          <a:lumMod val="65000"/>
+                        </a:schemeClr>
+                      </a:solidFill>
+                      <a:prstDash val="solid"/>
+                      <a:round/>
+                      <a:headEnd type="none" w="med" len="med"/>
+                      <a:tailEnd type="none" w="med" len="med"/>
+                    </a:lnL>
+                    <a:lnR w="12700" cap="flat" cmpd="sng" algn="ctr">
+                      <a:solidFill>
+                        <a:schemeClr val="bg1">
+                          <a:lumMod val="65000"/>
+                        </a:schemeClr>
+                      </a:solidFill>
+                      <a:prstDash val="solid"/>
+                      <a:round/>
+                      <a:headEnd type="none" w="med" len="med"/>
+                      <a:tailEnd type="none" w="med" len="med"/>
+                    </a:lnR>
+                    <a:lnT w="12700" cap="flat" cmpd="sng" algn="ctr">
+                      <a:solidFill>
+                        <a:schemeClr val="bg1">
+                          <a:lumMod val="65000"/>
+                        </a:schemeClr>
+                      </a:solidFill>
+                      <a:prstDash val="solid"/>
+                      <a:round/>
+                      <a:headEnd type="none" w="med" len="med"/>
+                      <a:tailEnd type="none" w="med" len="med"/>
+                    </a:lnT>
+                    <a:lnB w="12700" cap="flat" cmpd="sng" algn="ctr">
+                      <a:solidFill>
+                        <a:schemeClr val="bg1">
+                          <a:lumMod val="65000"/>
+                        </a:schemeClr>
+                      </a:solidFill>
+                      <a:prstDash val="solid"/>
+                      <a:round/>
+                      <a:headEnd type="none" w="med" len="med"/>
+                      <a:tailEnd type="none" w="med" len="med"/>
+                    </a:lnB>
+                    <a:solidFill>
+                      <a:schemeClr val="bg1"/>
+                    </a:solidFill>
+                  </a:tcPr>
+                </a:tc>
+                <a:tc>
+                  <a:txBody>
+                    <a:bodyPr/>
+                    <a:lstStyle/>
+                    <a:p>
+                      <a:pPr latinLnBrk="1"/>
+                      <a:endParaRPr lang="ko-KR" altLang="en-US" sz="2500" dirty="0"/>
+                    </a:p>
+                  </a:txBody>
+                  <a:tcPr marL="129342" marR="129342" marT="64671" marB="64671">
+                    <a:lnL w="12700" cap="flat" cmpd="sng" algn="ctr">
+                      <a:solidFill>
+                        <a:schemeClr val="bg1">
+                          <a:lumMod val="65000"/>
+                        </a:schemeClr>
+                      </a:solidFill>
+                      <a:prstDash val="solid"/>
+                      <a:round/>
+                      <a:headEnd type="none" w="med" len="med"/>
+                      <a:tailEnd type="none" w="med" len="med"/>
+                    </a:lnL>
+                    <a:lnR w="12700" cap="flat" cmpd="sng" algn="ctr">
+                      <a:solidFill>
+                        <a:schemeClr val="bg1">
+                          <a:lumMod val="65000"/>
+                        </a:schemeClr>
+                      </a:solidFill>
+                      <a:prstDash val="solid"/>
+                      <a:round/>
+                      <a:headEnd type="none" w="med" len="med"/>
+                      <a:tailEnd type="none" w="med" len="med"/>
+                    </a:lnR>
+                    <a:lnT w="12700" cap="flat" cmpd="sng" algn="ctr">
+                      <a:solidFill>
+                        <a:schemeClr val="bg1">
+                          <a:lumMod val="65000"/>
+                        </a:schemeClr>
+                      </a:solidFill>
+                      <a:prstDash val="solid"/>
+                      <a:round/>
+                      <a:headEnd type="none" w="med" len="med"/>
+                      <a:tailEnd type="none" w="med" len="med"/>
+                    </a:lnT>
+                    <a:lnB w="12700" cap="flat" cmpd="sng" algn="ctr">
+                      <a:solidFill>
+                        <a:schemeClr val="bg1">
+                          <a:lumMod val="65000"/>
+                        </a:schemeClr>
+                      </a:solidFill>
+                      <a:prstDash val="solid"/>
+                      <a:round/>
+                      <a:headEnd type="none" w="med" len="med"/>
+                      <a:tailEnd type="none" w="med" len="med"/>
+                    </a:lnB>
+                    <a:solidFill>
+                      <a:schemeClr val="bg1"/>
+                    </a:solidFill>
+                  </a:tcPr>
+                </a:tc>
+                <a:tc>
+                  <a:txBody>
+                    <a:bodyPr/>
+                    <a:lstStyle/>
+                    <a:p>
+                      <a:pPr latinLnBrk="1"/>
+                      <a:endParaRPr lang="ko-KR" altLang="en-US" sz="2500" dirty="0"/>
+                    </a:p>
+                  </a:txBody>
+                  <a:tcPr marL="129342" marR="129342" marT="64671" marB="64671">
+                    <a:lnL w="12700" cap="flat" cmpd="sng" algn="ctr">
+                      <a:solidFill>
+                        <a:schemeClr val="bg1">
+                          <a:lumMod val="65000"/>
+                        </a:schemeClr>
+                      </a:solidFill>
+                      <a:prstDash val="solid"/>
+                      <a:round/>
+                      <a:headEnd type="none" w="med" len="med"/>
+                      <a:tailEnd type="none" w="med" len="med"/>
+                    </a:lnL>
+                    <a:lnR w="12700" cap="flat" cmpd="sng" algn="ctr">
+                      <a:solidFill>
+                        <a:schemeClr val="bg1">
+                          <a:lumMod val="65000"/>
+                        </a:schemeClr>
+                      </a:solidFill>
+                      <a:prstDash val="solid"/>
+                      <a:round/>
+                      <a:headEnd type="none" w="med" len="med"/>
+                      <a:tailEnd type="none" w="med" len="med"/>
+                    </a:lnR>
+                    <a:lnT w="12700" cap="flat" cmpd="sng" algn="ctr">
+                      <a:solidFill>
+                        <a:schemeClr val="bg1">
+                          <a:lumMod val="65000"/>
+                        </a:schemeClr>
+                      </a:solidFill>
+                      <a:prstDash val="solid"/>
+                      <a:round/>
+                      <a:headEnd type="none" w="med" len="med"/>
+                      <a:tailEnd type="none" w="med" len="med"/>
+                    </a:lnT>
+                    <a:lnB w="12700" cap="flat" cmpd="sng" algn="ctr">
+                      <a:solidFill>
+                        <a:schemeClr val="bg1">
+                          <a:lumMod val="65000"/>
+                        </a:schemeClr>
+                      </a:solidFill>
+                      <a:prstDash val="solid"/>
+                      <a:round/>
+                      <a:headEnd type="none" w="med" len="med"/>
+                      <a:tailEnd type="none" w="med" len="med"/>
+                    </a:lnB>
+                    <a:solidFill>
+                      <a:schemeClr val="bg1"/>
+                    </a:solidFill>
+                  </a:tcPr>
+                </a:tc>
+                <a:tc>
+                  <a:txBody>
+                    <a:bodyPr/>
+                    <a:lstStyle/>
+                    <a:p>
+                      <a:pPr latinLnBrk="1"/>
+                      <a:endParaRPr lang="ko-KR" altLang="en-US" sz="2500" dirty="0"/>
+                    </a:p>
+                  </a:txBody>
+                  <a:tcPr marL="129342" marR="129342" marT="64671" marB="64671">
+                    <a:lnL w="12700" cap="flat" cmpd="sng" algn="ctr">
+                      <a:solidFill>
+                        <a:schemeClr val="bg1">
+                          <a:lumMod val="65000"/>
+                        </a:schemeClr>
+                      </a:solidFill>
+                      <a:prstDash val="solid"/>
+                      <a:round/>
+                      <a:headEnd type="none" w="med" len="med"/>
+                      <a:tailEnd type="none" w="med" len="med"/>
+                    </a:lnL>
+                    <a:lnR w="12700" cap="flat" cmpd="sng" algn="ctr">
+                      <a:solidFill>
+                        <a:schemeClr val="bg1">
+                          <a:lumMod val="65000"/>
+                        </a:schemeClr>
+                      </a:solidFill>
+                      <a:prstDash val="solid"/>
+                      <a:round/>
+                      <a:headEnd type="none" w="med" len="med"/>
+                      <a:tailEnd type="none" w="med" len="med"/>
+                    </a:lnR>
+                    <a:lnT w="12700" cap="flat" cmpd="sng" algn="ctr">
+                      <a:solidFill>
+                        <a:schemeClr val="bg1">
+                          <a:lumMod val="65000"/>
+                        </a:schemeClr>
+                      </a:solidFill>
+                      <a:prstDash val="solid"/>
+                      <a:round/>
+                      <a:headEnd type="none" w="med" len="med"/>
+                      <a:tailEnd type="none" w="med" len="med"/>
+                    </a:lnT>
+                    <a:lnB w="12700" cap="flat" cmpd="sng" algn="ctr">
+                      <a:solidFill>
+                        <a:schemeClr val="bg1">
+                          <a:lumMod val="65000"/>
+                        </a:schemeClr>
+                      </a:solidFill>
+                      <a:prstDash val="solid"/>
+                      <a:round/>
+                      <a:headEnd type="none" w="med" len="med"/>
+                      <a:tailEnd type="none" w="med" len="med"/>
+                    </a:lnB>
+                    <a:solidFill>
+                      <a:schemeClr val="bg1"/>
+                    </a:solidFill>
+                  </a:tcPr>
+                </a:tc>
+                <a:tc>
+                  <a:txBody>
+                    <a:bodyPr/>
+                    <a:lstStyle/>
+                    <a:p>
+                      <a:pPr latinLnBrk="1"/>
+                      <a:endParaRPr lang="ko-KR" altLang="en-US" sz="2500"/>
+                    </a:p>
+                  </a:txBody>
+                  <a:tcPr marL="129342" marR="129342" marT="64671" marB="64671">
+                    <a:lnL w="12700" cap="flat" cmpd="sng" algn="ctr">
+                      <a:solidFill>
+                        <a:schemeClr val="bg1">
+                          <a:lumMod val="65000"/>
+                        </a:schemeClr>
+                      </a:solidFill>
+                      <a:prstDash val="solid"/>
+                      <a:round/>
+                      <a:headEnd type="none" w="med" len="med"/>
+                      <a:tailEnd type="none" w="med" len="med"/>
+                    </a:lnL>
+                    <a:lnR w="12700" cap="flat" cmpd="sng" algn="ctr">
+                      <a:solidFill>
+                        <a:schemeClr val="bg1">
+                          <a:lumMod val="65000"/>
+                        </a:schemeClr>
+                      </a:solidFill>
+                      <a:prstDash val="solid"/>
+                      <a:round/>
+                      <a:headEnd type="none" w="med" len="med"/>
+                      <a:tailEnd type="none" w="med" len="med"/>
+                    </a:lnR>
+                    <a:lnT w="12700" cap="flat" cmpd="sng" algn="ctr">
+                      <a:solidFill>
+                        <a:schemeClr val="bg1">
+                          <a:lumMod val="65000"/>
+                        </a:schemeClr>
+                      </a:solidFill>
+                      <a:prstDash val="solid"/>
+                      <a:round/>
+                      <a:headEnd type="none" w="med" len="med"/>
+                      <a:tailEnd type="none" w="med" len="med"/>
+                    </a:lnT>
+                    <a:lnB w="12700" cap="flat" cmpd="sng" algn="ctr">
+                      <a:solidFill>
+                        <a:schemeClr val="bg1">
+                          <a:lumMod val="65000"/>
+                        </a:schemeClr>
+                      </a:solidFill>
+                      <a:prstDash val="solid"/>
+                      <a:round/>
+                      <a:headEnd type="none" w="med" len="med"/>
+                      <a:tailEnd type="none" w="med" len="med"/>
+                    </a:lnB>
+                    <a:solidFill>
+                      <a:schemeClr val="bg1"/>
+                    </a:solidFill>
+                  </a:tcPr>
+                </a:tc>
+                <a:tc>
+                  <a:txBody>
+                    <a:bodyPr/>
+                    <a:lstStyle/>
+                    <a:p>
+                      <a:pPr latinLnBrk="1"/>
+                      <a:endParaRPr lang="ko-KR" altLang="en-US" sz="2500"/>
+                    </a:p>
+                  </a:txBody>
+                  <a:tcPr marL="129342" marR="129342" marT="64671" marB="64671">
+                    <a:lnL w="12700" cap="flat" cmpd="sng" algn="ctr">
+                      <a:solidFill>
+                        <a:schemeClr val="bg1">
+                          <a:lumMod val="65000"/>
+                        </a:schemeClr>
+                      </a:solidFill>
+                      <a:prstDash val="solid"/>
+                      <a:round/>
+                      <a:headEnd type="none" w="med" len="med"/>
+                      <a:tailEnd type="none" w="med" len="med"/>
+                    </a:lnL>
+                    <a:lnR w="12700" cap="flat" cmpd="sng" algn="ctr">
+                      <a:solidFill>
+                        <a:schemeClr val="bg1">
+                          <a:lumMod val="65000"/>
+                        </a:schemeClr>
+                      </a:solidFill>
+                      <a:prstDash val="solid"/>
+                      <a:round/>
+                      <a:headEnd type="none" w="med" len="med"/>
+                      <a:tailEnd type="none" w="med" len="med"/>
+                    </a:lnR>
+                    <a:lnT w="12700" cap="flat" cmpd="sng" algn="ctr">
+                      <a:solidFill>
+                        <a:schemeClr val="bg1">
+                          <a:lumMod val="65000"/>
+                        </a:schemeClr>
+                      </a:solidFill>
+                      <a:prstDash val="solid"/>
+                      <a:round/>
+                      <a:headEnd type="none" w="med" len="med"/>
+                      <a:tailEnd type="none" w="med" len="med"/>
+                    </a:lnT>
+                    <a:lnB w="12700" cap="flat" cmpd="sng" algn="ctr">
+                      <a:solidFill>
+                        <a:schemeClr val="bg1">
+                          <a:lumMod val="65000"/>
+                        </a:schemeClr>
+                      </a:solidFill>
+                      <a:prstDash val="solid"/>
+                      <a:round/>
+                      <a:headEnd type="none" w="med" len="med"/>
+                      <a:tailEnd type="none" w="med" len="med"/>
+                    </a:lnB>
+                    <a:solidFill>
+                      <a:schemeClr val="bg1"/>
+                    </a:solidFill>
+                  </a:tcPr>
+                </a:tc>
+                <a:tc>
+                  <a:txBody>
+                    <a:bodyPr/>
+                    <a:lstStyle/>
+                    <a:p>
+                      <a:pPr latinLnBrk="1"/>
+                      <a:endParaRPr lang="ko-KR" altLang="en-US" sz="2500"/>
+                    </a:p>
+                  </a:txBody>
+                  <a:tcPr marL="129342" marR="129342" marT="64671" marB="64671">
+                    <a:lnL w="12700" cap="flat" cmpd="sng" algn="ctr">
+                      <a:solidFill>
+                        <a:schemeClr val="bg1">
+                          <a:lumMod val="65000"/>
+                        </a:schemeClr>
+                      </a:solidFill>
+                      <a:prstDash val="solid"/>
+                      <a:round/>
+                      <a:headEnd type="none" w="med" len="med"/>
+                      <a:tailEnd type="none" w="med" len="med"/>
+                    </a:lnL>
+                    <a:lnR w="12700" cap="flat" cmpd="sng" algn="ctr">
+                      <a:solidFill>
+                        <a:schemeClr val="bg1">
+                          <a:lumMod val="65000"/>
+                        </a:schemeClr>
+                      </a:solidFill>
+                      <a:prstDash val="solid"/>
+                      <a:round/>
+                      <a:headEnd type="none" w="med" len="med"/>
+                      <a:tailEnd type="none" w="med" len="med"/>
+                    </a:lnR>
+                    <a:lnT w="12700" cap="flat" cmpd="sng" algn="ctr">
+                      <a:solidFill>
+                        <a:schemeClr val="bg1">
+                          <a:lumMod val="65000"/>
+                        </a:schemeClr>
+                      </a:solidFill>
+                      <a:prstDash val="solid"/>
+                      <a:round/>
+                      <a:headEnd type="none" w="med" len="med"/>
+                      <a:tailEnd type="none" w="med" len="med"/>
+                    </a:lnT>
+                    <a:lnB w="12700" cap="flat" cmpd="sng" algn="ctr">
+                      <a:solidFill>
+                        <a:schemeClr val="bg1">
+                          <a:lumMod val="65000"/>
+                        </a:schemeClr>
+                      </a:solidFill>
+                      <a:prstDash val="solid"/>
+                      <a:round/>
+                      <a:headEnd type="none" w="med" len="med"/>
+                      <a:tailEnd type="none" w="med" len="med"/>
+                    </a:lnB>
+                    <a:solidFill>
+                      <a:schemeClr val="bg1"/>
+                    </a:solidFill>
+                  </a:tcPr>
+                </a:tc>
+                <a:tc>
+                  <a:txBody>
+                    <a:bodyPr/>
+                    <a:lstStyle/>
+                    <a:p>
+                      <a:pPr latinLnBrk="1"/>
+                      <a:endParaRPr lang="ko-KR" altLang="en-US" sz="2500"/>
+                    </a:p>
+                  </a:txBody>
+                  <a:tcPr marL="129342" marR="129342" marT="64671" marB="64671">
+                    <a:lnL w="12700" cap="flat" cmpd="sng" algn="ctr">
+                      <a:solidFill>
+                        <a:schemeClr val="bg1">
+                          <a:lumMod val="65000"/>
+                        </a:schemeClr>
+                      </a:solidFill>
+                      <a:prstDash val="solid"/>
+                      <a:round/>
+                      <a:headEnd type="none" w="med" len="med"/>
+                      <a:tailEnd type="none" w="med" len="med"/>
+                    </a:lnL>
+                    <a:lnR w="12700" cap="flat" cmpd="sng" algn="ctr">
+                      <a:solidFill>
+                        <a:schemeClr val="bg1">
+                          <a:lumMod val="65000"/>
+                        </a:schemeClr>
+                      </a:solidFill>
+                      <a:prstDash val="solid"/>
+                      <a:round/>
+                      <a:headEnd type="none" w="med" len="med"/>
+                      <a:tailEnd type="none" w="med" len="med"/>
+                    </a:lnR>
+                    <a:lnT w="12700" cap="flat" cmpd="sng" algn="ctr">
+                      <a:solidFill>
+                        <a:schemeClr val="bg1">
+                          <a:lumMod val="65000"/>
+                        </a:schemeClr>
+                      </a:solidFill>
+                      <a:prstDash val="solid"/>
+                      <a:round/>
+                      <a:headEnd type="none" w="med" len="med"/>
+                      <a:tailEnd type="none" w="med" len="med"/>
+                    </a:lnT>
+                    <a:lnB w="12700" cap="flat" cmpd="sng" algn="ctr">
+                      <a:solidFill>
+                        <a:schemeClr val="bg1">
+                          <a:lumMod val="65000"/>
+                        </a:schemeClr>
+                      </a:solidFill>
+                      <a:prstDash val="solid"/>
+                      <a:round/>
+                      <a:headEnd type="none" w="med" len="med"/>
+                      <a:tailEnd type="none" w="med" len="med"/>
+                    </a:lnB>
+                    <a:solidFill>
+                      <a:schemeClr val="bg1"/>
+                    </a:solidFill>
+                  </a:tcPr>
+                </a:tc>
+                <a:tc>
+                  <a:txBody>
+                    <a:bodyPr/>
+                    <a:lstStyle/>
+                    <a:p>
+                      <a:pPr latinLnBrk="1"/>
+                      <a:endParaRPr lang="ko-KR" altLang="en-US" sz="2500"/>
+                    </a:p>
+                  </a:txBody>
+                  <a:tcPr marL="129342" marR="129342" marT="64671" marB="64671">
+                    <a:lnL w="12700" cap="flat" cmpd="sng" algn="ctr">
+                      <a:solidFill>
+                        <a:schemeClr val="bg1">
+                          <a:lumMod val="65000"/>
+                        </a:schemeClr>
+                      </a:solidFill>
+                      <a:prstDash val="solid"/>
+                      <a:round/>
+                      <a:headEnd type="none" w="med" len="med"/>
+                      <a:tailEnd type="none" w="med" len="med"/>
+                    </a:lnL>
+                    <a:lnR w="12700" cap="flat" cmpd="sng" algn="ctr">
+                      <a:solidFill>
+                        <a:schemeClr val="bg1">
+                          <a:lumMod val="65000"/>
+                        </a:schemeClr>
+                      </a:solidFill>
+                      <a:prstDash val="solid"/>
+                      <a:round/>
+                      <a:headEnd type="none" w="med" len="med"/>
+                      <a:tailEnd type="none" w="med" len="med"/>
+                    </a:lnR>
+                    <a:lnT w="12700" cap="flat" cmpd="sng" algn="ctr">
+                      <a:solidFill>
+                        <a:schemeClr val="bg1">
+                          <a:lumMod val="65000"/>
+                        </a:schemeClr>
+                      </a:solidFill>
+                      <a:prstDash val="solid"/>
+                      <a:round/>
+                      <a:headEnd type="none" w="med" len="med"/>
+                      <a:tailEnd type="none" w="med" len="med"/>
+                    </a:lnT>
+                    <a:lnB w="12700" cap="flat" cmpd="sng" algn="ctr">
+                      <a:solidFill>
+                        <a:schemeClr val="bg1">
+                          <a:lumMod val="65000"/>
+                        </a:schemeClr>
+                      </a:solidFill>
+                      <a:prstDash val="solid"/>
+                      <a:round/>
+                      <a:headEnd type="none" w="med" len="med"/>
+                      <a:tailEnd type="none" w="med" len="med"/>
+                    </a:lnB>
+                    <a:solidFill>
+                      <a:schemeClr val="bg1"/>
+                    </a:solidFill>
+                  </a:tcPr>
+                </a:tc>
+                <a:tc>
+                  <a:txBody>
+                    <a:bodyPr/>
+                    <a:lstStyle/>
+                    <a:p>
+                      <a:pPr latinLnBrk="1"/>
+                      <a:endParaRPr lang="ko-KR" altLang="en-US" sz="2500" dirty="0"/>
+                    </a:p>
+                  </a:txBody>
+                  <a:tcPr marL="129342" marR="129342" marT="64671" marB="64671">
+                    <a:lnL w="12700" cap="flat" cmpd="sng" algn="ctr">
+                      <a:solidFill>
+                        <a:schemeClr val="bg1">
+                          <a:lumMod val="65000"/>
+                        </a:schemeClr>
+                      </a:solidFill>
+                      <a:prstDash val="solid"/>
+                      <a:round/>
+                      <a:headEnd type="none" w="med" len="med"/>
+                      <a:tailEnd type="none" w="med" len="med"/>
+                    </a:lnL>
+                    <a:lnR w="12700" cap="flat" cmpd="sng" algn="ctr">
+                      <a:solidFill>
+                        <a:schemeClr val="bg1">
+                          <a:lumMod val="65000"/>
+                        </a:schemeClr>
+                      </a:solidFill>
+                      <a:prstDash val="solid"/>
+                      <a:round/>
+                      <a:headEnd type="none" w="med" len="med"/>
+                      <a:tailEnd type="none" w="med" len="med"/>
+                    </a:lnR>
+                    <a:lnT w="12700" cap="flat" cmpd="sng" algn="ctr">
+                      <a:solidFill>
+                        <a:schemeClr val="bg1">
+                          <a:lumMod val="65000"/>
+                        </a:schemeClr>
+                      </a:solidFill>
+                      <a:prstDash val="solid"/>
+                      <a:round/>
+                      <a:headEnd type="none" w="med" len="med"/>
+                      <a:tailEnd type="none" w="med" len="med"/>
+                    </a:lnT>
+                    <a:lnB w="12700" cap="flat" cmpd="sng" algn="ctr">
+                      <a:solidFill>
+                        <a:schemeClr val="bg1">
+                          <a:lumMod val="65000"/>
+                        </a:schemeClr>
+                      </a:solidFill>
+                      <a:prstDash val="solid"/>
+                      <a:round/>
+                      <a:headEnd type="none" w="med" len="med"/>
+                      <a:tailEnd type="none" w="med" len="med"/>
+                    </a:lnB>
+                    <a:solidFill>
+                      <a:schemeClr val="bg1"/>
+                    </a:solidFill>
+                  </a:tcPr>
+                </a:tc>
+                <a:tc>
+                  <a:txBody>
+                    <a:bodyPr/>
+                    <a:lstStyle/>
+                    <a:p>
+                      <a:pPr latinLnBrk="1"/>
+                      <a:endParaRPr lang="ko-KR" altLang="en-US" sz="2500" dirty="0"/>
+                    </a:p>
+                  </a:txBody>
+                  <a:tcPr marL="129342" marR="129342" marT="64671" marB="64671">
+                    <a:lnL w="12700" cap="flat" cmpd="sng" algn="ctr">
+                      <a:solidFill>
+                        <a:schemeClr val="bg1">
+                          <a:lumMod val="65000"/>
+                        </a:schemeClr>
+                      </a:solidFill>
+                      <a:prstDash val="solid"/>
+                      <a:round/>
+                      <a:headEnd type="none" w="med" len="med"/>
+                      <a:tailEnd type="none" w="med" len="med"/>
+                    </a:lnL>
+                    <a:lnR w="12700" cap="flat" cmpd="sng" algn="ctr">
+                      <a:solidFill>
+                        <a:schemeClr val="bg1">
+                          <a:lumMod val="65000"/>
+                        </a:schemeClr>
+                      </a:solidFill>
+                      <a:prstDash val="solid"/>
+                      <a:round/>
+                      <a:headEnd type="none" w="med" len="med"/>
+                      <a:tailEnd type="none" w="med" len="med"/>
+                    </a:lnR>
+                    <a:lnT w="12700" cap="flat" cmpd="sng" algn="ctr">
+                      <a:solidFill>
+                        <a:schemeClr val="bg1">
+                          <a:lumMod val="65000"/>
+                        </a:schemeClr>
+                      </a:solidFill>
+                      <a:prstDash val="solid"/>
+                      <a:round/>
+                      <a:headEnd type="none" w="med" len="med"/>
+                      <a:tailEnd type="none" w="med" len="med"/>
+                    </a:lnT>
+                    <a:lnB w="12700" cap="flat" cmpd="sng" algn="ctr">
+                      <a:solidFill>
+                        <a:schemeClr val="bg1">
+                          <a:lumMod val="65000"/>
+                        </a:schemeClr>
+                      </a:solidFill>
+                      <a:prstDash val="solid"/>
+                      <a:round/>
+                      <a:headEnd type="none" w="med" len="med"/>
+                      <a:tailEnd type="none" w="med" len="med"/>
+                    </a:lnB>
+                    <a:solidFill>
+                      <a:schemeClr val="bg1"/>
+                    </a:solidFill>
+                  </a:tcPr>
+                </a:tc>
+                <a:extLst>
+                  <a:ext uri="{0D108BD9-81ED-4DB2-BD59-A6C34878D82A}">
+                    <a16:rowId xmlns:a16="http://schemas.microsoft.com/office/drawing/2014/main" val="3615256982"/>
                   </a:ext>
                 </a:extLst>
               </a:tr>
@@ -12682,7 +20417,7 @@
         </p:blipFill>
         <p:spPr bwMode="auto">
           <a:xfrm>
-            <a:off x="4733900" y="4247075"/>
+            <a:off x="5880448" y="5827878"/>
             <a:ext cx="431101" cy="454167"/>
           </a:xfrm>
           <a:prstGeom prst="rect">
@@ -12700,6 +20435,52 @@
           </a:extLst>
         </p:spPr>
       </p:pic>
+      <p:cxnSp>
+        <p:nvCxnSpPr>
+          <p:cNvPr id="9" name="직선 화살표 연결선 8">
+            <a:extLst>
+              <a:ext uri="{FF2B5EF4-FFF2-40B4-BE49-F238E27FC236}">
+                <a16:creationId xmlns:a16="http://schemas.microsoft.com/office/drawing/2014/main" id="{5C52A55C-6CCB-449C-B45D-A92522D805B2}"/>
+              </a:ext>
+            </a:extLst>
+          </p:cNvPr>
+          <p:cNvCxnSpPr>
+            <a:cxnSpLocks/>
+          </p:cNvCxnSpPr>
+          <p:nvPr/>
+        </p:nvCxnSpPr>
+        <p:spPr>
+          <a:xfrm>
+            <a:off x="6597566" y="3423501"/>
+            <a:ext cx="2523281" cy="0"/>
+          </a:xfrm>
+          <a:prstGeom prst="straightConnector1">
+            <a:avLst/>
+          </a:prstGeom>
+          <a:ln w="19050">
+            <a:solidFill>
+              <a:srgbClr val="FF0000"/>
+            </a:solidFill>
+            <a:prstDash val="dash"/>
+            <a:headEnd type="triangle"/>
+            <a:tailEnd type="triangle"/>
+          </a:ln>
+        </p:spPr>
+        <p:style>
+          <a:lnRef idx="1">
+            <a:schemeClr val="accent1"/>
+          </a:lnRef>
+          <a:fillRef idx="0">
+            <a:schemeClr val="accent1"/>
+          </a:fillRef>
+          <a:effectRef idx="0">
+            <a:schemeClr val="accent1"/>
+          </a:effectRef>
+          <a:fontRef idx="minor">
+            <a:schemeClr val="tx1"/>
+          </a:fontRef>
+        </p:style>
+      </p:cxnSp>
       <p:pic>
         <p:nvPicPr>
           <p:cNvPr id="1030" name="Picture 6" descr="Learning From Clyde, The Sensitive Pac-Man Ghost – Ryan Harvey">
@@ -12729,7 +20510,7 @@
         </p:blipFill>
         <p:spPr bwMode="auto">
           <a:xfrm>
-            <a:off x="7022341" y="2149116"/>
+            <a:off x="7624516" y="3201916"/>
             <a:ext cx="461800" cy="454167"/>
           </a:xfrm>
           <a:prstGeom prst="rect">
@@ -12747,6 +20528,52 @@
           </a:extLst>
         </p:spPr>
       </p:pic>
+      <p:cxnSp>
+        <p:nvCxnSpPr>
+          <p:cNvPr id="13" name="직선 화살표 연결선 12">
+            <a:extLst>
+              <a:ext uri="{FF2B5EF4-FFF2-40B4-BE49-F238E27FC236}">
+                <a16:creationId xmlns:a16="http://schemas.microsoft.com/office/drawing/2014/main" id="{7F4421FF-48B7-4609-ADC4-1D0504B107F0}"/>
+              </a:ext>
+            </a:extLst>
+          </p:cNvPr>
+          <p:cNvCxnSpPr>
+            <a:cxnSpLocks/>
+          </p:cNvCxnSpPr>
+          <p:nvPr/>
+        </p:nvCxnSpPr>
+        <p:spPr>
+          <a:xfrm>
+            <a:off x="3090441" y="765190"/>
+            <a:ext cx="3646025" cy="0"/>
+          </a:xfrm>
+          <a:prstGeom prst="straightConnector1">
+            <a:avLst/>
+          </a:prstGeom>
+          <a:ln w="19050">
+            <a:solidFill>
+              <a:srgbClr val="FF0000"/>
+            </a:solidFill>
+            <a:prstDash val="dash"/>
+            <a:headEnd type="triangle"/>
+            <a:tailEnd type="triangle"/>
+          </a:ln>
+        </p:spPr>
+        <p:style>
+          <a:lnRef idx="1">
+            <a:schemeClr val="accent1"/>
+          </a:lnRef>
+          <a:fillRef idx="0">
+            <a:schemeClr val="accent1"/>
+          </a:fillRef>
+          <a:effectRef idx="0">
+            <a:schemeClr val="accent1"/>
+          </a:effectRef>
+          <a:fontRef idx="minor">
+            <a:schemeClr val="tx1"/>
+          </a:fontRef>
+        </p:style>
+      </p:cxnSp>
       <p:pic>
         <p:nvPicPr>
           <p:cNvPr id="1032" name="Picture 8" descr="Pacman Ghost Transparent Background Free Images Png - Pacman Ghost  Transparent Background, Png Download , Transparent Png Image - PNGitem">
@@ -12774,7 +20601,7 @@
         </p:blipFill>
         <p:spPr bwMode="auto">
           <a:xfrm>
-            <a:off x="5278326" y="2669990"/>
+            <a:off x="4688427" y="565125"/>
             <a:ext cx="492914" cy="454168"/>
           </a:xfrm>
           <a:prstGeom prst="rect">
@@ -12794,10 +20621,10 @@
       </p:pic>
       <p:pic>
         <p:nvPicPr>
-          <p:cNvPr id="1036" name="Picture 12" descr="Golden Star PNG Image File | PNG All">
+          <p:cNvPr id="18" name="Picture 12" descr="Golden Star PNG Image File | PNG All">
             <a:extLst>
               <a:ext uri="{FF2B5EF4-FFF2-40B4-BE49-F238E27FC236}">
-                <a16:creationId xmlns:a16="http://schemas.microsoft.com/office/drawing/2014/main" id="{F2838804-F1EB-45DF-B02A-A301A5FC0639}"/>
+                <a16:creationId xmlns:a16="http://schemas.microsoft.com/office/drawing/2014/main" id="{0814CAF3-A5B0-45F9-95D9-9A61680A7576}"/>
               </a:ext>
             </a:extLst>
           </p:cNvPr>
@@ -12821,7 +20648,195 @@
         </p:blipFill>
         <p:spPr bwMode="auto">
           <a:xfrm>
-            <a:off x="5874802" y="2142779"/>
+            <a:off x="7609613" y="1088743"/>
+            <a:ext cx="461289" cy="444022"/>
+          </a:xfrm>
+          <a:prstGeom prst="rect">
+            <a:avLst/>
+          </a:prstGeom>
+          <a:noFill/>
+          <a:extLst>
+            <a:ext uri="{909E8E84-426E-40DD-AFC4-6F175D3DCCD1}">
+              <a14:hiddenFill xmlns:a14="http://schemas.microsoft.com/office/drawing/2010/main">
+                <a:solidFill>
+                  <a:srgbClr val="FFFFFF"/>
+                </a:solidFill>
+              </a14:hiddenFill>
+            </a:ext>
+          </a:extLst>
+        </p:spPr>
+      </p:pic>
+      <p:pic>
+        <p:nvPicPr>
+          <p:cNvPr id="93" name="Picture 12" descr="Golden Star PNG Image File | PNG All">
+            <a:extLst>
+              <a:ext uri="{FF2B5EF4-FFF2-40B4-BE49-F238E27FC236}">
+                <a16:creationId xmlns:a16="http://schemas.microsoft.com/office/drawing/2014/main" id="{513003A5-C3A3-DC42-AC72-8C78E54A1D0D}"/>
+              </a:ext>
+            </a:extLst>
+          </p:cNvPr>
+          <p:cNvPicPr>
+            <a:picLocks noChangeAspect="1" noChangeArrowheads="1"/>
+          </p:cNvPicPr>
+          <p:nvPr/>
+        </p:nvPicPr>
+        <p:blipFill>
+          <a:blip r:embed="rId5">
+            <a:extLst>
+              <a:ext uri="{28A0092B-C50C-407E-A947-70E740481C1C}">
+                <a14:useLocalDpi xmlns:a14="http://schemas.microsoft.com/office/drawing/2010/main" val="0"/>
+              </a:ext>
+            </a:extLst>
+          </a:blip>
+          <a:srcRect/>
+          <a:stretch>
+            <a:fillRect/>
+          </a:stretch>
+        </p:blipFill>
+        <p:spPr bwMode="auto">
+          <a:xfrm>
+            <a:off x="7042455" y="4260498"/>
+            <a:ext cx="461289" cy="444022"/>
+          </a:xfrm>
+          <a:prstGeom prst="rect">
+            <a:avLst/>
+          </a:prstGeom>
+          <a:noFill/>
+          <a:extLst>
+            <a:ext uri="{909E8E84-426E-40DD-AFC4-6F175D3DCCD1}">
+              <a14:hiddenFill xmlns:a14="http://schemas.microsoft.com/office/drawing/2010/main">
+                <a:solidFill>
+                  <a:srgbClr val="FFFFFF"/>
+                </a:solidFill>
+              </a14:hiddenFill>
+            </a:ext>
+          </a:extLst>
+        </p:spPr>
+      </p:pic>
+      <p:pic>
+        <p:nvPicPr>
+          <p:cNvPr id="19" name="Picture 12" descr="Golden Star PNG Image File | PNG All">
+            <a:extLst>
+              <a:ext uri="{FF2B5EF4-FFF2-40B4-BE49-F238E27FC236}">
+                <a16:creationId xmlns:a16="http://schemas.microsoft.com/office/drawing/2014/main" id="{FF9927E1-F8A4-1745-9715-C5498B8A4EEC}"/>
+              </a:ext>
+            </a:extLst>
+          </p:cNvPr>
+          <p:cNvPicPr>
+            <a:picLocks noChangeAspect="1" noChangeArrowheads="1"/>
+          </p:cNvPicPr>
+          <p:nvPr/>
+        </p:nvPicPr>
+        <p:blipFill>
+          <a:blip r:embed="rId5">
+            <a:extLst>
+              <a:ext uri="{28A0092B-C50C-407E-A947-70E740481C1C}">
+                <a14:useLocalDpi xmlns:a14="http://schemas.microsoft.com/office/drawing/2010/main" val="0"/>
+              </a:ext>
+            </a:extLst>
+          </a:blip>
+          <a:srcRect/>
+          <a:stretch>
+            <a:fillRect/>
+          </a:stretch>
+        </p:blipFill>
+        <p:spPr bwMode="auto">
+          <a:xfrm>
+            <a:off x="4116727" y="2142483"/>
+            <a:ext cx="461289" cy="444022"/>
+          </a:xfrm>
+          <a:prstGeom prst="rect">
+            <a:avLst/>
+          </a:prstGeom>
+          <a:noFill/>
+          <a:extLst>
+            <a:ext uri="{909E8E84-426E-40DD-AFC4-6F175D3DCCD1}">
+              <a14:hiddenFill xmlns:a14="http://schemas.microsoft.com/office/drawing/2010/main">
+                <a:solidFill>
+                  <a:srgbClr val="FFFFFF"/>
+                </a:solidFill>
+              </a14:hiddenFill>
+            </a:ext>
+          </a:extLst>
+        </p:spPr>
+      </p:pic>
+      <p:pic>
+        <p:nvPicPr>
+          <p:cNvPr id="11" name="Picture 12" descr="Golden Star PNG Image File | PNG All">
+            <a:extLst>
+              <a:ext uri="{FF2B5EF4-FFF2-40B4-BE49-F238E27FC236}">
+                <a16:creationId xmlns:a16="http://schemas.microsoft.com/office/drawing/2014/main" id="{420BE6F2-B5B9-574E-A3A2-C6ABB6C40D14}"/>
+              </a:ext>
+            </a:extLst>
+          </p:cNvPr>
+          <p:cNvPicPr>
+            <a:picLocks noChangeAspect="1" noChangeArrowheads="1"/>
+          </p:cNvPicPr>
+          <p:nvPr/>
+        </p:nvPicPr>
+        <p:blipFill>
+          <a:blip r:embed="rId5">
+            <a:extLst>
+              <a:ext uri="{28A0092B-C50C-407E-A947-70E740481C1C}">
+                <a14:useLocalDpi xmlns:a14="http://schemas.microsoft.com/office/drawing/2010/main" val="0"/>
+              </a:ext>
+            </a:extLst>
+          </a:blip>
+          <a:srcRect/>
+          <a:stretch>
+            <a:fillRect/>
+          </a:stretch>
+        </p:blipFill>
+        <p:spPr bwMode="auto">
+          <a:xfrm>
+            <a:off x="4116726" y="4260498"/>
+            <a:ext cx="461289" cy="444022"/>
+          </a:xfrm>
+          <a:prstGeom prst="rect">
+            <a:avLst/>
+          </a:prstGeom>
+          <a:noFill/>
+          <a:extLst>
+            <a:ext uri="{909E8E84-426E-40DD-AFC4-6F175D3DCCD1}">
+              <a14:hiddenFill xmlns:a14="http://schemas.microsoft.com/office/drawing/2010/main">
+                <a:solidFill>
+                  <a:srgbClr val="FFFFFF"/>
+                </a:solidFill>
+              </a14:hiddenFill>
+            </a:ext>
+          </a:extLst>
+        </p:spPr>
+      </p:pic>
+      <p:pic>
+        <p:nvPicPr>
+          <p:cNvPr id="14" name="Picture 12" descr="Golden Star PNG Image File | PNG All">
+            <a:extLst>
+              <a:ext uri="{FF2B5EF4-FFF2-40B4-BE49-F238E27FC236}">
+                <a16:creationId xmlns:a16="http://schemas.microsoft.com/office/drawing/2014/main" id="{7FD21011-4EDB-A24F-926A-C04EE730D70A}"/>
+              </a:ext>
+            </a:extLst>
+          </p:cNvPr>
+          <p:cNvPicPr>
+            <a:picLocks noChangeAspect="1" noChangeArrowheads="1"/>
+          </p:cNvPicPr>
+          <p:nvPr/>
+        </p:nvPicPr>
+        <p:blipFill>
+          <a:blip r:embed="rId5">
+            <a:extLst>
+              <a:ext uri="{28A0092B-C50C-407E-A947-70E740481C1C}">
+                <a14:useLocalDpi xmlns:a14="http://schemas.microsoft.com/office/drawing/2010/main" val="0"/>
+              </a:ext>
+            </a:extLst>
+          </a:blip>
+          <a:srcRect/>
+          <a:stretch>
+            <a:fillRect/>
+          </a:stretch>
+        </p:blipFill>
+        <p:spPr bwMode="auto">
+          <a:xfrm>
+            <a:off x="5868873" y="2154058"/>
             <a:ext cx="461289" cy="444022"/>
           </a:xfrm>
           <a:prstGeom prst="rect">
@@ -12842,7 +20857,7 @@
     </p:spTree>
     <p:extLst>
       <p:ext uri="{BB962C8B-B14F-4D97-AF65-F5344CB8AC3E}">
-        <p14:creationId xmlns:p14="http://schemas.microsoft.com/office/powerpoint/2010/main" val="2919694329"/>
+        <p14:creationId xmlns:p14="http://schemas.microsoft.com/office/powerpoint/2010/main" val="2481578037"/>
       </p:ext>
     </p:extLst>
   </p:cSld>
@@ -12852,7 +20867,7 @@
 </p:sld>
 </file>
 
-<file path=ppt/slides/slide4.xml><?xml version="1.0" encoding="utf-8"?>
+<file path=ppt/slides/slide6.xml><?xml version="1.0" encoding="utf-8"?>
 <p:sld xmlns:a="http://schemas.openxmlformats.org/drawingml/2006/main" xmlns:r="http://schemas.openxmlformats.org/officeDocument/2006/relationships" xmlns:p="http://schemas.openxmlformats.org/presentationml/2006/main">
   <p:cSld>
     <p:spTree>
@@ -12871,10 +20886,10 @@
       </p:grpSpPr>
       <p:pic>
         <p:nvPicPr>
-          <p:cNvPr id="7" name="그림 6">
+          <p:cNvPr id="3" name="그림 2">
             <a:extLst>
               <a:ext uri="{FF2B5EF4-FFF2-40B4-BE49-F238E27FC236}">
-                <a16:creationId xmlns:a16="http://schemas.microsoft.com/office/drawing/2014/main" id="{2F737E18-C3E2-44B8-A714-8E0CD8B1E374}"/>
+                <a16:creationId xmlns:a16="http://schemas.microsoft.com/office/drawing/2014/main" id="{F3D9DE80-CB50-0C46-869B-F02887D275B9}"/>
               </a:ext>
             </a:extLst>
           </p:cNvPr>
@@ -12897,8 +20912,8 @@
         </p:blipFill>
         <p:spPr>
           <a:xfrm>
-            <a:off x="6281108" y="1199431"/>
-            <a:ext cx="5023224" cy="4486031"/>
+            <a:off x="6294885" y="959347"/>
+            <a:ext cx="5142147" cy="4573082"/>
           </a:xfrm>
           <a:prstGeom prst="rect">
             <a:avLst/>
@@ -12907,10 +20922,10 @@
       </p:pic>
       <p:pic>
         <p:nvPicPr>
-          <p:cNvPr id="8" name="그림 7">
+          <p:cNvPr id="5" name="그림 4" descr="텍스트, 낱말맞추기게임이(가) 표시된 사진&#10;&#10;자동 생성된 설명">
             <a:extLst>
               <a:ext uri="{FF2B5EF4-FFF2-40B4-BE49-F238E27FC236}">
-                <a16:creationId xmlns:a16="http://schemas.microsoft.com/office/drawing/2014/main" id="{2FA4238C-1300-49A7-8613-1472248562E3}"/>
+                <a16:creationId xmlns:a16="http://schemas.microsoft.com/office/drawing/2014/main" id="{0CF961BA-A8B6-3944-B90B-C214D9700179}"/>
               </a:ext>
             </a:extLst>
           </p:cNvPr>
@@ -12933,8 +20948,8 @@
         </p:blipFill>
         <p:spPr>
           <a:xfrm>
-            <a:off x="1124267" y="1686085"/>
-            <a:ext cx="4250722" cy="3835370"/>
+            <a:off x="1077051" y="1357322"/>
+            <a:ext cx="4580912" cy="4117225"/>
           </a:xfrm>
           <a:prstGeom prst="rect">
             <a:avLst/>
@@ -12944,7 +20959,7 @@
     </p:spTree>
     <p:extLst>
       <p:ext uri="{BB962C8B-B14F-4D97-AF65-F5344CB8AC3E}">
-        <p14:creationId xmlns:p14="http://schemas.microsoft.com/office/powerpoint/2010/main" val="1033708262"/>
+        <p14:creationId xmlns:p14="http://schemas.microsoft.com/office/powerpoint/2010/main" val="1787642186"/>
       </p:ext>
     </p:extLst>
   </p:cSld>

--- a/img/Env.pptx
+++ b/img/Env.pptx
@@ -11,6 +11,7 @@
     <p:sldId id="258" r:id="rId5"/>
     <p:sldId id="260" r:id="rId6"/>
     <p:sldId id="261" r:id="rId7"/>
+    <p:sldId id="262" r:id="rId8"/>
   </p:sldIdLst>
   <p:sldSz cx="12192000" cy="6858000"/>
   <p:notesSz cx="6858000" cy="9144000"/>
@@ -264,7 +265,7 @@
           <a:p>
             <a:fld id="{A9D23C55-2B29-4EC3-B6FF-7E0621715BAD}" type="datetimeFigureOut">
               <a:rPr lang="ko-KR" altLang="en-US" smtClean="0"/>
-              <a:t>2021. 12. 7.</a:t>
+              <a:t>2021. 12. 12.</a:t>
             </a:fld>
             <a:endParaRPr lang="ko-KR" altLang="en-US"/>
           </a:p>
@@ -462,7 +463,7 @@
           <a:p>
             <a:fld id="{A9D23C55-2B29-4EC3-B6FF-7E0621715BAD}" type="datetimeFigureOut">
               <a:rPr lang="ko-KR" altLang="en-US" smtClean="0"/>
-              <a:t>2021. 12. 7.</a:t>
+              <a:t>2021. 12. 12.</a:t>
             </a:fld>
             <a:endParaRPr lang="ko-KR" altLang="en-US"/>
           </a:p>
@@ -670,7 +671,7 @@
           <a:p>
             <a:fld id="{A9D23C55-2B29-4EC3-B6FF-7E0621715BAD}" type="datetimeFigureOut">
               <a:rPr lang="ko-KR" altLang="en-US" smtClean="0"/>
-              <a:t>2021. 12. 7.</a:t>
+              <a:t>2021. 12. 12.</a:t>
             </a:fld>
             <a:endParaRPr lang="ko-KR" altLang="en-US"/>
           </a:p>
@@ -868,7 +869,7 @@
           <a:p>
             <a:fld id="{A9D23C55-2B29-4EC3-B6FF-7E0621715BAD}" type="datetimeFigureOut">
               <a:rPr lang="ko-KR" altLang="en-US" smtClean="0"/>
-              <a:t>2021. 12. 7.</a:t>
+              <a:t>2021. 12. 12.</a:t>
             </a:fld>
             <a:endParaRPr lang="ko-KR" altLang="en-US"/>
           </a:p>
@@ -1143,7 +1144,7 @@
           <a:p>
             <a:fld id="{A9D23C55-2B29-4EC3-B6FF-7E0621715BAD}" type="datetimeFigureOut">
               <a:rPr lang="ko-KR" altLang="en-US" smtClean="0"/>
-              <a:t>2021. 12. 7.</a:t>
+              <a:t>2021. 12. 12.</a:t>
             </a:fld>
             <a:endParaRPr lang="ko-KR" altLang="en-US"/>
           </a:p>
@@ -1408,7 +1409,7 @@
           <a:p>
             <a:fld id="{A9D23C55-2B29-4EC3-B6FF-7E0621715BAD}" type="datetimeFigureOut">
               <a:rPr lang="ko-KR" altLang="en-US" smtClean="0"/>
-              <a:t>2021. 12. 7.</a:t>
+              <a:t>2021. 12. 12.</a:t>
             </a:fld>
             <a:endParaRPr lang="ko-KR" altLang="en-US"/>
           </a:p>
@@ -1820,7 +1821,7 @@
           <a:p>
             <a:fld id="{A9D23C55-2B29-4EC3-B6FF-7E0621715BAD}" type="datetimeFigureOut">
               <a:rPr lang="ko-KR" altLang="en-US" smtClean="0"/>
-              <a:t>2021. 12. 7.</a:t>
+              <a:t>2021. 12. 12.</a:t>
             </a:fld>
             <a:endParaRPr lang="ko-KR" altLang="en-US"/>
           </a:p>
@@ -1961,7 +1962,7 @@
           <a:p>
             <a:fld id="{A9D23C55-2B29-4EC3-B6FF-7E0621715BAD}" type="datetimeFigureOut">
               <a:rPr lang="ko-KR" altLang="en-US" smtClean="0"/>
-              <a:t>2021. 12. 7.</a:t>
+              <a:t>2021. 12. 12.</a:t>
             </a:fld>
             <a:endParaRPr lang="ko-KR" altLang="en-US"/>
           </a:p>
@@ -2074,7 +2075,7 @@
           <a:p>
             <a:fld id="{A9D23C55-2B29-4EC3-B6FF-7E0621715BAD}" type="datetimeFigureOut">
               <a:rPr lang="ko-KR" altLang="en-US" smtClean="0"/>
-              <a:t>2021. 12. 7.</a:t>
+              <a:t>2021. 12. 12.</a:t>
             </a:fld>
             <a:endParaRPr lang="ko-KR" altLang="en-US"/>
           </a:p>
@@ -2385,7 +2386,7 @@
           <a:p>
             <a:fld id="{A9D23C55-2B29-4EC3-B6FF-7E0621715BAD}" type="datetimeFigureOut">
               <a:rPr lang="ko-KR" altLang="en-US" smtClean="0"/>
-              <a:t>2021. 12. 7.</a:t>
+              <a:t>2021. 12. 12.</a:t>
             </a:fld>
             <a:endParaRPr lang="ko-KR" altLang="en-US"/>
           </a:p>
@@ -2673,7 +2674,7 @@
           <a:p>
             <a:fld id="{A9D23C55-2B29-4EC3-B6FF-7E0621715BAD}" type="datetimeFigureOut">
               <a:rPr lang="ko-KR" altLang="en-US" smtClean="0"/>
-              <a:t>2021. 12. 7.</a:t>
+              <a:t>2021. 12. 12.</a:t>
             </a:fld>
             <a:endParaRPr lang="ko-KR" altLang="en-US"/>
           </a:p>
@@ -2914,7 +2915,7 @@
           <a:p>
             <a:fld id="{A9D23C55-2B29-4EC3-B6FF-7E0621715BAD}" type="datetimeFigureOut">
               <a:rPr lang="ko-KR" altLang="en-US" smtClean="0"/>
-              <a:t>2021. 12. 7.</a:t>
+              <a:t>2021. 12. 12.</a:t>
             </a:fld>
             <a:endParaRPr lang="ko-KR" altLang="en-US"/>
           </a:p>
@@ -20969,6 +20970,1047 @@
 </p:sld>
 </file>
 
+<file path=ppt/slides/slide7.xml><?xml version="1.0" encoding="utf-8"?>
+<p:sld xmlns:a="http://schemas.openxmlformats.org/drawingml/2006/main" xmlns:r="http://schemas.openxmlformats.org/officeDocument/2006/relationships" xmlns:p="http://schemas.openxmlformats.org/presentationml/2006/main">
+  <p:cSld>
+    <p:spTree>
+      <p:nvGrpSpPr>
+        <p:cNvPr id="1" name=""/>
+        <p:cNvGrpSpPr/>
+        <p:nvPr/>
+      </p:nvGrpSpPr>
+      <p:grpSpPr>
+        <a:xfrm>
+          <a:off x="0" y="0"/>
+          <a:ext cx="0" cy="0"/>
+          <a:chOff x="0" y="0"/>
+          <a:chExt cx="0" cy="0"/>
+        </a:xfrm>
+      </p:grpSpPr>
+      <p:pic>
+        <p:nvPicPr>
+          <p:cNvPr id="3" name="그림 2">
+            <a:extLst>
+              <a:ext uri="{FF2B5EF4-FFF2-40B4-BE49-F238E27FC236}">
+                <a16:creationId xmlns:a16="http://schemas.microsoft.com/office/drawing/2014/main" id="{3A44C212-1194-1246-BA13-62C2477C8F0C}"/>
+              </a:ext>
+            </a:extLst>
+          </p:cNvPr>
+          <p:cNvPicPr>
+            <a:picLocks noChangeAspect="1"/>
+          </p:cNvPicPr>
+          <p:nvPr/>
+        </p:nvPicPr>
+        <p:blipFill>
+          <a:blip r:embed="rId2">
+            <a:extLst>
+              <a:ext uri="{28A0092B-C50C-407E-A947-70E740481C1C}">
+                <a14:useLocalDpi xmlns:a14="http://schemas.microsoft.com/office/drawing/2010/main" val="0"/>
+              </a:ext>
+            </a:extLst>
+          </a:blip>
+          <a:stretch>
+            <a:fillRect/>
+          </a:stretch>
+        </p:blipFill>
+        <p:spPr>
+          <a:xfrm>
+            <a:off x="0" y="1332913"/>
+            <a:ext cx="4192172" cy="4192172"/>
+          </a:xfrm>
+          <a:prstGeom prst="rect">
+            <a:avLst/>
+          </a:prstGeom>
+        </p:spPr>
+      </p:pic>
+      <p:pic>
+        <p:nvPicPr>
+          <p:cNvPr id="4" name="그림 3">
+            <a:extLst>
+              <a:ext uri="{FF2B5EF4-FFF2-40B4-BE49-F238E27FC236}">
+                <a16:creationId xmlns:a16="http://schemas.microsoft.com/office/drawing/2014/main" id="{EDCFCB5C-F8DD-784D-BCEC-993E3BE552FA}"/>
+              </a:ext>
+            </a:extLst>
+          </p:cNvPr>
+          <p:cNvPicPr>
+            <a:picLocks noChangeAspect="1"/>
+          </p:cNvPicPr>
+          <p:nvPr/>
+        </p:nvPicPr>
+        <p:blipFill>
+          <a:blip r:embed="rId3">
+            <a:extLst>
+              <a:ext uri="{28A0092B-C50C-407E-A947-70E740481C1C}">
+                <a14:useLocalDpi xmlns:a14="http://schemas.microsoft.com/office/drawing/2010/main" val="0"/>
+              </a:ext>
+            </a:extLst>
+          </a:blip>
+          <a:stretch>
+            <a:fillRect/>
+          </a:stretch>
+        </p:blipFill>
+        <p:spPr>
+          <a:xfrm>
+            <a:off x="7999828" y="1332913"/>
+            <a:ext cx="4192172" cy="4192172"/>
+          </a:xfrm>
+          <a:prstGeom prst="rect">
+            <a:avLst/>
+          </a:prstGeom>
+        </p:spPr>
+      </p:pic>
+      <p:pic>
+        <p:nvPicPr>
+          <p:cNvPr id="7" name="그림 6">
+            <a:extLst>
+              <a:ext uri="{FF2B5EF4-FFF2-40B4-BE49-F238E27FC236}">
+                <a16:creationId xmlns:a16="http://schemas.microsoft.com/office/drawing/2014/main" id="{D1835F4A-35E7-E140-A0FD-B916083FD0AA}"/>
+              </a:ext>
+            </a:extLst>
+          </p:cNvPr>
+          <p:cNvPicPr>
+            <a:picLocks noChangeAspect="1"/>
+          </p:cNvPicPr>
+          <p:nvPr/>
+        </p:nvPicPr>
+        <p:blipFill>
+          <a:blip r:embed="rId4">
+            <a:extLst>
+              <a:ext uri="{28A0092B-C50C-407E-A947-70E740481C1C}">
+                <a14:useLocalDpi xmlns:a14="http://schemas.microsoft.com/office/drawing/2010/main" val="0"/>
+              </a:ext>
+            </a:extLst>
+          </a:blip>
+          <a:stretch>
+            <a:fillRect/>
+          </a:stretch>
+        </p:blipFill>
+        <p:spPr>
+          <a:xfrm>
+            <a:off x="3999914" y="1332913"/>
+            <a:ext cx="4192172" cy="4192172"/>
+          </a:xfrm>
+          <a:prstGeom prst="rect">
+            <a:avLst/>
+          </a:prstGeom>
+        </p:spPr>
+      </p:pic>
+      <p:sp>
+        <p:nvSpPr>
+          <p:cNvPr id="9" name="직사각형 8">
+            <a:extLst>
+              <a:ext uri="{FF2B5EF4-FFF2-40B4-BE49-F238E27FC236}">
+                <a16:creationId xmlns:a16="http://schemas.microsoft.com/office/drawing/2014/main" id="{654488AA-F515-5E4E-9C3F-DA2BA3383DEB}"/>
+              </a:ext>
+            </a:extLst>
+          </p:cNvPr>
+          <p:cNvSpPr/>
+          <p:nvPr/>
+        </p:nvSpPr>
+        <p:spPr>
+          <a:xfrm>
+            <a:off x="5831221" y="1841327"/>
+            <a:ext cx="638826" cy="634921"/>
+          </a:xfrm>
+          <a:prstGeom prst="rect">
+            <a:avLst/>
+          </a:prstGeom>
+          <a:solidFill>
+            <a:schemeClr val="bg1"/>
+          </a:solidFill>
+          <a:ln w="3175">
+            <a:solidFill>
+              <a:schemeClr val="tx1"/>
+            </a:solidFill>
+          </a:ln>
+        </p:spPr>
+        <p:style>
+          <a:lnRef idx="2">
+            <a:schemeClr val="accent1">
+              <a:shade val="50000"/>
+            </a:schemeClr>
+          </a:lnRef>
+          <a:fillRef idx="1">
+            <a:schemeClr val="accent1"/>
+          </a:fillRef>
+          <a:effectRef idx="0">
+            <a:schemeClr val="accent1"/>
+          </a:effectRef>
+          <a:fontRef idx="minor">
+            <a:schemeClr val="lt1"/>
+          </a:fontRef>
+        </p:style>
+        <p:txBody>
+          <a:bodyPr rtlCol="0" anchor="ctr"/>
+          <a:lstStyle/>
+          <a:p>
+            <a:pPr algn="ctr"/>
+            <a:endParaRPr kumimoji="1" lang="ko-Kore-KR" altLang="en-US"/>
+          </a:p>
+        </p:txBody>
+      </p:sp>
+      <p:sp>
+        <p:nvSpPr>
+          <p:cNvPr id="11" name="직사각형 10">
+            <a:extLst>
+              <a:ext uri="{FF2B5EF4-FFF2-40B4-BE49-F238E27FC236}">
+                <a16:creationId xmlns:a16="http://schemas.microsoft.com/office/drawing/2014/main" id="{900ACB21-5DD2-BC43-BDF4-958A67E79273}"/>
+              </a:ext>
+            </a:extLst>
+          </p:cNvPr>
+          <p:cNvSpPr/>
+          <p:nvPr/>
+        </p:nvSpPr>
+        <p:spPr>
+          <a:xfrm>
+            <a:off x="5179089" y="2486153"/>
+            <a:ext cx="638826" cy="632002"/>
+          </a:xfrm>
+          <a:prstGeom prst="rect">
+            <a:avLst/>
+          </a:prstGeom>
+          <a:solidFill>
+            <a:schemeClr val="bg1"/>
+          </a:solidFill>
+          <a:ln w="3175">
+            <a:solidFill>
+              <a:schemeClr val="tx1"/>
+            </a:solidFill>
+          </a:ln>
+        </p:spPr>
+        <p:style>
+          <a:lnRef idx="2">
+            <a:schemeClr val="accent1">
+              <a:shade val="50000"/>
+            </a:schemeClr>
+          </a:lnRef>
+          <a:fillRef idx="1">
+            <a:schemeClr val="accent1"/>
+          </a:fillRef>
+          <a:effectRef idx="0">
+            <a:schemeClr val="accent1"/>
+          </a:effectRef>
+          <a:fontRef idx="minor">
+            <a:schemeClr val="lt1"/>
+          </a:fontRef>
+        </p:style>
+        <p:txBody>
+          <a:bodyPr rtlCol="0" anchor="ctr"/>
+          <a:lstStyle/>
+          <a:p>
+            <a:pPr algn="ctr"/>
+            <a:endParaRPr kumimoji="1" lang="ko-Kore-KR" altLang="en-US"/>
+          </a:p>
+        </p:txBody>
+      </p:sp>
+      <p:sp>
+        <p:nvSpPr>
+          <p:cNvPr id="15" name="직사각형 14">
+            <a:extLst>
+              <a:ext uri="{FF2B5EF4-FFF2-40B4-BE49-F238E27FC236}">
+                <a16:creationId xmlns:a16="http://schemas.microsoft.com/office/drawing/2014/main" id="{04242B3A-58F3-274A-BED7-C8E7385E0F05}"/>
+              </a:ext>
+            </a:extLst>
+          </p:cNvPr>
+          <p:cNvSpPr/>
+          <p:nvPr/>
+        </p:nvSpPr>
+        <p:spPr>
+          <a:xfrm>
+            <a:off x="7128612" y="1841327"/>
+            <a:ext cx="638826" cy="634921"/>
+          </a:xfrm>
+          <a:prstGeom prst="rect">
+            <a:avLst/>
+          </a:prstGeom>
+          <a:solidFill>
+            <a:schemeClr val="bg1"/>
+          </a:solidFill>
+          <a:ln w="3175">
+            <a:solidFill>
+              <a:schemeClr val="tx1"/>
+            </a:solidFill>
+          </a:ln>
+        </p:spPr>
+        <p:style>
+          <a:lnRef idx="2">
+            <a:schemeClr val="accent1">
+              <a:shade val="50000"/>
+            </a:schemeClr>
+          </a:lnRef>
+          <a:fillRef idx="1">
+            <a:schemeClr val="accent1"/>
+          </a:fillRef>
+          <a:effectRef idx="0">
+            <a:schemeClr val="accent1"/>
+          </a:effectRef>
+          <a:fontRef idx="minor">
+            <a:schemeClr val="lt1"/>
+          </a:fontRef>
+        </p:style>
+        <p:txBody>
+          <a:bodyPr rtlCol="0" anchor="ctr"/>
+          <a:lstStyle/>
+          <a:p>
+            <a:pPr algn="ctr"/>
+            <a:endParaRPr kumimoji="1" lang="ko-Kore-KR" altLang="en-US"/>
+          </a:p>
+        </p:txBody>
+      </p:sp>
+      <p:sp>
+        <p:nvSpPr>
+          <p:cNvPr id="16" name="직사각형 15">
+            <a:extLst>
+              <a:ext uri="{FF2B5EF4-FFF2-40B4-BE49-F238E27FC236}">
+                <a16:creationId xmlns:a16="http://schemas.microsoft.com/office/drawing/2014/main" id="{568BEC21-5BCF-5249-915E-ACD0C1F53A62}"/>
+              </a:ext>
+            </a:extLst>
+          </p:cNvPr>
+          <p:cNvSpPr/>
+          <p:nvPr/>
+        </p:nvSpPr>
+        <p:spPr>
+          <a:xfrm>
+            <a:off x="9177466" y="2486152"/>
+            <a:ext cx="638826" cy="634921"/>
+          </a:xfrm>
+          <a:prstGeom prst="rect">
+            <a:avLst/>
+          </a:prstGeom>
+          <a:solidFill>
+            <a:schemeClr val="bg1"/>
+          </a:solidFill>
+          <a:ln w="3175">
+            <a:solidFill>
+              <a:schemeClr val="tx1"/>
+            </a:solidFill>
+          </a:ln>
+        </p:spPr>
+        <p:style>
+          <a:lnRef idx="2">
+            <a:schemeClr val="accent1">
+              <a:shade val="50000"/>
+            </a:schemeClr>
+          </a:lnRef>
+          <a:fillRef idx="1">
+            <a:schemeClr val="accent1"/>
+          </a:fillRef>
+          <a:effectRef idx="0">
+            <a:schemeClr val="accent1"/>
+          </a:effectRef>
+          <a:fontRef idx="minor">
+            <a:schemeClr val="lt1"/>
+          </a:fontRef>
+        </p:style>
+        <p:txBody>
+          <a:bodyPr rtlCol="0" anchor="ctr"/>
+          <a:lstStyle/>
+          <a:p>
+            <a:pPr algn="ctr"/>
+            <a:endParaRPr kumimoji="1" lang="ko-Kore-KR" altLang="en-US"/>
+          </a:p>
+        </p:txBody>
+      </p:sp>
+      <p:sp>
+        <p:nvSpPr>
+          <p:cNvPr id="17" name="직사각형 16">
+            <a:extLst>
+              <a:ext uri="{FF2B5EF4-FFF2-40B4-BE49-F238E27FC236}">
+                <a16:creationId xmlns:a16="http://schemas.microsoft.com/office/drawing/2014/main" id="{87547846-ABA5-9C43-BDBA-85C3ACF807BA}"/>
+              </a:ext>
+            </a:extLst>
+          </p:cNvPr>
+          <p:cNvSpPr/>
+          <p:nvPr/>
+        </p:nvSpPr>
+        <p:spPr>
+          <a:xfrm>
+            <a:off x="9829598" y="1841325"/>
+            <a:ext cx="638826" cy="634921"/>
+          </a:xfrm>
+          <a:prstGeom prst="rect">
+            <a:avLst/>
+          </a:prstGeom>
+          <a:solidFill>
+            <a:schemeClr val="bg1"/>
+          </a:solidFill>
+          <a:ln w="3175">
+            <a:solidFill>
+              <a:schemeClr val="tx1"/>
+            </a:solidFill>
+          </a:ln>
+        </p:spPr>
+        <p:style>
+          <a:lnRef idx="2">
+            <a:schemeClr val="accent1">
+              <a:shade val="50000"/>
+            </a:schemeClr>
+          </a:lnRef>
+          <a:fillRef idx="1">
+            <a:schemeClr val="accent1"/>
+          </a:fillRef>
+          <a:effectRef idx="0">
+            <a:schemeClr val="accent1"/>
+          </a:effectRef>
+          <a:fontRef idx="minor">
+            <a:schemeClr val="lt1"/>
+          </a:fontRef>
+        </p:style>
+        <p:txBody>
+          <a:bodyPr rtlCol="0" anchor="ctr"/>
+          <a:lstStyle/>
+          <a:p>
+            <a:pPr algn="ctr"/>
+            <a:endParaRPr kumimoji="1" lang="ko-Kore-KR" altLang="en-US"/>
+          </a:p>
+        </p:txBody>
+      </p:sp>
+      <p:sp>
+        <p:nvSpPr>
+          <p:cNvPr id="18" name="직사각형 17">
+            <a:extLst>
+              <a:ext uri="{FF2B5EF4-FFF2-40B4-BE49-F238E27FC236}">
+                <a16:creationId xmlns:a16="http://schemas.microsoft.com/office/drawing/2014/main" id="{C18E44AA-9D8B-E543-880F-C40448E1FA9E}"/>
+              </a:ext>
+            </a:extLst>
+          </p:cNvPr>
+          <p:cNvSpPr/>
+          <p:nvPr/>
+        </p:nvSpPr>
+        <p:spPr>
+          <a:xfrm>
+            <a:off x="11126989" y="1841325"/>
+            <a:ext cx="638826" cy="634921"/>
+          </a:xfrm>
+          <a:prstGeom prst="rect">
+            <a:avLst/>
+          </a:prstGeom>
+          <a:solidFill>
+            <a:schemeClr val="bg1"/>
+          </a:solidFill>
+          <a:ln w="3175">
+            <a:solidFill>
+              <a:schemeClr val="tx1"/>
+            </a:solidFill>
+          </a:ln>
+        </p:spPr>
+        <p:style>
+          <a:lnRef idx="2">
+            <a:schemeClr val="accent1">
+              <a:shade val="50000"/>
+            </a:schemeClr>
+          </a:lnRef>
+          <a:fillRef idx="1">
+            <a:schemeClr val="accent1"/>
+          </a:fillRef>
+          <a:effectRef idx="0">
+            <a:schemeClr val="accent1"/>
+          </a:effectRef>
+          <a:fontRef idx="minor">
+            <a:schemeClr val="lt1"/>
+          </a:fontRef>
+        </p:style>
+        <p:txBody>
+          <a:bodyPr rtlCol="0" anchor="ctr"/>
+          <a:lstStyle/>
+          <a:p>
+            <a:pPr algn="ctr"/>
+            <a:endParaRPr kumimoji="1" lang="ko-Kore-KR" altLang="en-US"/>
+          </a:p>
+        </p:txBody>
+      </p:sp>
+      <p:pic>
+        <p:nvPicPr>
+          <p:cNvPr id="19" name="Picture 12" descr="Golden Star PNG Image File | PNG All">
+            <a:extLst>
+              <a:ext uri="{FF2B5EF4-FFF2-40B4-BE49-F238E27FC236}">
+                <a16:creationId xmlns:a16="http://schemas.microsoft.com/office/drawing/2014/main" id="{1EA97EF0-70AB-6A46-81BB-E9A2D64525A7}"/>
+              </a:ext>
+            </a:extLst>
+          </p:cNvPr>
+          <p:cNvPicPr>
+            <a:picLocks noChangeAspect="1" noChangeArrowheads="1"/>
+          </p:cNvPicPr>
+          <p:nvPr/>
+        </p:nvPicPr>
+        <p:blipFill>
+          <a:blip r:embed="rId5">
+            <a:extLst>
+              <a:ext uri="{28A0092B-C50C-407E-A947-70E740481C1C}">
+                <a14:useLocalDpi xmlns:a14="http://schemas.microsoft.com/office/drawing/2010/main" val="0"/>
+              </a:ext>
+            </a:extLst>
+          </a:blip>
+          <a:srcRect/>
+          <a:stretch>
+            <a:fillRect/>
+          </a:stretch>
+        </p:blipFill>
+        <p:spPr bwMode="auto">
+          <a:xfrm>
+            <a:off x="5919989" y="1936775"/>
+            <a:ext cx="461289" cy="444022"/>
+          </a:xfrm>
+          <a:prstGeom prst="rect">
+            <a:avLst/>
+          </a:prstGeom>
+          <a:noFill/>
+          <a:extLst>
+            <a:ext uri="{909E8E84-426E-40DD-AFC4-6F175D3DCCD1}">
+              <a14:hiddenFill xmlns:a14="http://schemas.microsoft.com/office/drawing/2010/main">
+                <a:solidFill>
+                  <a:srgbClr val="FFFFFF"/>
+                </a:solidFill>
+              </a14:hiddenFill>
+            </a:ext>
+          </a:extLst>
+        </p:spPr>
+      </p:pic>
+      <p:pic>
+        <p:nvPicPr>
+          <p:cNvPr id="20" name="Picture 12" descr="Golden Star PNG Image File | PNG All">
+            <a:extLst>
+              <a:ext uri="{FF2B5EF4-FFF2-40B4-BE49-F238E27FC236}">
+                <a16:creationId xmlns:a16="http://schemas.microsoft.com/office/drawing/2014/main" id="{0BE3E7A4-582B-3648-B790-24B84703A2B2}"/>
+              </a:ext>
+            </a:extLst>
+          </p:cNvPr>
+          <p:cNvPicPr>
+            <a:picLocks noChangeAspect="1" noChangeArrowheads="1"/>
+          </p:cNvPicPr>
+          <p:nvPr/>
+        </p:nvPicPr>
+        <p:blipFill>
+          <a:blip r:embed="rId5">
+            <a:extLst>
+              <a:ext uri="{28A0092B-C50C-407E-A947-70E740481C1C}">
+                <a14:useLocalDpi xmlns:a14="http://schemas.microsoft.com/office/drawing/2010/main" val="0"/>
+              </a:ext>
+            </a:extLst>
+          </a:blip>
+          <a:srcRect/>
+          <a:stretch>
+            <a:fillRect/>
+          </a:stretch>
+        </p:blipFill>
+        <p:spPr bwMode="auto">
+          <a:xfrm>
+            <a:off x="9918366" y="1936774"/>
+            <a:ext cx="461289" cy="444022"/>
+          </a:xfrm>
+          <a:prstGeom prst="rect">
+            <a:avLst/>
+          </a:prstGeom>
+          <a:noFill/>
+          <a:extLst>
+            <a:ext uri="{909E8E84-426E-40DD-AFC4-6F175D3DCCD1}">
+              <a14:hiddenFill xmlns:a14="http://schemas.microsoft.com/office/drawing/2010/main">
+                <a:solidFill>
+                  <a:srgbClr val="FFFFFF"/>
+                </a:solidFill>
+              </a14:hiddenFill>
+            </a:ext>
+          </a:extLst>
+        </p:spPr>
+      </p:pic>
+      <p:pic>
+        <p:nvPicPr>
+          <p:cNvPr id="21" name="Picture 6" descr="Learning From Clyde, The Sensitive Pac-Man Ghost – Ryan Harvey">
+            <a:extLst>
+              <a:ext uri="{FF2B5EF4-FFF2-40B4-BE49-F238E27FC236}">
+                <a16:creationId xmlns:a16="http://schemas.microsoft.com/office/drawing/2014/main" id="{DE5A40A4-E5CD-C143-B80F-13BF5F9559EE}"/>
+              </a:ext>
+            </a:extLst>
+          </p:cNvPr>
+          <p:cNvPicPr>
+            <a:picLocks noChangeAspect="1" noChangeArrowheads="1"/>
+          </p:cNvPicPr>
+          <p:nvPr/>
+        </p:nvPicPr>
+        <p:blipFill>
+          <a:blip r:embed="rId6">
+            <a:extLst>
+              <a:ext uri="{28A0092B-C50C-407E-A947-70E740481C1C}">
+                <a14:useLocalDpi xmlns:a14="http://schemas.microsoft.com/office/drawing/2010/main" val="0"/>
+              </a:ext>
+            </a:extLst>
+          </a:blip>
+          <a:srcRect/>
+          <a:stretch>
+            <a:fillRect/>
+          </a:stretch>
+        </p:blipFill>
+        <p:spPr bwMode="auto">
+          <a:xfrm>
+            <a:off x="7225217" y="1934722"/>
+            <a:ext cx="461800" cy="454167"/>
+          </a:xfrm>
+          <a:prstGeom prst="rect">
+            <a:avLst/>
+          </a:prstGeom>
+          <a:noFill/>
+          <a:extLst>
+            <a:ext uri="{909E8E84-426E-40DD-AFC4-6F175D3DCCD1}">
+              <a14:hiddenFill xmlns:a14="http://schemas.microsoft.com/office/drawing/2010/main">
+                <a:solidFill>
+                  <a:srgbClr val="FFFFFF"/>
+                </a:solidFill>
+              </a14:hiddenFill>
+            </a:ext>
+          </a:extLst>
+        </p:spPr>
+      </p:pic>
+      <p:pic>
+        <p:nvPicPr>
+          <p:cNvPr id="22" name="Picture 8" descr="Pacman Ghost Transparent Background Free Images Png - Pacman Ghost  Transparent Background, Png Download , Transparent Png Image - PNGitem">
+            <a:extLst>
+              <a:ext uri="{FF2B5EF4-FFF2-40B4-BE49-F238E27FC236}">
+                <a16:creationId xmlns:a16="http://schemas.microsoft.com/office/drawing/2014/main" id="{F9959CB0-1B0B-1344-A130-685B16125CCF}"/>
+              </a:ext>
+            </a:extLst>
+          </p:cNvPr>
+          <p:cNvPicPr>
+            <a:picLocks noChangeAspect="1" noChangeArrowheads="1"/>
+          </p:cNvPicPr>
+          <p:nvPr/>
+        </p:nvPicPr>
+        <p:blipFill rotWithShape="1">
+          <a:blip r:embed="rId7">
+            <a:extLst>
+              <a:ext uri="{28A0092B-C50C-407E-A947-70E740481C1C}">
+                <a14:useLocalDpi xmlns:a14="http://schemas.microsoft.com/office/drawing/2010/main" val="0"/>
+              </a:ext>
+            </a:extLst>
+          </a:blip>
+          <a:srcRect l="10886" t="5326" r="10886" b="3247"/>
+          <a:stretch/>
+        </p:blipFill>
+        <p:spPr bwMode="auto">
+          <a:xfrm>
+            <a:off x="5252045" y="2575070"/>
+            <a:ext cx="492914" cy="454168"/>
+          </a:xfrm>
+          <a:prstGeom prst="rect">
+            <a:avLst/>
+          </a:prstGeom>
+          <a:noFill/>
+          <a:extLst>
+            <a:ext uri="{909E8E84-426E-40DD-AFC4-6F175D3DCCD1}">
+              <a14:hiddenFill xmlns:a14="http://schemas.microsoft.com/office/drawing/2010/main">
+                <a:solidFill>
+                  <a:srgbClr val="FFFFFF"/>
+                </a:solidFill>
+              </a14:hiddenFill>
+            </a:ext>
+          </a:extLst>
+        </p:spPr>
+      </p:pic>
+      <p:pic>
+        <p:nvPicPr>
+          <p:cNvPr id="23" name="Picture 6" descr="Learning From Clyde, The Sensitive Pac-Man Ghost – Ryan Harvey">
+            <a:extLst>
+              <a:ext uri="{FF2B5EF4-FFF2-40B4-BE49-F238E27FC236}">
+                <a16:creationId xmlns:a16="http://schemas.microsoft.com/office/drawing/2014/main" id="{A16B298D-5581-654F-957D-CCB5C7FE535A}"/>
+              </a:ext>
+            </a:extLst>
+          </p:cNvPr>
+          <p:cNvPicPr>
+            <a:picLocks noChangeAspect="1" noChangeArrowheads="1"/>
+          </p:cNvPicPr>
+          <p:nvPr/>
+        </p:nvPicPr>
+        <p:blipFill>
+          <a:blip r:embed="rId6">
+            <a:extLst>
+              <a:ext uri="{28A0092B-C50C-407E-A947-70E740481C1C}">
+                <a14:useLocalDpi xmlns:a14="http://schemas.microsoft.com/office/drawing/2010/main" val="0"/>
+              </a:ext>
+            </a:extLst>
+          </a:blip>
+          <a:srcRect/>
+          <a:stretch>
+            <a:fillRect/>
+          </a:stretch>
+        </p:blipFill>
+        <p:spPr bwMode="auto">
+          <a:xfrm>
+            <a:off x="11223594" y="1934721"/>
+            <a:ext cx="461800" cy="454167"/>
+          </a:xfrm>
+          <a:prstGeom prst="rect">
+            <a:avLst/>
+          </a:prstGeom>
+          <a:noFill/>
+          <a:extLst>
+            <a:ext uri="{909E8E84-426E-40DD-AFC4-6F175D3DCCD1}">
+              <a14:hiddenFill xmlns:a14="http://schemas.microsoft.com/office/drawing/2010/main">
+                <a:solidFill>
+                  <a:srgbClr val="FFFFFF"/>
+                </a:solidFill>
+              </a14:hiddenFill>
+            </a:ext>
+          </a:extLst>
+        </p:spPr>
+      </p:pic>
+      <p:pic>
+        <p:nvPicPr>
+          <p:cNvPr id="24" name="Picture 8" descr="Pacman Ghost Transparent Background Free Images Png - Pacman Ghost  Transparent Background, Png Download , Transparent Png Image - PNGitem">
+            <a:extLst>
+              <a:ext uri="{FF2B5EF4-FFF2-40B4-BE49-F238E27FC236}">
+                <a16:creationId xmlns:a16="http://schemas.microsoft.com/office/drawing/2014/main" id="{88AFC45D-BAB6-7B47-8C14-0D3B2F763F3B}"/>
+              </a:ext>
+            </a:extLst>
+          </p:cNvPr>
+          <p:cNvPicPr>
+            <a:picLocks noChangeAspect="1" noChangeArrowheads="1"/>
+          </p:cNvPicPr>
+          <p:nvPr/>
+        </p:nvPicPr>
+        <p:blipFill rotWithShape="1">
+          <a:blip r:embed="rId7">
+            <a:extLst>
+              <a:ext uri="{28A0092B-C50C-407E-A947-70E740481C1C}">
+                <a14:useLocalDpi xmlns:a14="http://schemas.microsoft.com/office/drawing/2010/main" val="0"/>
+              </a:ext>
+            </a:extLst>
+          </a:blip>
+          <a:srcRect l="10886" t="5326" r="10886" b="3247"/>
+          <a:stretch/>
+        </p:blipFill>
+        <p:spPr bwMode="auto">
+          <a:xfrm>
+            <a:off x="9250422" y="2575069"/>
+            <a:ext cx="492914" cy="454168"/>
+          </a:xfrm>
+          <a:prstGeom prst="rect">
+            <a:avLst/>
+          </a:prstGeom>
+          <a:noFill/>
+          <a:extLst>
+            <a:ext uri="{909E8E84-426E-40DD-AFC4-6F175D3DCCD1}">
+              <a14:hiddenFill xmlns:a14="http://schemas.microsoft.com/office/drawing/2010/main">
+                <a:solidFill>
+                  <a:srgbClr val="FFFFFF"/>
+                </a:solidFill>
+              </a14:hiddenFill>
+            </a:ext>
+          </a:extLst>
+        </p:spPr>
+      </p:pic>
+      <p:sp>
+        <p:nvSpPr>
+          <p:cNvPr id="26" name="직사각형 25">
+            <a:extLst>
+              <a:ext uri="{FF2B5EF4-FFF2-40B4-BE49-F238E27FC236}">
+                <a16:creationId xmlns:a16="http://schemas.microsoft.com/office/drawing/2014/main" id="{ADBE5937-374A-524A-BA76-34638111044B}"/>
+              </a:ext>
+            </a:extLst>
+          </p:cNvPr>
+          <p:cNvSpPr/>
+          <p:nvPr/>
+        </p:nvSpPr>
+        <p:spPr>
+          <a:xfrm>
+            <a:off x="1832843" y="1841326"/>
+            <a:ext cx="638826" cy="634921"/>
+          </a:xfrm>
+          <a:prstGeom prst="rect">
+            <a:avLst/>
+          </a:prstGeom>
+          <a:solidFill>
+            <a:schemeClr val="bg1"/>
+          </a:solidFill>
+          <a:ln w="3175">
+            <a:solidFill>
+              <a:schemeClr val="tx1"/>
+            </a:solidFill>
+          </a:ln>
+        </p:spPr>
+        <p:style>
+          <a:lnRef idx="2">
+            <a:schemeClr val="accent1">
+              <a:shade val="50000"/>
+            </a:schemeClr>
+          </a:lnRef>
+          <a:fillRef idx="1">
+            <a:schemeClr val="accent1"/>
+          </a:fillRef>
+          <a:effectRef idx="0">
+            <a:schemeClr val="accent1"/>
+          </a:effectRef>
+          <a:fontRef idx="minor">
+            <a:schemeClr val="lt1"/>
+          </a:fontRef>
+        </p:style>
+        <p:txBody>
+          <a:bodyPr rtlCol="0" anchor="ctr"/>
+          <a:lstStyle/>
+          <a:p>
+            <a:pPr algn="ctr"/>
+            <a:endParaRPr kumimoji="1" lang="ko-Kore-KR" altLang="en-US"/>
+          </a:p>
+        </p:txBody>
+      </p:sp>
+      <p:sp>
+        <p:nvSpPr>
+          <p:cNvPr id="27" name="직사각형 26">
+            <a:extLst>
+              <a:ext uri="{FF2B5EF4-FFF2-40B4-BE49-F238E27FC236}">
+                <a16:creationId xmlns:a16="http://schemas.microsoft.com/office/drawing/2014/main" id="{F73D2F91-79D4-9D45-9852-EE4BF1111D1E}"/>
+              </a:ext>
+            </a:extLst>
+          </p:cNvPr>
+          <p:cNvSpPr/>
+          <p:nvPr/>
+        </p:nvSpPr>
+        <p:spPr>
+          <a:xfrm>
+            <a:off x="1180711" y="2486152"/>
+            <a:ext cx="638826" cy="632002"/>
+          </a:xfrm>
+          <a:prstGeom prst="rect">
+            <a:avLst/>
+          </a:prstGeom>
+          <a:solidFill>
+            <a:schemeClr val="bg1"/>
+          </a:solidFill>
+          <a:ln w="3175">
+            <a:solidFill>
+              <a:schemeClr val="tx1"/>
+            </a:solidFill>
+          </a:ln>
+        </p:spPr>
+        <p:style>
+          <a:lnRef idx="2">
+            <a:schemeClr val="accent1">
+              <a:shade val="50000"/>
+            </a:schemeClr>
+          </a:lnRef>
+          <a:fillRef idx="1">
+            <a:schemeClr val="accent1"/>
+          </a:fillRef>
+          <a:effectRef idx="0">
+            <a:schemeClr val="accent1"/>
+          </a:effectRef>
+          <a:fontRef idx="minor">
+            <a:schemeClr val="lt1"/>
+          </a:fontRef>
+        </p:style>
+        <p:txBody>
+          <a:bodyPr rtlCol="0" anchor="ctr"/>
+          <a:lstStyle/>
+          <a:p>
+            <a:pPr algn="ctr"/>
+            <a:endParaRPr kumimoji="1" lang="ko-Kore-KR" altLang="en-US"/>
+          </a:p>
+        </p:txBody>
+      </p:sp>
+      <p:sp>
+        <p:nvSpPr>
+          <p:cNvPr id="28" name="직사각형 27">
+            <a:extLst>
+              <a:ext uri="{FF2B5EF4-FFF2-40B4-BE49-F238E27FC236}">
+                <a16:creationId xmlns:a16="http://schemas.microsoft.com/office/drawing/2014/main" id="{BE031DD8-7635-AE4C-B94B-1E06A271F990}"/>
+              </a:ext>
+            </a:extLst>
+          </p:cNvPr>
+          <p:cNvSpPr/>
+          <p:nvPr/>
+        </p:nvSpPr>
+        <p:spPr>
+          <a:xfrm>
+            <a:off x="3130234" y="1841326"/>
+            <a:ext cx="638826" cy="634921"/>
+          </a:xfrm>
+          <a:prstGeom prst="rect">
+            <a:avLst/>
+          </a:prstGeom>
+          <a:solidFill>
+            <a:schemeClr val="bg1"/>
+          </a:solidFill>
+          <a:ln w="3175">
+            <a:solidFill>
+              <a:schemeClr val="tx1"/>
+            </a:solidFill>
+          </a:ln>
+        </p:spPr>
+        <p:style>
+          <a:lnRef idx="2">
+            <a:schemeClr val="accent1">
+              <a:shade val="50000"/>
+            </a:schemeClr>
+          </a:lnRef>
+          <a:fillRef idx="1">
+            <a:schemeClr val="accent1"/>
+          </a:fillRef>
+          <a:effectRef idx="0">
+            <a:schemeClr val="accent1"/>
+          </a:effectRef>
+          <a:fontRef idx="minor">
+            <a:schemeClr val="lt1"/>
+          </a:fontRef>
+        </p:style>
+        <p:txBody>
+          <a:bodyPr rtlCol="0" anchor="ctr"/>
+          <a:lstStyle/>
+          <a:p>
+            <a:pPr algn="ctr"/>
+            <a:endParaRPr kumimoji="1" lang="ko-Kore-KR" altLang="en-US"/>
+          </a:p>
+        </p:txBody>
+      </p:sp>
+      <p:pic>
+        <p:nvPicPr>
+          <p:cNvPr id="29" name="Picture 12" descr="Golden Star PNG Image File | PNG All">
+            <a:extLst>
+              <a:ext uri="{FF2B5EF4-FFF2-40B4-BE49-F238E27FC236}">
+                <a16:creationId xmlns:a16="http://schemas.microsoft.com/office/drawing/2014/main" id="{3D731144-74CF-0743-9CEF-98813B86BC81}"/>
+              </a:ext>
+            </a:extLst>
+          </p:cNvPr>
+          <p:cNvPicPr>
+            <a:picLocks noChangeAspect="1" noChangeArrowheads="1"/>
+          </p:cNvPicPr>
+          <p:nvPr/>
+        </p:nvPicPr>
+        <p:blipFill>
+          <a:blip r:embed="rId5">
+            <a:extLst>
+              <a:ext uri="{28A0092B-C50C-407E-A947-70E740481C1C}">
+                <a14:useLocalDpi xmlns:a14="http://schemas.microsoft.com/office/drawing/2010/main" val="0"/>
+              </a:ext>
+            </a:extLst>
+          </a:blip>
+          <a:srcRect/>
+          <a:stretch>
+            <a:fillRect/>
+          </a:stretch>
+        </p:blipFill>
+        <p:spPr bwMode="auto">
+          <a:xfrm>
+            <a:off x="1921611" y="1936774"/>
+            <a:ext cx="461289" cy="444022"/>
+          </a:xfrm>
+          <a:prstGeom prst="rect">
+            <a:avLst/>
+          </a:prstGeom>
+          <a:noFill/>
+          <a:extLst>
+            <a:ext uri="{909E8E84-426E-40DD-AFC4-6F175D3DCCD1}">
+              <a14:hiddenFill xmlns:a14="http://schemas.microsoft.com/office/drawing/2010/main">
+                <a:solidFill>
+                  <a:srgbClr val="FFFFFF"/>
+                </a:solidFill>
+              </a14:hiddenFill>
+            </a:ext>
+          </a:extLst>
+        </p:spPr>
+      </p:pic>
+      <p:pic>
+        <p:nvPicPr>
+          <p:cNvPr id="30" name="Picture 6" descr="Learning From Clyde, The Sensitive Pac-Man Ghost – Ryan Harvey">
+            <a:extLst>
+              <a:ext uri="{FF2B5EF4-FFF2-40B4-BE49-F238E27FC236}">
+                <a16:creationId xmlns:a16="http://schemas.microsoft.com/office/drawing/2014/main" id="{5FFC0B55-6409-BE41-880A-73A39DF7D644}"/>
+              </a:ext>
+            </a:extLst>
+          </p:cNvPr>
+          <p:cNvPicPr>
+            <a:picLocks noChangeAspect="1" noChangeArrowheads="1"/>
+          </p:cNvPicPr>
+          <p:nvPr/>
+        </p:nvPicPr>
+        <p:blipFill>
+          <a:blip r:embed="rId6">
+            <a:extLst>
+              <a:ext uri="{28A0092B-C50C-407E-A947-70E740481C1C}">
+                <a14:useLocalDpi xmlns:a14="http://schemas.microsoft.com/office/drawing/2010/main" val="0"/>
+              </a:ext>
+            </a:extLst>
+          </a:blip>
+          <a:srcRect/>
+          <a:stretch>
+            <a:fillRect/>
+          </a:stretch>
+        </p:blipFill>
+        <p:spPr bwMode="auto">
+          <a:xfrm>
+            <a:off x="3226839" y="1934721"/>
+            <a:ext cx="461800" cy="454167"/>
+          </a:xfrm>
+          <a:prstGeom prst="rect">
+            <a:avLst/>
+          </a:prstGeom>
+          <a:noFill/>
+          <a:extLst>
+            <a:ext uri="{909E8E84-426E-40DD-AFC4-6F175D3DCCD1}">
+              <a14:hiddenFill xmlns:a14="http://schemas.microsoft.com/office/drawing/2010/main">
+                <a:solidFill>
+                  <a:srgbClr val="FFFFFF"/>
+                </a:solidFill>
+              </a14:hiddenFill>
+            </a:ext>
+          </a:extLst>
+        </p:spPr>
+      </p:pic>
+      <p:pic>
+        <p:nvPicPr>
+          <p:cNvPr id="31" name="Picture 8" descr="Pacman Ghost Transparent Background Free Images Png - Pacman Ghost  Transparent Background, Png Download , Transparent Png Image - PNGitem">
+            <a:extLst>
+              <a:ext uri="{FF2B5EF4-FFF2-40B4-BE49-F238E27FC236}">
+                <a16:creationId xmlns:a16="http://schemas.microsoft.com/office/drawing/2014/main" id="{0E272F05-1DDA-F740-A0ED-609D2E74EDAC}"/>
+              </a:ext>
+            </a:extLst>
+          </p:cNvPr>
+          <p:cNvPicPr>
+            <a:picLocks noChangeAspect="1" noChangeArrowheads="1"/>
+          </p:cNvPicPr>
+          <p:nvPr/>
+        </p:nvPicPr>
+        <p:blipFill rotWithShape="1">
+          <a:blip r:embed="rId7">
+            <a:extLst>
+              <a:ext uri="{28A0092B-C50C-407E-A947-70E740481C1C}">
+                <a14:useLocalDpi xmlns:a14="http://schemas.microsoft.com/office/drawing/2010/main" val="0"/>
+              </a:ext>
+            </a:extLst>
+          </a:blip>
+          <a:srcRect l="10886" t="5326" r="10886" b="3247"/>
+          <a:stretch/>
+        </p:blipFill>
+        <p:spPr bwMode="auto">
+          <a:xfrm>
+            <a:off x="1253667" y="2575069"/>
+            <a:ext cx="492914" cy="454168"/>
+          </a:xfrm>
+          <a:prstGeom prst="rect">
+            <a:avLst/>
+          </a:prstGeom>
+          <a:noFill/>
+          <a:extLst>
+            <a:ext uri="{909E8E84-426E-40DD-AFC4-6F175D3DCCD1}">
+              <a14:hiddenFill xmlns:a14="http://schemas.microsoft.com/office/drawing/2010/main">
+                <a:solidFill>
+                  <a:srgbClr val="FFFFFF"/>
+                </a:solidFill>
+              </a14:hiddenFill>
+            </a:ext>
+          </a:extLst>
+        </p:spPr>
+      </p:pic>
+    </p:spTree>
+    <p:extLst>
+      <p:ext uri="{BB962C8B-B14F-4D97-AF65-F5344CB8AC3E}">
+        <p14:creationId xmlns:p14="http://schemas.microsoft.com/office/powerpoint/2010/main" val="1351526880"/>
+      </p:ext>
+    </p:extLst>
+  </p:cSld>
+  <p:clrMapOvr>
+    <a:masterClrMapping/>
+  </p:clrMapOvr>
+</p:sld>
+</file>
+
 <file path=ppt/theme/theme1.xml><?xml version="1.0" encoding="utf-8"?>
 <a:theme xmlns:a="http://schemas.openxmlformats.org/drawingml/2006/main" name="Office 테마">
   <a:themeElements>
